--- a/aws-s3/aws-s3.pptx
+++ b/aws-s3/aws-s3.pptx
@@ -5,7 +5,7 @@
     <p:sldMasterId id="2147483677" r:id="rId1"/>
   </p:sldMasterIdLst>
   <p:notesMasterIdLst>
-    <p:notesMasterId r:id="rId21"/>
+    <p:notesMasterId r:id="rId25"/>
   </p:notesMasterIdLst>
   <p:sldIdLst>
     <p:sldId id="302" r:id="rId2"/>
@@ -25,8 +25,12 @@
     <p:sldId id="296" r:id="rId16"/>
     <p:sldId id="298" r:id="rId17"/>
     <p:sldId id="278" r:id="rId18"/>
-    <p:sldId id="300" r:id="rId19"/>
-    <p:sldId id="283" r:id="rId20"/>
+    <p:sldId id="303" r:id="rId19"/>
+    <p:sldId id="305" r:id="rId20"/>
+    <p:sldId id="306" r:id="rId21"/>
+    <p:sldId id="300" r:id="rId22"/>
+    <p:sldId id="304" r:id="rId23"/>
+    <p:sldId id="283" r:id="rId24"/>
   </p:sldIdLst>
   <p:sldSz cx="9144000" cy="6858000" type="screen4x3"/>
   <p:notesSz cx="6858000" cy="9144000"/>
@@ -210,7 +214,7 @@
           <a:p>
             <a:fld id="{1B6676A5-1300-B945-98B1-DD92DDC3A3CB}" type="datetimeFigureOut">
               <a:rPr lang="en-US" smtClean="0"/>
-              <a:t>4/20/15</a:t>
+              <a:t>4/22/15</a:t>
             </a:fld>
             <a:endParaRPr lang="en-US"/>
           </a:p>
@@ -1385,6 +1389,10 @@
           <a:bodyPr/>
           <a:lstStyle/>
           <a:p>
+            <a:pPr marL="0" indent="0">
+              <a:buFont typeface="Arial"/>
+              <a:buNone/>
+            </a:pPr>
             <a:r>
               <a:rPr lang="en-US" dirty="0" smtClean="0"/>
               <a:t>References:</a:t>
@@ -1397,24 +1405,37 @@
             </a:pPr>
             <a:r>
               <a:rPr lang="en-US" dirty="0" smtClean="0"/>
-              <a:t>https://</a:t>
+              <a:t>http://</a:t>
             </a:r>
             <a:r>
               <a:rPr lang="en-US" dirty="0" err="1" smtClean="0"/>
-              <a:t>aws.amazon.com</a:t>
+              <a:t>docs.aws.amazon.com</a:t>
             </a:r>
             <a:r>
               <a:rPr lang="en-US" dirty="0" smtClean="0"/>
-              <a:t>/blogs/</a:t>
+              <a:t>/AmazonS3/latest/</a:t>
             </a:r>
             <a:r>
               <a:rPr lang="en-US" dirty="0" err="1" smtClean="0"/>
-              <a:t>aws</a:t>
+              <a:t>dev</a:t>
             </a:r>
             <a:r>
               <a:rPr lang="en-US" dirty="0" smtClean="0"/>
-              <a:t>/new-cross-region-replication-for-amazon-s3/</a:t>
-            </a:r>
+              <a:t>/request-rate-</a:t>
+            </a:r>
+            <a:r>
+              <a:rPr lang="en-US" dirty="0" err="1" smtClean="0"/>
+              <a:t>perf</a:t>
+            </a:r>
+            <a:r>
+              <a:rPr lang="en-US" dirty="0" smtClean="0"/>
+              <a:t>-</a:t>
+            </a:r>
+            <a:r>
+              <a:rPr lang="en-US" dirty="0" err="1" smtClean="0"/>
+              <a:t>considerations.html</a:t>
+            </a:r>
+            <a:endParaRPr lang="en-US" dirty="0" smtClean="0"/>
           </a:p>
         </p:txBody>
       </p:sp>
@@ -1498,13 +1519,13 @@
           <a:bodyPr/>
           <a:lstStyle/>
           <a:p>
+            <a:pPr marL="0" indent="0">
+              <a:buFont typeface="Arial"/>
+              <a:buNone/>
+            </a:pPr>
             <a:r>
               <a:rPr lang="en-US" dirty="0" smtClean="0"/>
-              <a:t>Cost of</a:t>
-            </a:r>
-            <a:r>
-              <a:rPr lang="en-US" baseline="0" dirty="0" smtClean="0"/>
-              <a:t> PUTS on AWS higher than Azure:</a:t>
+              <a:t>References:</a:t>
             </a:r>
           </a:p>
           <a:p>
@@ -1514,38 +1535,44 @@
             </a:pPr>
             <a:r>
               <a:rPr lang="en-US" dirty="0" smtClean="0"/>
-              <a:t>PUT</a:t>
-            </a:r>
-            <a:r>
-              <a:rPr lang="en-US" baseline="0" dirty="0" smtClean="0"/>
-              <a:t> is $0.005 on AWS: http://</a:t>
-            </a:r>
-            <a:r>
-              <a:rPr lang="en-US" baseline="0" dirty="0" err="1" smtClean="0"/>
-              <a:t>aws.amazon.com</a:t>
-            </a:r>
-            <a:r>
-              <a:rPr lang="en-US" baseline="0" dirty="0" smtClean="0"/>
-              <a:t>/s3/pricing/</a:t>
-            </a:r>
+              <a:t>http://</a:t>
+            </a:r>
+            <a:r>
+              <a:rPr lang="en-US" dirty="0" err="1" smtClean="0"/>
+              <a:t>docs.aws.amazon.com</a:t>
+            </a:r>
+            <a:r>
+              <a:rPr lang="en-US" dirty="0" smtClean="0"/>
+              <a:t>/AmazonS3/latest/</a:t>
+            </a:r>
+            <a:r>
+              <a:rPr lang="en-US" dirty="0" err="1" smtClean="0"/>
+              <a:t>dev</a:t>
+            </a:r>
+            <a:r>
+              <a:rPr lang="en-US" dirty="0" smtClean="0"/>
+              <a:t>/request-rate-</a:t>
+            </a:r>
+            <a:r>
+              <a:rPr lang="en-US" dirty="0" err="1" smtClean="0"/>
+              <a:t>perf</a:t>
+            </a:r>
+            <a:r>
+              <a:rPr lang="en-US" dirty="0" smtClean="0"/>
+              <a:t>-</a:t>
+            </a:r>
+            <a:r>
+              <a:rPr lang="en-US" dirty="0" err="1" smtClean="0"/>
+              <a:t>considerations.html</a:t>
+            </a:r>
+            <a:endParaRPr lang="en-US" dirty="0" smtClean="0"/>
           </a:p>
           <a:p>
             <a:pPr marL="171450" indent="-171450">
               <a:buFont typeface="Arial"/>
               <a:buChar char="•"/>
             </a:pPr>
-            <a:r>
-              <a:rPr lang="en-US" dirty="0" smtClean="0"/>
-              <a:t>All Transactions are $0.0036 on Azure: http://</a:t>
-            </a:r>
-            <a:r>
-              <a:rPr lang="en-US" dirty="0" err="1" smtClean="0"/>
-              <a:t>azure.microsoft.com</a:t>
-            </a:r>
-            <a:r>
-              <a:rPr lang="en-US" dirty="0" smtClean="0"/>
-              <a:t>/en-us/pricing/details/storage/</a:t>
-            </a:r>
+            <a:endParaRPr lang="en-US" dirty="0" smtClean="0"/>
           </a:p>
         </p:txBody>
       </p:sp>
@@ -1567,6 +1594,143 @@
             <a:fld id="{BFB43062-714D-1146-A97F-0D45BD9E7BF0}" type="slidenum">
               <a:rPr lang="en-US" smtClean="0"/>
               <a:t>19</a:t>
+            </a:fld>
+            <a:endParaRPr lang="en-US"/>
+          </a:p>
+        </p:txBody>
+      </p:sp>
+    </p:spTree>
+    <p:extLst>
+      <p:ext uri="{BB962C8B-B14F-4D97-AF65-F5344CB8AC3E}">
+        <p14:creationId xmlns:p14="http://schemas.microsoft.com/office/powerpoint/2010/main" val="494559740"/>
+      </p:ext>
+    </p:extLst>
+  </p:cSld>
+  <p:clrMapOvr>
+    <a:masterClrMapping/>
+  </p:clrMapOvr>
+</p:notes>
+</file>
+
+<file path=ppt/notesSlides/notesSlide19.xml><?xml version="1.0" encoding="utf-8"?>
+<p:notes xmlns:a="http://schemas.openxmlformats.org/drawingml/2006/main" xmlns:r="http://schemas.openxmlformats.org/officeDocument/2006/relationships" xmlns:p="http://schemas.openxmlformats.org/presentationml/2006/main">
+  <p:cSld>
+    <p:spTree>
+      <p:nvGrpSpPr>
+        <p:cNvPr id="1" name=""/>
+        <p:cNvGrpSpPr/>
+        <p:nvPr/>
+      </p:nvGrpSpPr>
+      <p:grpSpPr>
+        <a:xfrm>
+          <a:off x="0" y="0"/>
+          <a:ext cx="0" cy="0"/>
+          <a:chOff x="0" y="0"/>
+          <a:chExt cx="0" cy="0"/>
+        </a:xfrm>
+      </p:grpSpPr>
+      <p:sp>
+        <p:nvSpPr>
+          <p:cNvPr id="2" name="Slide Image Placeholder 1"/>
+          <p:cNvSpPr>
+            <a:spLocks noGrp="1" noRot="1" noChangeAspect="1"/>
+          </p:cNvSpPr>
+          <p:nvPr>
+            <p:ph type="sldImg"/>
+          </p:nvPr>
+        </p:nvSpPr>
+        <p:spPr/>
+      </p:sp>
+      <p:sp>
+        <p:nvSpPr>
+          <p:cNvPr id="3" name="Notes Placeholder 2"/>
+          <p:cNvSpPr>
+            <a:spLocks noGrp="1"/>
+          </p:cNvSpPr>
+          <p:nvPr>
+            <p:ph type="body" idx="1"/>
+          </p:nvPr>
+        </p:nvSpPr>
+        <p:spPr/>
+        <p:txBody>
+          <a:bodyPr/>
+          <a:lstStyle/>
+          <a:p>
+            <a:pPr marL="0" indent="0">
+              <a:buFont typeface="Arial"/>
+              <a:buNone/>
+            </a:pPr>
+            <a:r>
+              <a:rPr lang="en-US" dirty="0" smtClean="0"/>
+              <a:t>References:</a:t>
+            </a:r>
+          </a:p>
+          <a:p>
+            <a:pPr marL="171450" indent="-171450">
+              <a:buFont typeface="Arial"/>
+              <a:buChar char="•"/>
+            </a:pPr>
+            <a:r>
+              <a:rPr lang="en-US" dirty="0" smtClean="0"/>
+              <a:t>http://</a:t>
+            </a:r>
+            <a:r>
+              <a:rPr lang="en-US" dirty="0" err="1" smtClean="0"/>
+              <a:t>docs.aws.amazon.com</a:t>
+            </a:r>
+            <a:r>
+              <a:rPr lang="en-US" dirty="0" smtClean="0"/>
+              <a:t>/AmazonS3/latest/</a:t>
+            </a:r>
+            <a:r>
+              <a:rPr lang="en-US" dirty="0" err="1" smtClean="0"/>
+              <a:t>dev</a:t>
+            </a:r>
+            <a:r>
+              <a:rPr lang="en-US" dirty="0" smtClean="0"/>
+              <a:t>/request-rate-</a:t>
+            </a:r>
+            <a:r>
+              <a:rPr lang="en-US" dirty="0" err="1" smtClean="0"/>
+              <a:t>perf</a:t>
+            </a:r>
+            <a:r>
+              <a:rPr lang="en-US" dirty="0" smtClean="0"/>
+              <a:t>-</a:t>
+            </a:r>
+            <a:r>
+              <a:rPr lang="en-US" dirty="0" err="1" smtClean="0"/>
+              <a:t>considerations.html</a:t>
+            </a:r>
+            <a:endParaRPr lang="en-US" dirty="0" smtClean="0"/>
+          </a:p>
+          <a:p>
+            <a:pPr marL="171450" indent="-171450">
+              <a:buFont typeface="Arial"/>
+              <a:buChar char="•"/>
+            </a:pPr>
+            <a:endParaRPr lang="en-US" dirty="0" smtClean="0"/>
+          </a:p>
+        </p:txBody>
+      </p:sp>
+      <p:sp>
+        <p:nvSpPr>
+          <p:cNvPr id="4" name="Slide Number Placeholder 3"/>
+          <p:cNvSpPr>
+            <a:spLocks noGrp="1"/>
+          </p:cNvSpPr>
+          <p:nvPr>
+            <p:ph type="sldNum" sz="quarter" idx="10"/>
+          </p:nvPr>
+        </p:nvSpPr>
+        <p:spPr/>
+        <p:txBody>
+          <a:bodyPr/>
+          <a:lstStyle/>
+          <a:p>
+            <a:fld id="{BFB43062-714D-1146-A97F-0D45BD9E7BF0}" type="slidenum">
+              <a:rPr lang="en-US" smtClean="0"/>
+              <a:t>20</a:t>
             </a:fld>
             <a:endParaRPr lang="en-US"/>
           </a:p>
@@ -1706,6 +1870,363 @@
             <a:fld id="{BFB43062-714D-1146-A97F-0D45BD9E7BF0}" type="slidenum">
               <a:rPr lang="en-US" smtClean="0"/>
               <a:t>3</a:t>
+            </a:fld>
+            <a:endParaRPr lang="en-US"/>
+          </a:p>
+        </p:txBody>
+      </p:sp>
+    </p:spTree>
+    <p:extLst>
+      <p:ext uri="{BB962C8B-B14F-4D97-AF65-F5344CB8AC3E}">
+        <p14:creationId xmlns:p14="http://schemas.microsoft.com/office/powerpoint/2010/main" val="494559740"/>
+      </p:ext>
+    </p:extLst>
+  </p:cSld>
+  <p:clrMapOvr>
+    <a:masterClrMapping/>
+  </p:clrMapOvr>
+</p:notes>
+</file>
+
+<file path=ppt/notesSlides/notesSlide20.xml><?xml version="1.0" encoding="utf-8"?>
+<p:notes xmlns:a="http://schemas.openxmlformats.org/drawingml/2006/main" xmlns:r="http://schemas.openxmlformats.org/officeDocument/2006/relationships" xmlns:p="http://schemas.openxmlformats.org/presentationml/2006/main">
+  <p:cSld>
+    <p:spTree>
+      <p:nvGrpSpPr>
+        <p:cNvPr id="1" name=""/>
+        <p:cNvGrpSpPr/>
+        <p:nvPr/>
+      </p:nvGrpSpPr>
+      <p:grpSpPr>
+        <a:xfrm>
+          <a:off x="0" y="0"/>
+          <a:ext cx="0" cy="0"/>
+          <a:chOff x="0" y="0"/>
+          <a:chExt cx="0" cy="0"/>
+        </a:xfrm>
+      </p:grpSpPr>
+      <p:sp>
+        <p:nvSpPr>
+          <p:cNvPr id="2" name="Slide Image Placeholder 1"/>
+          <p:cNvSpPr>
+            <a:spLocks noGrp="1" noRot="1" noChangeAspect="1"/>
+          </p:cNvSpPr>
+          <p:nvPr>
+            <p:ph type="sldImg"/>
+          </p:nvPr>
+        </p:nvSpPr>
+        <p:spPr/>
+      </p:sp>
+      <p:sp>
+        <p:nvSpPr>
+          <p:cNvPr id="3" name="Notes Placeholder 2"/>
+          <p:cNvSpPr>
+            <a:spLocks noGrp="1"/>
+          </p:cNvSpPr>
+          <p:nvPr>
+            <p:ph type="body" idx="1"/>
+          </p:nvPr>
+        </p:nvSpPr>
+        <p:spPr/>
+        <p:txBody>
+          <a:bodyPr/>
+          <a:lstStyle/>
+          <a:p>
+            <a:r>
+              <a:rPr lang="en-US" dirty="0" smtClean="0"/>
+              <a:t>References:</a:t>
+            </a:r>
+          </a:p>
+          <a:p>
+            <a:pPr marL="171450" indent="-171450">
+              <a:buFont typeface="Arial"/>
+              <a:buChar char="•"/>
+            </a:pPr>
+            <a:r>
+              <a:rPr lang="en-US" dirty="0" smtClean="0"/>
+              <a:t>https://</a:t>
+            </a:r>
+            <a:r>
+              <a:rPr lang="en-US" dirty="0" err="1" smtClean="0"/>
+              <a:t>aws.amazon.com</a:t>
+            </a:r>
+            <a:r>
+              <a:rPr lang="en-US" dirty="0" smtClean="0"/>
+              <a:t>/blogs/</a:t>
+            </a:r>
+            <a:r>
+              <a:rPr lang="en-US" dirty="0" err="1" smtClean="0"/>
+              <a:t>aws</a:t>
+            </a:r>
+            <a:r>
+              <a:rPr lang="en-US" dirty="0" smtClean="0"/>
+              <a:t>/new-cross-region-replication-for-amazon-s3/</a:t>
+            </a:r>
+          </a:p>
+        </p:txBody>
+      </p:sp>
+      <p:sp>
+        <p:nvSpPr>
+          <p:cNvPr id="4" name="Slide Number Placeholder 3"/>
+          <p:cNvSpPr>
+            <a:spLocks noGrp="1"/>
+          </p:cNvSpPr>
+          <p:nvPr>
+            <p:ph type="sldNum" sz="quarter" idx="10"/>
+          </p:nvPr>
+        </p:nvSpPr>
+        <p:spPr/>
+        <p:txBody>
+          <a:bodyPr/>
+          <a:lstStyle/>
+          <a:p>
+            <a:fld id="{BFB43062-714D-1146-A97F-0D45BD9E7BF0}" type="slidenum">
+              <a:rPr lang="en-US" smtClean="0"/>
+              <a:t>21</a:t>
+            </a:fld>
+            <a:endParaRPr lang="en-US"/>
+          </a:p>
+        </p:txBody>
+      </p:sp>
+    </p:spTree>
+    <p:extLst>
+      <p:ext uri="{BB962C8B-B14F-4D97-AF65-F5344CB8AC3E}">
+        <p14:creationId xmlns:p14="http://schemas.microsoft.com/office/powerpoint/2010/main" val="494559740"/>
+      </p:ext>
+    </p:extLst>
+  </p:cSld>
+  <p:clrMapOvr>
+    <a:masterClrMapping/>
+  </p:clrMapOvr>
+</p:notes>
+</file>
+
+<file path=ppt/notesSlides/notesSlide21.xml><?xml version="1.0" encoding="utf-8"?>
+<p:notes xmlns:a="http://schemas.openxmlformats.org/drawingml/2006/main" xmlns:r="http://schemas.openxmlformats.org/officeDocument/2006/relationships" xmlns:p="http://schemas.openxmlformats.org/presentationml/2006/main">
+  <p:cSld>
+    <p:spTree>
+      <p:nvGrpSpPr>
+        <p:cNvPr id="1" name=""/>
+        <p:cNvGrpSpPr/>
+        <p:nvPr/>
+      </p:nvGrpSpPr>
+      <p:grpSpPr>
+        <a:xfrm>
+          <a:off x="0" y="0"/>
+          <a:ext cx="0" cy="0"/>
+          <a:chOff x="0" y="0"/>
+          <a:chExt cx="0" cy="0"/>
+        </a:xfrm>
+      </p:grpSpPr>
+      <p:sp>
+        <p:nvSpPr>
+          <p:cNvPr id="2" name="Slide Image Placeholder 1"/>
+          <p:cNvSpPr>
+            <a:spLocks noGrp="1" noRot="1" noChangeAspect="1"/>
+          </p:cNvSpPr>
+          <p:nvPr>
+            <p:ph type="sldImg"/>
+          </p:nvPr>
+        </p:nvSpPr>
+        <p:spPr/>
+      </p:sp>
+      <p:sp>
+        <p:nvSpPr>
+          <p:cNvPr id="3" name="Notes Placeholder 2"/>
+          <p:cNvSpPr>
+            <a:spLocks noGrp="1"/>
+          </p:cNvSpPr>
+          <p:nvPr>
+            <p:ph type="body" idx="1"/>
+          </p:nvPr>
+        </p:nvSpPr>
+        <p:spPr/>
+        <p:txBody>
+          <a:bodyPr/>
+          <a:lstStyle/>
+          <a:p>
+            <a:r>
+              <a:rPr lang="en-US" dirty="0" smtClean="0"/>
+              <a:t>References:</a:t>
+            </a:r>
+          </a:p>
+          <a:p>
+            <a:pPr marL="171450" indent="-171450">
+              <a:buFont typeface="Arial"/>
+              <a:buChar char="•"/>
+            </a:pPr>
+            <a:r>
+              <a:rPr lang="en-US" dirty="0" smtClean="0"/>
+              <a:t>https://</a:t>
+            </a:r>
+            <a:r>
+              <a:rPr lang="en-US" dirty="0" err="1" smtClean="0"/>
+              <a:t>aws.amazon.com</a:t>
+            </a:r>
+            <a:r>
+              <a:rPr lang="en-US" dirty="0" smtClean="0"/>
+              <a:t>/blogs/</a:t>
+            </a:r>
+            <a:r>
+              <a:rPr lang="en-US" dirty="0" err="1" smtClean="0"/>
+              <a:t>aws</a:t>
+            </a:r>
+            <a:r>
+              <a:rPr lang="en-US" dirty="0" smtClean="0"/>
+              <a:t>/new-cross-region-replication-for-amazon-s3/</a:t>
+            </a:r>
+          </a:p>
+        </p:txBody>
+      </p:sp>
+      <p:sp>
+        <p:nvSpPr>
+          <p:cNvPr id="4" name="Slide Number Placeholder 3"/>
+          <p:cNvSpPr>
+            <a:spLocks noGrp="1"/>
+          </p:cNvSpPr>
+          <p:nvPr>
+            <p:ph type="sldNum" sz="quarter" idx="10"/>
+          </p:nvPr>
+        </p:nvSpPr>
+        <p:spPr/>
+        <p:txBody>
+          <a:bodyPr/>
+          <a:lstStyle/>
+          <a:p>
+            <a:fld id="{BFB43062-714D-1146-A97F-0D45BD9E7BF0}" type="slidenum">
+              <a:rPr lang="en-US" smtClean="0"/>
+              <a:t>22</a:t>
+            </a:fld>
+            <a:endParaRPr lang="en-US"/>
+          </a:p>
+        </p:txBody>
+      </p:sp>
+    </p:spTree>
+    <p:extLst>
+      <p:ext uri="{BB962C8B-B14F-4D97-AF65-F5344CB8AC3E}">
+        <p14:creationId xmlns:p14="http://schemas.microsoft.com/office/powerpoint/2010/main" val="494559740"/>
+      </p:ext>
+    </p:extLst>
+  </p:cSld>
+  <p:clrMapOvr>
+    <a:masterClrMapping/>
+  </p:clrMapOvr>
+</p:notes>
+</file>
+
+<file path=ppt/notesSlides/notesSlide22.xml><?xml version="1.0" encoding="utf-8"?>
+<p:notes xmlns:a="http://schemas.openxmlformats.org/drawingml/2006/main" xmlns:r="http://schemas.openxmlformats.org/officeDocument/2006/relationships" xmlns:p="http://schemas.openxmlformats.org/presentationml/2006/main">
+  <p:cSld>
+    <p:spTree>
+      <p:nvGrpSpPr>
+        <p:cNvPr id="1" name=""/>
+        <p:cNvGrpSpPr/>
+        <p:nvPr/>
+      </p:nvGrpSpPr>
+      <p:grpSpPr>
+        <a:xfrm>
+          <a:off x="0" y="0"/>
+          <a:ext cx="0" cy="0"/>
+          <a:chOff x="0" y="0"/>
+          <a:chExt cx="0" cy="0"/>
+        </a:xfrm>
+      </p:grpSpPr>
+      <p:sp>
+        <p:nvSpPr>
+          <p:cNvPr id="2" name="Slide Image Placeholder 1"/>
+          <p:cNvSpPr>
+            <a:spLocks noGrp="1" noRot="1" noChangeAspect="1"/>
+          </p:cNvSpPr>
+          <p:nvPr>
+            <p:ph type="sldImg"/>
+          </p:nvPr>
+        </p:nvSpPr>
+        <p:spPr/>
+      </p:sp>
+      <p:sp>
+        <p:nvSpPr>
+          <p:cNvPr id="3" name="Notes Placeholder 2"/>
+          <p:cNvSpPr>
+            <a:spLocks noGrp="1"/>
+          </p:cNvSpPr>
+          <p:nvPr>
+            <p:ph type="body" idx="1"/>
+          </p:nvPr>
+        </p:nvSpPr>
+        <p:spPr/>
+        <p:txBody>
+          <a:bodyPr/>
+          <a:lstStyle/>
+          <a:p>
+            <a:r>
+              <a:rPr lang="en-US" dirty="0" smtClean="0"/>
+              <a:t>Cost of</a:t>
+            </a:r>
+            <a:r>
+              <a:rPr lang="en-US" baseline="0" dirty="0" smtClean="0"/>
+              <a:t> PUTS on AWS higher than Azure:</a:t>
+            </a:r>
+          </a:p>
+          <a:p>
+            <a:pPr marL="171450" indent="-171450">
+              <a:buFont typeface="Arial"/>
+              <a:buChar char="•"/>
+            </a:pPr>
+            <a:r>
+              <a:rPr lang="en-US" dirty="0" smtClean="0"/>
+              <a:t>PUT</a:t>
+            </a:r>
+            <a:r>
+              <a:rPr lang="en-US" baseline="0" dirty="0" smtClean="0"/>
+              <a:t> is $0.005 on AWS: http://</a:t>
+            </a:r>
+            <a:r>
+              <a:rPr lang="en-US" baseline="0" dirty="0" err="1" smtClean="0"/>
+              <a:t>aws.amazon.com</a:t>
+            </a:r>
+            <a:r>
+              <a:rPr lang="en-US" baseline="0" dirty="0" smtClean="0"/>
+              <a:t>/s3/pricing/</a:t>
+            </a:r>
+          </a:p>
+          <a:p>
+            <a:pPr marL="171450" indent="-171450">
+              <a:buFont typeface="Arial"/>
+              <a:buChar char="•"/>
+            </a:pPr>
+            <a:r>
+              <a:rPr lang="en-US" dirty="0" smtClean="0"/>
+              <a:t>All Transactions are $0.0036 on Azure: http://</a:t>
+            </a:r>
+            <a:r>
+              <a:rPr lang="en-US" dirty="0" err="1" smtClean="0"/>
+              <a:t>azure.microsoft.com</a:t>
+            </a:r>
+            <a:r>
+              <a:rPr lang="en-US" dirty="0" smtClean="0"/>
+              <a:t>/en-us/pricing/details/storage/</a:t>
+            </a:r>
+          </a:p>
+        </p:txBody>
+      </p:sp>
+      <p:sp>
+        <p:nvSpPr>
+          <p:cNvPr id="4" name="Slide Number Placeholder 3"/>
+          <p:cNvSpPr>
+            <a:spLocks noGrp="1"/>
+          </p:cNvSpPr>
+          <p:nvPr>
+            <p:ph type="sldNum" sz="quarter" idx="10"/>
+          </p:nvPr>
+        </p:nvSpPr>
+        <p:spPr/>
+        <p:txBody>
+          <a:bodyPr/>
+          <a:lstStyle/>
+          <a:p>
+            <a:fld id="{BFB43062-714D-1146-A97F-0D45BD9E7BF0}" type="slidenum">
+              <a:rPr lang="en-US" smtClean="0"/>
+              <a:t>23</a:t>
             </a:fld>
             <a:endParaRPr lang="en-US"/>
           </a:p>
@@ -4366,7 +4887,7 @@
           <a:p>
             <a:fld id="{7CE38E4D-051A-41E1-86A4-E56916468FD0}" type="datetimeFigureOut">
               <a:rPr lang="en-US" smtClean="0"/>
-              <a:t>4/20/15</a:t>
+              <a:t>4/22/15</a:t>
             </a:fld>
             <a:endParaRPr lang="en-US"/>
           </a:p>
@@ -4547,7 +5068,7 @@
           <a:p>
             <a:fld id="{7CE38E4D-051A-41E1-86A4-E56916468FD0}" type="datetimeFigureOut">
               <a:rPr lang="en-US" smtClean="0"/>
-              <a:t>4/20/15</a:t>
+              <a:t>4/22/15</a:t>
             </a:fld>
             <a:endParaRPr lang="en-US"/>
           </a:p>
@@ -4698,7 +5219,7 @@
           <a:p>
             <a:fld id="{7CE38E4D-051A-41E1-86A4-E56916468FD0}" type="datetimeFigureOut">
               <a:rPr lang="en-US" smtClean="0"/>
-              <a:t>4/20/15</a:t>
+              <a:t>4/22/15</a:t>
             </a:fld>
             <a:endParaRPr lang="en-US"/>
           </a:p>
@@ -6524,7 +7045,7 @@
           <a:p>
             <a:fld id="{7CE38E4D-051A-41E1-86A4-E56916468FD0}" type="datetimeFigureOut">
               <a:rPr lang="en-US" smtClean="0"/>
-              <a:t>4/20/15</a:t>
+              <a:t>4/22/15</a:t>
             </a:fld>
             <a:endParaRPr lang="en-US"/>
           </a:p>
@@ -8394,7 +8915,7 @@
           <a:p>
             <a:fld id="{7CE38E4D-051A-41E1-86A4-E56916468FD0}" type="datetimeFigureOut">
               <a:rPr lang="en-US" smtClean="0"/>
-              <a:t>4/20/15</a:t>
+              <a:t>4/22/15</a:t>
             </a:fld>
             <a:endParaRPr lang="en-US"/>
           </a:p>
@@ -8507,7 +9028,7 @@
           <a:p>
             <a:fld id="{7CE38E4D-051A-41E1-86A4-E56916468FD0}" type="datetimeFigureOut">
               <a:rPr lang="en-US" smtClean="0"/>
-              <a:t>4/20/15</a:t>
+              <a:t>4/22/15</a:t>
             </a:fld>
             <a:endParaRPr lang="en-US"/>
           </a:p>
@@ -9048,7 +9569,7 @@
           <a:p>
             <a:fld id="{7CE38E4D-051A-41E1-86A4-E56916468FD0}" type="datetimeFigureOut">
               <a:rPr lang="en-US" smtClean="0"/>
-              <a:t>4/20/15</a:t>
+              <a:t>4/22/15</a:t>
             </a:fld>
             <a:endParaRPr lang="en-US"/>
           </a:p>
@@ -9161,7 +9682,7 @@
           <a:p>
             <a:fld id="{7CE38E4D-051A-41E1-86A4-E56916468FD0}" type="datetimeFigureOut">
               <a:rPr lang="en-US" smtClean="0"/>
-              <a:t>4/20/15</a:t>
+              <a:t>4/22/15</a:t>
             </a:fld>
             <a:endParaRPr lang="en-US"/>
           </a:p>
@@ -10872,7 +11393,7 @@
           <a:p>
             <a:fld id="{7CE38E4D-051A-41E1-86A4-E56916468FD0}" type="datetimeFigureOut">
               <a:rPr lang="en-US" smtClean="0"/>
-              <a:t>4/20/15</a:t>
+              <a:t>4/22/15</a:t>
             </a:fld>
             <a:endParaRPr lang="en-US"/>
           </a:p>
@@ -11023,7 +11544,7 @@
           <a:p>
             <a:fld id="{7CE38E4D-051A-41E1-86A4-E56916468FD0}" type="datetimeFigureOut">
               <a:rPr lang="en-US" smtClean="0"/>
-              <a:t>4/20/15</a:t>
+              <a:t>4/22/15</a:t>
             </a:fld>
             <a:endParaRPr lang="en-US"/>
           </a:p>
@@ -14638,7 +15159,7 @@
           <a:p>
             <a:fld id="{7CE38E4D-051A-41E1-86A4-E56916468FD0}" type="datetimeFigureOut">
               <a:rPr lang="en-US" smtClean="0"/>
-              <a:t>4/20/15</a:t>
+              <a:t>4/22/15</a:t>
             </a:fld>
             <a:endParaRPr lang="en-US"/>
           </a:p>
@@ -16497,7 +17018,7 @@
           <a:p>
             <a:fld id="{7CE38E4D-051A-41E1-86A4-E56916468FD0}" type="datetimeFigureOut">
               <a:rPr lang="en-US" smtClean="0"/>
-              <a:t>4/20/15</a:t>
+              <a:t>4/22/15</a:t>
             </a:fld>
             <a:endParaRPr lang="en-US"/>
           </a:p>
@@ -17032,11 +17553,7 @@
           <a:p>
             <a:r>
               <a:rPr lang="en-US" smtClean="0"/>
-              <a:t>AWS </a:t>
-            </a:r>
-            <a:r>
-              <a:rPr lang="en-US" smtClean="0"/>
-              <a:t>S3</a:t>
+              <a:t>AWS S3</a:t>
             </a:r>
             <a:endParaRPr lang="en-US" sz="2400" dirty="0"/>
           </a:p>
@@ -18161,40 +18678,166 @@
         <p:spPr/>
         <p:txBody>
           <a:bodyPr>
-            <a:normAutofit/>
+            <a:normAutofit fontScale="92500" lnSpcReduction="10000"/>
           </a:bodyPr>
           <a:lstStyle/>
           <a:p>
             <a:r>
-              <a:rPr lang="en-US" dirty="0" smtClean="0"/>
-              <a:t>Have Instructions for Configuration</a:t>
-            </a:r>
-          </a:p>
-          <a:p>
-            <a:r>
-              <a:rPr lang="en-US" dirty="0" smtClean="0"/>
-              <a:t>Released on March 24, 2015</a:t>
-            </a:r>
-          </a:p>
-          <a:p>
-            <a:r>
-              <a:rPr lang="en-US" dirty="0" smtClean="0"/>
-              <a:t>Use Cross Region Replication to Automatically push Objects from one Region to Another</a:t>
-            </a:r>
-          </a:p>
-          <a:p>
-            <a:r>
-              <a:rPr lang="en-US" dirty="0" smtClean="0"/>
-              <a:t>Replication includes object ACLs, metadata</a:t>
-            </a:r>
-            <a:r>
-              <a:rPr lang="en-US" dirty="0"/>
+              <a:rPr lang="en-US" dirty="0" smtClean="0">
+                <a:solidFill>
+                  <a:schemeClr val="accent5"/>
+                </a:solidFill>
+              </a:rPr>
+              <a:t>Disclaimer: I have not yet verified the suggested S3 performance optimization through testing. </a:t>
+            </a:r>
+          </a:p>
+          <a:p>
+            <a:r>
+              <a:rPr lang="en-US" dirty="0" smtClean="0">
+                <a:solidFill>
+                  <a:schemeClr val="tx1"/>
+                </a:solidFill>
+              </a:rPr>
+              <a:t>Key selection can improve the retrieval rate of objects from S3</a:t>
+            </a:r>
+          </a:p>
+          <a:p>
+            <a:r>
+              <a:rPr lang="en-US" dirty="0" smtClean="0">
+                <a:solidFill>
+                  <a:schemeClr val="tx1"/>
+                </a:solidFill>
+              </a:rPr>
+              <a:t>In particular, if </a:t>
+            </a:r>
+            <a:r>
+              <a:rPr lang="en-US" dirty="0">
+                <a:solidFill>
+                  <a:schemeClr val="tx1"/>
+                </a:solidFill>
+              </a:rPr>
+              <a:t>you require performance of S3 that </a:t>
+            </a:r>
+            <a:r>
+              <a:rPr lang="en-US" dirty="0" smtClean="0">
+                <a:solidFill>
+                  <a:schemeClr val="tx1"/>
+                </a:solidFill>
+              </a:rPr>
+              <a:t>exceeds</a:t>
+            </a:r>
+            <a:r>
+              <a:rPr lang="en-US" dirty="0">
+                <a:solidFill>
+                  <a:schemeClr val="tx1"/>
+                </a:solidFill>
+              </a:rPr>
               <a:t> </a:t>
             </a:r>
             <a:r>
-              <a:rPr lang="en-US" dirty="0" smtClean="0"/>
-              <a:t>and Reduced Redundancy Storage setting</a:t>
-            </a:r>
+              <a:rPr lang="en-US" dirty="0" smtClean="0">
+                <a:solidFill>
+                  <a:schemeClr val="tx1"/>
+                </a:solidFill>
+              </a:rPr>
+              <a:t>the following:</a:t>
+            </a:r>
+            <a:endParaRPr lang="en-US" dirty="0">
+              <a:solidFill>
+                <a:schemeClr val="tx1"/>
+              </a:solidFill>
+            </a:endParaRPr>
+          </a:p>
+          <a:p>
+            <a:pPr lvl="1"/>
+            <a:r>
+              <a:rPr lang="en-US" dirty="0" smtClean="0">
+                <a:solidFill>
+                  <a:schemeClr val="tx1"/>
+                </a:solidFill>
+              </a:rPr>
+              <a:t>Routine workload 100 </a:t>
+            </a:r>
+            <a:r>
+              <a:rPr lang="en-US" dirty="0">
+                <a:solidFill>
+                  <a:schemeClr val="tx1"/>
+                </a:solidFill>
+              </a:rPr>
+              <a:t>PUT/LIST/</a:t>
+            </a:r>
+            <a:r>
+              <a:rPr lang="en-US" dirty="0" smtClean="0">
+                <a:solidFill>
+                  <a:schemeClr val="tx1"/>
+                </a:solidFill>
+              </a:rPr>
+              <a:t>DELETE/”list object” </a:t>
+            </a:r>
+            <a:r>
+              <a:rPr lang="en-US" dirty="0">
+                <a:solidFill>
+                  <a:schemeClr val="tx1"/>
+                </a:solidFill>
+              </a:rPr>
+              <a:t>requests per </a:t>
+            </a:r>
+            <a:r>
+              <a:rPr lang="en-US" dirty="0" smtClean="0">
+                <a:solidFill>
+                  <a:schemeClr val="tx1"/>
+                </a:solidFill>
+              </a:rPr>
+              <a:t>second</a:t>
+            </a:r>
+          </a:p>
+          <a:p>
+            <a:pPr lvl="1"/>
+            <a:r>
+              <a:rPr lang="en-US" dirty="0" smtClean="0">
+                <a:solidFill>
+                  <a:schemeClr val="tx1"/>
+                </a:solidFill>
+              </a:rPr>
+              <a:t>Routine workload of 300 </a:t>
+            </a:r>
+            <a:r>
+              <a:rPr lang="en-US" dirty="0">
+                <a:solidFill>
+                  <a:schemeClr val="tx1"/>
+                </a:solidFill>
+              </a:rPr>
+              <a:t>GET requests per </a:t>
+            </a:r>
+            <a:r>
+              <a:rPr lang="en-US" dirty="0" smtClean="0">
+                <a:solidFill>
+                  <a:schemeClr val="tx1"/>
+                </a:solidFill>
+              </a:rPr>
+              <a:t>second</a:t>
+            </a:r>
+          </a:p>
+          <a:p>
+            <a:pPr lvl="1"/>
+            <a:r>
+              <a:rPr lang="en-US" dirty="0" smtClean="0">
+                <a:solidFill>
+                  <a:schemeClr val="tx1"/>
+                </a:solidFill>
+              </a:rPr>
+              <a:t>Large number of GETS</a:t>
+            </a:r>
+          </a:p>
+          <a:p>
+            <a:pPr marL="0" indent="0">
+              <a:buNone/>
+            </a:pPr>
+            <a:endParaRPr lang="en-US" dirty="0" smtClean="0">
+              <a:solidFill>
+                <a:schemeClr val="tx1"/>
+              </a:solidFill>
+            </a:endParaRPr>
           </a:p>
         </p:txBody>
       </p:sp>
@@ -18210,49 +18853,21 @@
         </p:nvSpPr>
         <p:spPr/>
         <p:txBody>
-          <a:bodyPr>
-            <a:normAutofit fontScale="90000"/>
-          </a:bodyPr>
+          <a:bodyPr/>
           <a:lstStyle/>
           <a:p>
             <a:r>
               <a:rPr lang="en-US" dirty="0" smtClean="0"/>
-              <a:t>Hands On: S3 Cross Region Replication</a:t>
+              <a:t>S3: Performance Optimization I</a:t>
             </a:r>
             <a:endParaRPr lang="en-US" dirty="0"/>
-          </a:p>
-        </p:txBody>
-      </p:sp>
-      <p:sp>
-        <p:nvSpPr>
-          <p:cNvPr id="4" name="TextBox 3"/>
-          <p:cNvSpPr txBox="1"/>
-          <p:nvPr/>
-        </p:nvSpPr>
-        <p:spPr>
-          <a:xfrm>
-            <a:off x="10678781" y="4679784"/>
-            <a:ext cx="184666" cy="369332"/>
-          </a:xfrm>
-          <a:prstGeom prst="rect">
-            <a:avLst/>
-          </a:prstGeom>
-          <a:noFill/>
-        </p:spPr>
-        <p:txBody>
-          <a:bodyPr wrap="none" rtlCol="0">
-            <a:spAutoFit/>
-          </a:bodyPr>
-          <a:lstStyle/>
-          <a:p>
-            <a:endParaRPr lang="en-US"/>
           </a:p>
         </p:txBody>
       </p:sp>
     </p:spTree>
     <p:extLst>
       <p:ext uri="{BB962C8B-B14F-4D97-AF65-F5344CB8AC3E}">
-        <p14:creationId xmlns:p14="http://schemas.microsoft.com/office/powerpoint/2010/main" val="3642192089"/>
+        <p14:creationId xmlns:p14="http://schemas.microsoft.com/office/powerpoint/2010/main" val="4231770518"/>
       </p:ext>
     </p:extLst>
   </p:cSld>
@@ -18299,31 +18914,148 @@
         <p:spPr/>
         <p:txBody>
           <a:bodyPr>
-            <a:normAutofit/>
+            <a:normAutofit lnSpcReduction="10000"/>
           </a:bodyPr>
           <a:lstStyle/>
           <a:p>
             <a:r>
-              <a:rPr lang="en-US" dirty="0" smtClean="0"/>
-              <a:t>Storage of all user and auto photos for a Ride Sharing network</a:t>
-            </a:r>
-          </a:p>
-          <a:p>
-            <a:r>
-              <a:rPr lang="en-US" dirty="0" smtClean="0"/>
-              <a:t>Origin for a CDN used by all company websites</a:t>
-            </a:r>
-          </a:p>
-          <a:p>
-            <a:r>
-              <a:rPr lang="en-US" dirty="0" smtClean="0"/>
-              <a:t>Archival Storage and Backup</a:t>
-            </a:r>
-          </a:p>
-          <a:p>
-            <a:r>
-              <a:rPr lang="en-US" dirty="0" smtClean="0"/>
-              <a:t>Performed analysis where Azure was less expensive due to cost of “PUTS” on AWS being higher than Azure</a:t>
+              <a:rPr lang="en-US" dirty="0" smtClean="0">
+                <a:solidFill>
+                  <a:schemeClr val="tx1"/>
+                </a:solidFill>
+              </a:rPr>
+              <a:t>The problem:</a:t>
+            </a:r>
+          </a:p>
+          <a:p>
+            <a:pPr lvl="1"/>
+            <a:r>
+              <a:rPr lang="en-US" dirty="0" smtClean="0">
+                <a:solidFill>
+                  <a:schemeClr val="tx1"/>
+                </a:solidFill>
+              </a:rPr>
+              <a:t>Object </a:t>
+            </a:r>
+            <a:r>
+              <a:rPr lang="en-US" dirty="0">
+                <a:solidFill>
+                  <a:schemeClr val="tx1"/>
+                </a:solidFill>
+              </a:rPr>
+              <a:t>keys are </a:t>
+            </a:r>
+            <a:r>
+              <a:rPr lang="en-US" dirty="0" smtClean="0">
+                <a:solidFill>
+                  <a:schemeClr val="tx1"/>
+                </a:solidFill>
+              </a:rPr>
+              <a:t>stored in S3 alphabetically</a:t>
+            </a:r>
+          </a:p>
+          <a:p>
+            <a:pPr lvl="1"/>
+            <a:r>
+              <a:rPr lang="en-US" dirty="0" smtClean="0">
+                <a:solidFill>
+                  <a:schemeClr val="tx1"/>
+                </a:solidFill>
+              </a:rPr>
+              <a:t>Object keys dictates </a:t>
+            </a:r>
+            <a:r>
+              <a:rPr lang="en-US" dirty="0">
+                <a:solidFill>
+                  <a:schemeClr val="tx1"/>
+                </a:solidFill>
+              </a:rPr>
+              <a:t>which partition the objects are stored </a:t>
+            </a:r>
+            <a:r>
+              <a:rPr lang="en-US" dirty="0" smtClean="0">
+                <a:solidFill>
+                  <a:schemeClr val="tx1"/>
+                </a:solidFill>
+              </a:rPr>
+              <a:t>in</a:t>
+            </a:r>
+          </a:p>
+          <a:p>
+            <a:pPr lvl="1"/>
+            <a:r>
+              <a:rPr lang="en-US" dirty="0" smtClean="0">
+                <a:solidFill>
+                  <a:schemeClr val="tx1"/>
+                </a:solidFill>
+              </a:rPr>
+              <a:t>if object key are </a:t>
+            </a:r>
+            <a:r>
+              <a:rPr lang="en-US" dirty="0">
+                <a:solidFill>
+                  <a:schemeClr val="tx1"/>
+                </a:solidFill>
+              </a:rPr>
+              <a:t>sequential, it increases the likelihood that the data is stored in the same </a:t>
+            </a:r>
+            <a:r>
+              <a:rPr lang="en-US" dirty="0" smtClean="0">
+                <a:solidFill>
+                  <a:schemeClr val="tx1"/>
+                </a:solidFill>
+              </a:rPr>
+              <a:t>partition</a:t>
+            </a:r>
+            <a:endParaRPr lang="en-US" dirty="0">
+              <a:solidFill>
+                <a:schemeClr val="tx1"/>
+              </a:solidFill>
+            </a:endParaRPr>
+          </a:p>
+          <a:p>
+            <a:r>
+              <a:rPr lang="en-US" dirty="0" smtClean="0">
+                <a:solidFill>
+                  <a:schemeClr val="tx1"/>
+                </a:solidFill>
+              </a:rPr>
+              <a:t>The solution:</a:t>
+            </a:r>
+          </a:p>
+          <a:p>
+            <a:pPr lvl="1"/>
+            <a:r>
+              <a:rPr lang="en-US" dirty="0">
+                <a:solidFill>
+                  <a:schemeClr val="tx1"/>
+                </a:solidFill>
+              </a:rPr>
+              <a:t>use a </a:t>
+            </a:r>
+            <a:r>
+              <a:rPr lang="en-US" dirty="0" smtClean="0">
+                <a:solidFill>
+                  <a:schemeClr val="tx1"/>
+                </a:solidFill>
+              </a:rPr>
+              <a:t>hexadecimal hash prefix </a:t>
+            </a:r>
+            <a:r>
+              <a:rPr lang="en-US" dirty="0">
+                <a:solidFill>
+                  <a:schemeClr val="tx1"/>
+                </a:solidFill>
+              </a:rPr>
+              <a:t>of 3 to 4 </a:t>
+            </a:r>
+            <a:r>
+              <a:rPr lang="en-US" dirty="0" smtClean="0">
+                <a:solidFill>
+                  <a:schemeClr val="tx1"/>
+                </a:solidFill>
+              </a:rPr>
+              <a:t>characters to spread requests across multiple partitions</a:t>
             </a:r>
           </a:p>
         </p:txBody>
@@ -18345,7 +19077,7 @@
           <a:p>
             <a:r>
               <a:rPr lang="en-US" dirty="0" smtClean="0"/>
-              <a:t>S3: Practical Experience</a:t>
+              <a:t>S3: Performance Optimization II</a:t>
             </a:r>
             <a:endParaRPr lang="en-US" dirty="0"/>
           </a:p>
@@ -18354,7 +19086,7 @@
     </p:spTree>
     <p:extLst>
       <p:ext uri="{BB962C8B-B14F-4D97-AF65-F5344CB8AC3E}">
-        <p14:creationId xmlns:p14="http://schemas.microsoft.com/office/powerpoint/2010/main" val="2648952938"/>
+        <p14:creationId xmlns:p14="http://schemas.microsoft.com/office/powerpoint/2010/main" val="1499926983"/>
       </p:ext>
     </p:extLst>
   </p:cSld>
@@ -18472,6 +19204,896 @@
     <p:extLst>
       <p:ext uri="{BB962C8B-B14F-4D97-AF65-F5344CB8AC3E}">
         <p14:creationId xmlns:p14="http://schemas.microsoft.com/office/powerpoint/2010/main" val="800326130"/>
+      </p:ext>
+    </p:extLst>
+  </p:cSld>
+  <p:clrMapOvr>
+    <a:masterClrMapping/>
+  </p:clrMapOvr>
+  <p:timing>
+    <p:tnLst>
+      <p:par>
+        <p:cTn xmlns:p14="http://schemas.microsoft.com/office/powerpoint/2010/main" id="1" dur="indefinite" restart="never" nodeType="tmRoot"/>
+      </p:par>
+    </p:tnLst>
+  </p:timing>
+</p:sld>
+</file>
+
+<file path=ppt/slides/slide20.xml><?xml version="1.0" encoding="utf-8"?>
+<p:sld xmlns:a="http://schemas.openxmlformats.org/drawingml/2006/main" xmlns:r="http://schemas.openxmlformats.org/officeDocument/2006/relationships" xmlns:p="http://schemas.openxmlformats.org/presentationml/2006/main">
+  <p:cSld>
+    <p:spTree>
+      <p:nvGrpSpPr>
+        <p:cNvPr id="1" name=""/>
+        <p:cNvGrpSpPr/>
+        <p:nvPr/>
+      </p:nvGrpSpPr>
+      <p:grpSpPr>
+        <a:xfrm>
+          <a:off x="0" y="0"/>
+          <a:ext cx="0" cy="0"/>
+          <a:chOff x="0" y="0"/>
+          <a:chExt cx="0" cy="0"/>
+        </a:xfrm>
+      </p:grpSpPr>
+      <p:sp>
+        <p:nvSpPr>
+          <p:cNvPr id="3" name="Content Placeholder 2"/>
+          <p:cNvSpPr>
+            <a:spLocks noGrp="1"/>
+          </p:cNvSpPr>
+          <p:nvPr>
+            <p:ph idx="1"/>
+          </p:nvPr>
+        </p:nvSpPr>
+        <p:spPr/>
+        <p:txBody>
+          <a:bodyPr>
+            <a:normAutofit/>
+          </a:bodyPr>
+          <a:lstStyle/>
+          <a:p>
+            <a:r>
+              <a:rPr lang="en-US" dirty="0" smtClean="0">
+                <a:solidFill>
+                  <a:schemeClr val="tx1"/>
+                </a:solidFill>
+              </a:rPr>
+              <a:t>Example of </a:t>
+            </a:r>
+            <a:r>
+              <a:rPr lang="en-US" dirty="0" err="1" smtClean="0">
+                <a:solidFill>
+                  <a:schemeClr val="tx1"/>
+                </a:solidFill>
+              </a:rPr>
+              <a:t>lexicopgrahic</a:t>
+            </a:r>
+            <a:r>
+              <a:rPr lang="en-US" dirty="0" smtClean="0">
+                <a:solidFill>
+                  <a:schemeClr val="tx1"/>
+                </a:solidFill>
+              </a:rPr>
+              <a:t> (alphabetic) keys:</a:t>
+            </a:r>
+            <a:endParaRPr lang="en-US" dirty="0">
+              <a:solidFill>
+                <a:schemeClr val="tx1"/>
+              </a:solidFill>
+            </a:endParaRPr>
+          </a:p>
+          <a:p>
+            <a:pPr lvl="1"/>
+            <a:r>
+              <a:rPr lang="en-US" dirty="0">
+                <a:solidFill>
+                  <a:schemeClr val="tx1"/>
+                </a:solidFill>
+              </a:rPr>
+              <a:t>s3:/</a:t>
+            </a:r>
+            <a:r>
+              <a:rPr lang="en-US" dirty="0" smtClean="0">
+                <a:solidFill>
+                  <a:schemeClr val="tx1"/>
+                </a:solidFill>
+              </a:rPr>
+              <a:t>/</a:t>
+            </a:r>
+            <a:r>
+              <a:rPr lang="en-US" dirty="0">
+                <a:solidFill>
+                  <a:schemeClr val="tx1"/>
+                </a:solidFill>
+              </a:rPr>
+              <a:t>photos</a:t>
+            </a:r>
+            <a:r>
+              <a:rPr lang="en-US" dirty="0" smtClean="0">
+                <a:solidFill>
+                  <a:schemeClr val="tx1"/>
+                </a:solidFill>
+              </a:rPr>
+              <a:t>/</a:t>
+            </a:r>
+            <a:r>
+              <a:rPr lang="en-US" dirty="0" smtClean="0">
+                <a:solidFill>
+                  <a:srgbClr val="FF0000"/>
+                </a:solidFill>
+              </a:rPr>
+              <a:t>9770527</a:t>
+            </a:r>
+            <a:r>
+              <a:rPr lang="en-US" dirty="0">
+                <a:solidFill>
+                  <a:schemeClr val="tx1"/>
+                </a:solidFill>
+              </a:rPr>
+              <a:t>/volvo_74085.</a:t>
+            </a:r>
+            <a:r>
+              <a:rPr lang="en-US" dirty="0" smtClean="0">
+                <a:solidFill>
+                  <a:schemeClr val="tx1"/>
+                </a:solidFill>
+              </a:rPr>
+              <a:t>jpg</a:t>
+            </a:r>
+          </a:p>
+          <a:p>
+            <a:pPr lvl="1"/>
+            <a:r>
+              <a:rPr lang="en-US" dirty="0" smtClean="0">
+                <a:solidFill>
+                  <a:schemeClr val="tx1"/>
+                </a:solidFill>
+              </a:rPr>
+              <a:t>s3</a:t>
+            </a:r>
+            <a:r>
+              <a:rPr lang="en-US" dirty="0">
+                <a:solidFill>
+                  <a:schemeClr val="tx1"/>
+                </a:solidFill>
+              </a:rPr>
+              <a:t>:/</a:t>
+            </a:r>
+            <a:r>
+              <a:rPr lang="en-US" dirty="0" smtClean="0">
+                <a:solidFill>
+                  <a:schemeClr val="tx1"/>
+                </a:solidFill>
+              </a:rPr>
+              <a:t>/</a:t>
+            </a:r>
+            <a:r>
+              <a:rPr lang="en-US" dirty="0">
+                <a:solidFill>
+                  <a:schemeClr val="tx1"/>
+                </a:solidFill>
+              </a:rPr>
+              <a:t>photos</a:t>
+            </a:r>
+            <a:r>
+              <a:rPr lang="en-US" dirty="0" smtClean="0">
+                <a:solidFill>
+                  <a:schemeClr val="tx1"/>
+                </a:solidFill>
+              </a:rPr>
+              <a:t>/</a:t>
+            </a:r>
+            <a:r>
+              <a:rPr lang="en-US" dirty="0" smtClean="0">
+                <a:solidFill>
+                  <a:srgbClr val="FF0000"/>
+                </a:solidFill>
+              </a:rPr>
+              <a:t>9770527</a:t>
+            </a:r>
+            <a:r>
+              <a:rPr lang="en-US" dirty="0" smtClean="0">
+                <a:solidFill>
+                  <a:schemeClr val="tx1"/>
+                </a:solidFill>
+              </a:rPr>
+              <a:t>/acura_integra02.jpg</a:t>
+            </a:r>
+            <a:endParaRPr lang="en-US" dirty="0">
+              <a:solidFill>
+                <a:schemeClr val="tx1"/>
+              </a:solidFill>
+            </a:endParaRPr>
+          </a:p>
+          <a:p>
+            <a:pPr lvl="1"/>
+            <a:r>
+              <a:rPr lang="en-US" dirty="0">
+                <a:solidFill>
+                  <a:schemeClr val="tx1"/>
+                </a:solidFill>
+              </a:rPr>
+              <a:t>s3:/</a:t>
+            </a:r>
+            <a:r>
+              <a:rPr lang="en-US" dirty="0" smtClean="0">
+                <a:solidFill>
+                  <a:schemeClr val="tx1"/>
+                </a:solidFill>
+              </a:rPr>
+              <a:t>/</a:t>
+            </a:r>
+            <a:r>
+              <a:rPr lang="en-US" dirty="0">
+                <a:solidFill>
+                  <a:schemeClr val="tx1"/>
+                </a:solidFill>
+              </a:rPr>
+              <a:t>photos</a:t>
+            </a:r>
+            <a:r>
+              <a:rPr lang="en-US" dirty="0" smtClean="0">
+                <a:solidFill>
+                  <a:schemeClr val="tx1"/>
+                </a:solidFill>
+              </a:rPr>
+              <a:t>/</a:t>
+            </a:r>
+            <a:r>
+              <a:rPr lang="en-US" dirty="0" smtClean="0">
+                <a:solidFill>
+                  <a:srgbClr val="FF0000"/>
+                </a:solidFill>
+              </a:rPr>
+              <a:t>9770527</a:t>
+            </a:r>
+            <a:r>
+              <a:rPr lang="en-US" dirty="0" smtClean="0">
+                <a:solidFill>
+                  <a:schemeClr val="tx1"/>
+                </a:solidFill>
+              </a:rPr>
+              <a:t>/honda_accord05.jpg</a:t>
+            </a:r>
+          </a:p>
+          <a:p>
+            <a:r>
+              <a:rPr lang="en-US" dirty="0" smtClean="0">
+                <a:solidFill>
+                  <a:schemeClr val="tx1"/>
+                </a:solidFill>
+              </a:rPr>
+              <a:t>Example </a:t>
+            </a:r>
+            <a:r>
+              <a:rPr lang="en-US" dirty="0">
+                <a:solidFill>
+                  <a:schemeClr val="tx1"/>
+                </a:solidFill>
+              </a:rPr>
+              <a:t>of </a:t>
+            </a:r>
+            <a:r>
+              <a:rPr lang="en-US" dirty="0" smtClean="0">
+                <a:solidFill>
+                  <a:schemeClr val="tx1"/>
+                </a:solidFill>
+              </a:rPr>
+              <a:t>hashed </a:t>
+            </a:r>
+            <a:r>
+              <a:rPr lang="en-US" dirty="0">
+                <a:solidFill>
+                  <a:schemeClr val="tx1"/>
+                </a:solidFill>
+              </a:rPr>
+              <a:t>keys:</a:t>
+            </a:r>
+          </a:p>
+          <a:p>
+            <a:pPr lvl="1"/>
+            <a:r>
+              <a:rPr lang="en-US" dirty="0">
+                <a:solidFill>
+                  <a:schemeClr val="tx1"/>
+                </a:solidFill>
+              </a:rPr>
+              <a:t>s3:/</a:t>
+            </a:r>
+            <a:r>
+              <a:rPr lang="en-US" dirty="0" smtClean="0">
+                <a:solidFill>
+                  <a:schemeClr val="tx1"/>
+                </a:solidFill>
+              </a:rPr>
+              <a:t>/</a:t>
+            </a:r>
+            <a:r>
+              <a:rPr lang="en-US" dirty="0">
+                <a:solidFill>
+                  <a:schemeClr val="tx1"/>
+                </a:solidFill>
+              </a:rPr>
+              <a:t>photos</a:t>
+            </a:r>
+            <a:r>
+              <a:rPr lang="en-US" dirty="0" smtClean="0">
+                <a:solidFill>
+                  <a:schemeClr val="tx1"/>
+                </a:solidFill>
+              </a:rPr>
+              <a:t>/</a:t>
+            </a:r>
+            <a:r>
+              <a:rPr lang="en-US" dirty="0" smtClean="0">
+                <a:solidFill>
+                  <a:srgbClr val="008000"/>
+                </a:solidFill>
+              </a:rPr>
+              <a:t>3636a</a:t>
+            </a:r>
+            <a:r>
+              <a:rPr lang="en-US" dirty="0" smtClean="0">
+                <a:solidFill>
+                  <a:schemeClr val="tx1"/>
+                </a:solidFill>
+              </a:rPr>
+              <a:t>/9770527/</a:t>
+            </a:r>
+            <a:r>
+              <a:rPr lang="en-US" dirty="0">
+                <a:solidFill>
+                  <a:schemeClr val="tx1"/>
+                </a:solidFill>
+              </a:rPr>
+              <a:t>acura_integra02.</a:t>
+            </a:r>
+            <a:r>
+              <a:rPr lang="en-US" dirty="0" smtClean="0">
+                <a:solidFill>
+                  <a:schemeClr val="tx1"/>
+                </a:solidFill>
+              </a:rPr>
+              <a:t>jpg</a:t>
+            </a:r>
+          </a:p>
+          <a:p>
+            <a:pPr lvl="1"/>
+            <a:r>
+              <a:rPr lang="en-US" dirty="0">
+                <a:solidFill>
+                  <a:schemeClr val="tx1"/>
+                </a:solidFill>
+              </a:rPr>
+              <a:t>s3://photos/</a:t>
+            </a:r>
+            <a:r>
+              <a:rPr lang="en-US" dirty="0">
+                <a:solidFill>
+                  <a:srgbClr val="008000"/>
+                </a:solidFill>
+              </a:rPr>
+              <a:t>737a</a:t>
+            </a:r>
+            <a:r>
+              <a:rPr lang="en-US" dirty="0">
+                <a:solidFill>
+                  <a:schemeClr val="tx1"/>
+                </a:solidFill>
+              </a:rPr>
+              <a:t>/9770527/honda_accord05.</a:t>
+            </a:r>
+            <a:r>
+              <a:rPr lang="en-US" dirty="0" smtClean="0">
+                <a:solidFill>
+                  <a:schemeClr val="tx1"/>
+                </a:solidFill>
+              </a:rPr>
+              <a:t>jpg</a:t>
+            </a:r>
+          </a:p>
+          <a:p>
+            <a:pPr lvl="1"/>
+            <a:r>
+              <a:rPr lang="en-US" dirty="0" smtClean="0">
+                <a:solidFill>
+                  <a:schemeClr val="tx1"/>
+                </a:solidFill>
+              </a:rPr>
+              <a:t>s3</a:t>
+            </a:r>
+            <a:r>
+              <a:rPr lang="en-US" dirty="0">
+                <a:solidFill>
+                  <a:schemeClr val="tx1"/>
+                </a:solidFill>
+              </a:rPr>
+              <a:t>:/</a:t>
+            </a:r>
+            <a:r>
+              <a:rPr lang="en-US" dirty="0" smtClean="0">
+                <a:solidFill>
+                  <a:schemeClr val="tx1"/>
+                </a:solidFill>
+              </a:rPr>
+              <a:t>/</a:t>
+            </a:r>
+            <a:r>
+              <a:rPr lang="en-US" dirty="0">
+                <a:solidFill>
+                  <a:schemeClr val="tx1"/>
+                </a:solidFill>
+              </a:rPr>
+              <a:t>photos</a:t>
+            </a:r>
+            <a:r>
+              <a:rPr lang="en-US" dirty="0" smtClean="0">
+                <a:solidFill>
+                  <a:schemeClr val="tx1"/>
+                </a:solidFill>
+              </a:rPr>
+              <a:t>/</a:t>
+            </a:r>
+            <a:r>
+              <a:rPr lang="en-US" dirty="0" smtClean="0">
+                <a:solidFill>
+                  <a:srgbClr val="008000"/>
+                </a:solidFill>
+              </a:rPr>
+              <a:t>d66a</a:t>
+            </a:r>
+            <a:r>
+              <a:rPr lang="en-US" dirty="0" smtClean="0">
+                <a:solidFill>
+                  <a:schemeClr val="tx1"/>
+                </a:solidFill>
+              </a:rPr>
+              <a:t>/9770527</a:t>
+            </a:r>
+            <a:r>
+              <a:rPr lang="en-US" dirty="0">
+                <a:solidFill>
+                  <a:schemeClr val="tx1"/>
+                </a:solidFill>
+              </a:rPr>
+              <a:t>/volvo_74085.</a:t>
+            </a:r>
+            <a:r>
+              <a:rPr lang="en-US" dirty="0" smtClean="0">
+                <a:solidFill>
+                  <a:schemeClr val="tx1"/>
+                </a:solidFill>
+              </a:rPr>
+              <a:t>jpg</a:t>
+            </a:r>
+            <a:endParaRPr lang="en-US" dirty="0">
+              <a:solidFill>
+                <a:schemeClr val="tx1"/>
+              </a:solidFill>
+            </a:endParaRPr>
+          </a:p>
+        </p:txBody>
+      </p:sp>
+      <p:sp>
+        <p:nvSpPr>
+          <p:cNvPr id="2" name="Title 1"/>
+          <p:cNvSpPr>
+            <a:spLocks noGrp="1"/>
+          </p:cNvSpPr>
+          <p:nvPr>
+            <p:ph type="title"/>
+          </p:nvPr>
+        </p:nvSpPr>
+        <p:spPr/>
+        <p:txBody>
+          <a:bodyPr/>
+          <a:lstStyle/>
+          <a:p>
+            <a:r>
+              <a:rPr lang="en-US" dirty="0" smtClean="0"/>
+              <a:t>S3: Performance Optimization II</a:t>
+            </a:r>
+            <a:endParaRPr lang="en-US" dirty="0"/>
+          </a:p>
+        </p:txBody>
+      </p:sp>
+    </p:spTree>
+    <p:extLst>
+      <p:ext uri="{BB962C8B-B14F-4D97-AF65-F5344CB8AC3E}">
+        <p14:creationId xmlns:p14="http://schemas.microsoft.com/office/powerpoint/2010/main" val="318922468"/>
+      </p:ext>
+    </p:extLst>
+  </p:cSld>
+  <p:clrMapOvr>
+    <a:masterClrMapping/>
+  </p:clrMapOvr>
+  <p:timing>
+    <p:tnLst>
+      <p:par>
+        <p:cTn xmlns:p14="http://schemas.microsoft.com/office/powerpoint/2010/main" id="1" dur="indefinite" restart="never" nodeType="tmRoot"/>
+      </p:par>
+    </p:tnLst>
+  </p:timing>
+</p:sld>
+</file>
+
+<file path=ppt/slides/slide21.xml><?xml version="1.0" encoding="utf-8"?>
+<p:sld xmlns:a="http://schemas.openxmlformats.org/drawingml/2006/main" xmlns:r="http://schemas.openxmlformats.org/officeDocument/2006/relationships" xmlns:p="http://schemas.openxmlformats.org/presentationml/2006/main">
+  <p:cSld>
+    <p:spTree>
+      <p:nvGrpSpPr>
+        <p:cNvPr id="1" name=""/>
+        <p:cNvGrpSpPr/>
+        <p:nvPr/>
+      </p:nvGrpSpPr>
+      <p:grpSpPr>
+        <a:xfrm>
+          <a:off x="0" y="0"/>
+          <a:ext cx="0" cy="0"/>
+          <a:chOff x="0" y="0"/>
+          <a:chExt cx="0" cy="0"/>
+        </a:xfrm>
+      </p:grpSpPr>
+      <p:sp>
+        <p:nvSpPr>
+          <p:cNvPr id="3" name="Content Placeholder 2"/>
+          <p:cNvSpPr>
+            <a:spLocks noGrp="1"/>
+          </p:cNvSpPr>
+          <p:nvPr>
+            <p:ph idx="1"/>
+          </p:nvPr>
+        </p:nvSpPr>
+        <p:spPr/>
+        <p:txBody>
+          <a:bodyPr>
+            <a:normAutofit/>
+          </a:bodyPr>
+          <a:lstStyle/>
+          <a:p>
+            <a:r>
+              <a:rPr lang="en-US" dirty="0" smtClean="0"/>
+              <a:t>Have Instructions for Configuration</a:t>
+            </a:r>
+          </a:p>
+          <a:p>
+            <a:r>
+              <a:rPr lang="en-US" dirty="0" smtClean="0"/>
+              <a:t>Released on March 24, 2015</a:t>
+            </a:r>
+          </a:p>
+          <a:p>
+            <a:r>
+              <a:rPr lang="en-US" dirty="0" smtClean="0"/>
+              <a:t>Use Cross Region Replication to Automatically push Objects from one Region to Another</a:t>
+            </a:r>
+          </a:p>
+          <a:p>
+            <a:r>
+              <a:rPr lang="en-US" dirty="0" smtClean="0"/>
+              <a:t>Replication includes object ACLs, metadata</a:t>
+            </a:r>
+            <a:r>
+              <a:rPr lang="en-US" dirty="0"/>
+              <a:t> </a:t>
+            </a:r>
+            <a:r>
+              <a:rPr lang="en-US" dirty="0" smtClean="0"/>
+              <a:t>and Reduced Redundancy Storage setting</a:t>
+            </a:r>
+          </a:p>
+        </p:txBody>
+      </p:sp>
+      <p:sp>
+        <p:nvSpPr>
+          <p:cNvPr id="2" name="Title 1"/>
+          <p:cNvSpPr>
+            <a:spLocks noGrp="1"/>
+          </p:cNvSpPr>
+          <p:nvPr>
+            <p:ph type="title"/>
+          </p:nvPr>
+        </p:nvSpPr>
+        <p:spPr/>
+        <p:txBody>
+          <a:bodyPr>
+            <a:normAutofit fontScale="90000"/>
+          </a:bodyPr>
+          <a:lstStyle/>
+          <a:p>
+            <a:r>
+              <a:rPr lang="en-US" dirty="0" smtClean="0"/>
+              <a:t>Hands On: S3 Cross Region Replication</a:t>
+            </a:r>
+            <a:endParaRPr lang="en-US" dirty="0"/>
+          </a:p>
+        </p:txBody>
+      </p:sp>
+      <p:sp>
+        <p:nvSpPr>
+          <p:cNvPr id="4" name="TextBox 3"/>
+          <p:cNvSpPr txBox="1"/>
+          <p:nvPr/>
+        </p:nvSpPr>
+        <p:spPr>
+          <a:xfrm>
+            <a:off x="10678781" y="4679784"/>
+            <a:ext cx="184666" cy="369332"/>
+          </a:xfrm>
+          <a:prstGeom prst="rect">
+            <a:avLst/>
+          </a:prstGeom>
+          <a:noFill/>
+        </p:spPr>
+        <p:txBody>
+          <a:bodyPr wrap="none" rtlCol="0">
+            <a:spAutoFit/>
+          </a:bodyPr>
+          <a:lstStyle/>
+          <a:p>
+            <a:endParaRPr lang="en-US"/>
+          </a:p>
+        </p:txBody>
+      </p:sp>
+    </p:spTree>
+    <p:extLst>
+      <p:ext uri="{BB962C8B-B14F-4D97-AF65-F5344CB8AC3E}">
+        <p14:creationId xmlns:p14="http://schemas.microsoft.com/office/powerpoint/2010/main" val="3642192089"/>
+      </p:ext>
+    </p:extLst>
+  </p:cSld>
+  <p:clrMapOvr>
+    <a:masterClrMapping/>
+  </p:clrMapOvr>
+  <p:timing>
+    <p:tnLst>
+      <p:par>
+        <p:cTn xmlns:p14="http://schemas.microsoft.com/office/powerpoint/2010/main" id="1" dur="indefinite" restart="never" nodeType="tmRoot"/>
+      </p:par>
+    </p:tnLst>
+  </p:timing>
+</p:sld>
+</file>
+
+<file path=ppt/slides/slide22.xml><?xml version="1.0" encoding="utf-8"?>
+<p:sld xmlns:a="http://schemas.openxmlformats.org/drawingml/2006/main" xmlns:r="http://schemas.openxmlformats.org/officeDocument/2006/relationships" xmlns:p="http://schemas.openxmlformats.org/presentationml/2006/main">
+  <p:cSld>
+    <p:spTree>
+      <p:nvGrpSpPr>
+        <p:cNvPr id="1" name=""/>
+        <p:cNvGrpSpPr/>
+        <p:nvPr/>
+      </p:nvGrpSpPr>
+      <p:grpSpPr>
+        <a:xfrm>
+          <a:off x="0" y="0"/>
+          <a:ext cx="0" cy="0"/>
+          <a:chOff x="0" y="0"/>
+          <a:chExt cx="0" cy="0"/>
+        </a:xfrm>
+      </p:grpSpPr>
+      <p:sp>
+        <p:nvSpPr>
+          <p:cNvPr id="3" name="Content Placeholder 2"/>
+          <p:cNvSpPr>
+            <a:spLocks noGrp="1"/>
+          </p:cNvSpPr>
+          <p:nvPr>
+            <p:ph idx="1"/>
+          </p:nvPr>
+        </p:nvSpPr>
+        <p:spPr/>
+        <p:txBody>
+          <a:bodyPr>
+            <a:normAutofit/>
+          </a:bodyPr>
+          <a:lstStyle/>
+          <a:p>
+            <a:r>
+              <a:rPr lang="en-US" dirty="0" smtClean="0"/>
+              <a:t>Create an IAM user that:</a:t>
+            </a:r>
+          </a:p>
+          <a:p>
+            <a:pPr lvl="1"/>
+            <a:r>
+              <a:rPr lang="en-US" dirty="0" smtClean="0"/>
+              <a:t>has the ability to PUT/GET/DELETE objects in a given bucket</a:t>
+            </a:r>
+          </a:p>
+          <a:p>
+            <a:pPr lvl="1"/>
+            <a:r>
+              <a:rPr lang="en-US" dirty="0"/>
+              <a:t>h</a:t>
+            </a:r>
+            <a:r>
+              <a:rPr lang="en-US" dirty="0" smtClean="0"/>
+              <a:t>as no further permissions:</a:t>
+            </a:r>
+          </a:p>
+          <a:p>
+            <a:r>
+              <a:rPr lang="en-US" dirty="0" smtClean="0"/>
+              <a:t>Sample use case (1): ensuring an application can only access a particular S3 bucke</a:t>
+            </a:r>
+            <a:r>
+              <a:rPr lang="en-US" dirty="0" smtClean="0"/>
+              <a:t>t (or S3 bucket / prefix)</a:t>
+            </a:r>
+          </a:p>
+          <a:p>
+            <a:r>
+              <a:rPr lang="en-US" dirty="0" smtClean="0"/>
+              <a:t>Sample use case (2): allowing users to upload or read from only a particular </a:t>
+            </a:r>
+            <a:r>
+              <a:rPr lang="en-US" smtClean="0"/>
+              <a:t>S3 bucket</a:t>
+            </a:r>
+            <a:endParaRPr lang="en-US" dirty="0" smtClean="0"/>
+          </a:p>
+        </p:txBody>
+      </p:sp>
+      <p:sp>
+        <p:nvSpPr>
+          <p:cNvPr id="2" name="Title 1"/>
+          <p:cNvSpPr>
+            <a:spLocks noGrp="1"/>
+          </p:cNvSpPr>
+          <p:nvPr>
+            <p:ph type="title"/>
+          </p:nvPr>
+        </p:nvSpPr>
+        <p:spPr/>
+        <p:txBody>
+          <a:bodyPr>
+            <a:normAutofit/>
+          </a:bodyPr>
+          <a:lstStyle/>
+          <a:p>
+            <a:r>
+              <a:rPr lang="en-US" dirty="0" smtClean="0"/>
+              <a:t>Hands On: S3 IAM Access</a:t>
+            </a:r>
+            <a:endParaRPr lang="en-US" dirty="0"/>
+          </a:p>
+        </p:txBody>
+      </p:sp>
+      <p:sp>
+        <p:nvSpPr>
+          <p:cNvPr id="4" name="TextBox 3"/>
+          <p:cNvSpPr txBox="1"/>
+          <p:nvPr/>
+        </p:nvSpPr>
+        <p:spPr>
+          <a:xfrm>
+            <a:off x="10678781" y="4679784"/>
+            <a:ext cx="184666" cy="369332"/>
+          </a:xfrm>
+          <a:prstGeom prst="rect">
+            <a:avLst/>
+          </a:prstGeom>
+          <a:noFill/>
+        </p:spPr>
+        <p:txBody>
+          <a:bodyPr wrap="none" rtlCol="0">
+            <a:spAutoFit/>
+          </a:bodyPr>
+          <a:lstStyle/>
+          <a:p>
+            <a:endParaRPr lang="en-US"/>
+          </a:p>
+        </p:txBody>
+      </p:sp>
+    </p:spTree>
+    <p:extLst>
+      <p:ext uri="{BB962C8B-B14F-4D97-AF65-F5344CB8AC3E}">
+        <p14:creationId xmlns:p14="http://schemas.microsoft.com/office/powerpoint/2010/main" val="693792319"/>
+      </p:ext>
+    </p:extLst>
+  </p:cSld>
+  <p:clrMapOvr>
+    <a:masterClrMapping/>
+  </p:clrMapOvr>
+  <p:timing>
+    <p:tnLst>
+      <p:par>
+        <p:cTn xmlns:p14="http://schemas.microsoft.com/office/powerpoint/2010/main" id="1" dur="indefinite" restart="never" nodeType="tmRoot"/>
+      </p:par>
+    </p:tnLst>
+  </p:timing>
+</p:sld>
+</file>
+
+<file path=ppt/slides/slide23.xml><?xml version="1.0" encoding="utf-8"?>
+<p:sld xmlns:a="http://schemas.openxmlformats.org/drawingml/2006/main" xmlns:r="http://schemas.openxmlformats.org/officeDocument/2006/relationships" xmlns:p="http://schemas.openxmlformats.org/presentationml/2006/main">
+  <p:cSld>
+    <p:spTree>
+      <p:nvGrpSpPr>
+        <p:cNvPr id="1" name=""/>
+        <p:cNvGrpSpPr/>
+        <p:nvPr/>
+      </p:nvGrpSpPr>
+      <p:grpSpPr>
+        <a:xfrm>
+          <a:off x="0" y="0"/>
+          <a:ext cx="0" cy="0"/>
+          <a:chOff x="0" y="0"/>
+          <a:chExt cx="0" cy="0"/>
+        </a:xfrm>
+      </p:grpSpPr>
+      <p:sp>
+        <p:nvSpPr>
+          <p:cNvPr id="3" name="Content Placeholder 2"/>
+          <p:cNvSpPr>
+            <a:spLocks noGrp="1"/>
+          </p:cNvSpPr>
+          <p:nvPr>
+            <p:ph idx="1"/>
+          </p:nvPr>
+        </p:nvSpPr>
+        <p:spPr/>
+        <p:txBody>
+          <a:bodyPr>
+            <a:normAutofit/>
+          </a:bodyPr>
+          <a:lstStyle/>
+          <a:p>
+            <a:r>
+              <a:rPr lang="en-US" dirty="0" smtClean="0"/>
+              <a:t>Storage of all user and auto photos for a Ride Sharing network</a:t>
+            </a:r>
+          </a:p>
+          <a:p>
+            <a:r>
+              <a:rPr lang="en-US" dirty="0" smtClean="0"/>
+              <a:t>Origin for a CDN used by all company websites</a:t>
+            </a:r>
+          </a:p>
+          <a:p>
+            <a:r>
+              <a:rPr lang="en-US" dirty="0" smtClean="0"/>
+              <a:t>Archival Storage and Backup</a:t>
+            </a:r>
+          </a:p>
+          <a:p>
+            <a:r>
+              <a:rPr lang="en-US" dirty="0" smtClean="0"/>
+              <a:t>Performed analysis where Azure was less expensive due to cost of “PUTS” on AWS being higher than Azure</a:t>
+            </a:r>
+          </a:p>
+        </p:txBody>
+      </p:sp>
+      <p:sp>
+        <p:nvSpPr>
+          <p:cNvPr id="2" name="Title 1"/>
+          <p:cNvSpPr>
+            <a:spLocks noGrp="1"/>
+          </p:cNvSpPr>
+          <p:nvPr>
+            <p:ph type="title"/>
+          </p:nvPr>
+        </p:nvSpPr>
+        <p:spPr/>
+        <p:txBody>
+          <a:bodyPr/>
+          <a:lstStyle/>
+          <a:p>
+            <a:r>
+              <a:rPr lang="en-US" dirty="0" smtClean="0"/>
+              <a:t>S3: Practical Experience</a:t>
+            </a:r>
+            <a:endParaRPr lang="en-US" dirty="0"/>
+          </a:p>
+        </p:txBody>
+      </p:sp>
+    </p:spTree>
+    <p:extLst>
+      <p:ext uri="{BB962C8B-B14F-4D97-AF65-F5344CB8AC3E}">
+        <p14:creationId xmlns:p14="http://schemas.microsoft.com/office/powerpoint/2010/main" val="2648952938"/>
       </p:ext>
     </p:extLst>
   </p:cSld>

--- a/aws-s3/aws-s3.pptx
+++ b/aws-s3/aws-s3.pptx
@@ -5,7 +5,7 @@
     <p:sldMasterId id="2147483677" r:id="rId1"/>
   </p:sldMasterIdLst>
   <p:notesMasterIdLst>
-    <p:notesMasterId r:id="rId25"/>
+    <p:notesMasterId r:id="rId24"/>
   </p:notesMasterIdLst>
   <p:sldIdLst>
     <p:sldId id="302" r:id="rId2"/>
@@ -13,24 +13,23 @@
     <p:sldId id="301" r:id="rId4"/>
     <p:sldId id="285" r:id="rId5"/>
     <p:sldId id="286" r:id="rId6"/>
-    <p:sldId id="287" r:id="rId7"/>
-    <p:sldId id="288" r:id="rId8"/>
-    <p:sldId id="289" r:id="rId9"/>
-    <p:sldId id="293" r:id="rId10"/>
-    <p:sldId id="291" r:id="rId11"/>
-    <p:sldId id="292" r:id="rId12"/>
-    <p:sldId id="294" r:id="rId13"/>
-    <p:sldId id="295" r:id="rId14"/>
-    <p:sldId id="299" r:id="rId15"/>
-    <p:sldId id="296" r:id="rId16"/>
-    <p:sldId id="298" r:id="rId17"/>
-    <p:sldId id="278" r:id="rId18"/>
-    <p:sldId id="303" r:id="rId19"/>
-    <p:sldId id="305" r:id="rId20"/>
-    <p:sldId id="306" r:id="rId21"/>
-    <p:sldId id="300" r:id="rId22"/>
-    <p:sldId id="304" r:id="rId23"/>
-    <p:sldId id="283" r:id="rId24"/>
+    <p:sldId id="288" r:id="rId7"/>
+    <p:sldId id="289" r:id="rId8"/>
+    <p:sldId id="293" r:id="rId9"/>
+    <p:sldId id="291" r:id="rId10"/>
+    <p:sldId id="292" r:id="rId11"/>
+    <p:sldId id="294" r:id="rId12"/>
+    <p:sldId id="295" r:id="rId13"/>
+    <p:sldId id="299" r:id="rId14"/>
+    <p:sldId id="296" r:id="rId15"/>
+    <p:sldId id="298" r:id="rId16"/>
+    <p:sldId id="278" r:id="rId17"/>
+    <p:sldId id="303" r:id="rId18"/>
+    <p:sldId id="305" r:id="rId19"/>
+    <p:sldId id="306" r:id="rId20"/>
+    <p:sldId id="300" r:id="rId21"/>
+    <p:sldId id="304" r:id="rId22"/>
+    <p:sldId id="283" r:id="rId23"/>
   </p:sldIdLst>
   <p:sldSz cx="9144000" cy="6858000" type="screen4x3"/>
   <p:notesSz cx="6858000" cy="9144000"/>
@@ -129,6 +128,22 @@
       </a:defRPr>
     </a:lvl9pPr>
   </p:defaultTextStyle>
+  <p:extLst>
+    <p:ext uri="{EFAFB233-063F-42B5-8137-9DF3F51BA10A}">
+      <p15:sldGuideLst xmlns:p15="http://schemas.microsoft.com/office/powerpoint/2012/main">
+        <p15:guide id="1" orient="horz" pos="2160">
+          <p15:clr>
+            <a:srgbClr val="A4A3A4"/>
+          </p15:clr>
+        </p15:guide>
+        <p15:guide id="2" pos="2880">
+          <p15:clr>
+            <a:srgbClr val="A4A3A4"/>
+          </p15:clr>
+        </p15:guide>
+      </p15:sldGuideLst>
+    </p:ext>
+  </p:extLst>
 </p:presentation>
 </file>
 
@@ -214,7 +229,7 @@
           <a:p>
             <a:fld id="{1B6676A5-1300-B945-98B1-DD92DDC3A3CB}" type="datetimeFigureOut">
               <a:rPr lang="en-US" smtClean="0"/>
-              <a:t>4/22/15</a:t>
+              <a:t>11/22/15</a:t>
             </a:fld>
             <a:endParaRPr lang="en-US"/>
           </a:p>
@@ -665,6 +680,71 @@
           <a:bodyPr/>
           <a:lstStyle/>
           <a:p>
+            <a:r>
+              <a:rPr lang="en-US" dirty="0" smtClean="0"/>
+              <a:t>References:</a:t>
+            </a:r>
+          </a:p>
+          <a:p>
+            <a:pPr marL="171450" marR="0" indent="-171450" algn="l" defTabSz="457200" rtl="0" eaLnBrk="1" fontAlgn="auto" latinLnBrk="0" hangingPunct="1">
+              <a:lnSpc>
+                <a:spcPct val="100000"/>
+              </a:lnSpc>
+              <a:spcBef>
+                <a:spcPts val="0"/>
+              </a:spcBef>
+              <a:spcAft>
+                <a:spcPts val="0"/>
+              </a:spcAft>
+              <a:buClrTx/>
+              <a:buSzTx/>
+              <a:buFont typeface="Arial"/>
+              <a:buChar char="•"/>
+              <a:tabLst/>
+              <a:defRPr/>
+            </a:pPr>
+            <a:r>
+              <a:rPr lang="en-US" dirty="0" smtClean="0"/>
+              <a:t>Bucket ACLs Effectively</a:t>
+            </a:r>
+            <a:r>
+              <a:rPr lang="en-US" baseline="0" dirty="0" smtClean="0"/>
+              <a:t> </a:t>
+            </a:r>
+            <a:r>
+              <a:rPr lang="en-US" dirty="0" smtClean="0"/>
+              <a:t>Deprecated: http://</a:t>
+            </a:r>
+            <a:r>
+              <a:rPr lang="en-US" dirty="0" err="1" smtClean="0"/>
+              <a:t>docs.aws.amazon.com</a:t>
+            </a:r>
+            <a:r>
+              <a:rPr lang="en-US" dirty="0" smtClean="0"/>
+              <a:t>/AmazonS3/latest/</a:t>
+            </a:r>
+            <a:r>
+              <a:rPr lang="en-US" dirty="0" err="1" smtClean="0"/>
+              <a:t>dev</a:t>
+            </a:r>
+            <a:r>
+              <a:rPr lang="en-US" dirty="0" smtClean="0"/>
+              <a:t>/access-policy-alternatives-</a:t>
+            </a:r>
+            <a:r>
+              <a:rPr lang="en-US" dirty="0" err="1" smtClean="0"/>
+              <a:t>guidelines.html</a:t>
+            </a:r>
+            <a:endParaRPr lang="en-US" dirty="0" smtClean="0"/>
+          </a:p>
+          <a:p>
+            <a:endParaRPr lang="en-US" dirty="0" smtClean="0"/>
+          </a:p>
+          <a:p>
+            <a:pPr marL="171450" indent="-171450">
+              <a:buFont typeface="Arial"/>
+              <a:buChar char="•"/>
+            </a:pPr>
             <a:endParaRPr lang="en-US" dirty="0" smtClean="0"/>
           </a:p>
         </p:txBody>
@@ -755,61 +835,6 @@
             </a:r>
           </a:p>
           <a:p>
-            <a:pPr marL="171450" marR="0" indent="-171450" algn="l" defTabSz="457200" rtl="0" eaLnBrk="1" fontAlgn="auto" latinLnBrk="0" hangingPunct="1">
-              <a:lnSpc>
-                <a:spcPct val="100000"/>
-              </a:lnSpc>
-              <a:spcBef>
-                <a:spcPts val="0"/>
-              </a:spcBef>
-              <a:spcAft>
-                <a:spcPts val="0"/>
-              </a:spcAft>
-              <a:buClrTx/>
-              <a:buSzTx/>
-              <a:buFont typeface="Arial"/>
-              <a:buChar char="•"/>
-              <a:tabLst/>
-              <a:defRPr/>
-            </a:pPr>
-            <a:r>
-              <a:rPr lang="en-US" dirty="0" smtClean="0"/>
-              <a:t>Bucket ACLs Effectively</a:t>
-            </a:r>
-            <a:r>
-              <a:rPr lang="en-US" baseline="0" dirty="0" smtClean="0"/>
-              <a:t> </a:t>
-            </a:r>
-            <a:r>
-              <a:rPr lang="en-US" dirty="0" smtClean="0"/>
-              <a:t>Deprecated: http://</a:t>
-            </a:r>
-            <a:r>
-              <a:rPr lang="en-US" dirty="0" err="1" smtClean="0"/>
-              <a:t>docs.aws.amazon.com</a:t>
-            </a:r>
-            <a:r>
-              <a:rPr lang="en-US" dirty="0" smtClean="0"/>
-              <a:t>/AmazonS3/latest/</a:t>
-            </a:r>
-            <a:r>
-              <a:rPr lang="en-US" dirty="0" err="1" smtClean="0"/>
-              <a:t>dev</a:t>
-            </a:r>
-            <a:r>
-              <a:rPr lang="en-US" dirty="0" smtClean="0"/>
-              <a:t>/access-policy-alternatives-</a:t>
-            </a:r>
-            <a:r>
-              <a:rPr lang="en-US" dirty="0" err="1" smtClean="0"/>
-              <a:t>guidelines.html</a:t>
-            </a:r>
-            <a:endParaRPr lang="en-US" dirty="0" smtClean="0"/>
-          </a:p>
-          <a:p>
-            <a:endParaRPr lang="en-US" dirty="0" smtClean="0"/>
-          </a:p>
-          <a:p>
             <a:pPr marL="171450" indent="-171450">
               <a:buFont typeface="Arial"/>
               <a:buChar char="•"/>
@@ -1086,16 +1111,6 @@
           <a:bodyPr/>
           <a:lstStyle/>
           <a:p>
-            <a:r>
-              <a:rPr lang="en-US" dirty="0" smtClean="0"/>
-              <a:t>References:</a:t>
-            </a:r>
-          </a:p>
-          <a:p>
-            <a:pPr marL="171450" indent="-171450">
-              <a:buFont typeface="Arial"/>
-              <a:buChar char="•"/>
-            </a:pPr>
             <a:endParaRPr lang="en-US" dirty="0" smtClean="0"/>
           </a:p>
         </p:txBody>
@@ -1180,6 +1195,86 @@
           <a:bodyPr/>
           <a:lstStyle/>
           <a:p>
+            <a:pPr marL="0" indent="0">
+              <a:buFont typeface="Arial"/>
+              <a:buNone/>
+            </a:pPr>
+            <a:r>
+              <a:rPr lang="en-US" dirty="0" smtClean="0"/>
+              <a:t>References:</a:t>
+            </a:r>
+          </a:p>
+          <a:p>
+            <a:pPr marL="171450" indent="-171450">
+              <a:buFont typeface="Arial"/>
+              <a:buChar char="•"/>
+            </a:pPr>
+            <a:r>
+              <a:rPr lang="en-US" dirty="0" smtClean="0"/>
+              <a:t>Sequential Keys:</a:t>
+            </a:r>
+            <a:r>
+              <a:rPr lang="en-US" baseline="0" dirty="0" smtClean="0"/>
+              <a:t> </a:t>
+            </a:r>
+            <a:r>
+              <a:rPr lang="en-US" dirty="0" smtClean="0"/>
+              <a:t>https://</a:t>
+            </a:r>
+            <a:r>
+              <a:rPr lang="en-US" dirty="0" err="1" smtClean="0"/>
+              <a:t>aws.amazon.com</a:t>
+            </a:r>
+            <a:r>
+              <a:rPr lang="en-US" dirty="0" smtClean="0"/>
+              <a:t>/blogs/</a:t>
+            </a:r>
+            <a:r>
+              <a:rPr lang="en-US" dirty="0" err="1" smtClean="0"/>
+              <a:t>aws</a:t>
+            </a:r>
+            <a:r>
+              <a:rPr lang="en-US" dirty="0" smtClean="0"/>
+              <a:t>/amazon-s3-performance-tips-tricks-seattle-hiring-event</a:t>
+            </a:r>
+            <a:r>
+              <a:rPr lang="en-US" dirty="0" smtClean="0"/>
+              <a:t>/</a:t>
+            </a:r>
+          </a:p>
+          <a:p>
+            <a:pPr marL="171450" indent="-171450">
+              <a:buFont typeface="Arial"/>
+              <a:buChar char="•"/>
+            </a:pPr>
+            <a:r>
+              <a:rPr lang="en-US" dirty="0" smtClean="0"/>
+              <a:t>100 Bucket soft-limi</a:t>
+            </a:r>
+            <a:r>
+              <a:rPr lang="en-US" baseline="0" dirty="0" smtClean="0"/>
+              <a:t>t: http://</a:t>
+            </a:r>
+            <a:r>
+              <a:rPr lang="en-US" baseline="0" dirty="0" err="1" smtClean="0"/>
+              <a:t>docs.aws.amazon.com</a:t>
+            </a:r>
+            <a:r>
+              <a:rPr lang="en-US" baseline="0" dirty="0" smtClean="0"/>
+              <a:t>/AmazonS3/latest/</a:t>
+            </a:r>
+            <a:r>
+              <a:rPr lang="en-US" baseline="0" dirty="0" err="1" smtClean="0"/>
+              <a:t>dev</a:t>
+            </a:r>
+            <a:r>
+              <a:rPr lang="en-US" baseline="0" dirty="0" smtClean="0"/>
+              <a:t>/</a:t>
+            </a:r>
+            <a:r>
+              <a:rPr lang="en-US" baseline="0" dirty="0" err="1" smtClean="0"/>
+              <a:t>BucketRestrictions.html</a:t>
+            </a:r>
             <a:endParaRPr lang="en-US" dirty="0" smtClean="0"/>
           </a:p>
         </p:txBody>
@@ -1280,32 +1375,37 @@
             </a:pPr>
             <a:r>
               <a:rPr lang="en-US" dirty="0" smtClean="0"/>
-              <a:t>Sequential Keys:</a:t>
-            </a:r>
-            <a:r>
-              <a:rPr lang="en-US" baseline="0" dirty="0" smtClean="0"/>
-              <a:t> </a:t>
+              <a:t>http://</a:t>
+            </a:r>
+            <a:r>
+              <a:rPr lang="en-US" dirty="0" err="1" smtClean="0"/>
+              <a:t>docs.aws.amazon.com</a:t>
             </a:r>
             <a:r>
               <a:rPr lang="en-US" dirty="0" smtClean="0"/>
-              <a:t>https://</a:t>
+              <a:t>/AmazonS3/latest/</a:t>
             </a:r>
             <a:r>
               <a:rPr lang="en-US" dirty="0" err="1" smtClean="0"/>
-              <a:t>aws.amazon.com</a:t>
+              <a:t>dev</a:t>
             </a:r>
             <a:r>
               <a:rPr lang="en-US" dirty="0" smtClean="0"/>
-              <a:t>/blogs/</a:t>
+              <a:t>/request-rate-</a:t>
             </a:r>
             <a:r>
               <a:rPr lang="en-US" dirty="0" err="1" smtClean="0"/>
-              <a:t>aws</a:t>
+              <a:t>perf</a:t>
             </a:r>
             <a:r>
               <a:rPr lang="en-US" dirty="0" smtClean="0"/>
-              <a:t>/amazon-s3-performance-tips-tricks-seattle-hiring-event/</a:t>
-            </a:r>
+              <a:t>-</a:t>
+            </a:r>
+            <a:r>
+              <a:rPr lang="en-US" dirty="0" err="1" smtClean="0"/>
+              <a:t>considerations.html</a:t>
+            </a:r>
+            <a:endParaRPr lang="en-US" dirty="0" smtClean="0"/>
           </a:p>
         </p:txBody>
       </p:sp>
@@ -1437,6 +1537,13 @@
             </a:r>
             <a:endParaRPr lang="en-US" dirty="0" smtClean="0"/>
           </a:p>
+          <a:p>
+            <a:pPr marL="171450" indent="-171450">
+              <a:buFont typeface="Arial"/>
+              <a:buChar char="•"/>
+            </a:pPr>
+            <a:endParaRPr lang="en-US" dirty="0" smtClean="0"/>
+          </a:p>
         </p:txBody>
       </p:sp>
       <p:sp>
@@ -1656,10 +1763,6 @@
           <a:bodyPr/>
           <a:lstStyle/>
           <a:p>
-            <a:pPr marL="0" indent="0">
-              <a:buFont typeface="Arial"/>
-              <a:buNone/>
-            </a:pPr>
             <a:r>
               <a:rPr lang="en-US" dirty="0" smtClean="0"/>
               <a:t>References:</a:t>
@@ -1672,44 +1775,24 @@
             </a:pPr>
             <a:r>
               <a:rPr lang="en-US" dirty="0" smtClean="0"/>
-              <a:t>http://</a:t>
+              <a:t>https://</a:t>
             </a:r>
             <a:r>
               <a:rPr lang="en-US" dirty="0" err="1" smtClean="0"/>
-              <a:t>docs.aws.amazon.com</a:t>
+              <a:t>aws.amazon.com</a:t>
             </a:r>
             <a:r>
               <a:rPr lang="en-US" dirty="0" smtClean="0"/>
-              <a:t>/AmazonS3/latest/</a:t>
+              <a:t>/blogs/</a:t>
             </a:r>
             <a:r>
               <a:rPr lang="en-US" dirty="0" err="1" smtClean="0"/>
-              <a:t>dev</a:t>
+              <a:t>aws</a:t>
             </a:r>
             <a:r>
               <a:rPr lang="en-US" dirty="0" smtClean="0"/>
-              <a:t>/request-rate-</a:t>
-            </a:r>
-            <a:r>
-              <a:rPr lang="en-US" dirty="0" err="1" smtClean="0"/>
-              <a:t>perf</a:t>
-            </a:r>
-            <a:r>
-              <a:rPr lang="en-US" dirty="0" smtClean="0"/>
-              <a:t>-</a:t>
-            </a:r>
-            <a:r>
-              <a:rPr lang="en-US" dirty="0" err="1" smtClean="0"/>
-              <a:t>considerations.html</a:t>
-            </a:r>
-            <a:endParaRPr lang="en-US" dirty="0" smtClean="0"/>
-          </a:p>
-          <a:p>
-            <a:pPr marL="171450" indent="-171450">
-              <a:buFont typeface="Arial"/>
-              <a:buChar char="•"/>
-            </a:pPr>
-            <a:endParaRPr lang="en-US" dirty="0" smtClean="0"/>
+              <a:t>/new-cross-region-replication-for-amazon-s3/</a:t>
+            </a:r>
           </a:p>
         </p:txBody>
       </p:sp>
@@ -2047,7 +2130,11 @@
           <a:p>
             <a:r>
               <a:rPr lang="en-US" dirty="0" smtClean="0"/>
-              <a:t>References:</a:t>
+              <a:t>Cost of</a:t>
+            </a:r>
+            <a:r>
+              <a:rPr lang="en-US" baseline="0" dirty="0" smtClean="0"/>
+              <a:t> PUTS on AWS higher than Azure:</a:t>
             </a:r>
           </a:p>
           <a:p>
@@ -2057,23 +2144,37 @@
             </a:pPr>
             <a:r>
               <a:rPr lang="en-US" dirty="0" smtClean="0"/>
-              <a:t>https://</a:t>
+              <a:t>PUT</a:t>
+            </a:r>
+            <a:r>
+              <a:rPr lang="en-US" baseline="0" dirty="0" smtClean="0"/>
+              <a:t> is $0.005 on AWS: http://</a:t>
+            </a:r>
+            <a:r>
+              <a:rPr lang="en-US" baseline="0" dirty="0" err="1" smtClean="0"/>
+              <a:t>aws.amazon.com</a:t>
+            </a:r>
+            <a:r>
+              <a:rPr lang="en-US" baseline="0" dirty="0" smtClean="0"/>
+              <a:t>/s3/pricing/</a:t>
+            </a:r>
+          </a:p>
+          <a:p>
+            <a:pPr marL="171450" indent="-171450">
+              <a:buFont typeface="Arial"/>
+              <a:buChar char="•"/>
+            </a:pPr>
+            <a:r>
+              <a:rPr lang="en-US" dirty="0" smtClean="0"/>
+              <a:t>All Transactions are $0.0036 on Azure: http://</a:t>
             </a:r>
             <a:r>
               <a:rPr lang="en-US" dirty="0" err="1" smtClean="0"/>
-              <a:t>aws.amazon.com</a:t>
+              <a:t>azure.microsoft.com</a:t>
             </a:r>
             <a:r>
               <a:rPr lang="en-US" dirty="0" smtClean="0"/>
-              <a:t>/blogs/</a:t>
-            </a:r>
-            <a:r>
-              <a:rPr lang="en-US" dirty="0" err="1" smtClean="0"/>
-              <a:t>aws</a:t>
-            </a:r>
-            <a:r>
-              <a:rPr lang="en-US" dirty="0" smtClean="0"/>
-              <a:t>/new-cross-region-replication-for-amazon-s3/</a:t>
+              <a:t>/en-us/pricing/details/storage/</a:t>
             </a:r>
           </a:p>
         </p:txBody>
@@ -2096,137 +2197,6 @@
             <a:fld id="{BFB43062-714D-1146-A97F-0D45BD9E7BF0}" type="slidenum">
               <a:rPr lang="en-US" smtClean="0"/>
               <a:t>22</a:t>
-            </a:fld>
-            <a:endParaRPr lang="en-US"/>
-          </a:p>
-        </p:txBody>
-      </p:sp>
-    </p:spTree>
-    <p:extLst>
-      <p:ext uri="{BB962C8B-B14F-4D97-AF65-F5344CB8AC3E}">
-        <p14:creationId xmlns:p14="http://schemas.microsoft.com/office/powerpoint/2010/main" val="494559740"/>
-      </p:ext>
-    </p:extLst>
-  </p:cSld>
-  <p:clrMapOvr>
-    <a:masterClrMapping/>
-  </p:clrMapOvr>
-</p:notes>
-</file>
-
-<file path=ppt/notesSlides/notesSlide22.xml><?xml version="1.0" encoding="utf-8"?>
-<p:notes xmlns:a="http://schemas.openxmlformats.org/drawingml/2006/main" xmlns:r="http://schemas.openxmlformats.org/officeDocument/2006/relationships" xmlns:p="http://schemas.openxmlformats.org/presentationml/2006/main">
-  <p:cSld>
-    <p:spTree>
-      <p:nvGrpSpPr>
-        <p:cNvPr id="1" name=""/>
-        <p:cNvGrpSpPr/>
-        <p:nvPr/>
-      </p:nvGrpSpPr>
-      <p:grpSpPr>
-        <a:xfrm>
-          <a:off x="0" y="0"/>
-          <a:ext cx="0" cy="0"/>
-          <a:chOff x="0" y="0"/>
-          <a:chExt cx="0" cy="0"/>
-        </a:xfrm>
-      </p:grpSpPr>
-      <p:sp>
-        <p:nvSpPr>
-          <p:cNvPr id="2" name="Slide Image Placeholder 1"/>
-          <p:cNvSpPr>
-            <a:spLocks noGrp="1" noRot="1" noChangeAspect="1"/>
-          </p:cNvSpPr>
-          <p:nvPr>
-            <p:ph type="sldImg"/>
-          </p:nvPr>
-        </p:nvSpPr>
-        <p:spPr/>
-      </p:sp>
-      <p:sp>
-        <p:nvSpPr>
-          <p:cNvPr id="3" name="Notes Placeholder 2"/>
-          <p:cNvSpPr>
-            <a:spLocks noGrp="1"/>
-          </p:cNvSpPr>
-          <p:nvPr>
-            <p:ph type="body" idx="1"/>
-          </p:nvPr>
-        </p:nvSpPr>
-        <p:spPr/>
-        <p:txBody>
-          <a:bodyPr/>
-          <a:lstStyle/>
-          <a:p>
-            <a:r>
-              <a:rPr lang="en-US" dirty="0" smtClean="0"/>
-              <a:t>Cost of</a:t>
-            </a:r>
-            <a:r>
-              <a:rPr lang="en-US" baseline="0" dirty="0" smtClean="0"/>
-              <a:t> PUTS on AWS higher than Azure:</a:t>
-            </a:r>
-          </a:p>
-          <a:p>
-            <a:pPr marL="171450" indent="-171450">
-              <a:buFont typeface="Arial"/>
-              <a:buChar char="•"/>
-            </a:pPr>
-            <a:r>
-              <a:rPr lang="en-US" dirty="0" smtClean="0"/>
-              <a:t>PUT</a:t>
-            </a:r>
-            <a:r>
-              <a:rPr lang="en-US" baseline="0" dirty="0" smtClean="0"/>
-              <a:t> is $0.005 on AWS: http://</a:t>
-            </a:r>
-            <a:r>
-              <a:rPr lang="en-US" baseline="0" dirty="0" err="1" smtClean="0"/>
-              <a:t>aws.amazon.com</a:t>
-            </a:r>
-            <a:r>
-              <a:rPr lang="en-US" baseline="0" dirty="0" smtClean="0"/>
-              <a:t>/s3/pricing/</a:t>
-            </a:r>
-          </a:p>
-          <a:p>
-            <a:pPr marL="171450" indent="-171450">
-              <a:buFont typeface="Arial"/>
-              <a:buChar char="•"/>
-            </a:pPr>
-            <a:r>
-              <a:rPr lang="en-US" dirty="0" smtClean="0"/>
-              <a:t>All Transactions are $0.0036 on Azure: http://</a:t>
-            </a:r>
-            <a:r>
-              <a:rPr lang="en-US" dirty="0" err="1" smtClean="0"/>
-              <a:t>azure.microsoft.com</a:t>
-            </a:r>
-            <a:r>
-              <a:rPr lang="en-US" dirty="0" smtClean="0"/>
-              <a:t>/en-us/pricing/details/storage/</a:t>
-            </a:r>
-          </a:p>
-        </p:txBody>
-      </p:sp>
-      <p:sp>
-        <p:nvSpPr>
-          <p:cNvPr id="4" name="Slide Number Placeholder 3"/>
-          <p:cNvSpPr>
-            <a:spLocks noGrp="1"/>
-          </p:cNvSpPr>
-          <p:nvPr>
-            <p:ph type="sldNum" sz="quarter" idx="10"/>
-          </p:nvPr>
-        </p:nvSpPr>
-        <p:spPr/>
-        <p:txBody>
-          <a:bodyPr/>
-          <a:lstStyle/>
-          <a:p>
-            <a:fld id="{BFB43062-714D-1146-A97F-0D45BD9E7BF0}" type="slidenum">
-              <a:rPr lang="en-US" smtClean="0"/>
-              <a:t>23</a:t>
             </a:fld>
             <a:endParaRPr lang="en-US"/>
           </a:p>
@@ -2537,63 +2507,33 @@
             </a:pPr>
             <a:r>
               <a:rPr lang="en-US" dirty="0" smtClean="0"/>
-              <a:t>Consistency Model: http://</a:t>
-            </a:r>
-            <a:r>
-              <a:rPr lang="en-US" dirty="0" err="1" smtClean="0"/>
+              <a:t>Document that makes sense of the</a:t>
+            </a:r>
+            <a:r>
+              <a:rPr lang="en-US" baseline="0" dirty="0" smtClean="0"/>
+              <a:t> S3 Permissions Mess: http://</a:t>
+            </a:r>
+            <a:r>
+              <a:rPr lang="en-US" baseline="0" dirty="0" err="1" smtClean="0"/>
               <a:t>docs.aws.amazon.com</a:t>
             </a:r>
             <a:r>
-              <a:rPr lang="en-US" dirty="0" smtClean="0"/>
+              <a:rPr lang="en-US" baseline="0" dirty="0" smtClean="0"/>
               <a:t>/AmazonS3/latest/</a:t>
             </a:r>
             <a:r>
-              <a:rPr lang="en-US" dirty="0" err="1" smtClean="0"/>
+              <a:rPr lang="en-US" baseline="0" dirty="0" err="1" smtClean="0"/>
               <a:t>dev</a:t>
             </a:r>
             <a:r>
-              <a:rPr lang="en-US" dirty="0" smtClean="0"/>
-              <a:t>/</a:t>
-            </a:r>
-            <a:r>
-              <a:rPr lang="en-US" dirty="0" err="1" smtClean="0"/>
-              <a:t>Introduction.html#ConsistencyMode</a:t>
+              <a:rPr lang="en-US" baseline="0" dirty="0" smtClean="0"/>
+              <a:t>/access-control-</a:t>
+            </a:r>
+            <a:r>
+              <a:rPr lang="en-US" baseline="0" dirty="0" err="1" smtClean="0"/>
+              <a:t>overview.html</a:t>
             </a:r>
             <a:endParaRPr lang="en-US" dirty="0" smtClean="0"/>
-          </a:p>
-          <a:p>
-            <a:pPr marL="171450" indent="-171450">
-              <a:buFont typeface="Arial"/>
-              <a:buChar char="•"/>
-            </a:pPr>
-            <a:r>
-              <a:rPr lang="en-US" dirty="0" smtClean="0"/>
-              <a:t>Consistency Model:</a:t>
-            </a:r>
-            <a:r>
-              <a:rPr lang="en-US" baseline="0" dirty="0" smtClean="0"/>
-              <a:t> </a:t>
-            </a:r>
-            <a:r>
-              <a:rPr lang="en-US" dirty="0" smtClean="0"/>
-              <a:t>http://</a:t>
-            </a:r>
-            <a:r>
-              <a:rPr lang="en-US" dirty="0" err="1" smtClean="0"/>
-              <a:t>aws.amazon.com</a:t>
-            </a:r>
-            <a:r>
-              <a:rPr lang="en-US" dirty="0" smtClean="0"/>
-              <a:t>/s3/</a:t>
-            </a:r>
-            <a:r>
-              <a:rPr lang="en-US" dirty="0" err="1" smtClean="0"/>
-              <a:t>faqs</a:t>
-            </a:r>
-            <a:r>
-              <a:rPr lang="en-US" dirty="0" smtClean="0"/>
-              <a:t>/</a:t>
-            </a:r>
           </a:p>
         </p:txBody>
       </p:sp>
@@ -2677,44 +2617,6 @@
           <a:bodyPr/>
           <a:lstStyle/>
           <a:p>
-            <a:r>
-              <a:rPr lang="en-US" dirty="0" smtClean="0"/>
-              <a:t>References:</a:t>
-            </a:r>
-          </a:p>
-          <a:p>
-            <a:pPr marL="171450" indent="-171450">
-              <a:buFont typeface="Arial"/>
-              <a:buChar char="•"/>
-            </a:pPr>
-            <a:r>
-              <a:rPr lang="en-US" dirty="0" smtClean="0"/>
-              <a:t>Document that makes sense of the</a:t>
-            </a:r>
-            <a:r>
-              <a:rPr lang="en-US" baseline="0" dirty="0" smtClean="0"/>
-              <a:t> S3 Permissions Mess: http://</a:t>
-            </a:r>
-            <a:r>
-              <a:rPr lang="en-US" baseline="0" dirty="0" err="1" smtClean="0"/>
-              <a:t>docs.aws.amazon.com</a:t>
-            </a:r>
-            <a:r>
-              <a:rPr lang="en-US" baseline="0" dirty="0" smtClean="0"/>
-              <a:t>/AmazonS3/latest/</a:t>
-            </a:r>
-            <a:r>
-              <a:rPr lang="en-US" baseline="0" dirty="0" err="1" smtClean="0"/>
-              <a:t>dev</a:t>
-            </a:r>
-            <a:r>
-              <a:rPr lang="en-US" baseline="0" dirty="0" smtClean="0"/>
-              <a:t>/access-control-</a:t>
-            </a:r>
-            <a:r>
-              <a:rPr lang="en-US" baseline="0" dirty="0" err="1" smtClean="0"/>
-              <a:t>overview.html</a:t>
-            </a:r>
             <a:endParaRPr lang="en-US" dirty="0" smtClean="0"/>
           </a:p>
         </p:txBody>
@@ -2799,6 +2701,40 @@
           <a:bodyPr/>
           <a:lstStyle/>
           <a:p>
+            <a:r>
+              <a:rPr lang="en-US" dirty="0" smtClean="0"/>
+              <a:t>Reference:</a:t>
+            </a:r>
+          </a:p>
+          <a:p>
+            <a:pPr marL="171450" indent="-171450">
+              <a:buFont typeface="Arial"/>
+              <a:buChar char="•"/>
+            </a:pPr>
+            <a:r>
+              <a:rPr lang="en-US" dirty="0" smtClean="0"/>
+              <a:t>Example</a:t>
+            </a:r>
+            <a:r>
+              <a:rPr lang="en-US" baseline="0" dirty="0" smtClean="0"/>
+              <a:t> IAM Policy for S3 Bucket Access: http://</a:t>
+            </a:r>
+            <a:r>
+              <a:rPr lang="en-US" baseline="0" dirty="0" err="1" smtClean="0"/>
+              <a:t>docs.aws.amazon.com</a:t>
+            </a:r>
+            <a:r>
+              <a:rPr lang="en-US" baseline="0" dirty="0" smtClean="0"/>
+              <a:t>/IAM/latest/</a:t>
+            </a:r>
+            <a:r>
+              <a:rPr lang="en-US" baseline="0" dirty="0" err="1" smtClean="0"/>
+              <a:t>UserGuide</a:t>
+            </a:r>
+            <a:r>
+              <a:rPr lang="en-US" baseline="0" dirty="0" smtClean="0"/>
+              <a:t>/ExampleIAMPolicies.html#iampolicy-example-s3</a:t>
+            </a:r>
             <a:endParaRPr lang="en-US" dirty="0" smtClean="0"/>
           </a:p>
         </p:txBody>
@@ -2885,7 +2821,7 @@
           <a:p>
             <a:r>
               <a:rPr lang="en-US" dirty="0" smtClean="0"/>
-              <a:t>Reference:</a:t>
+              <a:t>References:</a:t>
             </a:r>
           </a:p>
           <a:p>
@@ -2895,11 +2831,11 @@
             </a:pPr>
             <a:r>
               <a:rPr lang="en-US" dirty="0" smtClean="0"/>
-              <a:t>Example</a:t>
+              <a:t>Grant Access By</a:t>
             </a:r>
             <a:r>
               <a:rPr lang="en-US" baseline="0" dirty="0" smtClean="0"/>
-              <a:t> IAM Policy for S3 Bucket Access: http://</a:t>
+              <a:t> IP Address: http://</a:t>
             </a:r>
             <a:r>
               <a:rPr lang="en-US" baseline="0" dirty="0" err="1" smtClean="0"/>
@@ -2907,15 +2843,15 @@
             </a:r>
             <a:r>
               <a:rPr lang="en-US" baseline="0" dirty="0" smtClean="0"/>
-              <a:t>/IAM/latest/</a:t>
+              <a:t>/AmazonS3/latest/</a:t>
             </a:r>
             <a:r>
               <a:rPr lang="en-US" baseline="0" dirty="0" err="1" smtClean="0"/>
-              <a:t>UserGuide</a:t>
+              <a:t>dev</a:t>
             </a:r>
             <a:r>
               <a:rPr lang="en-US" baseline="0" dirty="0" smtClean="0"/>
-              <a:t>/ExampleIAMPolicies.html#iampolicy-example-s3</a:t>
+              <a:t>/example-bucket-policies.html#example-bucket-policies-use-case-3</a:t>
             </a:r>
             <a:endParaRPr lang="en-US" dirty="0" smtClean="0"/>
           </a:p>
@@ -3001,40 +2937,6 @@
           <a:bodyPr/>
           <a:lstStyle/>
           <a:p>
-            <a:r>
-              <a:rPr lang="en-US" dirty="0" smtClean="0"/>
-              <a:t>References:</a:t>
-            </a:r>
-          </a:p>
-          <a:p>
-            <a:pPr marL="171450" indent="-171450">
-              <a:buFont typeface="Arial"/>
-              <a:buChar char="•"/>
-            </a:pPr>
-            <a:r>
-              <a:rPr lang="en-US" dirty="0" smtClean="0"/>
-              <a:t>Grant Access By</a:t>
-            </a:r>
-            <a:r>
-              <a:rPr lang="en-US" baseline="0" dirty="0" smtClean="0"/>
-              <a:t> IP Address: http://</a:t>
-            </a:r>
-            <a:r>
-              <a:rPr lang="en-US" baseline="0" dirty="0" err="1" smtClean="0"/>
-              <a:t>docs.aws.amazon.com</a:t>
-            </a:r>
-            <a:r>
-              <a:rPr lang="en-US" baseline="0" dirty="0" smtClean="0"/>
-              <a:t>/AmazonS3/latest/</a:t>
-            </a:r>
-            <a:r>
-              <a:rPr lang="en-US" baseline="0" dirty="0" err="1" smtClean="0"/>
-              <a:t>dev</a:t>
-            </a:r>
-            <a:r>
-              <a:rPr lang="en-US" baseline="0" dirty="0" smtClean="0"/>
-              <a:t>/example-bucket-policies.html#example-bucket-policies-use-case-3</a:t>
-            </a:r>
             <a:endParaRPr lang="en-US" dirty="0" smtClean="0"/>
           </a:p>
         </p:txBody>
@@ -4887,7 +4789,7 @@
           <a:p>
             <a:fld id="{7CE38E4D-051A-41E1-86A4-E56916468FD0}" type="datetimeFigureOut">
               <a:rPr lang="en-US" smtClean="0"/>
-              <a:t>4/22/15</a:t>
+              <a:t>11/22/15</a:t>
             </a:fld>
             <a:endParaRPr lang="en-US"/>
           </a:p>
@@ -5068,7 +4970,7 @@
           <a:p>
             <a:fld id="{7CE38E4D-051A-41E1-86A4-E56916468FD0}" type="datetimeFigureOut">
               <a:rPr lang="en-US" smtClean="0"/>
-              <a:t>4/22/15</a:t>
+              <a:t>11/22/15</a:t>
             </a:fld>
             <a:endParaRPr lang="en-US"/>
           </a:p>
@@ -5219,7 +5121,7 @@
           <a:p>
             <a:fld id="{7CE38E4D-051A-41E1-86A4-E56916468FD0}" type="datetimeFigureOut">
               <a:rPr lang="en-US" smtClean="0"/>
-              <a:t>4/22/15</a:t>
+              <a:t>11/22/15</a:t>
             </a:fld>
             <a:endParaRPr lang="en-US"/>
           </a:p>
@@ -7045,7 +6947,7 @@
           <a:p>
             <a:fld id="{7CE38E4D-051A-41E1-86A4-E56916468FD0}" type="datetimeFigureOut">
               <a:rPr lang="en-US" smtClean="0"/>
-              <a:t>4/22/15</a:t>
+              <a:t>11/22/15</a:t>
             </a:fld>
             <a:endParaRPr lang="en-US"/>
           </a:p>
@@ -8915,7 +8817,7 @@
           <a:p>
             <a:fld id="{7CE38E4D-051A-41E1-86A4-E56916468FD0}" type="datetimeFigureOut">
               <a:rPr lang="en-US" smtClean="0"/>
-              <a:t>4/22/15</a:t>
+              <a:t>11/22/15</a:t>
             </a:fld>
             <a:endParaRPr lang="en-US"/>
           </a:p>
@@ -9028,7 +8930,7 @@
           <a:p>
             <a:fld id="{7CE38E4D-051A-41E1-86A4-E56916468FD0}" type="datetimeFigureOut">
               <a:rPr lang="en-US" smtClean="0"/>
-              <a:t>4/22/15</a:t>
+              <a:t>11/22/15</a:t>
             </a:fld>
             <a:endParaRPr lang="en-US"/>
           </a:p>
@@ -9569,7 +9471,7 @@
           <a:p>
             <a:fld id="{7CE38E4D-051A-41E1-86A4-E56916468FD0}" type="datetimeFigureOut">
               <a:rPr lang="en-US" smtClean="0"/>
-              <a:t>4/22/15</a:t>
+              <a:t>11/22/15</a:t>
             </a:fld>
             <a:endParaRPr lang="en-US"/>
           </a:p>
@@ -9682,7 +9584,7 @@
           <a:p>
             <a:fld id="{7CE38E4D-051A-41E1-86A4-E56916468FD0}" type="datetimeFigureOut">
               <a:rPr lang="en-US" smtClean="0"/>
-              <a:t>4/22/15</a:t>
+              <a:t>11/22/15</a:t>
             </a:fld>
             <a:endParaRPr lang="en-US"/>
           </a:p>
@@ -11393,7 +11295,7 @@
           <a:p>
             <a:fld id="{7CE38E4D-051A-41E1-86A4-E56916468FD0}" type="datetimeFigureOut">
               <a:rPr lang="en-US" smtClean="0"/>
-              <a:t>4/22/15</a:t>
+              <a:t>11/22/15</a:t>
             </a:fld>
             <a:endParaRPr lang="en-US"/>
           </a:p>
@@ -11544,7 +11446,7 @@
           <a:p>
             <a:fld id="{7CE38E4D-051A-41E1-86A4-E56916468FD0}" type="datetimeFigureOut">
               <a:rPr lang="en-US" smtClean="0"/>
-              <a:t>4/22/15</a:t>
+              <a:t>11/22/15</a:t>
             </a:fld>
             <a:endParaRPr lang="en-US"/>
           </a:p>
@@ -15159,7 +15061,7 @@
           <a:p>
             <a:fld id="{7CE38E4D-051A-41E1-86A4-E56916468FD0}" type="datetimeFigureOut">
               <a:rPr lang="en-US" smtClean="0"/>
-              <a:t>4/22/15</a:t>
+              <a:t>11/22/15</a:t>
             </a:fld>
             <a:endParaRPr lang="en-US"/>
           </a:p>
@@ -17018,7 +16920,7 @@
           <a:p>
             <a:fld id="{7CE38E4D-051A-41E1-86A4-E56916468FD0}" type="datetimeFigureOut">
               <a:rPr lang="en-US" smtClean="0"/>
-              <a:t>4/22/15</a:t>
+              <a:t>11/22/15</a:t>
             </a:fld>
             <a:endParaRPr lang="en-US"/>
           </a:p>
@@ -17604,7 +17506,7 @@
   <p:timing>
     <p:tnLst>
       <p:par>
-        <p:cTn xmlns:p14="http://schemas.microsoft.com/office/powerpoint/2010/main" id="1" dur="indefinite" restart="never" nodeType="tmRoot"/>
+        <p:cTn id="1" dur="indefinite" restart="never" nodeType="tmRoot"/>
       </p:par>
     </p:tnLst>
   </p:timing>
@@ -17612,178 +17514,6 @@
 </file>
 
 <file path=ppt/slides/slide10.xml><?xml version="1.0" encoding="utf-8"?>
-<p:sld xmlns:a="http://schemas.openxmlformats.org/drawingml/2006/main" xmlns:r="http://schemas.openxmlformats.org/officeDocument/2006/relationships" xmlns:p="http://schemas.openxmlformats.org/presentationml/2006/main">
-  <p:cSld>
-    <p:spTree>
-      <p:nvGrpSpPr>
-        <p:cNvPr id="1" name=""/>
-        <p:cNvGrpSpPr/>
-        <p:nvPr/>
-      </p:nvGrpSpPr>
-      <p:grpSpPr>
-        <a:xfrm>
-          <a:off x="0" y="0"/>
-          <a:ext cx="0" cy="0"/>
-          <a:chOff x="0" y="0"/>
-          <a:chExt cx="0" cy="0"/>
-        </a:xfrm>
-      </p:grpSpPr>
-      <p:sp>
-        <p:nvSpPr>
-          <p:cNvPr id="3" name="Content Placeholder 2"/>
-          <p:cNvSpPr>
-            <a:spLocks noGrp="1"/>
-          </p:cNvSpPr>
-          <p:nvPr>
-            <p:ph idx="1"/>
-          </p:nvPr>
-        </p:nvSpPr>
-        <p:spPr/>
-        <p:txBody>
-          <a:bodyPr>
-            <a:normAutofit fontScale="77500" lnSpcReduction="20000"/>
-          </a:bodyPr>
-          <a:lstStyle/>
-          <a:p>
-            <a:r>
-              <a:rPr lang="en-US" dirty="0"/>
-              <a:t>Considered a “Resource Policy” because assigned to </a:t>
-            </a:r>
-            <a:r>
-              <a:rPr lang="en-US" dirty="0" smtClean="0"/>
-              <a:t>an S3 resource</a:t>
-            </a:r>
-          </a:p>
-          <a:p>
-            <a:r>
-              <a:rPr lang="en-US" dirty="0" smtClean="0"/>
-              <a:t>Written in JSON</a:t>
-            </a:r>
-          </a:p>
-          <a:p>
-            <a:r>
-              <a:rPr lang="en-US" dirty="0" smtClean="0"/>
-              <a:t>Granularity:</a:t>
-            </a:r>
-          </a:p>
-          <a:p>
-            <a:pPr lvl="1"/>
-            <a:r>
-              <a:rPr lang="en-US" dirty="0"/>
-              <a:t>Control Specific Actions at an Object Level (example: allow write of object named: s3://</a:t>
-            </a:r>
-            <a:r>
-              <a:rPr lang="en-US" dirty="0" err="1"/>
-              <a:t>mybucket</a:t>
-            </a:r>
-            <a:r>
-              <a:rPr lang="en-US" dirty="0"/>
-              <a:t>/</a:t>
-            </a:r>
-            <a:r>
-              <a:rPr lang="en-US" dirty="0" err="1"/>
-              <a:t>test.txt</a:t>
-            </a:r>
-            <a:r>
-              <a:rPr lang="en-US" dirty="0" smtClean="0"/>
-              <a:t>)</a:t>
-            </a:r>
-          </a:p>
-          <a:p>
-            <a:r>
-              <a:rPr lang="en-US" dirty="0" smtClean="0"/>
-              <a:t>Scope:</a:t>
-            </a:r>
-          </a:p>
-          <a:p>
-            <a:pPr lvl="1"/>
-            <a:r>
-              <a:rPr lang="en-US" dirty="0" smtClean="0"/>
-              <a:t>Can grant anonymous access</a:t>
-            </a:r>
-          </a:p>
-          <a:p>
-            <a:pPr lvl="1"/>
-            <a:r>
-              <a:rPr lang="en-US" dirty="0" smtClean="0"/>
-              <a:t>Can grant access to any ARN Resource</a:t>
-            </a:r>
-          </a:p>
-          <a:p>
-            <a:pPr lvl="1"/>
-            <a:r>
-              <a:rPr lang="en-US" dirty="0" smtClean="0"/>
-              <a:t>Can grant access by other attributes, such as IP address</a:t>
-            </a:r>
-          </a:p>
-          <a:p>
-            <a:pPr lvl="1"/>
-            <a:r>
-              <a:rPr lang="en-US" dirty="0" smtClean="0"/>
-              <a:t>Is inherited by objects within bucket</a:t>
-            </a:r>
-          </a:p>
-          <a:p>
-            <a:r>
-              <a:rPr lang="en-US" dirty="0" smtClean="0"/>
-              <a:t>Typical Use:</a:t>
-            </a:r>
-          </a:p>
-          <a:p>
-            <a:pPr lvl="1"/>
-            <a:r>
-              <a:rPr lang="en-US" dirty="0" smtClean="0"/>
-              <a:t>Apply sweeping changes to entire bucket</a:t>
-            </a:r>
-          </a:p>
-        </p:txBody>
-      </p:sp>
-      <p:sp>
-        <p:nvSpPr>
-          <p:cNvPr id="2" name="Title 1"/>
-          <p:cNvSpPr>
-            <a:spLocks noGrp="1"/>
-          </p:cNvSpPr>
-          <p:nvPr>
-            <p:ph type="title"/>
-          </p:nvPr>
-        </p:nvSpPr>
-        <p:spPr/>
-        <p:txBody>
-          <a:bodyPr>
-            <a:normAutofit/>
-          </a:bodyPr>
-          <a:lstStyle/>
-          <a:p>
-            <a:r>
-              <a:rPr lang="en-US" dirty="0" smtClean="0"/>
-              <a:t>S3: Bucket Policy</a:t>
-            </a:r>
-            <a:endParaRPr lang="en-US" dirty="0"/>
-          </a:p>
-        </p:txBody>
-      </p:sp>
-    </p:spTree>
-    <p:extLst>
-      <p:ext uri="{BB962C8B-B14F-4D97-AF65-F5344CB8AC3E}">
-        <p14:creationId xmlns:p14="http://schemas.microsoft.com/office/powerpoint/2010/main" val="420447228"/>
-      </p:ext>
-    </p:extLst>
-  </p:cSld>
-  <p:clrMapOvr>
-    <a:masterClrMapping/>
-  </p:clrMapOvr>
-  <p:timing>
-    <p:tnLst>
-      <p:par>
-        <p:cTn xmlns:p14="http://schemas.microsoft.com/office/powerpoint/2010/main" id="1" dur="indefinite" restart="never" nodeType="tmRoot"/>
-      </p:par>
-    </p:tnLst>
-  </p:timing>
-</p:sld>
-</file>
-
-<file path=ppt/slides/slide11.xml><?xml version="1.0" encoding="utf-8"?>
 <p:sld xmlns:a="http://schemas.openxmlformats.org/drawingml/2006/main" xmlns:r="http://schemas.openxmlformats.org/officeDocument/2006/relationships" xmlns:p="http://schemas.openxmlformats.org/presentationml/2006/main">
   <p:cSld>
     <p:spTree>
@@ -17866,14 +17596,14 @@
   <p:timing>
     <p:tnLst>
       <p:par>
-        <p:cTn xmlns:p14="http://schemas.microsoft.com/office/powerpoint/2010/main" id="1" dur="indefinite" restart="never" nodeType="tmRoot"/>
+        <p:cTn id="1" dur="indefinite" restart="never" nodeType="tmRoot"/>
       </p:par>
     </p:tnLst>
   </p:timing>
 </p:sld>
 </file>
 
-<file path=ppt/slides/slide12.xml><?xml version="1.0" encoding="utf-8"?>
+<file path=ppt/slides/slide11.xml><?xml version="1.0" encoding="utf-8"?>
 <p:sld xmlns:a="http://schemas.openxmlformats.org/drawingml/2006/main" xmlns:r="http://schemas.openxmlformats.org/officeDocument/2006/relationships" xmlns:p="http://schemas.openxmlformats.org/presentationml/2006/main">
   <p:cSld>
     <p:spTree>
@@ -18032,14 +17762,14 @@
   <p:timing>
     <p:tnLst>
       <p:par>
-        <p:cTn xmlns:p14="http://schemas.microsoft.com/office/powerpoint/2010/main" id="1" dur="indefinite" restart="never" nodeType="tmRoot"/>
+        <p:cTn id="1" dur="indefinite" restart="never" nodeType="tmRoot"/>
       </p:par>
     </p:tnLst>
   </p:timing>
 </p:sld>
 </file>
 
-<file path=ppt/slides/slide13.xml><?xml version="1.0" encoding="utf-8"?>
+<file path=ppt/slides/slide12.xml><?xml version="1.0" encoding="utf-8"?>
 <p:sld xmlns:a="http://schemas.openxmlformats.org/drawingml/2006/main" xmlns:r="http://schemas.openxmlformats.org/officeDocument/2006/relationships" xmlns:p="http://schemas.openxmlformats.org/presentationml/2006/main">
   <p:cSld>
     <p:spTree>
@@ -18122,14 +17852,14 @@
   <p:timing>
     <p:tnLst>
       <p:par>
-        <p:cTn xmlns:p14="http://schemas.microsoft.com/office/powerpoint/2010/main" id="1" dur="indefinite" restart="never" nodeType="tmRoot"/>
+        <p:cTn id="1" dur="indefinite" restart="never" nodeType="tmRoot"/>
       </p:par>
     </p:tnLst>
   </p:timing>
 </p:sld>
 </file>
 
-<file path=ppt/slides/slide14.xml><?xml version="1.0" encoding="utf-8"?>
+<file path=ppt/slides/slide13.xml><?xml version="1.0" encoding="utf-8"?>
 <p:sld xmlns:a="http://schemas.openxmlformats.org/drawingml/2006/main" xmlns:r="http://schemas.openxmlformats.org/officeDocument/2006/relationships" xmlns:p="http://schemas.openxmlformats.org/presentationml/2006/main">
   <p:cSld>
     <p:spTree>
@@ -18281,14 +18011,14 @@
   <p:timing>
     <p:tnLst>
       <p:par>
-        <p:cTn xmlns:p14="http://schemas.microsoft.com/office/powerpoint/2010/main" id="1" dur="indefinite" restart="never" nodeType="tmRoot"/>
+        <p:cTn id="1" dur="indefinite" restart="never" nodeType="tmRoot"/>
       </p:par>
     </p:tnLst>
   </p:timing>
 </p:sld>
 </file>
 
-<file path=ppt/slides/slide15.xml><?xml version="1.0" encoding="utf-8"?>
+<file path=ppt/slides/slide14.xml><?xml version="1.0" encoding="utf-8"?>
 <p:sld xmlns:a="http://schemas.openxmlformats.org/drawingml/2006/main" xmlns:r="http://schemas.openxmlformats.org/officeDocument/2006/relationships" xmlns:p="http://schemas.openxmlformats.org/presentationml/2006/main">
   <p:cSld>
     <p:spTree>
@@ -18371,7 +18101,119 @@
   <p:timing>
     <p:tnLst>
       <p:par>
-        <p:cTn xmlns:p14="http://schemas.microsoft.com/office/powerpoint/2010/main" id="1" dur="indefinite" restart="never" nodeType="tmRoot"/>
+        <p:cTn id="1" dur="indefinite" restart="never" nodeType="tmRoot"/>
+      </p:par>
+    </p:tnLst>
+  </p:timing>
+</p:sld>
+</file>
+
+<file path=ppt/slides/slide15.xml><?xml version="1.0" encoding="utf-8"?>
+<p:sld xmlns:a="http://schemas.openxmlformats.org/drawingml/2006/main" xmlns:r="http://schemas.openxmlformats.org/officeDocument/2006/relationships" xmlns:p="http://schemas.openxmlformats.org/presentationml/2006/main">
+  <p:cSld>
+    <p:spTree>
+      <p:nvGrpSpPr>
+        <p:cNvPr id="1" name=""/>
+        <p:cNvGrpSpPr/>
+        <p:nvPr/>
+      </p:nvGrpSpPr>
+      <p:grpSpPr>
+        <a:xfrm>
+          <a:off x="0" y="0"/>
+          <a:ext cx="0" cy="0"/>
+          <a:chOff x="0" y="0"/>
+          <a:chExt cx="0" cy="0"/>
+        </a:xfrm>
+      </p:grpSpPr>
+      <p:sp>
+        <p:nvSpPr>
+          <p:cNvPr id="3" name="Content Placeholder 2"/>
+          <p:cNvSpPr>
+            <a:spLocks noGrp="1"/>
+          </p:cNvSpPr>
+          <p:nvPr>
+            <p:ph idx="1"/>
+          </p:nvPr>
+        </p:nvSpPr>
+        <p:spPr/>
+        <p:txBody>
+          <a:bodyPr>
+            <a:normAutofit/>
+          </a:bodyPr>
+          <a:lstStyle/>
+          <a:p>
+            <a:r>
+              <a:rPr lang="en-US" dirty="0" smtClean="0"/>
+              <a:t>Keep Access Rules Simple and Consistent</a:t>
+            </a:r>
+          </a:p>
+          <a:p>
+            <a:r>
+              <a:rPr lang="en-US" dirty="0" smtClean="0"/>
+              <a:t>For Users: use IAM Policies</a:t>
+            </a:r>
+          </a:p>
+          <a:p>
+            <a:r>
+              <a:rPr lang="en-US" dirty="0" smtClean="0"/>
+              <a:t>For Applications: use IAM Policies or IAM Roles</a:t>
+            </a:r>
+          </a:p>
+          <a:p>
+            <a:r>
+              <a:rPr lang="en-US" dirty="0" smtClean="0"/>
+              <a:t>For Public Access:</a:t>
+            </a:r>
+            <a:endParaRPr lang="en-US" dirty="0"/>
+          </a:p>
+          <a:p>
+            <a:pPr lvl="1"/>
+            <a:r>
+              <a:rPr lang="en-US" dirty="0" smtClean="0"/>
+              <a:t>choose either Bucket Policies or Object ACLs</a:t>
+            </a:r>
+          </a:p>
+        </p:txBody>
+      </p:sp>
+      <p:sp>
+        <p:nvSpPr>
+          <p:cNvPr id="2" name="Title 1"/>
+          <p:cNvSpPr>
+            <a:spLocks noGrp="1"/>
+          </p:cNvSpPr>
+          <p:nvPr>
+            <p:ph type="title"/>
+          </p:nvPr>
+        </p:nvSpPr>
+        <p:spPr/>
+        <p:txBody>
+          <a:bodyPr>
+            <a:normAutofit/>
+          </a:bodyPr>
+          <a:lstStyle/>
+          <a:p>
+            <a:r>
+              <a:rPr lang="en-US" dirty="0" smtClean="0"/>
+              <a:t>S3: Access Best Practices</a:t>
+            </a:r>
+            <a:endParaRPr lang="en-US" dirty="0"/>
+          </a:p>
+        </p:txBody>
+      </p:sp>
+    </p:spTree>
+    <p:extLst>
+      <p:ext uri="{BB962C8B-B14F-4D97-AF65-F5344CB8AC3E}">
+        <p14:creationId xmlns:p14="http://schemas.microsoft.com/office/powerpoint/2010/main" val="2859883558"/>
+      </p:ext>
+    </p:extLst>
+  </p:cSld>
+  <p:clrMapOvr>
+    <a:masterClrMapping/>
+  </p:clrMapOvr>
+  <p:timing>
+    <p:tnLst>
+      <p:par>
+        <p:cTn id="1" dur="indefinite" restart="never" nodeType="tmRoot"/>
       </p:par>
     </p:tnLst>
   </p:timing>
@@ -18413,35 +18255,88 @@
           <a:lstStyle/>
           <a:p>
             <a:r>
-              <a:rPr lang="en-US" dirty="0" smtClean="0"/>
-              <a:t>Keep Access Rules Simple and Consistent</a:t>
-            </a:r>
-          </a:p>
-          <a:p>
-            <a:r>
-              <a:rPr lang="en-US" dirty="0" smtClean="0"/>
-              <a:t>For Users: use IAM Policies</a:t>
-            </a:r>
-          </a:p>
-          <a:p>
-            <a:r>
-              <a:rPr lang="en-US" dirty="0" smtClean="0"/>
-              <a:t>For Applications: use IAM Policies or IAM Roles</a:t>
-            </a:r>
-          </a:p>
-          <a:p>
-            <a:r>
-              <a:rPr lang="en-US" dirty="0" smtClean="0"/>
-              <a:t>For Public Access:</a:t>
-            </a:r>
-            <a:endParaRPr lang="en-US" dirty="0"/>
+              <a:rPr lang="en-US" dirty="0" smtClean="0">
+                <a:solidFill>
+                  <a:schemeClr val="tx1"/>
+                </a:solidFill>
+              </a:rPr>
+              <a:t>Use region closest to majority of customers</a:t>
+            </a:r>
+          </a:p>
+          <a:p>
+            <a:r>
+              <a:rPr lang="en-US" dirty="0" smtClean="0">
+                <a:solidFill>
+                  <a:schemeClr val="tx1"/>
+                </a:solidFill>
+              </a:rPr>
+              <a:t>Do not use “.” in bucket name</a:t>
+            </a:r>
           </a:p>
           <a:p>
             <a:pPr lvl="1"/>
             <a:r>
-              <a:rPr lang="en-US" dirty="0" smtClean="0"/>
-              <a:t>choose either Bucket Policies or Object ACLs</a:t>
-            </a:r>
+              <a:rPr lang="en-US" dirty="0" smtClean="0">
+                <a:solidFill>
+                  <a:schemeClr val="tx1"/>
+                </a:solidFill>
+              </a:rPr>
+              <a:t>The “.” will prevent valid SSL requests </a:t>
+            </a:r>
+          </a:p>
+          <a:p>
+            <a:r>
+              <a:rPr lang="en-US" dirty="0" smtClean="0">
+                <a:solidFill>
+                  <a:schemeClr val="tx1"/>
+                </a:solidFill>
+              </a:rPr>
+              <a:t>For best performance do not use sequential keys</a:t>
+            </a:r>
+          </a:p>
+          <a:p>
+            <a:pPr lvl="1"/>
+            <a:r>
+              <a:rPr lang="en-US" dirty="0" smtClean="0">
+                <a:solidFill>
+                  <a:schemeClr val="tx1"/>
+                </a:solidFill>
+              </a:rPr>
+              <a:t>Sequential keys all written to same S3 partition</a:t>
+            </a:r>
+          </a:p>
+          <a:p>
+            <a:pPr lvl="1"/>
+            <a:r>
+              <a:rPr lang="en-US" dirty="0" smtClean="0">
+                <a:solidFill>
+                  <a:schemeClr val="tx1"/>
+                </a:solidFill>
+              </a:rPr>
+              <a:t>Use random keys to spread writes to different partition</a:t>
+            </a:r>
+          </a:p>
+          <a:p>
+            <a:r>
+              <a:rPr lang="en-US" dirty="0" smtClean="0">
+                <a:solidFill>
+                  <a:schemeClr val="tx1"/>
+                </a:solidFill>
+              </a:rPr>
+              <a:t>Soft-limit of 100 Buckets</a:t>
+            </a:r>
+            <a:endParaRPr lang="en-US" dirty="0" smtClean="0">
+              <a:solidFill>
+                <a:schemeClr val="tx1"/>
+              </a:solidFill>
+            </a:endParaRPr>
+          </a:p>
+          <a:p>
+            <a:endParaRPr lang="en-US" dirty="0" smtClean="0">
+              <a:solidFill>
+                <a:schemeClr val="tx1"/>
+              </a:solidFill>
+            </a:endParaRPr>
           </a:p>
         </p:txBody>
       </p:sp>
@@ -18457,14 +18352,12 @@
         </p:nvSpPr>
         <p:spPr/>
         <p:txBody>
-          <a:bodyPr>
-            <a:normAutofit/>
-          </a:bodyPr>
+          <a:bodyPr/>
           <a:lstStyle/>
           <a:p>
             <a:r>
               <a:rPr lang="en-US" dirty="0" smtClean="0"/>
-              <a:t>S3: Access Best Practices</a:t>
+              <a:t>S3: Best Practices</a:t>
             </a:r>
             <a:endParaRPr lang="en-US" dirty="0"/>
           </a:p>
@@ -18473,7 +18366,7 @@
     </p:spTree>
     <p:extLst>
       <p:ext uri="{BB962C8B-B14F-4D97-AF65-F5344CB8AC3E}">
-        <p14:creationId xmlns:p14="http://schemas.microsoft.com/office/powerpoint/2010/main" val="2859883558"/>
+        <p14:creationId xmlns:p14="http://schemas.microsoft.com/office/powerpoint/2010/main" val="3888361739"/>
       </p:ext>
     </p:extLst>
   </p:cSld>
@@ -18483,7 +18376,7 @@
   <p:timing>
     <p:tnLst>
       <p:par>
-        <p:cTn xmlns:p14="http://schemas.microsoft.com/office/powerpoint/2010/main" id="1" dur="indefinite" restart="never" nodeType="tmRoot"/>
+        <p:cTn id="1" dur="indefinite" restart="never" nodeType="tmRoot"/>
       </p:par>
     </p:tnLst>
   </p:timing>
@@ -18520,9 +18413,19 @@
         <p:spPr/>
         <p:txBody>
           <a:bodyPr>
-            <a:normAutofit/>
+            <a:normAutofit fontScale="92500" lnSpcReduction="10000"/>
           </a:bodyPr>
           <a:lstStyle/>
+          <a:p>
+            <a:r>
+              <a:rPr lang="en-US" dirty="0" smtClean="0">
+                <a:solidFill>
+                  <a:schemeClr val="accent5"/>
+                </a:solidFill>
+              </a:rPr>
+              <a:t>Disclaimer: I have not yet verified the suggested S3 performance optimization through testing. </a:t>
+            </a:r>
+          </a:p>
           <a:p>
             <a:r>
               <a:rPr lang="en-US" dirty="0" smtClean="0">
@@ -18530,7 +18433,7 @@
                   <a:schemeClr val="tx1"/>
                 </a:solidFill>
               </a:rPr>
-              <a:t>Use region closest to majority of customers</a:t>
+              <a:t>Key selection can improve the retrieval rate of objects from S3</a:t>
             </a:r>
           </a:p>
           <a:p>
@@ -18540,29 +18443,45 @@
                   <a:schemeClr val="tx1"/>
                 </a:solidFill>
               </a:rPr>
-              <a:t>Do not use “.” in bucket name</a:t>
-            </a:r>
-          </a:p>
-          <a:p>
-            <a:pPr lvl="1"/>
+              <a:t>In particular, if </a:t>
+            </a:r>
+            <a:r>
+              <a:rPr lang="en-US" dirty="0">
+                <a:solidFill>
+                  <a:schemeClr val="tx1"/>
+                </a:solidFill>
+              </a:rPr>
+              <a:t>you require performance of S3 that </a:t>
+            </a:r>
             <a:r>
               <a:rPr lang="en-US" dirty="0" smtClean="0">
                 <a:solidFill>
                   <a:schemeClr val="tx1"/>
                 </a:solidFill>
               </a:rPr>
-              <a:t>The “.” will prevent valid SSL requests </a:t>
-            </a:r>
-          </a:p>
-          <a:p>
+              <a:t>exceeds</a:t>
+            </a:r>
+            <a:r>
+              <a:rPr lang="en-US" dirty="0">
+                <a:solidFill>
+                  <a:schemeClr val="tx1"/>
+                </a:solidFill>
+              </a:rPr>
+              <a:t> </a:t>
+            </a:r>
             <a:r>
               <a:rPr lang="en-US" dirty="0" smtClean="0">
                 <a:solidFill>
                   <a:schemeClr val="tx1"/>
                 </a:solidFill>
               </a:rPr>
-              <a:t>For best performance do not use sequential keys</a:t>
-            </a:r>
+              <a:t>the following:</a:t>
+            </a:r>
+            <a:endParaRPr lang="en-US" dirty="0">
+              <a:solidFill>
+                <a:schemeClr val="tx1"/>
+              </a:solidFill>
+            </a:endParaRPr>
           </a:p>
           <a:p>
             <a:pPr lvl="1"/>
@@ -18572,31 +18491,83 @@
                   <a:schemeClr val="tx1"/>
                 </a:solidFill>
               </a:rPr>
-              <a:t>Sequential keys all written to same S3 partition</a:t>
-            </a:r>
-          </a:p>
-          <a:p>
-            <a:pPr lvl="1"/>
+              <a:t>Routine workload 100 </a:t>
+            </a:r>
+            <a:r>
+              <a:rPr lang="en-US" dirty="0">
+                <a:solidFill>
+                  <a:schemeClr val="tx1"/>
+                </a:solidFill>
+              </a:rPr>
+              <a:t>PUT/LIST/</a:t>
+            </a:r>
             <a:r>
               <a:rPr lang="en-US" dirty="0" smtClean="0">
                 <a:solidFill>
                   <a:schemeClr val="tx1"/>
                 </a:solidFill>
               </a:rPr>
-              <a:t>Use random keys to spread writes to different partition</a:t>
-            </a:r>
-          </a:p>
-          <a:p>
+              <a:t>DELETE/”list object” </a:t>
+            </a:r>
+            <a:r>
+              <a:rPr lang="en-US" dirty="0">
+                <a:solidFill>
+                  <a:schemeClr val="tx1"/>
+                </a:solidFill>
+              </a:rPr>
+              <a:t>requests per </a:t>
+            </a:r>
             <a:r>
               <a:rPr lang="en-US" dirty="0" smtClean="0">
                 <a:solidFill>
                   <a:schemeClr val="tx1"/>
                 </a:solidFill>
               </a:rPr>
-              <a:t>Do not go over 100 Buckets</a:t>
-            </a:r>
-          </a:p>
-          <a:p>
+              <a:t>second</a:t>
+            </a:r>
+          </a:p>
+          <a:p>
+            <a:pPr lvl="1"/>
+            <a:r>
+              <a:rPr lang="en-US" dirty="0" smtClean="0">
+                <a:solidFill>
+                  <a:schemeClr val="tx1"/>
+                </a:solidFill>
+              </a:rPr>
+              <a:t>Routine workload of 300 </a:t>
+            </a:r>
+            <a:r>
+              <a:rPr lang="en-US" dirty="0">
+                <a:solidFill>
+                  <a:schemeClr val="tx1"/>
+                </a:solidFill>
+              </a:rPr>
+              <a:t>GET requests per </a:t>
+            </a:r>
+            <a:r>
+              <a:rPr lang="en-US" dirty="0" smtClean="0">
+                <a:solidFill>
+                  <a:schemeClr val="tx1"/>
+                </a:solidFill>
+              </a:rPr>
+              <a:t>second</a:t>
+            </a:r>
+          </a:p>
+          <a:p>
+            <a:pPr lvl="1"/>
+            <a:r>
+              <a:rPr lang="en-US" dirty="0" smtClean="0">
+                <a:solidFill>
+                  <a:schemeClr val="tx1"/>
+                </a:solidFill>
+              </a:rPr>
+              <a:t>Large number of GETS</a:t>
+            </a:r>
+          </a:p>
+          <a:p>
+            <a:pPr marL="0" indent="0">
+              <a:buNone/>
+            </a:pPr>
             <a:endParaRPr lang="en-US" dirty="0" smtClean="0">
               <a:solidFill>
                 <a:schemeClr val="tx1"/>
@@ -18622,7 +18593,7 @@
           <a:p>
             <a:r>
               <a:rPr lang="en-US" dirty="0" smtClean="0"/>
-              <a:t>S3: Best Practices</a:t>
+              <a:t>S3: Performance Optimization I</a:t>
             </a:r>
             <a:endParaRPr lang="en-US" dirty="0"/>
           </a:p>
@@ -18631,7 +18602,7 @@
     </p:spTree>
     <p:extLst>
       <p:ext uri="{BB962C8B-B14F-4D97-AF65-F5344CB8AC3E}">
-        <p14:creationId xmlns:p14="http://schemas.microsoft.com/office/powerpoint/2010/main" val="3888361739"/>
+        <p14:creationId xmlns:p14="http://schemas.microsoft.com/office/powerpoint/2010/main" val="4231770518"/>
       </p:ext>
     </p:extLst>
   </p:cSld>
@@ -18641,7 +18612,7 @@
   <p:timing>
     <p:tnLst>
       <p:par>
-        <p:cTn xmlns:p14="http://schemas.microsoft.com/office/powerpoint/2010/main" id="1" dur="indefinite" restart="never" nodeType="tmRoot"/>
+        <p:cTn id="1" dur="indefinite" restart="never" nodeType="tmRoot"/>
       </p:par>
     </p:tnLst>
   </p:timing>
@@ -18678,19 +18649,9 @@
         <p:spPr/>
         <p:txBody>
           <a:bodyPr>
-            <a:normAutofit fontScale="92500" lnSpcReduction="10000"/>
+            <a:normAutofit lnSpcReduction="10000"/>
           </a:bodyPr>
           <a:lstStyle/>
-          <a:p>
-            <a:r>
-              <a:rPr lang="en-US" dirty="0" smtClean="0">
-                <a:solidFill>
-                  <a:schemeClr val="accent5"/>
-                </a:solidFill>
-              </a:rPr>
-              <a:t>Disclaimer: I have not yet verified the suggested S3 performance optimization through testing. </a:t>
-            </a:r>
-          </a:p>
           <a:p>
             <a:r>
               <a:rPr lang="en-US" dirty="0" smtClean="0">
@@ -18698,17 +18659,18 @@
                   <a:schemeClr val="tx1"/>
                 </a:solidFill>
               </a:rPr>
-              <a:t>Key selection can improve the retrieval rate of objects from S3</a:t>
-            </a:r>
-          </a:p>
-          <a:p>
+              <a:t>The problem:</a:t>
+            </a:r>
+          </a:p>
+          <a:p>
+            <a:pPr lvl="1"/>
             <a:r>
               <a:rPr lang="en-US" dirty="0" smtClean="0">
                 <a:solidFill>
                   <a:schemeClr val="tx1"/>
                 </a:solidFill>
               </a:rPr>
-              <a:t>In particular, if </a:t>
+              <a:t>Object </a:t>
             </a:r>
             <a:r>
               <a:rPr lang="en-US" dirty="0">
@@ -18716,7 +18678,7 @@
                   <a:schemeClr val="tx1"/>
                 </a:solidFill>
               </a:rPr>
-              <a:t>you require performance of S3 that </a:t>
+              <a:t>keys are </a:t>
             </a:r>
             <a:r>
               <a:rPr lang="en-US" dirty="0" smtClean="0">
@@ -18724,7 +18686,18 @@
                   <a:schemeClr val="tx1"/>
                 </a:solidFill>
               </a:rPr>
-              <a:t>exceeds</a:t>
+              <a:t>stored in S3 alphabetically</a:t>
+            </a:r>
+          </a:p>
+          <a:p>
+            <a:pPr lvl="1"/>
+            <a:r>
+              <a:rPr lang="en-US" dirty="0" smtClean="0">
+                <a:solidFill>
+                  <a:schemeClr val="tx1"/>
+                </a:solidFill>
+              </a:rPr>
+              <a:t>Object keys dictates </a:t>
             </a:r>
             <a:r>
               <a:rPr lang="en-US" dirty="0">
@@ -18732,7 +18705,7 @@
                   <a:schemeClr val="tx1"/>
                 </a:solidFill>
               </a:rPr>
-              <a:t> </a:t>
+              <a:t>which partition the objects are stored </a:t>
             </a:r>
             <a:r>
               <a:rPr lang="en-US" dirty="0" smtClean="0">
@@ -18740,7 +18713,34 @@
                   <a:schemeClr val="tx1"/>
                 </a:solidFill>
               </a:rPr>
-              <a:t>the following:</a:t>
+              <a:t>in</a:t>
+            </a:r>
+          </a:p>
+          <a:p>
+            <a:pPr lvl="1"/>
+            <a:r>
+              <a:rPr lang="en-US" dirty="0" smtClean="0">
+                <a:solidFill>
+                  <a:schemeClr val="tx1"/>
+                </a:solidFill>
+              </a:rPr>
+              <a:t>if object key are </a:t>
+            </a:r>
+            <a:r>
+              <a:rPr lang="en-US" dirty="0">
+                <a:solidFill>
+                  <a:schemeClr val="tx1"/>
+                </a:solidFill>
+              </a:rPr>
+              <a:t>sequential, it increases the likelihood that the data is stored in the same </a:t>
+            </a:r>
+            <a:r>
+              <a:rPr lang="en-US" dirty="0" smtClean="0">
+                <a:solidFill>
+                  <a:schemeClr val="tx1"/>
+                </a:solidFill>
+              </a:rPr>
+              <a:t>partition</a:t>
             </a:r>
             <a:endParaRPr lang="en-US" dirty="0">
               <a:solidFill>
@@ -18749,22 +18749,24 @@
             </a:endParaRPr>
           </a:p>
           <a:p>
-            <a:pPr lvl="1"/>
             <a:r>
               <a:rPr lang="en-US" dirty="0" smtClean="0">
                 <a:solidFill>
                   <a:schemeClr val="tx1"/>
                 </a:solidFill>
               </a:rPr>
-              <a:t>Routine workload 100 </a:t>
-            </a:r>
+              <a:t>The solution:</a:t>
+            </a:r>
+          </a:p>
+          <a:p>
+            <a:pPr lvl="1"/>
             <a:r>
               <a:rPr lang="en-US" dirty="0">
                 <a:solidFill>
                   <a:schemeClr val="tx1"/>
                 </a:solidFill>
               </a:rPr>
-              <a:t>PUT/LIST/</a:t>
+              <a:t>use a </a:t>
             </a:r>
             <a:r>
               <a:rPr lang="en-US" dirty="0" smtClean="0">
@@ -18772,7 +18774,7 @@
                   <a:schemeClr val="tx1"/>
                 </a:solidFill>
               </a:rPr>
-              <a:t>DELETE/”list object” </a:t>
+              <a:t>hexadecimal hash prefix </a:t>
             </a:r>
             <a:r>
               <a:rPr lang="en-US" dirty="0">
@@ -18780,7 +18782,7 @@
                   <a:schemeClr val="tx1"/>
                 </a:solidFill>
               </a:rPr>
-              <a:t>requests per </a:t>
+              <a:t>of 3 to 4 </a:t>
             </a:r>
             <a:r>
               <a:rPr lang="en-US" dirty="0" smtClean="0">
@@ -18788,56 +18790,8 @@
                   <a:schemeClr val="tx1"/>
                 </a:solidFill>
               </a:rPr>
-              <a:t>second</a:t>
-            </a:r>
-          </a:p>
-          <a:p>
-            <a:pPr lvl="1"/>
-            <a:r>
-              <a:rPr lang="en-US" dirty="0" smtClean="0">
-                <a:solidFill>
-                  <a:schemeClr val="tx1"/>
-                </a:solidFill>
-              </a:rPr>
-              <a:t>Routine workload of 300 </a:t>
-            </a:r>
-            <a:r>
-              <a:rPr lang="en-US" dirty="0">
-                <a:solidFill>
-                  <a:schemeClr val="tx1"/>
-                </a:solidFill>
-              </a:rPr>
-              <a:t>GET requests per </a:t>
-            </a:r>
-            <a:r>
-              <a:rPr lang="en-US" dirty="0" smtClean="0">
-                <a:solidFill>
-                  <a:schemeClr val="tx1"/>
-                </a:solidFill>
-              </a:rPr>
-              <a:t>second</a:t>
-            </a:r>
-          </a:p>
-          <a:p>
-            <a:pPr lvl="1"/>
-            <a:r>
-              <a:rPr lang="en-US" dirty="0" smtClean="0">
-                <a:solidFill>
-                  <a:schemeClr val="tx1"/>
-                </a:solidFill>
-              </a:rPr>
-              <a:t>Large number of GETS</a:t>
-            </a:r>
-          </a:p>
-          <a:p>
-            <a:pPr marL="0" indent="0">
-              <a:buNone/>
-            </a:pPr>
-            <a:endParaRPr lang="en-US" dirty="0" smtClean="0">
-              <a:solidFill>
-                <a:schemeClr val="tx1"/>
-              </a:solidFill>
-            </a:endParaRPr>
+              <a:t>characters to spread requests across multiple partitions</a:t>
+            </a:r>
           </a:p>
         </p:txBody>
       </p:sp>
@@ -18858,7 +18812,7 @@
           <a:p>
             <a:r>
               <a:rPr lang="en-US" dirty="0" smtClean="0"/>
-              <a:t>S3: Performance Optimization I</a:t>
+              <a:t>S3: Performance Optimization II</a:t>
             </a:r>
             <a:endParaRPr lang="en-US" dirty="0"/>
           </a:p>
@@ -18867,7 +18821,7 @@
     </p:spTree>
     <p:extLst>
       <p:ext uri="{BB962C8B-B14F-4D97-AF65-F5344CB8AC3E}">
-        <p14:creationId xmlns:p14="http://schemas.microsoft.com/office/powerpoint/2010/main" val="4231770518"/>
+        <p14:creationId xmlns:p14="http://schemas.microsoft.com/office/powerpoint/2010/main" val="1499926983"/>
       </p:ext>
     </p:extLst>
   </p:cSld>
@@ -18877,7 +18831,7 @@
   <p:timing>
     <p:tnLst>
       <p:par>
-        <p:cTn xmlns:p14="http://schemas.microsoft.com/office/powerpoint/2010/main" id="1" dur="indefinite" restart="never" nodeType="tmRoot"/>
+        <p:cTn id="1" dur="indefinite" restart="never" nodeType="tmRoot"/>
       </p:par>
     </p:tnLst>
   </p:timing>
@@ -18914,7 +18868,7 @@
         <p:spPr/>
         <p:txBody>
           <a:bodyPr>
-            <a:normAutofit lnSpcReduction="10000"/>
+            <a:normAutofit/>
           </a:bodyPr>
           <a:lstStyle/>
           <a:p>
@@ -18924,26 +18878,39 @@
                   <a:schemeClr val="tx1"/>
                 </a:solidFill>
               </a:rPr>
-              <a:t>The problem:</a:t>
-            </a:r>
-          </a:p>
-          <a:p>
-            <a:pPr lvl="1"/>
+              <a:t>Example of </a:t>
+            </a:r>
+            <a:r>
+              <a:rPr lang="en-US" dirty="0" err="1" smtClean="0">
+                <a:solidFill>
+                  <a:schemeClr val="tx1"/>
+                </a:solidFill>
+              </a:rPr>
+              <a:t>lexicopgrahic</a:t>
+            </a:r>
             <a:r>
               <a:rPr lang="en-US" dirty="0" smtClean="0">
                 <a:solidFill>
                   <a:schemeClr val="tx1"/>
                 </a:solidFill>
               </a:rPr>
-              <a:t>Object </a:t>
-            </a:r>
+              <a:t> (alphabetic) keys:</a:t>
+            </a:r>
+            <a:endParaRPr lang="en-US" dirty="0">
+              <a:solidFill>
+                <a:schemeClr val="tx1"/>
+              </a:solidFill>
+            </a:endParaRPr>
+          </a:p>
+          <a:p>
+            <a:pPr lvl="1"/>
             <a:r>
               <a:rPr lang="en-US" dirty="0">
                 <a:solidFill>
                   <a:schemeClr val="tx1"/>
                 </a:solidFill>
               </a:rPr>
-              <a:t>keys are </a:t>
+              <a:t>s3:/</a:t>
             </a:r>
             <a:r>
               <a:rPr lang="en-US" dirty="0" smtClean="0">
@@ -18951,18 +18918,31 @@
                   <a:schemeClr val="tx1"/>
                 </a:solidFill>
               </a:rPr>
-              <a:t>stored in S3 alphabetically</a:t>
-            </a:r>
-          </a:p>
-          <a:p>
-            <a:pPr lvl="1"/>
+              <a:t>/</a:t>
+            </a:r>
+            <a:r>
+              <a:rPr lang="en-US" dirty="0">
+                <a:solidFill>
+                  <a:schemeClr val="tx1"/>
+                </a:solidFill>
+              </a:rPr>
+              <a:t>photos</a:t>
+            </a:r>
             <a:r>
               <a:rPr lang="en-US" dirty="0" smtClean="0">
                 <a:solidFill>
                   <a:schemeClr val="tx1"/>
                 </a:solidFill>
               </a:rPr>
-              <a:t>Object keys dictates </a:t>
+              <a:t>/</a:t>
+            </a:r>
+            <a:r>
+              <a:rPr lang="en-US" dirty="0" smtClean="0">
+                <a:solidFill>
+                  <a:srgbClr val="FF0000"/>
+                </a:solidFill>
+              </a:rPr>
+              <a:t>9770527</a:t>
             </a:r>
             <a:r>
               <a:rPr lang="en-US" dirty="0">
@@ -18970,7 +18950,7 @@
                   <a:schemeClr val="tx1"/>
                 </a:solidFill>
               </a:rPr>
-              <a:t>which partition the objects are stored </a:t>
+              <a:t>/volvo_74085.</a:t>
             </a:r>
             <a:r>
               <a:rPr lang="en-US" dirty="0" smtClean="0">
@@ -18978,7 +18958,7 @@
                   <a:schemeClr val="tx1"/>
                 </a:solidFill>
               </a:rPr>
-              <a:t>in</a:t>
+              <a:t>jpg</a:t>
             </a:r>
           </a:p>
           <a:p>
@@ -18989,7 +18969,7 @@
                   <a:schemeClr val="tx1"/>
                 </a:solidFill>
               </a:rPr>
-              <a:t>if object key are </a:t>
+              <a:t>s3</a:t>
             </a:r>
             <a:r>
               <a:rPr lang="en-US" dirty="0">
@@ -18997,7 +18977,7 @@
                   <a:schemeClr val="tx1"/>
                 </a:solidFill>
               </a:rPr>
-              <a:t>sequential, it increases the likelihood that the data is stored in the same </a:t>
+              <a:t>:/</a:t>
             </a:r>
             <a:r>
               <a:rPr lang="en-US" dirty="0" smtClean="0">
@@ -19005,7 +18985,39 @@
                   <a:schemeClr val="tx1"/>
                 </a:solidFill>
               </a:rPr>
-              <a:t>partition</a:t>
+              <a:t>/</a:t>
+            </a:r>
+            <a:r>
+              <a:rPr lang="en-US" dirty="0">
+                <a:solidFill>
+                  <a:schemeClr val="tx1"/>
+                </a:solidFill>
+              </a:rPr>
+              <a:t>photos</a:t>
+            </a:r>
+            <a:r>
+              <a:rPr lang="en-US" dirty="0" smtClean="0">
+                <a:solidFill>
+                  <a:schemeClr val="tx1"/>
+                </a:solidFill>
+              </a:rPr>
+              <a:t>/</a:t>
+            </a:r>
+            <a:r>
+              <a:rPr lang="en-US" dirty="0" smtClean="0">
+                <a:solidFill>
+                  <a:srgbClr val="FF0000"/>
+                </a:solidFill>
+              </a:rPr>
+              <a:t>9770527</a:t>
+            </a:r>
+            <a:r>
+              <a:rPr lang="en-US" dirty="0" smtClean="0">
+                <a:solidFill>
+                  <a:schemeClr val="tx1"/>
+                </a:solidFill>
+              </a:rPr>
+              <a:t>/acura_integra02.jpg</a:t>
             </a:r>
             <a:endParaRPr lang="en-US" dirty="0">
               <a:solidFill>
@@ -19014,24 +19026,30 @@
             </a:endParaRPr>
           </a:p>
           <a:p>
+            <a:pPr lvl="1"/>
+            <a:r>
+              <a:rPr lang="en-US" dirty="0">
+                <a:solidFill>
+                  <a:schemeClr val="tx1"/>
+                </a:solidFill>
+              </a:rPr>
+              <a:t>s3:/</a:t>
+            </a:r>
             <a:r>
               <a:rPr lang="en-US" dirty="0" smtClean="0">
                 <a:solidFill>
                   <a:schemeClr val="tx1"/>
                 </a:solidFill>
               </a:rPr>
-              <a:t>The solution:</a:t>
-            </a:r>
-          </a:p>
-          <a:p>
-            <a:pPr lvl="1"/>
+              <a:t>/</a:t>
+            </a:r>
             <a:r>
               <a:rPr lang="en-US" dirty="0">
                 <a:solidFill>
                   <a:schemeClr val="tx1"/>
                 </a:solidFill>
               </a:rPr>
-              <a:t>use a </a:t>
+              <a:t>photos</a:t>
             </a:r>
             <a:r>
               <a:rPr lang="en-US" dirty="0" smtClean="0">
@@ -19039,7 +19057,33 @@
                   <a:schemeClr val="tx1"/>
                 </a:solidFill>
               </a:rPr>
-              <a:t>hexadecimal hash prefix </a:t>
+              <a:t>/</a:t>
+            </a:r>
+            <a:r>
+              <a:rPr lang="en-US" dirty="0" smtClean="0">
+                <a:solidFill>
+                  <a:srgbClr val="FF0000"/>
+                </a:solidFill>
+              </a:rPr>
+              <a:t>9770527</a:t>
+            </a:r>
+            <a:r>
+              <a:rPr lang="en-US" dirty="0" smtClean="0">
+                <a:solidFill>
+                  <a:schemeClr val="tx1"/>
+                </a:solidFill>
+              </a:rPr>
+              <a:t>/honda_accord05.jpg</a:t>
+            </a:r>
+          </a:p>
+          <a:p>
+            <a:r>
+              <a:rPr lang="en-US" dirty="0" smtClean="0">
+                <a:solidFill>
+                  <a:schemeClr val="tx1"/>
+                </a:solidFill>
+              </a:rPr>
+              <a:t>Example </a:t>
             </a:r>
             <a:r>
               <a:rPr lang="en-US" dirty="0">
@@ -19047,7 +19091,7 @@
                   <a:schemeClr val="tx1"/>
                 </a:solidFill>
               </a:rPr>
-              <a:t>of 3 to 4 </a:t>
+              <a:t>of </a:t>
             </a:r>
             <a:r>
               <a:rPr lang="en-US" dirty="0" smtClean="0">
@@ -19055,8 +19099,198 @@
                   <a:schemeClr val="tx1"/>
                 </a:solidFill>
               </a:rPr>
-              <a:t>characters to spread requests across multiple partitions</a:t>
-            </a:r>
+              <a:t>hashed </a:t>
+            </a:r>
+            <a:r>
+              <a:rPr lang="en-US" dirty="0">
+                <a:solidFill>
+                  <a:schemeClr val="tx1"/>
+                </a:solidFill>
+              </a:rPr>
+              <a:t>keys:</a:t>
+            </a:r>
+          </a:p>
+          <a:p>
+            <a:pPr lvl="1"/>
+            <a:r>
+              <a:rPr lang="en-US" dirty="0">
+                <a:solidFill>
+                  <a:schemeClr val="tx1"/>
+                </a:solidFill>
+              </a:rPr>
+              <a:t>s3:/</a:t>
+            </a:r>
+            <a:r>
+              <a:rPr lang="en-US" dirty="0" smtClean="0">
+                <a:solidFill>
+                  <a:schemeClr val="tx1"/>
+                </a:solidFill>
+              </a:rPr>
+              <a:t>/</a:t>
+            </a:r>
+            <a:r>
+              <a:rPr lang="en-US" dirty="0">
+                <a:solidFill>
+                  <a:schemeClr val="tx1"/>
+                </a:solidFill>
+              </a:rPr>
+              <a:t>photos</a:t>
+            </a:r>
+            <a:r>
+              <a:rPr lang="en-US" dirty="0" smtClean="0">
+                <a:solidFill>
+                  <a:schemeClr val="tx1"/>
+                </a:solidFill>
+              </a:rPr>
+              <a:t>/</a:t>
+            </a:r>
+            <a:r>
+              <a:rPr lang="en-US" dirty="0" smtClean="0">
+                <a:solidFill>
+                  <a:srgbClr val="008000"/>
+                </a:solidFill>
+              </a:rPr>
+              <a:t>3636a</a:t>
+            </a:r>
+            <a:r>
+              <a:rPr lang="en-US" dirty="0" smtClean="0">
+                <a:solidFill>
+                  <a:schemeClr val="tx1"/>
+                </a:solidFill>
+              </a:rPr>
+              <a:t>/9770527/</a:t>
+            </a:r>
+            <a:r>
+              <a:rPr lang="en-US" dirty="0">
+                <a:solidFill>
+                  <a:schemeClr val="tx1"/>
+                </a:solidFill>
+              </a:rPr>
+              <a:t>acura_integra02.</a:t>
+            </a:r>
+            <a:r>
+              <a:rPr lang="en-US" dirty="0" smtClean="0">
+                <a:solidFill>
+                  <a:schemeClr val="tx1"/>
+                </a:solidFill>
+              </a:rPr>
+              <a:t>jpg</a:t>
+            </a:r>
+          </a:p>
+          <a:p>
+            <a:pPr lvl="1"/>
+            <a:r>
+              <a:rPr lang="en-US" dirty="0">
+                <a:solidFill>
+                  <a:schemeClr val="tx1"/>
+                </a:solidFill>
+              </a:rPr>
+              <a:t>s3://photos/</a:t>
+            </a:r>
+            <a:r>
+              <a:rPr lang="en-US" dirty="0">
+                <a:solidFill>
+                  <a:srgbClr val="008000"/>
+                </a:solidFill>
+              </a:rPr>
+              <a:t>737a</a:t>
+            </a:r>
+            <a:r>
+              <a:rPr lang="en-US" dirty="0">
+                <a:solidFill>
+                  <a:schemeClr val="tx1"/>
+                </a:solidFill>
+              </a:rPr>
+              <a:t>/9770527/honda_accord05.</a:t>
+            </a:r>
+            <a:r>
+              <a:rPr lang="en-US" dirty="0" smtClean="0">
+                <a:solidFill>
+                  <a:schemeClr val="tx1"/>
+                </a:solidFill>
+              </a:rPr>
+              <a:t>jpg</a:t>
+            </a:r>
+          </a:p>
+          <a:p>
+            <a:pPr lvl="1"/>
+            <a:r>
+              <a:rPr lang="en-US" dirty="0" smtClean="0">
+                <a:solidFill>
+                  <a:schemeClr val="tx1"/>
+                </a:solidFill>
+              </a:rPr>
+              <a:t>s3</a:t>
+            </a:r>
+            <a:r>
+              <a:rPr lang="en-US" dirty="0">
+                <a:solidFill>
+                  <a:schemeClr val="tx1"/>
+                </a:solidFill>
+              </a:rPr>
+              <a:t>:/</a:t>
+            </a:r>
+            <a:r>
+              <a:rPr lang="en-US" dirty="0" smtClean="0">
+                <a:solidFill>
+                  <a:schemeClr val="tx1"/>
+                </a:solidFill>
+              </a:rPr>
+              <a:t>/</a:t>
+            </a:r>
+            <a:r>
+              <a:rPr lang="en-US" dirty="0">
+                <a:solidFill>
+                  <a:schemeClr val="tx1"/>
+                </a:solidFill>
+              </a:rPr>
+              <a:t>photos</a:t>
+            </a:r>
+            <a:r>
+              <a:rPr lang="en-US" dirty="0" smtClean="0">
+                <a:solidFill>
+                  <a:schemeClr val="tx1"/>
+                </a:solidFill>
+              </a:rPr>
+              <a:t>/</a:t>
+            </a:r>
+            <a:r>
+              <a:rPr lang="en-US" dirty="0" smtClean="0">
+                <a:solidFill>
+                  <a:srgbClr val="008000"/>
+                </a:solidFill>
+              </a:rPr>
+              <a:t>d66a</a:t>
+            </a:r>
+            <a:r>
+              <a:rPr lang="en-US" dirty="0" smtClean="0">
+                <a:solidFill>
+                  <a:schemeClr val="tx1"/>
+                </a:solidFill>
+              </a:rPr>
+              <a:t>/9770527</a:t>
+            </a:r>
+            <a:r>
+              <a:rPr lang="en-US" dirty="0">
+                <a:solidFill>
+                  <a:schemeClr val="tx1"/>
+                </a:solidFill>
+              </a:rPr>
+              <a:t>/volvo_74085.</a:t>
+            </a:r>
+            <a:r>
+              <a:rPr lang="en-US" dirty="0" smtClean="0">
+                <a:solidFill>
+                  <a:schemeClr val="tx1"/>
+                </a:solidFill>
+              </a:rPr>
+              <a:t>jpg</a:t>
+            </a:r>
+            <a:endParaRPr lang="en-US" dirty="0">
+              <a:solidFill>
+                <a:schemeClr val="tx1"/>
+              </a:solidFill>
+            </a:endParaRPr>
           </a:p>
         </p:txBody>
       </p:sp>
@@ -19086,7 +19320,7 @@
     </p:spTree>
     <p:extLst>
       <p:ext uri="{BB962C8B-B14F-4D97-AF65-F5344CB8AC3E}">
-        <p14:creationId xmlns:p14="http://schemas.microsoft.com/office/powerpoint/2010/main" val="1499926983"/>
+        <p14:creationId xmlns:p14="http://schemas.microsoft.com/office/powerpoint/2010/main" val="318922468"/>
       </p:ext>
     </p:extLst>
   </p:cSld>
@@ -19096,7 +19330,7 @@
   <p:timing>
     <p:tnLst>
       <p:par>
-        <p:cTn xmlns:p14="http://schemas.microsoft.com/office/powerpoint/2010/main" id="1" dur="indefinite" restart="never" nodeType="tmRoot"/>
+        <p:cTn id="1" dur="indefinite" restart="never" nodeType="tmRoot"/>
       </p:par>
     </p:tnLst>
   </p:timing>
@@ -19213,7 +19447,7 @@
   <p:timing>
     <p:tnLst>
       <p:par>
-        <p:cTn xmlns:p14="http://schemas.microsoft.com/office/powerpoint/2010/main" id="1" dur="indefinite" restart="never" nodeType="tmRoot"/>
+        <p:cTn id="1" dur="indefinite" restart="never" nodeType="tmRoot"/>
       </p:par>
     </p:tnLst>
   </p:timing>
@@ -19255,424 +19489,35 @@
           <a:lstStyle/>
           <a:p>
             <a:r>
-              <a:rPr lang="en-US" dirty="0" smtClean="0">
-                <a:solidFill>
-                  <a:schemeClr val="tx1"/>
-                </a:solidFill>
-              </a:rPr>
-              <a:t>Example of </a:t>
-            </a:r>
-            <a:r>
-              <a:rPr lang="en-US" dirty="0" err="1" smtClean="0">
-                <a:solidFill>
-                  <a:schemeClr val="tx1"/>
-                </a:solidFill>
-              </a:rPr>
-              <a:t>lexicopgrahic</a:t>
-            </a:r>
-            <a:r>
-              <a:rPr lang="en-US" dirty="0" smtClean="0">
-                <a:solidFill>
-                  <a:schemeClr val="tx1"/>
-                </a:solidFill>
-              </a:rPr>
-              <a:t> (alphabetic) keys:</a:t>
-            </a:r>
-            <a:endParaRPr lang="en-US" dirty="0">
-              <a:solidFill>
-                <a:schemeClr val="tx1"/>
-              </a:solidFill>
-            </a:endParaRPr>
-          </a:p>
-          <a:p>
-            <a:pPr lvl="1"/>
-            <a:r>
-              <a:rPr lang="en-US" dirty="0">
-                <a:solidFill>
-                  <a:schemeClr val="tx1"/>
-                </a:solidFill>
-              </a:rPr>
-              <a:t>s3:/</a:t>
-            </a:r>
-            <a:r>
-              <a:rPr lang="en-US" dirty="0" smtClean="0">
-                <a:solidFill>
-                  <a:schemeClr val="tx1"/>
-                </a:solidFill>
-              </a:rPr>
-              <a:t>/</a:t>
-            </a:r>
-            <a:r>
-              <a:rPr lang="en-US" dirty="0">
-                <a:solidFill>
-                  <a:schemeClr val="tx1"/>
-                </a:solidFill>
-              </a:rPr>
-              <a:t>photos</a:t>
-            </a:r>
-            <a:r>
-              <a:rPr lang="en-US" dirty="0" smtClean="0">
-                <a:solidFill>
-                  <a:schemeClr val="tx1"/>
-                </a:solidFill>
-              </a:rPr>
-              <a:t>/</a:t>
-            </a:r>
-            <a:r>
-              <a:rPr lang="en-US" dirty="0" smtClean="0">
-                <a:solidFill>
-                  <a:srgbClr val="FF0000"/>
-                </a:solidFill>
-              </a:rPr>
-              <a:t>9770527</a:t>
-            </a:r>
-            <a:r>
-              <a:rPr lang="en-US" dirty="0">
-                <a:solidFill>
-                  <a:schemeClr val="tx1"/>
-                </a:solidFill>
-              </a:rPr>
-              <a:t>/volvo_74085.</a:t>
-            </a:r>
-            <a:r>
-              <a:rPr lang="en-US" dirty="0" smtClean="0">
-                <a:solidFill>
-                  <a:schemeClr val="tx1"/>
-                </a:solidFill>
-              </a:rPr>
-              <a:t>jpg</a:t>
-            </a:r>
-          </a:p>
-          <a:p>
-            <a:pPr lvl="1"/>
-            <a:r>
-              <a:rPr lang="en-US" dirty="0" smtClean="0">
-                <a:solidFill>
-                  <a:schemeClr val="tx1"/>
-                </a:solidFill>
-              </a:rPr>
-              <a:t>s3</a:t>
-            </a:r>
-            <a:r>
-              <a:rPr lang="en-US" dirty="0">
-                <a:solidFill>
-                  <a:schemeClr val="tx1"/>
-                </a:solidFill>
-              </a:rPr>
-              <a:t>:/</a:t>
-            </a:r>
-            <a:r>
-              <a:rPr lang="en-US" dirty="0" smtClean="0">
-                <a:solidFill>
-                  <a:schemeClr val="tx1"/>
-                </a:solidFill>
-              </a:rPr>
-              <a:t>/</a:t>
-            </a:r>
-            <a:r>
-              <a:rPr lang="en-US" dirty="0">
-                <a:solidFill>
-                  <a:schemeClr val="tx1"/>
-                </a:solidFill>
-              </a:rPr>
-              <a:t>photos</a:t>
-            </a:r>
-            <a:r>
-              <a:rPr lang="en-US" dirty="0" smtClean="0">
-                <a:solidFill>
-                  <a:schemeClr val="tx1"/>
-                </a:solidFill>
-              </a:rPr>
-              <a:t>/</a:t>
-            </a:r>
-            <a:r>
-              <a:rPr lang="en-US" dirty="0" smtClean="0">
-                <a:solidFill>
-                  <a:srgbClr val="FF0000"/>
-                </a:solidFill>
-              </a:rPr>
-              <a:t>9770527</a:t>
-            </a:r>
-            <a:r>
-              <a:rPr lang="en-US" dirty="0" smtClean="0">
-                <a:solidFill>
-                  <a:schemeClr val="tx1"/>
-                </a:solidFill>
-              </a:rPr>
-              <a:t>/acura_integra02.jpg</a:t>
-            </a:r>
-            <a:endParaRPr lang="en-US" dirty="0">
-              <a:solidFill>
-                <a:schemeClr val="tx1"/>
-              </a:solidFill>
-            </a:endParaRPr>
-          </a:p>
-          <a:p>
-            <a:pPr lvl="1"/>
-            <a:r>
-              <a:rPr lang="en-US" dirty="0">
-                <a:solidFill>
-                  <a:schemeClr val="tx1"/>
-                </a:solidFill>
-              </a:rPr>
-              <a:t>s3:/</a:t>
-            </a:r>
-            <a:r>
-              <a:rPr lang="en-US" dirty="0" smtClean="0">
-                <a:solidFill>
-                  <a:schemeClr val="tx1"/>
-                </a:solidFill>
-              </a:rPr>
-              <a:t>/</a:t>
-            </a:r>
-            <a:r>
-              <a:rPr lang="en-US" dirty="0">
-                <a:solidFill>
-                  <a:schemeClr val="tx1"/>
-                </a:solidFill>
-              </a:rPr>
-              <a:t>photos</a:t>
-            </a:r>
-            <a:r>
-              <a:rPr lang="en-US" dirty="0" smtClean="0">
-                <a:solidFill>
-                  <a:schemeClr val="tx1"/>
-                </a:solidFill>
-              </a:rPr>
-              <a:t>/</a:t>
-            </a:r>
-            <a:r>
-              <a:rPr lang="en-US" dirty="0" smtClean="0">
-                <a:solidFill>
-                  <a:srgbClr val="FF0000"/>
-                </a:solidFill>
-              </a:rPr>
-              <a:t>9770527</a:t>
-            </a:r>
-            <a:r>
-              <a:rPr lang="en-US" dirty="0" smtClean="0">
-                <a:solidFill>
-                  <a:schemeClr val="tx1"/>
-                </a:solidFill>
-              </a:rPr>
-              <a:t>/honda_accord05.jpg</a:t>
-            </a:r>
-          </a:p>
-          <a:p>
-            <a:r>
-              <a:rPr lang="en-US" dirty="0" smtClean="0">
-                <a:solidFill>
-                  <a:schemeClr val="tx1"/>
-                </a:solidFill>
-              </a:rPr>
-              <a:t>Example </a:t>
-            </a:r>
-            <a:r>
-              <a:rPr lang="en-US" dirty="0">
-                <a:solidFill>
-                  <a:schemeClr val="tx1"/>
-                </a:solidFill>
-              </a:rPr>
-              <a:t>of </a:t>
-            </a:r>
-            <a:r>
-              <a:rPr lang="en-US" dirty="0" smtClean="0">
-                <a:solidFill>
-                  <a:schemeClr val="tx1"/>
-                </a:solidFill>
-              </a:rPr>
-              <a:t>hashed </a:t>
-            </a:r>
-            <a:r>
-              <a:rPr lang="en-US" dirty="0">
-                <a:solidFill>
-                  <a:schemeClr val="tx1"/>
-                </a:solidFill>
-              </a:rPr>
-              <a:t>keys:</a:t>
-            </a:r>
-          </a:p>
-          <a:p>
-            <a:pPr lvl="1"/>
-            <a:r>
-              <a:rPr lang="en-US" dirty="0">
-                <a:solidFill>
-                  <a:schemeClr val="tx1"/>
-                </a:solidFill>
-              </a:rPr>
-              <a:t>s3:/</a:t>
-            </a:r>
-            <a:r>
-              <a:rPr lang="en-US" dirty="0" smtClean="0">
-                <a:solidFill>
-                  <a:schemeClr val="tx1"/>
-                </a:solidFill>
-              </a:rPr>
-              <a:t>/</a:t>
-            </a:r>
-            <a:r>
-              <a:rPr lang="en-US" dirty="0">
-                <a:solidFill>
-                  <a:schemeClr val="tx1"/>
-                </a:solidFill>
-              </a:rPr>
-              <a:t>photos</a:t>
-            </a:r>
-            <a:r>
-              <a:rPr lang="en-US" dirty="0" smtClean="0">
-                <a:solidFill>
-                  <a:schemeClr val="tx1"/>
-                </a:solidFill>
-              </a:rPr>
-              <a:t>/</a:t>
-            </a:r>
-            <a:r>
-              <a:rPr lang="en-US" dirty="0" smtClean="0">
-                <a:solidFill>
-                  <a:srgbClr val="008000"/>
-                </a:solidFill>
-              </a:rPr>
-              <a:t>3636a</a:t>
-            </a:r>
-            <a:r>
-              <a:rPr lang="en-US" dirty="0" smtClean="0">
-                <a:solidFill>
-                  <a:schemeClr val="tx1"/>
-                </a:solidFill>
-              </a:rPr>
-              <a:t>/9770527/</a:t>
-            </a:r>
-            <a:r>
-              <a:rPr lang="en-US" dirty="0">
-                <a:solidFill>
-                  <a:schemeClr val="tx1"/>
-                </a:solidFill>
-              </a:rPr>
-              <a:t>acura_integra02.</a:t>
-            </a:r>
-            <a:r>
-              <a:rPr lang="en-US" dirty="0" smtClean="0">
-                <a:solidFill>
-                  <a:schemeClr val="tx1"/>
-                </a:solidFill>
-              </a:rPr>
-              <a:t>jpg</a:t>
-            </a:r>
-          </a:p>
-          <a:p>
-            <a:pPr lvl="1"/>
-            <a:r>
-              <a:rPr lang="en-US" dirty="0">
-                <a:solidFill>
-                  <a:schemeClr val="tx1"/>
-                </a:solidFill>
-              </a:rPr>
-              <a:t>s3://photos/</a:t>
-            </a:r>
-            <a:r>
-              <a:rPr lang="en-US" dirty="0">
-                <a:solidFill>
-                  <a:srgbClr val="008000"/>
-                </a:solidFill>
-              </a:rPr>
-              <a:t>737a</a:t>
-            </a:r>
-            <a:r>
-              <a:rPr lang="en-US" dirty="0">
-                <a:solidFill>
-                  <a:schemeClr val="tx1"/>
-                </a:solidFill>
-              </a:rPr>
-              <a:t>/9770527/honda_accord05.</a:t>
-            </a:r>
-            <a:r>
-              <a:rPr lang="en-US" dirty="0" smtClean="0">
-                <a:solidFill>
-                  <a:schemeClr val="tx1"/>
-                </a:solidFill>
-              </a:rPr>
-              <a:t>jpg</a:t>
-            </a:r>
-          </a:p>
-          <a:p>
-            <a:pPr lvl="1"/>
-            <a:r>
-              <a:rPr lang="en-US" dirty="0" smtClean="0">
-                <a:solidFill>
-                  <a:schemeClr val="tx1"/>
-                </a:solidFill>
-              </a:rPr>
-              <a:t>s3</a:t>
-            </a:r>
-            <a:r>
-              <a:rPr lang="en-US" dirty="0">
-                <a:solidFill>
-                  <a:schemeClr val="tx1"/>
-                </a:solidFill>
-              </a:rPr>
-              <a:t>:/</a:t>
-            </a:r>
-            <a:r>
-              <a:rPr lang="en-US" dirty="0" smtClean="0">
-                <a:solidFill>
-                  <a:schemeClr val="tx1"/>
-                </a:solidFill>
-              </a:rPr>
-              <a:t>/</a:t>
-            </a:r>
-            <a:r>
-              <a:rPr lang="en-US" dirty="0">
-                <a:solidFill>
-                  <a:schemeClr val="tx1"/>
-                </a:solidFill>
-              </a:rPr>
-              <a:t>photos</a:t>
-            </a:r>
-            <a:r>
-              <a:rPr lang="en-US" dirty="0" smtClean="0">
-                <a:solidFill>
-                  <a:schemeClr val="tx1"/>
-                </a:solidFill>
-              </a:rPr>
-              <a:t>/</a:t>
-            </a:r>
-            <a:r>
-              <a:rPr lang="en-US" dirty="0" smtClean="0">
-                <a:solidFill>
-                  <a:srgbClr val="008000"/>
-                </a:solidFill>
-              </a:rPr>
-              <a:t>d66a</a:t>
-            </a:r>
-            <a:r>
-              <a:rPr lang="en-US" dirty="0" smtClean="0">
-                <a:solidFill>
-                  <a:schemeClr val="tx1"/>
-                </a:solidFill>
-              </a:rPr>
-              <a:t>/9770527</a:t>
-            </a:r>
-            <a:r>
-              <a:rPr lang="en-US" dirty="0">
-                <a:solidFill>
-                  <a:schemeClr val="tx1"/>
-                </a:solidFill>
-              </a:rPr>
-              <a:t>/volvo_74085.</a:t>
-            </a:r>
-            <a:r>
-              <a:rPr lang="en-US" dirty="0" smtClean="0">
-                <a:solidFill>
-                  <a:schemeClr val="tx1"/>
-                </a:solidFill>
-              </a:rPr>
-              <a:t>jpg</a:t>
-            </a:r>
-            <a:endParaRPr lang="en-US" dirty="0">
-              <a:solidFill>
-                <a:schemeClr val="tx1"/>
-              </a:solidFill>
-            </a:endParaRPr>
+              <a:rPr lang="en-US" dirty="0" smtClean="0"/>
+              <a:t>Have Instructions for Configuration</a:t>
+            </a:r>
+          </a:p>
+          <a:p>
+            <a:r>
+              <a:rPr lang="en-US" dirty="0" smtClean="0"/>
+              <a:t>Released on March 24, 2015</a:t>
+            </a:r>
+          </a:p>
+          <a:p>
+            <a:r>
+              <a:rPr lang="en-US" dirty="0" smtClean="0"/>
+              <a:t>Use Cross Region Replication to Automatically push Objects from one Region to Another</a:t>
+            </a:r>
+          </a:p>
+          <a:p>
+            <a:r>
+              <a:rPr lang="en-US" dirty="0" smtClean="0"/>
+              <a:t>Replication includes object ACLs, metadata</a:t>
+            </a:r>
+            <a:r>
+              <a:rPr lang="en-US" dirty="0"/>
+              <a:t> </a:t>
+            </a:r>
+            <a:r>
+              <a:rPr lang="en-US" dirty="0" smtClean="0"/>
+              <a:t>and Reduced Redundancy Storage setting</a:t>
+            </a:r>
           </a:p>
         </p:txBody>
       </p:sp>
@@ -19688,21 +19533,49 @@
         </p:nvSpPr>
         <p:spPr/>
         <p:txBody>
-          <a:bodyPr/>
+          <a:bodyPr>
+            <a:normAutofit fontScale="90000"/>
+          </a:bodyPr>
           <a:lstStyle/>
           <a:p>
             <a:r>
               <a:rPr lang="en-US" dirty="0" smtClean="0"/>
-              <a:t>S3: Performance Optimization II</a:t>
+              <a:t>Hands On: S3 Cross Region Replication</a:t>
             </a:r>
             <a:endParaRPr lang="en-US" dirty="0"/>
+          </a:p>
+        </p:txBody>
+      </p:sp>
+      <p:sp>
+        <p:nvSpPr>
+          <p:cNvPr id="4" name="TextBox 3"/>
+          <p:cNvSpPr txBox="1"/>
+          <p:nvPr/>
+        </p:nvSpPr>
+        <p:spPr>
+          <a:xfrm>
+            <a:off x="10678781" y="4679784"/>
+            <a:ext cx="184666" cy="369332"/>
+          </a:xfrm>
+          <a:prstGeom prst="rect">
+            <a:avLst/>
+          </a:prstGeom>
+          <a:noFill/>
+        </p:spPr>
+        <p:txBody>
+          <a:bodyPr wrap="none" rtlCol="0">
+            <a:spAutoFit/>
+          </a:bodyPr>
+          <a:lstStyle/>
+          <a:p>
+            <a:endParaRPr lang="en-US"/>
           </a:p>
         </p:txBody>
       </p:sp>
     </p:spTree>
     <p:extLst>
       <p:ext uri="{BB962C8B-B14F-4D97-AF65-F5344CB8AC3E}">
-        <p14:creationId xmlns:p14="http://schemas.microsoft.com/office/powerpoint/2010/main" val="318922468"/>
+        <p14:creationId xmlns:p14="http://schemas.microsoft.com/office/powerpoint/2010/main" val="3642192089"/>
       </p:ext>
     </p:extLst>
   </p:cSld>
@@ -19712,7 +19585,7 @@
   <p:timing>
     <p:tnLst>
       <p:par>
-        <p:cTn xmlns:p14="http://schemas.microsoft.com/office/powerpoint/2010/main" id="1" dur="indefinite" restart="never" nodeType="tmRoot"/>
+        <p:cTn id="1" dur="indefinite" restart="never" nodeType="tmRoot"/>
       </p:par>
     </p:tnLst>
   </p:timing>
@@ -19755,34 +19628,43 @@
           <a:p>
             <a:r>
               <a:rPr lang="en-US" dirty="0" smtClean="0"/>
-              <a:t>Have Instructions for Configuration</a:t>
-            </a:r>
-          </a:p>
-          <a:p>
+              <a:t>Create an IAM user that:</a:t>
+            </a:r>
+          </a:p>
+          <a:p>
+            <a:pPr lvl="1"/>
             <a:r>
               <a:rPr lang="en-US" dirty="0" smtClean="0"/>
-              <a:t>Released on March 24, 2015</a:t>
-            </a:r>
-          </a:p>
-          <a:p>
+              <a:t>has the ability to PUT/GET/DELETE objects in a given bucket</a:t>
+            </a:r>
+          </a:p>
+          <a:p>
+            <a:pPr lvl="1"/>
+            <a:r>
+              <a:rPr lang="en-US" dirty="0"/>
+              <a:t>h</a:t>
+            </a:r>
             <a:r>
               <a:rPr lang="en-US" dirty="0" smtClean="0"/>
-              <a:t>Use Cross Region Replication to Automatically push Objects from one Region to Another</a:t>
+              <a:t>as no further permissions:</a:t>
             </a:r>
           </a:p>
           <a:p>
             <a:r>
               <a:rPr lang="en-US" dirty="0" smtClean="0"/>
-              <a:t>Replication includes object ACLs, metadata</a:t>
-            </a:r>
-            <a:r>
-              <a:rPr lang="en-US" dirty="0"/>
-              <a:t> </a:t>
-            </a:r>
+              <a:t>Sample use case (1): ensuring an application can only access a particular S3 bucket (or S3 bucket / prefix)</a:t>
+            </a:r>
+          </a:p>
+          <a:p>
             <a:r>
               <a:rPr lang="en-US" dirty="0" smtClean="0"/>
-              <a:t>and Reduced Redundancy Storage setting</a:t>
-            </a:r>
+              <a:t>Sample use case (2): allowing users to upload or read from only a particular </a:t>
+            </a:r>
+            <a:r>
+              <a:rPr lang="en-US" smtClean="0"/>
+              <a:t>S3 bucket</a:t>
+            </a:r>
+            <a:endParaRPr lang="en-US" dirty="0" smtClean="0"/>
           </a:p>
         </p:txBody>
       </p:sp>
@@ -19799,13 +19681,13 @@
         <p:spPr/>
         <p:txBody>
           <a:bodyPr>
-            <a:normAutofit fontScale="90000"/>
+            <a:normAutofit/>
           </a:bodyPr>
           <a:lstStyle/>
           <a:p>
             <a:r>
               <a:rPr lang="en-US" dirty="0" smtClean="0"/>
-              <a:t>Hands On: S3 Cross Region Replication</a:t>
+              <a:t>Hands On: S3 IAM Access</a:t>
             </a:r>
             <a:endParaRPr lang="en-US" dirty="0"/>
           </a:p>
@@ -19840,7 +19722,7 @@
     </p:spTree>
     <p:extLst>
       <p:ext uri="{BB962C8B-B14F-4D97-AF65-F5344CB8AC3E}">
-        <p14:creationId xmlns:p14="http://schemas.microsoft.com/office/powerpoint/2010/main" val="3642192089"/>
+        <p14:creationId xmlns:p14="http://schemas.microsoft.com/office/powerpoint/2010/main" val="693792319"/>
       </p:ext>
     </p:extLst>
   </p:cSld>
@@ -19850,7 +19732,7 @@
   <p:timing>
     <p:tnLst>
       <p:par>
-        <p:cTn xmlns:p14="http://schemas.microsoft.com/office/powerpoint/2010/main" id="1" dur="indefinite" restart="never" nodeType="tmRoot"/>
+        <p:cTn id="1" dur="indefinite" restart="never" nodeType="tmRoot"/>
       </p:par>
     </p:tnLst>
   </p:timing>
@@ -19893,157 +19775,6 @@
           <a:p>
             <a:r>
               <a:rPr lang="en-US" dirty="0" smtClean="0"/>
-              <a:t>Create an IAM user that:</a:t>
-            </a:r>
-          </a:p>
-          <a:p>
-            <a:pPr lvl="1"/>
-            <a:r>
-              <a:rPr lang="en-US" dirty="0" smtClean="0"/>
-              <a:t>has the ability to PUT/GET/DELETE objects in a given bucket</a:t>
-            </a:r>
-          </a:p>
-          <a:p>
-            <a:pPr lvl="1"/>
-            <a:r>
-              <a:rPr lang="en-US" dirty="0"/>
-              <a:t>h</a:t>
-            </a:r>
-            <a:r>
-              <a:rPr lang="en-US" dirty="0" smtClean="0"/>
-              <a:t>as no further permissions:</a:t>
-            </a:r>
-          </a:p>
-          <a:p>
-            <a:r>
-              <a:rPr lang="en-US" dirty="0" smtClean="0"/>
-              <a:t>Sample use case (1): ensuring an application can only access a particular S3 bucke</a:t>
-            </a:r>
-            <a:r>
-              <a:rPr lang="en-US" dirty="0" smtClean="0"/>
-              <a:t>t (or S3 bucket / prefix)</a:t>
-            </a:r>
-          </a:p>
-          <a:p>
-            <a:r>
-              <a:rPr lang="en-US" dirty="0" smtClean="0"/>
-              <a:t>Sample use case (2): allowing users to upload or read from only a particular </a:t>
-            </a:r>
-            <a:r>
-              <a:rPr lang="en-US" smtClean="0"/>
-              <a:t>S3 bucket</a:t>
-            </a:r>
-            <a:endParaRPr lang="en-US" dirty="0" smtClean="0"/>
-          </a:p>
-        </p:txBody>
-      </p:sp>
-      <p:sp>
-        <p:nvSpPr>
-          <p:cNvPr id="2" name="Title 1"/>
-          <p:cNvSpPr>
-            <a:spLocks noGrp="1"/>
-          </p:cNvSpPr>
-          <p:nvPr>
-            <p:ph type="title"/>
-          </p:nvPr>
-        </p:nvSpPr>
-        <p:spPr/>
-        <p:txBody>
-          <a:bodyPr>
-            <a:normAutofit/>
-          </a:bodyPr>
-          <a:lstStyle/>
-          <a:p>
-            <a:r>
-              <a:rPr lang="en-US" dirty="0" smtClean="0"/>
-              <a:t>Hands On: S3 IAM Access</a:t>
-            </a:r>
-            <a:endParaRPr lang="en-US" dirty="0"/>
-          </a:p>
-        </p:txBody>
-      </p:sp>
-      <p:sp>
-        <p:nvSpPr>
-          <p:cNvPr id="4" name="TextBox 3"/>
-          <p:cNvSpPr txBox="1"/>
-          <p:nvPr/>
-        </p:nvSpPr>
-        <p:spPr>
-          <a:xfrm>
-            <a:off x="10678781" y="4679784"/>
-            <a:ext cx="184666" cy="369332"/>
-          </a:xfrm>
-          <a:prstGeom prst="rect">
-            <a:avLst/>
-          </a:prstGeom>
-          <a:noFill/>
-        </p:spPr>
-        <p:txBody>
-          <a:bodyPr wrap="none" rtlCol="0">
-            <a:spAutoFit/>
-          </a:bodyPr>
-          <a:lstStyle/>
-          <a:p>
-            <a:endParaRPr lang="en-US"/>
-          </a:p>
-        </p:txBody>
-      </p:sp>
-    </p:spTree>
-    <p:extLst>
-      <p:ext uri="{BB962C8B-B14F-4D97-AF65-F5344CB8AC3E}">
-        <p14:creationId xmlns:p14="http://schemas.microsoft.com/office/powerpoint/2010/main" val="693792319"/>
-      </p:ext>
-    </p:extLst>
-  </p:cSld>
-  <p:clrMapOvr>
-    <a:masterClrMapping/>
-  </p:clrMapOvr>
-  <p:timing>
-    <p:tnLst>
-      <p:par>
-        <p:cTn xmlns:p14="http://schemas.microsoft.com/office/powerpoint/2010/main" id="1" dur="indefinite" restart="never" nodeType="tmRoot"/>
-      </p:par>
-    </p:tnLst>
-  </p:timing>
-</p:sld>
-</file>
-
-<file path=ppt/slides/slide23.xml><?xml version="1.0" encoding="utf-8"?>
-<p:sld xmlns:a="http://schemas.openxmlformats.org/drawingml/2006/main" xmlns:r="http://schemas.openxmlformats.org/officeDocument/2006/relationships" xmlns:p="http://schemas.openxmlformats.org/presentationml/2006/main">
-  <p:cSld>
-    <p:spTree>
-      <p:nvGrpSpPr>
-        <p:cNvPr id="1" name=""/>
-        <p:cNvGrpSpPr/>
-        <p:nvPr/>
-      </p:nvGrpSpPr>
-      <p:grpSpPr>
-        <a:xfrm>
-          <a:off x="0" y="0"/>
-          <a:ext cx="0" cy="0"/>
-          <a:chOff x="0" y="0"/>
-          <a:chExt cx="0" cy="0"/>
-        </a:xfrm>
-      </p:grpSpPr>
-      <p:sp>
-        <p:nvSpPr>
-          <p:cNvPr id="3" name="Content Placeholder 2"/>
-          <p:cNvSpPr>
-            <a:spLocks noGrp="1"/>
-          </p:cNvSpPr>
-          <p:nvPr>
-            <p:ph idx="1"/>
-          </p:nvPr>
-        </p:nvSpPr>
-        <p:spPr/>
-        <p:txBody>
-          <a:bodyPr>
-            <a:normAutofit/>
-          </a:bodyPr>
-          <a:lstStyle/>
-          <a:p>
-            <a:r>
-              <a:rPr lang="en-US" dirty="0" smtClean="0"/>
               <a:t>Storage of all user and auto photos for a Ride Sharing network</a:t>
             </a:r>
           </a:p>
@@ -20103,7 +19834,7 @@
   <p:timing>
     <p:tnLst>
       <p:par>
-        <p:cTn xmlns:p14="http://schemas.microsoft.com/office/powerpoint/2010/main" id="1" dur="indefinite" restart="never" nodeType="tmRoot"/>
+        <p:cTn id="1" dur="indefinite" restart="never" nodeType="tmRoot"/>
       </p:par>
     </p:tnLst>
   </p:timing>
@@ -20231,7 +19962,7 @@
   <p:timing>
     <p:tnLst>
       <p:par>
-        <p:cTn xmlns:p14="http://schemas.microsoft.com/office/powerpoint/2010/main" id="1" dur="indefinite" restart="never" nodeType="tmRoot"/>
+        <p:cTn id="1" dur="indefinite" restart="never" nodeType="tmRoot"/>
       </p:par>
     </p:tnLst>
   </p:timing>
@@ -20370,7 +20101,7 @@
   <p:timing>
     <p:tnLst>
       <p:par>
-        <p:cTn xmlns:p14="http://schemas.microsoft.com/office/powerpoint/2010/main" id="1" dur="indefinite" restart="never" nodeType="tmRoot"/>
+        <p:cTn id="1" dur="indefinite" restart="never" nodeType="tmRoot"/>
       </p:par>
     </p:tnLst>
   </p:timing>
@@ -20407,7 +20138,7 @@
         <p:spPr/>
         <p:txBody>
           <a:bodyPr>
-            <a:normAutofit/>
+            <a:normAutofit fontScale="92500" lnSpcReduction="20000"/>
           </a:bodyPr>
           <a:lstStyle/>
           <a:p>
@@ -20416,13 +20147,58 @@
             </a:pPr>
             <a:r>
               <a:rPr lang="en-US" dirty="0" smtClean="0"/>
-              <a:t>The following is true for All Regions:</a:t>
-            </a:r>
-          </a:p>
-          <a:p>
+              <a:t>The following is true for All Regions</a:t>
+            </a:r>
             <a:r>
               <a:rPr lang="en-US" dirty="0" smtClean="0"/>
-              <a:t>Replace Object, Read Object – may result in read of previous object’s data</a:t>
+              <a:t>:</a:t>
+            </a:r>
+          </a:p>
+          <a:p>
+            <a:r>
+              <a:rPr lang="en-US" dirty="0"/>
+              <a:t>PUT New </a:t>
+            </a:r>
+            <a:r>
+              <a:rPr lang="en-US" dirty="0" smtClean="0"/>
+              <a:t>Objects:</a:t>
+            </a:r>
+          </a:p>
+          <a:p>
+            <a:pPr lvl="1"/>
+            <a:r>
+              <a:rPr lang="en-US" dirty="0" smtClean="0"/>
+              <a:t>New object will always be read</a:t>
+            </a:r>
+            <a:endParaRPr lang="en-US" dirty="0"/>
+          </a:p>
+          <a:p>
+            <a:pPr lvl="1"/>
+            <a:r>
+              <a:rPr lang="en-US" dirty="0" smtClean="0"/>
+              <a:t>Object may not be listed</a:t>
+            </a:r>
+          </a:p>
+          <a:p>
+            <a:pPr lvl="1"/>
+            <a:r>
+              <a:rPr lang="en-US" dirty="0" smtClean="0"/>
+              <a:t>AWS Documentation is inconsistent (</a:t>
+            </a:r>
+            <a:r>
+              <a:rPr lang="en-US" i="1" dirty="0" smtClean="0"/>
+              <a:t>November, 2015)</a:t>
+            </a:r>
+            <a:endParaRPr lang="en-US" dirty="0" smtClean="0"/>
+          </a:p>
+          <a:p>
+            <a:r>
+              <a:rPr lang="en-US" dirty="0" smtClean="0"/>
+              <a:t>Replace </a:t>
+            </a:r>
+            <a:r>
+              <a:rPr lang="en-US" dirty="0" smtClean="0"/>
+              <a:t>Object, Read Object – may result in read of previous object’s data</a:t>
             </a:r>
           </a:p>
           <a:p>
@@ -20482,7 +20258,7 @@
   <p:timing>
     <p:tnLst>
       <p:par>
-        <p:cTn xmlns:p14="http://schemas.microsoft.com/office/powerpoint/2010/main" id="1" dur="indefinite" restart="never" nodeType="tmRoot"/>
+        <p:cTn id="1" dur="indefinite" restart="never" nodeType="tmRoot"/>
       </p:par>
     </p:tnLst>
   </p:timing>
@@ -20519,53 +20295,91 @@
         <p:spPr/>
         <p:txBody>
           <a:bodyPr>
-            <a:normAutofit/>
+            <a:normAutofit fontScale="92500" lnSpcReduction="20000"/>
           </a:bodyPr>
           <a:lstStyle/>
           <a:p>
             <a:r>
+              <a:rPr lang="en-US" dirty="0"/>
+              <a:t>Resource Based </a:t>
+            </a:r>
+            <a:r>
               <a:rPr lang="en-US" dirty="0" smtClean="0"/>
-              <a:t>All Regions except US-Standard allow “Read-After-Write” Consistency for </a:t>
-            </a:r>
+              <a:t>Policies:</a:t>
+            </a:r>
+          </a:p>
+          <a:p>
+            <a:pPr lvl="1"/>
             <a:r>
               <a:rPr lang="en-US" i="1" dirty="0" smtClean="0"/>
-              <a:t>New</a:t>
-            </a:r>
+              <a:t>Policies that are applied on a S3 Resource</a:t>
+            </a:r>
+          </a:p>
+          <a:p>
+            <a:pPr lvl="1"/>
             <a:r>
               <a:rPr lang="en-US" dirty="0" smtClean="0"/>
-              <a:t> Objects</a:t>
+              <a:t>Bucket Policy</a:t>
             </a:r>
           </a:p>
           <a:p>
             <a:pPr lvl="1"/>
             <a:r>
-              <a:rPr lang="en-US" dirty="0"/>
-              <a:t>Write Object, Read Object = </a:t>
-            </a:r>
-            <a:r>
               <a:rPr lang="en-US" dirty="0" smtClean="0"/>
-              <a:t>Object Read</a:t>
-            </a:r>
-          </a:p>
-          <a:p>
-            <a:r>
-              <a:rPr lang="en-US" dirty="0"/>
-              <a:t>US-Standard Region Only:</a:t>
+              <a:t>Bucket ACL</a:t>
             </a:r>
           </a:p>
           <a:p>
             <a:pPr lvl="1"/>
             <a:r>
-              <a:rPr lang="en-US" dirty="0"/>
-              <a:t>Write Object, Read Object – may result in “key does not exist”</a:t>
+              <a:rPr lang="en-US" dirty="0" smtClean="0"/>
+              <a:t>Object ACL</a:t>
+            </a:r>
+          </a:p>
+          <a:p>
+            <a:r>
+              <a:rPr lang="en-US" dirty="0" smtClean="0"/>
+              <a:t>User Policies</a:t>
             </a:r>
           </a:p>
           <a:p>
             <a:pPr lvl="1"/>
             <a:r>
-              <a:rPr lang="en-US" dirty="0"/>
-              <a:t>Write Object, List Keys – may result in object not appear in list</a:t>
-            </a:r>
+              <a:rPr lang="en-US" i="1" dirty="0" smtClean="0"/>
+              <a:t>Rights that </a:t>
+            </a:r>
+            <a:r>
+              <a:rPr lang="en-US" i="1" dirty="0"/>
+              <a:t>are </a:t>
+            </a:r>
+            <a:r>
+              <a:rPr lang="en-US" i="1" dirty="0" smtClean="0"/>
+              <a:t>applied to a User or Group Resource</a:t>
+            </a:r>
+            <a:endParaRPr lang="en-US" dirty="0" smtClean="0"/>
+          </a:p>
+          <a:p>
+            <a:pPr lvl="1"/>
+            <a:r>
+              <a:rPr lang="en-US" dirty="0" smtClean="0"/>
+              <a:t>IAM</a:t>
+            </a:r>
+          </a:p>
+          <a:p>
+            <a:r>
+              <a:rPr lang="en-US" dirty="0" smtClean="0"/>
+              <a:t>Not Covered</a:t>
+            </a:r>
+          </a:p>
+          <a:p>
+            <a:pPr lvl="1"/>
+            <a:r>
+              <a:rPr lang="en-US" dirty="0" smtClean="0"/>
+              <a:t>Cross-Account Access</a:t>
+            </a:r>
+            <a:endParaRPr lang="en-US" dirty="0"/>
+          </a:p>
+          <a:p>
             <a:endParaRPr lang="en-US" dirty="0" smtClean="0"/>
           </a:p>
         </p:txBody>
@@ -20582,12 +20396,21 @@
         </p:nvSpPr>
         <p:spPr/>
         <p:txBody>
-          <a:bodyPr/>
+          <a:bodyPr>
+            <a:normAutofit fontScale="90000"/>
+          </a:bodyPr>
           <a:lstStyle/>
           <a:p>
             <a:r>
               <a:rPr lang="en-US" dirty="0" smtClean="0"/>
-              <a:t>S3: Eventual Consistency II</a:t>
+              <a:t>S3: Access</a:t>
+            </a:r>
+            <a:br>
+              <a:rPr lang="en-US" dirty="0" smtClean="0"/>
+            </a:br>
+            <a:r>
+              <a:rPr lang="en-US" dirty="0" smtClean="0"/>
+              <a:t>Policies, ACLs and IAM, Oh My!</a:t>
             </a:r>
             <a:endParaRPr lang="en-US" dirty="0"/>
           </a:p>
@@ -20596,7 +20419,7 @@
     </p:spTree>
     <p:extLst>
       <p:ext uri="{BB962C8B-B14F-4D97-AF65-F5344CB8AC3E}">
-        <p14:creationId xmlns:p14="http://schemas.microsoft.com/office/powerpoint/2010/main" val="3085434804"/>
+        <p14:creationId xmlns:p14="http://schemas.microsoft.com/office/powerpoint/2010/main" val="1902776928"/>
       </p:ext>
     </p:extLst>
   </p:cSld>
@@ -20606,7 +20429,7 @@
   <p:timing>
     <p:tnLst>
       <p:par>
-        <p:cTn xmlns:p14="http://schemas.microsoft.com/office/powerpoint/2010/main" id="1" dur="indefinite" restart="never" nodeType="tmRoot"/>
+        <p:cTn id="1" dur="indefinite" restart="never" nodeType="tmRoot"/>
       </p:par>
     </p:tnLst>
   </p:timing>
@@ -20643,177 +20466,6 @@
         <p:spPr/>
         <p:txBody>
           <a:bodyPr>
-            <a:normAutofit fontScale="92500" lnSpcReduction="20000"/>
-          </a:bodyPr>
-          <a:lstStyle/>
-          <a:p>
-            <a:r>
-              <a:rPr lang="en-US" dirty="0"/>
-              <a:t>Resource Based </a:t>
-            </a:r>
-            <a:r>
-              <a:rPr lang="en-US" dirty="0" smtClean="0"/>
-              <a:t>Policies:</a:t>
-            </a:r>
-          </a:p>
-          <a:p>
-            <a:pPr lvl="1"/>
-            <a:r>
-              <a:rPr lang="en-US" i="1" dirty="0" smtClean="0"/>
-              <a:t>Policies that are applied on a S3 Resource</a:t>
-            </a:r>
-          </a:p>
-          <a:p>
-            <a:pPr lvl="1"/>
-            <a:r>
-              <a:rPr lang="en-US" dirty="0" smtClean="0"/>
-              <a:t>Bucket Policy</a:t>
-            </a:r>
-          </a:p>
-          <a:p>
-            <a:pPr lvl="1"/>
-            <a:r>
-              <a:rPr lang="en-US" dirty="0" smtClean="0"/>
-              <a:t>Bucket ACL</a:t>
-            </a:r>
-          </a:p>
-          <a:p>
-            <a:pPr lvl="1"/>
-            <a:r>
-              <a:rPr lang="en-US" dirty="0" smtClean="0"/>
-              <a:t>Object ACL</a:t>
-            </a:r>
-          </a:p>
-          <a:p>
-            <a:r>
-              <a:rPr lang="en-US" dirty="0" smtClean="0"/>
-              <a:t>User Policies</a:t>
-            </a:r>
-          </a:p>
-          <a:p>
-            <a:pPr lvl="1"/>
-            <a:r>
-              <a:rPr lang="en-US" i="1" dirty="0" smtClean="0"/>
-              <a:t>Rights that </a:t>
-            </a:r>
-            <a:r>
-              <a:rPr lang="en-US" i="1" dirty="0"/>
-              <a:t>are </a:t>
-            </a:r>
-            <a:r>
-              <a:rPr lang="en-US" i="1" dirty="0" smtClean="0"/>
-              <a:t>applied to a User or Group Resource</a:t>
-            </a:r>
-            <a:endParaRPr lang="en-US" dirty="0" smtClean="0"/>
-          </a:p>
-          <a:p>
-            <a:pPr lvl="1"/>
-            <a:r>
-              <a:rPr lang="en-US" dirty="0" smtClean="0"/>
-              <a:t>IAM</a:t>
-            </a:r>
-          </a:p>
-          <a:p>
-            <a:r>
-              <a:rPr lang="en-US" dirty="0" smtClean="0"/>
-              <a:t>Not Covered</a:t>
-            </a:r>
-          </a:p>
-          <a:p>
-            <a:pPr lvl="1"/>
-            <a:r>
-              <a:rPr lang="en-US" dirty="0" smtClean="0"/>
-              <a:t>Cross-Account Access</a:t>
-            </a:r>
-            <a:endParaRPr lang="en-US" dirty="0"/>
-          </a:p>
-          <a:p>
-            <a:endParaRPr lang="en-US" dirty="0" smtClean="0"/>
-          </a:p>
-        </p:txBody>
-      </p:sp>
-      <p:sp>
-        <p:nvSpPr>
-          <p:cNvPr id="2" name="Title 1"/>
-          <p:cNvSpPr>
-            <a:spLocks noGrp="1"/>
-          </p:cNvSpPr>
-          <p:nvPr>
-            <p:ph type="title"/>
-          </p:nvPr>
-        </p:nvSpPr>
-        <p:spPr/>
-        <p:txBody>
-          <a:bodyPr>
-            <a:normAutofit fontScale="90000"/>
-          </a:bodyPr>
-          <a:lstStyle/>
-          <a:p>
-            <a:r>
-              <a:rPr lang="en-US" dirty="0" smtClean="0"/>
-              <a:t>S3: Access</a:t>
-            </a:r>
-            <a:br>
-              <a:rPr lang="en-US" dirty="0" smtClean="0"/>
-            </a:br>
-            <a:r>
-              <a:rPr lang="en-US" dirty="0" smtClean="0"/>
-              <a:t>Policies, ACLs and IAM, Oh My!</a:t>
-            </a:r>
-            <a:endParaRPr lang="en-US" dirty="0"/>
-          </a:p>
-        </p:txBody>
-      </p:sp>
-    </p:spTree>
-    <p:extLst>
-      <p:ext uri="{BB962C8B-B14F-4D97-AF65-F5344CB8AC3E}">
-        <p14:creationId xmlns:p14="http://schemas.microsoft.com/office/powerpoint/2010/main" val="1902776928"/>
-      </p:ext>
-    </p:extLst>
-  </p:cSld>
-  <p:clrMapOvr>
-    <a:masterClrMapping/>
-  </p:clrMapOvr>
-  <p:timing>
-    <p:tnLst>
-      <p:par>
-        <p:cTn xmlns:p14="http://schemas.microsoft.com/office/powerpoint/2010/main" id="1" dur="indefinite" restart="never" nodeType="tmRoot"/>
-      </p:par>
-    </p:tnLst>
-  </p:timing>
-</p:sld>
-</file>
-
-<file path=ppt/slides/slide8.xml><?xml version="1.0" encoding="utf-8"?>
-<p:sld xmlns:a="http://schemas.openxmlformats.org/drawingml/2006/main" xmlns:r="http://schemas.openxmlformats.org/officeDocument/2006/relationships" xmlns:p="http://schemas.openxmlformats.org/presentationml/2006/main">
-  <p:cSld>
-    <p:spTree>
-      <p:nvGrpSpPr>
-        <p:cNvPr id="1" name=""/>
-        <p:cNvGrpSpPr/>
-        <p:nvPr/>
-      </p:nvGrpSpPr>
-      <p:grpSpPr>
-        <a:xfrm>
-          <a:off x="0" y="0"/>
-          <a:ext cx="0" cy="0"/>
-          <a:chOff x="0" y="0"/>
-          <a:chExt cx="0" cy="0"/>
-        </a:xfrm>
-      </p:grpSpPr>
-      <p:sp>
-        <p:nvSpPr>
-          <p:cNvPr id="3" name="Content Placeholder 2"/>
-          <p:cNvSpPr>
-            <a:spLocks noGrp="1"/>
-          </p:cNvSpPr>
-          <p:nvPr>
-            <p:ph idx="1"/>
-          </p:nvPr>
-        </p:nvSpPr>
-        <p:spPr/>
-        <p:txBody>
-          <a:bodyPr>
             <a:normAutofit fontScale="92500" lnSpcReduction="10000"/>
           </a:bodyPr>
           <a:lstStyle/>
@@ -20942,14 +20594,14 @@
   <p:timing>
     <p:tnLst>
       <p:par>
-        <p:cTn xmlns:p14="http://schemas.microsoft.com/office/powerpoint/2010/main" id="1" dur="indefinite" restart="never" nodeType="tmRoot"/>
+        <p:cTn id="1" dur="indefinite" restart="never" nodeType="tmRoot"/>
       </p:par>
     </p:tnLst>
   </p:timing>
 </p:sld>
 </file>
 
-<file path=ppt/slides/slide9.xml><?xml version="1.0" encoding="utf-8"?>
+<file path=ppt/slides/slide8.xml><?xml version="1.0" encoding="utf-8"?>
 <p:sld xmlns:a="http://schemas.openxmlformats.org/drawingml/2006/main" xmlns:r="http://schemas.openxmlformats.org/officeDocument/2006/relationships" xmlns:p="http://schemas.openxmlformats.org/presentationml/2006/main">
   <p:cSld>
     <p:spTree>
@@ -21032,7 +20684,179 @@
   <p:timing>
     <p:tnLst>
       <p:par>
-        <p:cTn xmlns:p14="http://schemas.microsoft.com/office/powerpoint/2010/main" id="1" dur="indefinite" restart="never" nodeType="tmRoot"/>
+        <p:cTn id="1" dur="indefinite" restart="never" nodeType="tmRoot"/>
+      </p:par>
+    </p:tnLst>
+  </p:timing>
+</p:sld>
+</file>
+
+<file path=ppt/slides/slide9.xml><?xml version="1.0" encoding="utf-8"?>
+<p:sld xmlns:a="http://schemas.openxmlformats.org/drawingml/2006/main" xmlns:r="http://schemas.openxmlformats.org/officeDocument/2006/relationships" xmlns:p="http://schemas.openxmlformats.org/presentationml/2006/main">
+  <p:cSld>
+    <p:spTree>
+      <p:nvGrpSpPr>
+        <p:cNvPr id="1" name=""/>
+        <p:cNvGrpSpPr/>
+        <p:nvPr/>
+      </p:nvGrpSpPr>
+      <p:grpSpPr>
+        <a:xfrm>
+          <a:off x="0" y="0"/>
+          <a:ext cx="0" cy="0"/>
+          <a:chOff x="0" y="0"/>
+          <a:chExt cx="0" cy="0"/>
+        </a:xfrm>
+      </p:grpSpPr>
+      <p:sp>
+        <p:nvSpPr>
+          <p:cNvPr id="3" name="Content Placeholder 2"/>
+          <p:cNvSpPr>
+            <a:spLocks noGrp="1"/>
+          </p:cNvSpPr>
+          <p:nvPr>
+            <p:ph idx="1"/>
+          </p:nvPr>
+        </p:nvSpPr>
+        <p:spPr/>
+        <p:txBody>
+          <a:bodyPr>
+            <a:normAutofit fontScale="77500" lnSpcReduction="20000"/>
+          </a:bodyPr>
+          <a:lstStyle/>
+          <a:p>
+            <a:r>
+              <a:rPr lang="en-US" dirty="0"/>
+              <a:t>Considered a “Resource Policy” because assigned to </a:t>
+            </a:r>
+            <a:r>
+              <a:rPr lang="en-US" dirty="0" smtClean="0"/>
+              <a:t>an S3 resource</a:t>
+            </a:r>
+          </a:p>
+          <a:p>
+            <a:r>
+              <a:rPr lang="en-US" dirty="0" smtClean="0"/>
+              <a:t>Written in JSON</a:t>
+            </a:r>
+          </a:p>
+          <a:p>
+            <a:r>
+              <a:rPr lang="en-US" dirty="0" smtClean="0"/>
+              <a:t>Granularity:</a:t>
+            </a:r>
+          </a:p>
+          <a:p>
+            <a:pPr lvl="1"/>
+            <a:r>
+              <a:rPr lang="en-US" dirty="0"/>
+              <a:t>Control Specific Actions at an Object Level (example: allow write of object named: s3://</a:t>
+            </a:r>
+            <a:r>
+              <a:rPr lang="en-US" dirty="0" err="1"/>
+              <a:t>mybucket</a:t>
+            </a:r>
+            <a:r>
+              <a:rPr lang="en-US" dirty="0"/>
+              <a:t>/</a:t>
+            </a:r>
+            <a:r>
+              <a:rPr lang="en-US" dirty="0" err="1"/>
+              <a:t>test.txt</a:t>
+            </a:r>
+            <a:r>
+              <a:rPr lang="en-US" dirty="0" smtClean="0"/>
+              <a:t>)</a:t>
+            </a:r>
+          </a:p>
+          <a:p>
+            <a:r>
+              <a:rPr lang="en-US" dirty="0" smtClean="0"/>
+              <a:t>Scope:</a:t>
+            </a:r>
+          </a:p>
+          <a:p>
+            <a:pPr lvl="1"/>
+            <a:r>
+              <a:rPr lang="en-US" dirty="0" smtClean="0"/>
+              <a:t>Can grant anonymous access</a:t>
+            </a:r>
+          </a:p>
+          <a:p>
+            <a:pPr lvl="1"/>
+            <a:r>
+              <a:rPr lang="en-US" dirty="0" smtClean="0"/>
+              <a:t>Can grant access to any ARN Resource</a:t>
+            </a:r>
+          </a:p>
+          <a:p>
+            <a:pPr lvl="1"/>
+            <a:r>
+              <a:rPr lang="en-US" dirty="0" smtClean="0"/>
+              <a:t>Can grant access by other attributes, such as IP address</a:t>
+            </a:r>
+          </a:p>
+          <a:p>
+            <a:pPr lvl="1"/>
+            <a:r>
+              <a:rPr lang="en-US" dirty="0" smtClean="0"/>
+              <a:t>Is inherited by objects within bucket</a:t>
+            </a:r>
+          </a:p>
+          <a:p>
+            <a:r>
+              <a:rPr lang="en-US" dirty="0" smtClean="0"/>
+              <a:t>Typical Use:</a:t>
+            </a:r>
+          </a:p>
+          <a:p>
+            <a:pPr lvl="1"/>
+            <a:r>
+              <a:rPr lang="en-US" dirty="0" smtClean="0"/>
+              <a:t>Apply sweeping changes to entire bucket</a:t>
+            </a:r>
+          </a:p>
+        </p:txBody>
+      </p:sp>
+      <p:sp>
+        <p:nvSpPr>
+          <p:cNvPr id="2" name="Title 1"/>
+          <p:cNvSpPr>
+            <a:spLocks noGrp="1"/>
+          </p:cNvSpPr>
+          <p:nvPr>
+            <p:ph type="title"/>
+          </p:nvPr>
+        </p:nvSpPr>
+        <p:spPr/>
+        <p:txBody>
+          <a:bodyPr>
+            <a:normAutofit/>
+          </a:bodyPr>
+          <a:lstStyle/>
+          <a:p>
+            <a:r>
+              <a:rPr lang="en-US" dirty="0" smtClean="0"/>
+              <a:t>S3: Bucket Policy</a:t>
+            </a:r>
+            <a:endParaRPr lang="en-US" dirty="0"/>
+          </a:p>
+        </p:txBody>
+      </p:sp>
+    </p:spTree>
+    <p:extLst>
+      <p:ext uri="{BB962C8B-B14F-4D97-AF65-F5344CB8AC3E}">
+        <p14:creationId xmlns:p14="http://schemas.microsoft.com/office/powerpoint/2010/main" val="420447228"/>
+      </p:ext>
+    </p:extLst>
+  </p:cSld>
+  <p:clrMapOvr>
+    <a:masterClrMapping/>
+  </p:clrMapOvr>
+  <p:timing>
+    <p:tnLst>
+      <p:par>
+        <p:cTn id="1" dur="indefinite" restart="never" nodeType="tmRoot"/>
       </p:par>
     </p:tnLst>
   </p:timing>

--- a/aws-s3/aws-s3.pptx
+++ b/aws-s3/aws-s3.pptx
@@ -5,7 +5,7 @@
     <p:sldMasterId id="2147483677" r:id="rId1"/>
   </p:sldMasterIdLst>
   <p:notesMasterIdLst>
-    <p:notesMasterId r:id="rId24"/>
+    <p:notesMasterId r:id="rId22"/>
   </p:notesMasterIdLst>
   <p:sldIdLst>
     <p:sldId id="302" r:id="rId2"/>
@@ -27,9 +27,7 @@
     <p:sldId id="303" r:id="rId18"/>
     <p:sldId id="305" r:id="rId19"/>
     <p:sldId id="306" r:id="rId20"/>
-    <p:sldId id="300" r:id="rId21"/>
-    <p:sldId id="304" r:id="rId22"/>
-    <p:sldId id="283" r:id="rId23"/>
+    <p:sldId id="283" r:id="rId21"/>
   </p:sldIdLst>
   <p:sldSz cx="9144000" cy="6858000" type="screen4x3"/>
   <p:notesSz cx="6858000" cy="9144000"/>
@@ -229,7 +227,7 @@
           <a:p>
             <a:fld id="{1B6676A5-1300-B945-98B1-DD92DDC3A3CB}" type="datetimeFigureOut">
               <a:rPr lang="en-US" smtClean="0"/>
-              <a:t>11/22/15</a:t>
+              <a:t>12/1/15</a:t>
             </a:fld>
             <a:endParaRPr lang="en-US"/>
           </a:p>
@@ -1235,11 +1233,7 @@
             </a:r>
             <a:r>
               <a:rPr lang="en-US" dirty="0" smtClean="0"/>
-              <a:t>/amazon-s3-performance-tips-tricks-seattle-hiring-event</a:t>
-            </a:r>
-            <a:r>
-              <a:rPr lang="en-US" dirty="0" smtClean="0"/>
-              <a:t>/</a:t>
+              <a:t>/amazon-s3-performance-tips-tricks-seattle-hiring-event/</a:t>
             </a:r>
           </a:p>
           <a:p>
@@ -1765,7 +1759,11 @@
           <a:p>
             <a:r>
               <a:rPr lang="en-US" dirty="0" smtClean="0"/>
-              <a:t>References:</a:t>
+              <a:t>Cost of</a:t>
+            </a:r>
+            <a:r>
+              <a:rPr lang="en-US" baseline="0" dirty="0" smtClean="0"/>
+              <a:t> PUTS on AWS higher than Azure:</a:t>
             </a:r>
           </a:p>
           <a:p>
@@ -1775,23 +1773,37 @@
             </a:pPr>
             <a:r>
               <a:rPr lang="en-US" dirty="0" smtClean="0"/>
-              <a:t>https://</a:t>
+              <a:t>PUT</a:t>
+            </a:r>
+            <a:r>
+              <a:rPr lang="en-US" baseline="0" dirty="0" smtClean="0"/>
+              <a:t> is $0.005 on AWS: http://</a:t>
+            </a:r>
+            <a:r>
+              <a:rPr lang="en-US" baseline="0" dirty="0" err="1" smtClean="0"/>
+              <a:t>aws.amazon.com</a:t>
+            </a:r>
+            <a:r>
+              <a:rPr lang="en-US" baseline="0" dirty="0" smtClean="0"/>
+              <a:t>/s3/pricing/</a:t>
+            </a:r>
+          </a:p>
+          <a:p>
+            <a:pPr marL="171450" indent="-171450">
+              <a:buFont typeface="Arial"/>
+              <a:buChar char="•"/>
+            </a:pPr>
+            <a:r>
+              <a:rPr lang="en-US" dirty="0" smtClean="0"/>
+              <a:t>All Transactions are $0.0036 on Azure: http://</a:t>
             </a:r>
             <a:r>
               <a:rPr lang="en-US" dirty="0" err="1" smtClean="0"/>
-              <a:t>aws.amazon.com</a:t>
+              <a:t>azure.microsoft.com</a:t>
             </a:r>
             <a:r>
               <a:rPr lang="en-US" dirty="0" smtClean="0"/>
-              <a:t>/blogs/</a:t>
-            </a:r>
-            <a:r>
-              <a:rPr lang="en-US" dirty="0" err="1" smtClean="0"/>
-              <a:t>aws</a:t>
-            </a:r>
-            <a:r>
-              <a:rPr lang="en-US" dirty="0" smtClean="0"/>
-              <a:t>/new-cross-region-replication-for-amazon-s3/</a:t>
+              <a:t>/en-us/pricing/details/storage/</a:t>
             </a:r>
           </a:p>
         </p:txBody>
@@ -1876,62 +1888,35 @@
           <a:bodyPr/>
           <a:lstStyle/>
           <a:p>
-            <a:r>
-              <a:rPr lang="en-US" dirty="0" smtClean="0"/>
-              <a:t>References:</a:t>
-            </a:r>
-          </a:p>
-          <a:p>
             <a:pPr marL="171450" indent="-171450">
-              <a:buFont typeface="Arial"/>
+              <a:buFont typeface="Arial" charset="0"/>
               <a:buChar char="•"/>
             </a:pPr>
             <a:r>
               <a:rPr lang="en-US" dirty="0" smtClean="0"/>
-              <a:t>S3</a:t>
-            </a:r>
-            <a:r>
-              <a:rPr lang="en-US" baseline="0" dirty="0" smtClean="0"/>
-              <a:t> Overview: </a:t>
+              <a:t>Redirects: http://</a:t>
+            </a:r>
+            <a:r>
+              <a:rPr lang="en-US" dirty="0" err="1" smtClean="0"/>
+              <a:t>docs.aws.amazon.com</a:t>
             </a:r>
             <a:r>
               <a:rPr lang="en-US" dirty="0" smtClean="0"/>
-              <a:t>http://</a:t>
+              <a:t>/AmazonS3/latest/</a:t>
             </a:r>
             <a:r>
               <a:rPr lang="en-US" dirty="0" err="1" smtClean="0"/>
-              <a:t>aws.amazon.com</a:t>
+              <a:t>dev</a:t>
             </a:r>
             <a:r>
               <a:rPr lang="en-US" dirty="0" smtClean="0"/>
-              <a:t>/s3/</a:t>
-            </a:r>
-          </a:p>
-          <a:p>
-            <a:pPr marL="171450" indent="-171450">
-              <a:buFont typeface="Arial"/>
-              <a:buChar char="•"/>
-            </a:pPr>
-            <a:r>
-              <a:rPr lang="en-US" dirty="0" smtClean="0"/>
-              <a:t>S3 SLA: http://</a:t>
+              <a:t>/how-to-page-</a:t>
             </a:r>
             <a:r>
               <a:rPr lang="en-US" dirty="0" err="1" smtClean="0"/>
-              <a:t>aws.amazon.com</a:t>
-            </a:r>
-            <a:r>
-              <a:rPr lang="en-US" dirty="0" smtClean="0"/>
-              <a:t>/s3/</a:t>
-            </a:r>
-            <a:r>
-              <a:rPr lang="en-US" dirty="0" err="1" smtClean="0"/>
-              <a:t>sla</a:t>
-            </a:r>
-            <a:r>
-              <a:rPr lang="en-US" dirty="0" smtClean="0"/>
-              <a:t>/</a:t>
-            </a:r>
+              <a:t>redirect.html</a:t>
+            </a:r>
+            <a:endParaRPr lang="en-US" dirty="0" smtClean="0"/>
           </a:p>
         </p:txBody>
       </p:sp>
@@ -1953,250 +1938,6 @@
             <a:fld id="{BFB43062-714D-1146-A97F-0D45BD9E7BF0}" type="slidenum">
               <a:rPr lang="en-US" smtClean="0"/>
               <a:t>3</a:t>
-            </a:fld>
-            <a:endParaRPr lang="en-US"/>
-          </a:p>
-        </p:txBody>
-      </p:sp>
-    </p:spTree>
-    <p:extLst>
-      <p:ext uri="{BB962C8B-B14F-4D97-AF65-F5344CB8AC3E}">
-        <p14:creationId xmlns:p14="http://schemas.microsoft.com/office/powerpoint/2010/main" val="494559740"/>
-      </p:ext>
-    </p:extLst>
-  </p:cSld>
-  <p:clrMapOvr>
-    <a:masterClrMapping/>
-  </p:clrMapOvr>
-</p:notes>
-</file>
-
-<file path=ppt/notesSlides/notesSlide20.xml><?xml version="1.0" encoding="utf-8"?>
-<p:notes xmlns:a="http://schemas.openxmlformats.org/drawingml/2006/main" xmlns:r="http://schemas.openxmlformats.org/officeDocument/2006/relationships" xmlns:p="http://schemas.openxmlformats.org/presentationml/2006/main">
-  <p:cSld>
-    <p:spTree>
-      <p:nvGrpSpPr>
-        <p:cNvPr id="1" name=""/>
-        <p:cNvGrpSpPr/>
-        <p:nvPr/>
-      </p:nvGrpSpPr>
-      <p:grpSpPr>
-        <a:xfrm>
-          <a:off x="0" y="0"/>
-          <a:ext cx="0" cy="0"/>
-          <a:chOff x="0" y="0"/>
-          <a:chExt cx="0" cy="0"/>
-        </a:xfrm>
-      </p:grpSpPr>
-      <p:sp>
-        <p:nvSpPr>
-          <p:cNvPr id="2" name="Slide Image Placeholder 1"/>
-          <p:cNvSpPr>
-            <a:spLocks noGrp="1" noRot="1" noChangeAspect="1"/>
-          </p:cNvSpPr>
-          <p:nvPr>
-            <p:ph type="sldImg"/>
-          </p:nvPr>
-        </p:nvSpPr>
-        <p:spPr/>
-      </p:sp>
-      <p:sp>
-        <p:nvSpPr>
-          <p:cNvPr id="3" name="Notes Placeholder 2"/>
-          <p:cNvSpPr>
-            <a:spLocks noGrp="1"/>
-          </p:cNvSpPr>
-          <p:nvPr>
-            <p:ph type="body" idx="1"/>
-          </p:nvPr>
-        </p:nvSpPr>
-        <p:spPr/>
-        <p:txBody>
-          <a:bodyPr/>
-          <a:lstStyle/>
-          <a:p>
-            <a:r>
-              <a:rPr lang="en-US" dirty="0" smtClean="0"/>
-              <a:t>References:</a:t>
-            </a:r>
-          </a:p>
-          <a:p>
-            <a:pPr marL="171450" indent="-171450">
-              <a:buFont typeface="Arial"/>
-              <a:buChar char="•"/>
-            </a:pPr>
-            <a:r>
-              <a:rPr lang="en-US" dirty="0" smtClean="0"/>
-              <a:t>https://</a:t>
-            </a:r>
-            <a:r>
-              <a:rPr lang="en-US" dirty="0" err="1" smtClean="0"/>
-              <a:t>aws.amazon.com</a:t>
-            </a:r>
-            <a:r>
-              <a:rPr lang="en-US" dirty="0" smtClean="0"/>
-              <a:t>/blogs/</a:t>
-            </a:r>
-            <a:r>
-              <a:rPr lang="en-US" dirty="0" err="1" smtClean="0"/>
-              <a:t>aws</a:t>
-            </a:r>
-            <a:r>
-              <a:rPr lang="en-US" dirty="0" smtClean="0"/>
-              <a:t>/new-cross-region-replication-for-amazon-s3/</a:t>
-            </a:r>
-          </a:p>
-        </p:txBody>
-      </p:sp>
-      <p:sp>
-        <p:nvSpPr>
-          <p:cNvPr id="4" name="Slide Number Placeholder 3"/>
-          <p:cNvSpPr>
-            <a:spLocks noGrp="1"/>
-          </p:cNvSpPr>
-          <p:nvPr>
-            <p:ph type="sldNum" sz="quarter" idx="10"/>
-          </p:nvPr>
-        </p:nvSpPr>
-        <p:spPr/>
-        <p:txBody>
-          <a:bodyPr/>
-          <a:lstStyle/>
-          <a:p>
-            <a:fld id="{BFB43062-714D-1146-A97F-0D45BD9E7BF0}" type="slidenum">
-              <a:rPr lang="en-US" smtClean="0"/>
-              <a:t>21</a:t>
-            </a:fld>
-            <a:endParaRPr lang="en-US"/>
-          </a:p>
-        </p:txBody>
-      </p:sp>
-    </p:spTree>
-    <p:extLst>
-      <p:ext uri="{BB962C8B-B14F-4D97-AF65-F5344CB8AC3E}">
-        <p14:creationId xmlns:p14="http://schemas.microsoft.com/office/powerpoint/2010/main" val="494559740"/>
-      </p:ext>
-    </p:extLst>
-  </p:cSld>
-  <p:clrMapOvr>
-    <a:masterClrMapping/>
-  </p:clrMapOvr>
-</p:notes>
-</file>
-
-<file path=ppt/notesSlides/notesSlide21.xml><?xml version="1.0" encoding="utf-8"?>
-<p:notes xmlns:a="http://schemas.openxmlformats.org/drawingml/2006/main" xmlns:r="http://schemas.openxmlformats.org/officeDocument/2006/relationships" xmlns:p="http://schemas.openxmlformats.org/presentationml/2006/main">
-  <p:cSld>
-    <p:spTree>
-      <p:nvGrpSpPr>
-        <p:cNvPr id="1" name=""/>
-        <p:cNvGrpSpPr/>
-        <p:nvPr/>
-      </p:nvGrpSpPr>
-      <p:grpSpPr>
-        <a:xfrm>
-          <a:off x="0" y="0"/>
-          <a:ext cx="0" cy="0"/>
-          <a:chOff x="0" y="0"/>
-          <a:chExt cx="0" cy="0"/>
-        </a:xfrm>
-      </p:grpSpPr>
-      <p:sp>
-        <p:nvSpPr>
-          <p:cNvPr id="2" name="Slide Image Placeholder 1"/>
-          <p:cNvSpPr>
-            <a:spLocks noGrp="1" noRot="1" noChangeAspect="1"/>
-          </p:cNvSpPr>
-          <p:nvPr>
-            <p:ph type="sldImg"/>
-          </p:nvPr>
-        </p:nvSpPr>
-        <p:spPr/>
-      </p:sp>
-      <p:sp>
-        <p:nvSpPr>
-          <p:cNvPr id="3" name="Notes Placeholder 2"/>
-          <p:cNvSpPr>
-            <a:spLocks noGrp="1"/>
-          </p:cNvSpPr>
-          <p:nvPr>
-            <p:ph type="body" idx="1"/>
-          </p:nvPr>
-        </p:nvSpPr>
-        <p:spPr/>
-        <p:txBody>
-          <a:bodyPr/>
-          <a:lstStyle/>
-          <a:p>
-            <a:r>
-              <a:rPr lang="en-US" dirty="0" smtClean="0"/>
-              <a:t>Cost of</a:t>
-            </a:r>
-            <a:r>
-              <a:rPr lang="en-US" baseline="0" dirty="0" smtClean="0"/>
-              <a:t> PUTS on AWS higher than Azure:</a:t>
-            </a:r>
-          </a:p>
-          <a:p>
-            <a:pPr marL="171450" indent="-171450">
-              <a:buFont typeface="Arial"/>
-              <a:buChar char="•"/>
-            </a:pPr>
-            <a:r>
-              <a:rPr lang="en-US" dirty="0" smtClean="0"/>
-              <a:t>PUT</a:t>
-            </a:r>
-            <a:r>
-              <a:rPr lang="en-US" baseline="0" dirty="0" smtClean="0"/>
-              <a:t> is $0.005 on AWS: http://</a:t>
-            </a:r>
-            <a:r>
-              <a:rPr lang="en-US" baseline="0" dirty="0" err="1" smtClean="0"/>
-              <a:t>aws.amazon.com</a:t>
-            </a:r>
-            <a:r>
-              <a:rPr lang="en-US" baseline="0" dirty="0" smtClean="0"/>
-              <a:t>/s3/pricing/</a:t>
-            </a:r>
-          </a:p>
-          <a:p>
-            <a:pPr marL="171450" indent="-171450">
-              <a:buFont typeface="Arial"/>
-              <a:buChar char="•"/>
-            </a:pPr>
-            <a:r>
-              <a:rPr lang="en-US" dirty="0" smtClean="0"/>
-              <a:t>All Transactions are $0.0036 on Azure: http://</a:t>
-            </a:r>
-            <a:r>
-              <a:rPr lang="en-US" dirty="0" err="1" smtClean="0"/>
-              <a:t>azure.microsoft.com</a:t>
-            </a:r>
-            <a:r>
-              <a:rPr lang="en-US" dirty="0" smtClean="0"/>
-              <a:t>/en-us/pricing/details/storage/</a:t>
-            </a:r>
-          </a:p>
-        </p:txBody>
-      </p:sp>
-      <p:sp>
-        <p:nvSpPr>
-          <p:cNvPr id="4" name="Slide Number Placeholder 3"/>
-          <p:cNvSpPr>
-            <a:spLocks noGrp="1"/>
-          </p:cNvSpPr>
-          <p:nvPr>
-            <p:ph type="sldNum" sz="quarter" idx="10"/>
-          </p:nvPr>
-        </p:nvSpPr>
-        <p:spPr/>
-        <p:txBody>
-          <a:bodyPr/>
-          <a:lstStyle/>
-          <a:p>
-            <a:fld id="{BFB43062-714D-1146-A97F-0D45BD9E7BF0}" type="slidenum">
-              <a:rPr lang="en-US" smtClean="0"/>
-              <a:t>22</a:t>
             </a:fld>
             <a:endParaRPr lang="en-US"/>
           </a:p>
@@ -4789,7 +4530,7 @@
           <a:p>
             <a:fld id="{7CE38E4D-051A-41E1-86A4-E56916468FD0}" type="datetimeFigureOut">
               <a:rPr lang="en-US" smtClean="0"/>
-              <a:t>11/22/15</a:t>
+              <a:t>12/1/15</a:t>
             </a:fld>
             <a:endParaRPr lang="en-US"/>
           </a:p>
@@ -4970,7 +4711,7 @@
           <a:p>
             <a:fld id="{7CE38E4D-051A-41E1-86A4-E56916468FD0}" type="datetimeFigureOut">
               <a:rPr lang="en-US" smtClean="0"/>
-              <a:t>11/22/15</a:t>
+              <a:t>12/1/15</a:t>
             </a:fld>
             <a:endParaRPr lang="en-US"/>
           </a:p>
@@ -5121,7 +4862,7 @@
           <a:p>
             <a:fld id="{7CE38E4D-051A-41E1-86A4-E56916468FD0}" type="datetimeFigureOut">
               <a:rPr lang="en-US" smtClean="0"/>
-              <a:t>11/22/15</a:t>
+              <a:t>12/1/15</a:t>
             </a:fld>
             <a:endParaRPr lang="en-US"/>
           </a:p>
@@ -6947,7 +6688,7 @@
           <a:p>
             <a:fld id="{7CE38E4D-051A-41E1-86A4-E56916468FD0}" type="datetimeFigureOut">
               <a:rPr lang="en-US" smtClean="0"/>
-              <a:t>11/22/15</a:t>
+              <a:t>12/1/15</a:t>
             </a:fld>
             <a:endParaRPr lang="en-US"/>
           </a:p>
@@ -8817,7 +8558,7 @@
           <a:p>
             <a:fld id="{7CE38E4D-051A-41E1-86A4-E56916468FD0}" type="datetimeFigureOut">
               <a:rPr lang="en-US" smtClean="0"/>
-              <a:t>11/22/15</a:t>
+              <a:t>12/1/15</a:t>
             </a:fld>
             <a:endParaRPr lang="en-US"/>
           </a:p>
@@ -8930,7 +8671,7 @@
           <a:p>
             <a:fld id="{7CE38E4D-051A-41E1-86A4-E56916468FD0}" type="datetimeFigureOut">
               <a:rPr lang="en-US" smtClean="0"/>
-              <a:t>11/22/15</a:t>
+              <a:t>12/1/15</a:t>
             </a:fld>
             <a:endParaRPr lang="en-US"/>
           </a:p>
@@ -9471,7 +9212,7 @@
           <a:p>
             <a:fld id="{7CE38E4D-051A-41E1-86A4-E56916468FD0}" type="datetimeFigureOut">
               <a:rPr lang="en-US" smtClean="0"/>
-              <a:t>11/22/15</a:t>
+              <a:t>12/1/15</a:t>
             </a:fld>
             <a:endParaRPr lang="en-US"/>
           </a:p>
@@ -9584,7 +9325,7 @@
           <a:p>
             <a:fld id="{7CE38E4D-051A-41E1-86A4-E56916468FD0}" type="datetimeFigureOut">
               <a:rPr lang="en-US" smtClean="0"/>
-              <a:t>11/22/15</a:t>
+              <a:t>12/1/15</a:t>
             </a:fld>
             <a:endParaRPr lang="en-US"/>
           </a:p>
@@ -11295,7 +11036,7 @@
           <a:p>
             <a:fld id="{7CE38E4D-051A-41E1-86A4-E56916468FD0}" type="datetimeFigureOut">
               <a:rPr lang="en-US" smtClean="0"/>
-              <a:t>11/22/15</a:t>
+              <a:t>12/1/15</a:t>
             </a:fld>
             <a:endParaRPr lang="en-US"/>
           </a:p>
@@ -11446,7 +11187,7 @@
           <a:p>
             <a:fld id="{7CE38E4D-051A-41E1-86A4-E56916468FD0}" type="datetimeFigureOut">
               <a:rPr lang="en-US" smtClean="0"/>
-              <a:t>11/22/15</a:t>
+              <a:t>12/1/15</a:t>
             </a:fld>
             <a:endParaRPr lang="en-US"/>
           </a:p>
@@ -15061,7 +14802,7 @@
           <a:p>
             <a:fld id="{7CE38E4D-051A-41E1-86A4-E56916468FD0}" type="datetimeFigureOut">
               <a:rPr lang="en-US" smtClean="0"/>
-              <a:t>11/22/15</a:t>
+              <a:t>12/1/15</a:t>
             </a:fld>
             <a:endParaRPr lang="en-US"/>
           </a:p>
@@ -16920,7 +16661,7 @@
           <a:p>
             <a:fld id="{7CE38E4D-051A-41E1-86A4-E56916468FD0}" type="datetimeFigureOut">
               <a:rPr lang="en-US" smtClean="0"/>
-              <a:t>11/22/15</a:t>
+              <a:t>12/1/15</a:t>
             </a:fld>
             <a:endParaRPr lang="en-US"/>
           </a:p>
@@ -18325,11 +18066,6 @@
               </a:rPr>
               <a:t>Soft-limit of 100 Buckets</a:t>
             </a:r>
-            <a:endParaRPr lang="en-US" dirty="0" smtClean="0">
-              <a:solidFill>
-                <a:schemeClr val="tx1"/>
-              </a:solidFill>
-            </a:endParaRPr>
           </a:p>
           <a:p>
             <a:endParaRPr lang="en-US" dirty="0" smtClean="0">
@@ -18588,12 +18324,14 @@
         </p:nvSpPr>
         <p:spPr/>
         <p:txBody>
-          <a:bodyPr/>
+          <a:bodyPr>
+            <a:normAutofit fontScale="90000"/>
+          </a:bodyPr>
           <a:lstStyle/>
           <a:p>
             <a:r>
               <a:rPr lang="en-US" dirty="0" smtClean="0"/>
-              <a:t>S3: Performance Optimization I</a:t>
+              <a:t>S3: Key Selection and Performance</a:t>
             </a:r>
             <a:endParaRPr lang="en-US" dirty="0"/>
           </a:p>
@@ -18807,12 +18545,18 @@
         </p:nvSpPr>
         <p:spPr/>
         <p:txBody>
-          <a:bodyPr/>
+          <a:bodyPr>
+            <a:normAutofit fontScale="90000"/>
+          </a:bodyPr>
           <a:lstStyle/>
           <a:p>
             <a:r>
+              <a:rPr lang="en-US" dirty="0"/>
+              <a:t>S3: Key </a:t>
+            </a:r>
+            <a:r>
               <a:rPr lang="en-US" dirty="0" smtClean="0"/>
-              <a:t>S3: Performance Optimization II</a:t>
+              <a:t>Selection Problem and Solution</a:t>
             </a:r>
             <a:endParaRPr lang="en-US" dirty="0"/>
           </a:p>
@@ -19311,7 +19055,11 @@
           <a:p>
             <a:r>
               <a:rPr lang="en-US" dirty="0" smtClean="0"/>
-              <a:t>S3: Performance Optimization II</a:t>
+              <a:t>S3: </a:t>
+            </a:r>
+            <a:r>
+              <a:rPr lang="en-US" smtClean="0"/>
+              <a:t>Key Selection Described</a:t>
             </a:r>
             <a:endParaRPr lang="en-US" dirty="0"/>
           </a:p>
@@ -19379,7 +19127,14 @@
           <a:p>
             <a:r>
               <a:rPr lang="en-US" dirty="0" smtClean="0"/>
-              <a:t>Unlimited in Capacity</a:t>
+              <a:t>Unlimited in Number of Objects and Total Storage</a:t>
+            </a:r>
+          </a:p>
+          <a:p>
+            <a:pPr lvl="1"/>
+            <a:r>
+              <a:rPr lang="en-US" dirty="0" smtClean="0"/>
+              <a:t>5 terabyte limit on object size</a:t>
             </a:r>
             <a:endParaRPr lang="en-US" dirty="0"/>
           </a:p>
@@ -19400,14 +19155,38 @@
           <a:p>
             <a:r>
               <a:rPr lang="en-US" dirty="0" smtClean="0"/>
-              <a:t>99.99% Available</a:t>
+              <a:t>99.99% Availability of Objects</a:t>
             </a:r>
           </a:p>
           <a:p>
             <a:r>
               <a:rPr lang="en-US" dirty="0" smtClean="0"/>
-              <a:t>99.9% uptime, per SLA</a:t>
-            </a:r>
+              <a:t>Varying service credits if less than 99.9% Uptime</a:t>
+            </a:r>
+          </a:p>
+          <a:p>
+            <a:pPr lvl="1"/>
+            <a:r>
+              <a:rPr lang="en-US" dirty="0"/>
+              <a:t>Uptime is defined at http://</a:t>
+            </a:r>
+            <a:r>
+              <a:rPr lang="en-US" dirty="0" err="1"/>
+              <a:t>aws.amazon.com</a:t>
+            </a:r>
+            <a:r>
+              <a:rPr lang="en-US" dirty="0"/>
+              <a:t>/s3/</a:t>
+            </a:r>
+            <a:r>
+              <a:rPr lang="en-US" dirty="0" err="1"/>
+              <a:t>sla</a:t>
+            </a:r>
+            <a:r>
+              <a:rPr lang="en-US" dirty="0"/>
+              <a:t>/</a:t>
+            </a:r>
+            <a:endParaRPr lang="en-US" dirty="0" smtClean="0"/>
           </a:p>
         </p:txBody>
       </p:sp>
@@ -19490,291 +19269,6 @@
           <a:p>
             <a:r>
               <a:rPr lang="en-US" dirty="0" smtClean="0"/>
-              <a:t>Have Instructions for Configuration</a:t>
-            </a:r>
-          </a:p>
-          <a:p>
-            <a:r>
-              <a:rPr lang="en-US" dirty="0" smtClean="0"/>
-              <a:t>Released on March 24, 2015</a:t>
-            </a:r>
-          </a:p>
-          <a:p>
-            <a:r>
-              <a:rPr lang="en-US" dirty="0" smtClean="0"/>
-              <a:t>Use Cross Region Replication to Automatically push Objects from one Region to Another</a:t>
-            </a:r>
-          </a:p>
-          <a:p>
-            <a:r>
-              <a:rPr lang="en-US" dirty="0" smtClean="0"/>
-              <a:t>Replication includes object ACLs, metadata</a:t>
-            </a:r>
-            <a:r>
-              <a:rPr lang="en-US" dirty="0"/>
-              <a:t> </a:t>
-            </a:r>
-            <a:r>
-              <a:rPr lang="en-US" dirty="0" smtClean="0"/>
-              <a:t>and Reduced Redundancy Storage setting</a:t>
-            </a:r>
-          </a:p>
-        </p:txBody>
-      </p:sp>
-      <p:sp>
-        <p:nvSpPr>
-          <p:cNvPr id="2" name="Title 1"/>
-          <p:cNvSpPr>
-            <a:spLocks noGrp="1"/>
-          </p:cNvSpPr>
-          <p:nvPr>
-            <p:ph type="title"/>
-          </p:nvPr>
-        </p:nvSpPr>
-        <p:spPr/>
-        <p:txBody>
-          <a:bodyPr>
-            <a:normAutofit fontScale="90000"/>
-          </a:bodyPr>
-          <a:lstStyle/>
-          <a:p>
-            <a:r>
-              <a:rPr lang="en-US" dirty="0" smtClean="0"/>
-              <a:t>Hands On: S3 Cross Region Replication</a:t>
-            </a:r>
-            <a:endParaRPr lang="en-US" dirty="0"/>
-          </a:p>
-        </p:txBody>
-      </p:sp>
-      <p:sp>
-        <p:nvSpPr>
-          <p:cNvPr id="4" name="TextBox 3"/>
-          <p:cNvSpPr txBox="1"/>
-          <p:nvPr/>
-        </p:nvSpPr>
-        <p:spPr>
-          <a:xfrm>
-            <a:off x="10678781" y="4679784"/>
-            <a:ext cx="184666" cy="369332"/>
-          </a:xfrm>
-          <a:prstGeom prst="rect">
-            <a:avLst/>
-          </a:prstGeom>
-          <a:noFill/>
-        </p:spPr>
-        <p:txBody>
-          <a:bodyPr wrap="none" rtlCol="0">
-            <a:spAutoFit/>
-          </a:bodyPr>
-          <a:lstStyle/>
-          <a:p>
-            <a:endParaRPr lang="en-US"/>
-          </a:p>
-        </p:txBody>
-      </p:sp>
-    </p:spTree>
-    <p:extLst>
-      <p:ext uri="{BB962C8B-B14F-4D97-AF65-F5344CB8AC3E}">
-        <p14:creationId xmlns:p14="http://schemas.microsoft.com/office/powerpoint/2010/main" val="3642192089"/>
-      </p:ext>
-    </p:extLst>
-  </p:cSld>
-  <p:clrMapOvr>
-    <a:masterClrMapping/>
-  </p:clrMapOvr>
-  <p:timing>
-    <p:tnLst>
-      <p:par>
-        <p:cTn id="1" dur="indefinite" restart="never" nodeType="tmRoot"/>
-      </p:par>
-    </p:tnLst>
-  </p:timing>
-</p:sld>
-</file>
-
-<file path=ppt/slides/slide21.xml><?xml version="1.0" encoding="utf-8"?>
-<p:sld xmlns:a="http://schemas.openxmlformats.org/drawingml/2006/main" xmlns:r="http://schemas.openxmlformats.org/officeDocument/2006/relationships" xmlns:p="http://schemas.openxmlformats.org/presentationml/2006/main">
-  <p:cSld>
-    <p:spTree>
-      <p:nvGrpSpPr>
-        <p:cNvPr id="1" name=""/>
-        <p:cNvGrpSpPr/>
-        <p:nvPr/>
-      </p:nvGrpSpPr>
-      <p:grpSpPr>
-        <a:xfrm>
-          <a:off x="0" y="0"/>
-          <a:ext cx="0" cy="0"/>
-          <a:chOff x="0" y="0"/>
-          <a:chExt cx="0" cy="0"/>
-        </a:xfrm>
-      </p:grpSpPr>
-      <p:sp>
-        <p:nvSpPr>
-          <p:cNvPr id="3" name="Content Placeholder 2"/>
-          <p:cNvSpPr>
-            <a:spLocks noGrp="1"/>
-          </p:cNvSpPr>
-          <p:nvPr>
-            <p:ph idx="1"/>
-          </p:nvPr>
-        </p:nvSpPr>
-        <p:spPr/>
-        <p:txBody>
-          <a:bodyPr>
-            <a:normAutofit/>
-          </a:bodyPr>
-          <a:lstStyle/>
-          <a:p>
-            <a:r>
-              <a:rPr lang="en-US" dirty="0" smtClean="0"/>
-              <a:t>Create an IAM user that:</a:t>
-            </a:r>
-          </a:p>
-          <a:p>
-            <a:pPr lvl="1"/>
-            <a:r>
-              <a:rPr lang="en-US" dirty="0" smtClean="0"/>
-              <a:t>has the ability to PUT/GET/DELETE objects in a given bucket</a:t>
-            </a:r>
-          </a:p>
-          <a:p>
-            <a:pPr lvl="1"/>
-            <a:r>
-              <a:rPr lang="en-US" dirty="0"/>
-              <a:t>h</a:t>
-            </a:r>
-            <a:r>
-              <a:rPr lang="en-US" dirty="0" smtClean="0"/>
-              <a:t>as no further permissions:</a:t>
-            </a:r>
-          </a:p>
-          <a:p>
-            <a:r>
-              <a:rPr lang="en-US" dirty="0" smtClean="0"/>
-              <a:t>Sample use case (1): ensuring an application can only access a particular S3 bucket (or S3 bucket / prefix)</a:t>
-            </a:r>
-          </a:p>
-          <a:p>
-            <a:r>
-              <a:rPr lang="en-US" dirty="0" smtClean="0"/>
-              <a:t>Sample use case (2): allowing users to upload or read from only a particular </a:t>
-            </a:r>
-            <a:r>
-              <a:rPr lang="en-US" smtClean="0"/>
-              <a:t>S3 bucket</a:t>
-            </a:r>
-            <a:endParaRPr lang="en-US" dirty="0" smtClean="0"/>
-          </a:p>
-        </p:txBody>
-      </p:sp>
-      <p:sp>
-        <p:nvSpPr>
-          <p:cNvPr id="2" name="Title 1"/>
-          <p:cNvSpPr>
-            <a:spLocks noGrp="1"/>
-          </p:cNvSpPr>
-          <p:nvPr>
-            <p:ph type="title"/>
-          </p:nvPr>
-        </p:nvSpPr>
-        <p:spPr/>
-        <p:txBody>
-          <a:bodyPr>
-            <a:normAutofit/>
-          </a:bodyPr>
-          <a:lstStyle/>
-          <a:p>
-            <a:r>
-              <a:rPr lang="en-US" dirty="0" smtClean="0"/>
-              <a:t>Hands On: S3 IAM Access</a:t>
-            </a:r>
-            <a:endParaRPr lang="en-US" dirty="0"/>
-          </a:p>
-        </p:txBody>
-      </p:sp>
-      <p:sp>
-        <p:nvSpPr>
-          <p:cNvPr id="4" name="TextBox 3"/>
-          <p:cNvSpPr txBox="1"/>
-          <p:nvPr/>
-        </p:nvSpPr>
-        <p:spPr>
-          <a:xfrm>
-            <a:off x="10678781" y="4679784"/>
-            <a:ext cx="184666" cy="369332"/>
-          </a:xfrm>
-          <a:prstGeom prst="rect">
-            <a:avLst/>
-          </a:prstGeom>
-          <a:noFill/>
-        </p:spPr>
-        <p:txBody>
-          <a:bodyPr wrap="none" rtlCol="0">
-            <a:spAutoFit/>
-          </a:bodyPr>
-          <a:lstStyle/>
-          <a:p>
-            <a:endParaRPr lang="en-US"/>
-          </a:p>
-        </p:txBody>
-      </p:sp>
-    </p:spTree>
-    <p:extLst>
-      <p:ext uri="{BB962C8B-B14F-4D97-AF65-F5344CB8AC3E}">
-        <p14:creationId xmlns:p14="http://schemas.microsoft.com/office/powerpoint/2010/main" val="693792319"/>
-      </p:ext>
-    </p:extLst>
-  </p:cSld>
-  <p:clrMapOvr>
-    <a:masterClrMapping/>
-  </p:clrMapOvr>
-  <p:timing>
-    <p:tnLst>
-      <p:par>
-        <p:cTn id="1" dur="indefinite" restart="never" nodeType="tmRoot"/>
-      </p:par>
-    </p:tnLst>
-  </p:timing>
-</p:sld>
-</file>
-
-<file path=ppt/slides/slide22.xml><?xml version="1.0" encoding="utf-8"?>
-<p:sld xmlns:a="http://schemas.openxmlformats.org/drawingml/2006/main" xmlns:r="http://schemas.openxmlformats.org/officeDocument/2006/relationships" xmlns:p="http://schemas.openxmlformats.org/presentationml/2006/main">
-  <p:cSld>
-    <p:spTree>
-      <p:nvGrpSpPr>
-        <p:cNvPr id="1" name=""/>
-        <p:cNvGrpSpPr/>
-        <p:nvPr/>
-      </p:nvGrpSpPr>
-      <p:grpSpPr>
-        <a:xfrm>
-          <a:off x="0" y="0"/>
-          <a:ext cx="0" cy="0"/>
-          <a:chOff x="0" y="0"/>
-          <a:chExt cx="0" cy="0"/>
-        </a:xfrm>
-      </p:grpSpPr>
-      <p:sp>
-        <p:nvSpPr>
-          <p:cNvPr id="3" name="Content Placeholder 2"/>
-          <p:cNvSpPr>
-            <a:spLocks noGrp="1"/>
-          </p:cNvSpPr>
-          <p:nvPr>
-            <p:ph idx="1"/>
-          </p:nvPr>
-        </p:nvSpPr>
-        <p:spPr/>
-        <p:txBody>
-          <a:bodyPr>
-            <a:normAutofit/>
-          </a:bodyPr>
-          <a:lstStyle/>
-          <a:p>
-            <a:r>
-              <a:rPr lang="en-US" dirty="0" smtClean="0"/>
               <a:t>Storage of all user and auto photos for a Ride Sharing network</a:t>
             </a:r>
           </a:p>
@@ -19871,7 +19365,7 @@
         <p:spPr/>
         <p:txBody>
           <a:bodyPr>
-            <a:normAutofit lnSpcReduction="10000"/>
+            <a:normAutofit fontScale="92500" lnSpcReduction="10000"/>
           </a:bodyPr>
           <a:lstStyle/>
           <a:p>
@@ -19915,13 +19409,19 @@
             <a:pPr lvl="1"/>
             <a:r>
               <a:rPr lang="en-US" dirty="0" smtClean="0"/>
-              <a:t>Redirects</a:t>
+              <a:t>Redirects (301 Redirect)</a:t>
             </a:r>
           </a:p>
           <a:p>
             <a:r>
               <a:rPr lang="en-US" dirty="0" smtClean="0"/>
-              <a:t>SSL Access</a:t>
+              <a:t>Supports Encryption of Objects in Transit (SSL)</a:t>
+            </a:r>
+          </a:p>
+          <a:p>
+            <a:r>
+              <a:rPr lang="en-US" dirty="0" smtClean="0"/>
+              <a:t>Supports Encryption of Objects at Rest</a:t>
             </a:r>
           </a:p>
         </p:txBody>
@@ -20147,11 +19647,7 @@
             </a:pPr>
             <a:r>
               <a:rPr lang="en-US" dirty="0" smtClean="0"/>
-              <a:t>The following is true for All Regions</a:t>
-            </a:r>
-            <a:r>
-              <a:rPr lang="en-US" dirty="0" smtClean="0"/>
-              <a:t>:</a:t>
+              <a:t>The following is true for All Regions:</a:t>
             </a:r>
           </a:p>
           <a:p>
@@ -20194,11 +19690,7 @@
           <a:p>
             <a:r>
               <a:rPr lang="en-US" dirty="0" smtClean="0"/>
-              <a:t>Replace </a:t>
-            </a:r>
-            <a:r>
-              <a:rPr lang="en-US" dirty="0" smtClean="0"/>
-              <a:t>Object, Read Object – may result in read of previous object’s data</a:t>
+              <a:t>Replace Object, Read Object – may result in read of previous object’s data</a:t>
             </a:r>
           </a:p>
           <a:p>
@@ -20345,6 +19837,14 @@
           <a:p>
             <a:pPr lvl="1"/>
             <a:r>
+              <a:rPr lang="en-US" dirty="0" smtClean="0"/>
+              <a:t>Provided by IAM</a:t>
+            </a:r>
+            <a:endParaRPr lang="en-US" i="1" dirty="0" smtClean="0"/>
+          </a:p>
+          <a:p>
+            <a:pPr lvl="1"/>
+            <a:r>
               <a:rPr lang="en-US" i="1" dirty="0" smtClean="0"/>
               <a:t>Rights that </a:t>
             </a:r>
@@ -20357,13 +19857,6 @@
               <a:t>applied to a User or Group Resource</a:t>
             </a:r>
             <a:endParaRPr lang="en-US" dirty="0" smtClean="0"/>
-          </a:p>
-          <a:p>
-            <a:pPr lvl="1"/>
-            <a:r>
-              <a:rPr lang="en-US" dirty="0" smtClean="0"/>
-              <a:t>IAM</a:t>
-            </a:r>
           </a:p>
           <a:p>
             <a:r>

--- a/aws-s3/aws-s3.pptx
+++ b/aws-s3/aws-s3.pptx
@@ -5,29 +5,31 @@
     <p:sldMasterId id="2147483677" r:id="rId1"/>
   </p:sldMasterIdLst>
   <p:notesMasterIdLst>
-    <p:notesMasterId r:id="rId22"/>
+    <p:notesMasterId r:id="rId24"/>
   </p:notesMasterIdLst>
   <p:sldIdLst>
     <p:sldId id="302" r:id="rId2"/>
     <p:sldId id="277" r:id="rId3"/>
     <p:sldId id="301" r:id="rId4"/>
-    <p:sldId id="285" r:id="rId5"/>
-    <p:sldId id="286" r:id="rId6"/>
-    <p:sldId id="288" r:id="rId7"/>
-    <p:sldId id="289" r:id="rId8"/>
-    <p:sldId id="293" r:id="rId9"/>
-    <p:sldId id="291" r:id="rId10"/>
-    <p:sldId id="292" r:id="rId11"/>
-    <p:sldId id="294" r:id="rId12"/>
-    <p:sldId id="295" r:id="rId13"/>
-    <p:sldId id="299" r:id="rId14"/>
-    <p:sldId id="296" r:id="rId15"/>
-    <p:sldId id="298" r:id="rId16"/>
-    <p:sldId id="278" r:id="rId17"/>
-    <p:sldId id="303" r:id="rId18"/>
-    <p:sldId id="305" r:id="rId19"/>
-    <p:sldId id="306" r:id="rId20"/>
-    <p:sldId id="283" r:id="rId21"/>
+    <p:sldId id="307" r:id="rId5"/>
+    <p:sldId id="308" r:id="rId6"/>
+    <p:sldId id="285" r:id="rId7"/>
+    <p:sldId id="286" r:id="rId8"/>
+    <p:sldId id="288" r:id="rId9"/>
+    <p:sldId id="289" r:id="rId10"/>
+    <p:sldId id="293" r:id="rId11"/>
+    <p:sldId id="291" r:id="rId12"/>
+    <p:sldId id="292" r:id="rId13"/>
+    <p:sldId id="294" r:id="rId14"/>
+    <p:sldId id="295" r:id="rId15"/>
+    <p:sldId id="299" r:id="rId16"/>
+    <p:sldId id="296" r:id="rId17"/>
+    <p:sldId id="298" r:id="rId18"/>
+    <p:sldId id="278" r:id="rId19"/>
+    <p:sldId id="303" r:id="rId20"/>
+    <p:sldId id="305" r:id="rId21"/>
+    <p:sldId id="306" r:id="rId22"/>
+    <p:sldId id="283" r:id="rId23"/>
   </p:sldIdLst>
   <p:sldSz cx="9144000" cy="6858000" type="screen4x3"/>
   <p:notesSz cx="6858000" cy="9144000"/>
@@ -227,7 +229,7 @@
           <a:p>
             <a:fld id="{1B6676A5-1300-B945-98B1-DD92DDC3A3CB}" type="datetimeFigureOut">
               <a:rPr lang="en-US" smtClean="0"/>
-              <a:t>12/1/15</a:t>
+              <a:t>12/2/15</a:t>
             </a:fld>
             <a:endParaRPr lang="en-US"/>
           </a:p>
@@ -684,65 +686,34 @@
             </a:r>
           </a:p>
           <a:p>
-            <a:pPr marL="171450" marR="0" indent="-171450" algn="l" defTabSz="457200" rtl="0" eaLnBrk="1" fontAlgn="auto" latinLnBrk="0" hangingPunct="1">
-              <a:lnSpc>
-                <a:spcPct val="100000"/>
-              </a:lnSpc>
-              <a:spcBef>
-                <a:spcPts val="0"/>
-              </a:spcBef>
-              <a:spcAft>
-                <a:spcPts val="0"/>
-              </a:spcAft>
-              <a:buClrTx/>
-              <a:buSzTx/>
-              <a:buFont typeface="Arial"/>
-              <a:buChar char="•"/>
-              <a:tabLst/>
-              <a:defRPr/>
-            </a:pPr>
-            <a:r>
-              <a:rPr lang="en-US" dirty="0" smtClean="0"/>
-              <a:t>Bucket ACLs Effectively</a:t>
-            </a:r>
-            <a:r>
-              <a:rPr lang="en-US" baseline="0" dirty="0" smtClean="0"/>
-              <a:t> </a:t>
-            </a:r>
-            <a:r>
-              <a:rPr lang="en-US" dirty="0" smtClean="0"/>
-              <a:t>Deprecated: http://</a:t>
-            </a:r>
-            <a:r>
-              <a:rPr lang="en-US" dirty="0" err="1" smtClean="0"/>
-              <a:t>docs.aws.amazon.com</a:t>
-            </a:r>
-            <a:r>
-              <a:rPr lang="en-US" dirty="0" smtClean="0"/>
-              <a:t>/AmazonS3/latest/</a:t>
-            </a:r>
-            <a:r>
-              <a:rPr lang="en-US" dirty="0" err="1" smtClean="0"/>
-              <a:t>dev</a:t>
-            </a:r>
-            <a:r>
-              <a:rPr lang="en-US" dirty="0" smtClean="0"/>
-              <a:t>/access-policy-alternatives-</a:t>
-            </a:r>
-            <a:r>
-              <a:rPr lang="en-US" dirty="0" err="1" smtClean="0"/>
-              <a:t>guidelines.html</a:t>
-            </a:r>
-            <a:endParaRPr lang="en-US" dirty="0" smtClean="0"/>
-          </a:p>
-          <a:p>
-            <a:endParaRPr lang="en-US" dirty="0" smtClean="0"/>
-          </a:p>
-          <a:p>
             <a:pPr marL="171450" indent="-171450">
               <a:buFont typeface="Arial"/>
               <a:buChar char="•"/>
             </a:pPr>
+            <a:r>
+              <a:rPr lang="en-US" dirty="0" smtClean="0"/>
+              <a:t>Grant Access By</a:t>
+            </a:r>
+            <a:r>
+              <a:rPr lang="en-US" baseline="0" dirty="0" smtClean="0"/>
+              <a:t> IP Address: http://</a:t>
+            </a:r>
+            <a:r>
+              <a:rPr lang="en-US" baseline="0" dirty="0" err="1" smtClean="0"/>
+              <a:t>docs.aws.amazon.com</a:t>
+            </a:r>
+            <a:r>
+              <a:rPr lang="en-US" baseline="0" dirty="0" smtClean="0"/>
+              <a:t>/AmazonS3/latest/</a:t>
+            </a:r>
+            <a:r>
+              <a:rPr lang="en-US" baseline="0" dirty="0" err="1" smtClean="0"/>
+              <a:t>dev</a:t>
+            </a:r>
+            <a:r>
+              <a:rPr lang="en-US" baseline="0" dirty="0" smtClean="0"/>
+              <a:t>/example-bucket-policies.html#example-bucket-policies-use-case-3</a:t>
+            </a:r>
             <a:endParaRPr lang="en-US" dirty="0" smtClean="0"/>
           </a:p>
         </p:txBody>
@@ -827,16 +798,6 @@
           <a:bodyPr/>
           <a:lstStyle/>
           <a:p>
-            <a:r>
-              <a:rPr lang="en-US" dirty="0" smtClean="0"/>
-              <a:t>References:</a:t>
-            </a:r>
-          </a:p>
-          <a:p>
-            <a:pPr marL="171450" indent="-171450">
-              <a:buFont typeface="Arial"/>
-              <a:buChar char="•"/>
-            </a:pPr>
             <a:endParaRPr lang="en-US" dirty="0" smtClean="0"/>
           </a:p>
         </p:txBody>
@@ -927,6 +888,61 @@
             </a:r>
           </a:p>
           <a:p>
+            <a:pPr marL="171450" marR="0" indent="-171450" algn="l" defTabSz="457200" rtl="0" eaLnBrk="1" fontAlgn="auto" latinLnBrk="0" hangingPunct="1">
+              <a:lnSpc>
+                <a:spcPct val="100000"/>
+              </a:lnSpc>
+              <a:spcBef>
+                <a:spcPts val="0"/>
+              </a:spcBef>
+              <a:spcAft>
+                <a:spcPts val="0"/>
+              </a:spcAft>
+              <a:buClrTx/>
+              <a:buSzTx/>
+              <a:buFont typeface="Arial"/>
+              <a:buChar char="•"/>
+              <a:tabLst/>
+              <a:defRPr/>
+            </a:pPr>
+            <a:r>
+              <a:rPr lang="en-US" dirty="0" smtClean="0"/>
+              <a:t>Bucket ACLs Effectively</a:t>
+            </a:r>
+            <a:r>
+              <a:rPr lang="en-US" baseline="0" dirty="0" smtClean="0"/>
+              <a:t> </a:t>
+            </a:r>
+            <a:r>
+              <a:rPr lang="en-US" dirty="0" smtClean="0"/>
+              <a:t>Deprecated: http://</a:t>
+            </a:r>
+            <a:r>
+              <a:rPr lang="en-US" dirty="0" err="1" smtClean="0"/>
+              <a:t>docs.aws.amazon.com</a:t>
+            </a:r>
+            <a:r>
+              <a:rPr lang="en-US" dirty="0" smtClean="0"/>
+              <a:t>/AmazonS3/latest/</a:t>
+            </a:r>
+            <a:r>
+              <a:rPr lang="en-US" dirty="0" err="1" smtClean="0"/>
+              <a:t>dev</a:t>
+            </a:r>
+            <a:r>
+              <a:rPr lang="en-US" dirty="0" smtClean="0"/>
+              <a:t>/access-policy-alternatives-</a:t>
+            </a:r>
+            <a:r>
+              <a:rPr lang="en-US" dirty="0" err="1" smtClean="0"/>
+              <a:t>guidelines.html</a:t>
+            </a:r>
+            <a:endParaRPr lang="en-US" dirty="0" smtClean="0"/>
+          </a:p>
+          <a:p>
+            <a:endParaRPr lang="en-US" dirty="0" smtClean="0"/>
+          </a:p>
+          <a:p>
             <a:pPr marL="171450" indent="-171450">
               <a:buFont typeface="Arial"/>
               <a:buChar char="•"/>
@@ -1109,6 +1125,16 @@
           <a:bodyPr/>
           <a:lstStyle/>
           <a:p>
+            <a:r>
+              <a:rPr lang="en-US" dirty="0" smtClean="0"/>
+              <a:t>References:</a:t>
+            </a:r>
+          </a:p>
+          <a:p>
+            <a:pPr marL="171450" indent="-171450">
+              <a:buFont typeface="Arial"/>
+              <a:buChar char="•"/>
+            </a:pPr>
             <a:endParaRPr lang="en-US" dirty="0" smtClean="0"/>
           </a:p>
         </p:txBody>
@@ -1193,10 +1219,6 @@
           <a:bodyPr/>
           <a:lstStyle/>
           <a:p>
-            <a:pPr marL="0" indent="0">
-              <a:buFont typeface="Arial"/>
-              <a:buNone/>
-            </a:pPr>
             <a:r>
               <a:rPr lang="en-US" dirty="0" smtClean="0"/>
               <a:t>References:</a:t>
@@ -1207,68 +1229,6 @@
               <a:buFont typeface="Arial"/>
               <a:buChar char="•"/>
             </a:pPr>
-            <a:r>
-              <a:rPr lang="en-US" dirty="0" smtClean="0"/>
-              <a:t>Sequential Keys:</a:t>
-            </a:r>
-            <a:r>
-              <a:rPr lang="en-US" baseline="0" dirty="0" smtClean="0"/>
-              <a:t> </a:t>
-            </a:r>
-            <a:r>
-              <a:rPr lang="en-US" dirty="0" smtClean="0"/>
-              <a:t>https://</a:t>
-            </a:r>
-            <a:r>
-              <a:rPr lang="en-US" dirty="0" err="1" smtClean="0"/>
-              <a:t>aws.amazon.com</a:t>
-            </a:r>
-            <a:r>
-              <a:rPr lang="en-US" dirty="0" smtClean="0"/>
-              <a:t>/blogs/</a:t>
-            </a:r>
-            <a:r>
-              <a:rPr lang="en-US" dirty="0" err="1" smtClean="0"/>
-              <a:t>aws</a:t>
-            </a:r>
-            <a:r>
-              <a:rPr lang="en-US" dirty="0" smtClean="0"/>
-              <a:t>/amazon-s3-performance-tips-tricks-seattle-hiring-event/</a:t>
-            </a:r>
-          </a:p>
-          <a:p>
-            <a:pPr marL="171450" indent="-171450">
-              <a:buFont typeface="Arial"/>
-              <a:buChar char="•"/>
-            </a:pPr>
-            <a:r>
-              <a:rPr lang="en-US" dirty="0" smtClean="0"/>
-              <a:t>100 Bucket soft-limi</a:t>
-            </a:r>
-            <a:r>
-              <a:rPr lang="en-US" baseline="0" dirty="0" smtClean="0"/>
-              <a:t>t: http://</a:t>
-            </a:r>
-            <a:r>
-              <a:rPr lang="en-US" baseline="0" dirty="0" err="1" smtClean="0"/>
-              <a:t>docs.aws.amazon.com</a:t>
-            </a:r>
-            <a:r>
-              <a:rPr lang="en-US" baseline="0" dirty="0" smtClean="0"/>
-              <a:t>/AmazonS3/latest/</a:t>
-            </a:r>
-            <a:r>
-              <a:rPr lang="en-US" baseline="0" dirty="0" err="1" smtClean="0"/>
-              <a:t>dev</a:t>
-            </a:r>
-            <a:r>
-              <a:rPr lang="en-US" baseline="0" dirty="0" smtClean="0"/>
-              <a:t>/</a:t>
-            </a:r>
-            <a:r>
-              <a:rPr lang="en-US" baseline="0" dirty="0" err="1" smtClean="0"/>
-              <a:t>BucketRestrictions.html</a:t>
-            </a:r>
             <a:endParaRPr lang="en-US" dirty="0" smtClean="0"/>
           </a:p>
         </p:txBody>
@@ -1353,52 +1313,6 @@
           <a:bodyPr/>
           <a:lstStyle/>
           <a:p>
-            <a:pPr marL="0" indent="0">
-              <a:buFont typeface="Arial"/>
-              <a:buNone/>
-            </a:pPr>
-            <a:r>
-              <a:rPr lang="en-US" dirty="0" smtClean="0"/>
-              <a:t>References:</a:t>
-            </a:r>
-          </a:p>
-          <a:p>
-            <a:pPr marL="171450" indent="-171450">
-              <a:buFont typeface="Arial"/>
-              <a:buChar char="•"/>
-            </a:pPr>
-            <a:r>
-              <a:rPr lang="en-US" dirty="0" smtClean="0"/>
-              <a:t>http://</a:t>
-            </a:r>
-            <a:r>
-              <a:rPr lang="en-US" dirty="0" err="1" smtClean="0"/>
-              <a:t>docs.aws.amazon.com</a:t>
-            </a:r>
-            <a:r>
-              <a:rPr lang="en-US" dirty="0" smtClean="0"/>
-              <a:t>/AmazonS3/latest/</a:t>
-            </a:r>
-            <a:r>
-              <a:rPr lang="en-US" dirty="0" err="1" smtClean="0"/>
-              <a:t>dev</a:t>
-            </a:r>
-            <a:r>
-              <a:rPr lang="en-US" dirty="0" smtClean="0"/>
-              <a:t>/request-rate-</a:t>
-            </a:r>
-            <a:r>
-              <a:rPr lang="en-US" dirty="0" err="1" smtClean="0"/>
-              <a:t>perf</a:t>
-            </a:r>
-            <a:r>
-              <a:rPr lang="en-US" dirty="0" smtClean="0"/>
-              <a:t>-</a:t>
-            </a:r>
-            <a:r>
-              <a:rPr lang="en-US" dirty="0" err="1" smtClean="0"/>
-              <a:t>considerations.html</a:t>
-            </a:r>
             <a:endParaRPr lang="en-US" dirty="0" smtClean="0"/>
           </a:p>
         </p:txBody>
@@ -1499,43 +1413,66 @@
             </a:pPr>
             <a:r>
               <a:rPr lang="en-US" dirty="0" smtClean="0"/>
-              <a:t>http://</a:t>
+              <a:t>Sequential Keys:</a:t>
+            </a:r>
+            <a:r>
+              <a:rPr lang="en-US" baseline="0" dirty="0" smtClean="0"/>
+              <a:t> </a:t>
+            </a:r>
+            <a:r>
+              <a:rPr lang="en-US" dirty="0" smtClean="0"/>
+              <a:t>https://</a:t>
             </a:r>
             <a:r>
               <a:rPr lang="en-US" dirty="0" err="1" smtClean="0"/>
-              <a:t>docs.aws.amazon.com</a:t>
+              <a:t>aws.amazon.com</a:t>
             </a:r>
             <a:r>
               <a:rPr lang="en-US" dirty="0" smtClean="0"/>
-              <a:t>/AmazonS3/latest/</a:t>
+              <a:t>/blogs/</a:t>
             </a:r>
             <a:r>
               <a:rPr lang="en-US" dirty="0" err="1" smtClean="0"/>
-              <a:t>dev</a:t>
+              <a:t>aws</a:t>
             </a:r>
             <a:r>
               <a:rPr lang="en-US" dirty="0" smtClean="0"/>
-              <a:t>/request-rate-</a:t>
-            </a:r>
-            <a:r>
-              <a:rPr lang="en-US" dirty="0" err="1" smtClean="0"/>
-              <a:t>perf</a:t>
-            </a:r>
-            <a:r>
-              <a:rPr lang="en-US" dirty="0" smtClean="0"/>
-              <a:t>-</a:t>
-            </a:r>
-            <a:r>
-              <a:rPr lang="en-US" dirty="0" err="1" smtClean="0"/>
-              <a:t>considerations.html</a:t>
-            </a:r>
-            <a:endParaRPr lang="en-US" dirty="0" smtClean="0"/>
+              <a:t>/amazon-s3-performance-tips-tricks-seattle-hiring-event/</a:t>
+            </a:r>
           </a:p>
           <a:p>
             <a:pPr marL="171450" indent="-171450">
               <a:buFont typeface="Arial"/>
               <a:buChar char="•"/>
             </a:pPr>
+            <a:r>
+              <a:rPr lang="en-US" dirty="0" smtClean="0"/>
+              <a:t>100 Bucket soft-limi</a:t>
+            </a:r>
+            <a:r>
+              <a:rPr lang="en-US" baseline="0" dirty="0" smtClean="0"/>
+              <a:t>t: http://</a:t>
+            </a:r>
+            <a:r>
+              <a:rPr lang="en-US" baseline="0" dirty="0" err="1" smtClean="0"/>
+              <a:t>docs.aws.amazon.com</a:t>
+            </a:r>
+            <a:r>
+              <a:rPr lang="en-US" baseline="0" dirty="0" smtClean="0"/>
+              <a:t>/AmazonS3/latest/</a:t>
+            </a:r>
+            <a:r>
+              <a:rPr lang="en-US" baseline="0" dirty="0" err="1" smtClean="0"/>
+              <a:t>dev</a:t>
+            </a:r>
+            <a:r>
+              <a:rPr lang="en-US" baseline="0" dirty="0" smtClean="0"/>
+              <a:t>/</a:t>
+            </a:r>
+            <a:r>
+              <a:rPr lang="en-US" baseline="0" dirty="0" err="1" smtClean="0"/>
+              <a:t>BucketRestrictions.html</a:t>
+            </a:r>
             <a:endParaRPr lang="en-US" dirty="0" smtClean="0"/>
           </a:p>
         </p:txBody>
@@ -1668,13 +1605,6 @@
             </a:r>
             <a:endParaRPr lang="en-US" dirty="0" smtClean="0"/>
           </a:p>
-          <a:p>
-            <a:pPr marL="171450" indent="-171450">
-              <a:buFont typeface="Arial"/>
-              <a:buChar char="•"/>
-            </a:pPr>
-            <a:endParaRPr lang="en-US" dirty="0" smtClean="0"/>
-          </a:p>
         </p:txBody>
       </p:sp>
       <p:sp>
@@ -1757,13 +1687,13 @@
           <a:bodyPr/>
           <a:lstStyle/>
           <a:p>
+            <a:pPr marL="0" indent="0">
+              <a:buFont typeface="Arial"/>
+              <a:buNone/>
+            </a:pPr>
             <a:r>
               <a:rPr lang="en-US" dirty="0" smtClean="0"/>
-              <a:t>Cost of</a:t>
-            </a:r>
-            <a:r>
-              <a:rPr lang="en-US" baseline="0" dirty="0" smtClean="0"/>
-              <a:t> PUTS on AWS higher than Azure:</a:t>
+              <a:t>References:</a:t>
             </a:r>
           </a:p>
           <a:p>
@@ -1773,38 +1703,44 @@
             </a:pPr>
             <a:r>
               <a:rPr lang="en-US" dirty="0" smtClean="0"/>
-              <a:t>PUT</a:t>
-            </a:r>
-            <a:r>
-              <a:rPr lang="en-US" baseline="0" dirty="0" smtClean="0"/>
-              <a:t> is $0.005 on AWS: http://</a:t>
-            </a:r>
-            <a:r>
-              <a:rPr lang="en-US" baseline="0" dirty="0" err="1" smtClean="0"/>
-              <a:t>aws.amazon.com</a:t>
-            </a:r>
-            <a:r>
-              <a:rPr lang="en-US" baseline="0" dirty="0" smtClean="0"/>
-              <a:t>/s3/pricing/</a:t>
-            </a:r>
+              <a:t>http://</a:t>
+            </a:r>
+            <a:r>
+              <a:rPr lang="en-US" dirty="0" err="1" smtClean="0"/>
+              <a:t>docs.aws.amazon.com</a:t>
+            </a:r>
+            <a:r>
+              <a:rPr lang="en-US" dirty="0" smtClean="0"/>
+              <a:t>/AmazonS3/latest/</a:t>
+            </a:r>
+            <a:r>
+              <a:rPr lang="en-US" dirty="0" err="1" smtClean="0"/>
+              <a:t>dev</a:t>
+            </a:r>
+            <a:r>
+              <a:rPr lang="en-US" dirty="0" smtClean="0"/>
+              <a:t>/request-rate-</a:t>
+            </a:r>
+            <a:r>
+              <a:rPr lang="en-US" dirty="0" err="1" smtClean="0"/>
+              <a:t>perf</a:t>
+            </a:r>
+            <a:r>
+              <a:rPr lang="en-US" dirty="0" smtClean="0"/>
+              <a:t>-</a:t>
+            </a:r>
+            <a:r>
+              <a:rPr lang="en-US" dirty="0" err="1" smtClean="0"/>
+              <a:t>considerations.html</a:t>
+            </a:r>
+            <a:endParaRPr lang="en-US" dirty="0" smtClean="0"/>
           </a:p>
           <a:p>
             <a:pPr marL="171450" indent="-171450">
               <a:buFont typeface="Arial"/>
               <a:buChar char="•"/>
             </a:pPr>
-            <a:r>
-              <a:rPr lang="en-US" dirty="0" smtClean="0"/>
-              <a:t>All Transactions are $0.0036 on Azure: http://</a:t>
-            </a:r>
-            <a:r>
-              <a:rPr lang="en-US" dirty="0" err="1" smtClean="0"/>
-              <a:t>azure.microsoft.com</a:t>
-            </a:r>
-            <a:r>
-              <a:rPr lang="en-US" dirty="0" smtClean="0"/>
-              <a:t>/en-us/pricing/details/storage/</a:t>
-            </a:r>
+            <a:endParaRPr lang="en-US" dirty="0" smtClean="0"/>
           </a:p>
         </p:txBody>
       </p:sp>
@@ -1918,6 +1854,13 @@
             </a:r>
             <a:endParaRPr lang="en-US" dirty="0" smtClean="0"/>
           </a:p>
+          <a:p>
+            <a:pPr marL="0" indent="0">
+              <a:buFont typeface="Arial" charset="0"/>
+              <a:buNone/>
+            </a:pPr>
+            <a:endParaRPr lang="en-US" dirty="0" smtClean="0"/>
+          </a:p>
         </p:txBody>
       </p:sp>
       <p:sp>
@@ -1938,6 +1881,274 @@
             <a:fld id="{BFB43062-714D-1146-A97F-0D45BD9E7BF0}" type="slidenum">
               <a:rPr lang="en-US" smtClean="0"/>
               <a:t>3</a:t>
+            </a:fld>
+            <a:endParaRPr lang="en-US"/>
+          </a:p>
+        </p:txBody>
+      </p:sp>
+    </p:spTree>
+    <p:extLst>
+      <p:ext uri="{BB962C8B-B14F-4D97-AF65-F5344CB8AC3E}">
+        <p14:creationId xmlns:p14="http://schemas.microsoft.com/office/powerpoint/2010/main" val="494559740"/>
+      </p:ext>
+    </p:extLst>
+  </p:cSld>
+  <p:clrMapOvr>
+    <a:masterClrMapping/>
+  </p:clrMapOvr>
+</p:notes>
+</file>
+
+<file path=ppt/notesSlides/notesSlide20.xml><?xml version="1.0" encoding="utf-8"?>
+<p:notes xmlns:a="http://schemas.openxmlformats.org/drawingml/2006/main" xmlns:r="http://schemas.openxmlformats.org/officeDocument/2006/relationships" xmlns:p="http://schemas.openxmlformats.org/presentationml/2006/main">
+  <p:cSld>
+    <p:spTree>
+      <p:nvGrpSpPr>
+        <p:cNvPr id="1" name=""/>
+        <p:cNvGrpSpPr/>
+        <p:nvPr/>
+      </p:nvGrpSpPr>
+      <p:grpSpPr>
+        <a:xfrm>
+          <a:off x="0" y="0"/>
+          <a:ext cx="0" cy="0"/>
+          <a:chOff x="0" y="0"/>
+          <a:chExt cx="0" cy="0"/>
+        </a:xfrm>
+      </p:grpSpPr>
+      <p:sp>
+        <p:nvSpPr>
+          <p:cNvPr id="2" name="Slide Image Placeholder 1"/>
+          <p:cNvSpPr>
+            <a:spLocks noGrp="1" noRot="1" noChangeAspect="1"/>
+          </p:cNvSpPr>
+          <p:nvPr>
+            <p:ph type="sldImg"/>
+          </p:nvPr>
+        </p:nvSpPr>
+        <p:spPr/>
+      </p:sp>
+      <p:sp>
+        <p:nvSpPr>
+          <p:cNvPr id="3" name="Notes Placeholder 2"/>
+          <p:cNvSpPr>
+            <a:spLocks noGrp="1"/>
+          </p:cNvSpPr>
+          <p:nvPr>
+            <p:ph type="body" idx="1"/>
+          </p:nvPr>
+        </p:nvSpPr>
+        <p:spPr/>
+        <p:txBody>
+          <a:bodyPr/>
+          <a:lstStyle/>
+          <a:p>
+            <a:pPr marL="0" indent="0">
+              <a:buFont typeface="Arial"/>
+              <a:buNone/>
+            </a:pPr>
+            <a:r>
+              <a:rPr lang="en-US" dirty="0" smtClean="0"/>
+              <a:t>References:</a:t>
+            </a:r>
+          </a:p>
+          <a:p>
+            <a:pPr marL="171450" indent="-171450">
+              <a:buFont typeface="Arial"/>
+              <a:buChar char="•"/>
+            </a:pPr>
+            <a:r>
+              <a:rPr lang="en-US" dirty="0" smtClean="0"/>
+              <a:t>http://</a:t>
+            </a:r>
+            <a:r>
+              <a:rPr lang="en-US" dirty="0" err="1" smtClean="0"/>
+              <a:t>docs.aws.amazon.com</a:t>
+            </a:r>
+            <a:r>
+              <a:rPr lang="en-US" dirty="0" smtClean="0"/>
+              <a:t>/AmazonS3/latest/</a:t>
+            </a:r>
+            <a:r>
+              <a:rPr lang="en-US" dirty="0" err="1" smtClean="0"/>
+              <a:t>dev</a:t>
+            </a:r>
+            <a:r>
+              <a:rPr lang="en-US" dirty="0" smtClean="0"/>
+              <a:t>/request-rate-</a:t>
+            </a:r>
+            <a:r>
+              <a:rPr lang="en-US" dirty="0" err="1" smtClean="0"/>
+              <a:t>perf</a:t>
+            </a:r>
+            <a:r>
+              <a:rPr lang="en-US" dirty="0" smtClean="0"/>
+              <a:t>-</a:t>
+            </a:r>
+            <a:r>
+              <a:rPr lang="en-US" dirty="0" err="1" smtClean="0"/>
+              <a:t>considerations.html</a:t>
+            </a:r>
+            <a:endParaRPr lang="en-US" dirty="0" smtClean="0"/>
+          </a:p>
+          <a:p>
+            <a:pPr marL="171450" indent="-171450">
+              <a:buFont typeface="Arial"/>
+              <a:buChar char="•"/>
+            </a:pPr>
+            <a:endParaRPr lang="en-US" dirty="0" smtClean="0"/>
+          </a:p>
+        </p:txBody>
+      </p:sp>
+      <p:sp>
+        <p:nvSpPr>
+          <p:cNvPr id="4" name="Slide Number Placeholder 3"/>
+          <p:cNvSpPr>
+            <a:spLocks noGrp="1"/>
+          </p:cNvSpPr>
+          <p:nvPr>
+            <p:ph type="sldNum" sz="quarter" idx="10"/>
+          </p:nvPr>
+        </p:nvSpPr>
+        <p:spPr/>
+        <p:txBody>
+          <a:bodyPr/>
+          <a:lstStyle/>
+          <a:p>
+            <a:fld id="{BFB43062-714D-1146-A97F-0D45BD9E7BF0}" type="slidenum">
+              <a:rPr lang="en-US" smtClean="0"/>
+              <a:t>21</a:t>
+            </a:fld>
+            <a:endParaRPr lang="en-US"/>
+          </a:p>
+        </p:txBody>
+      </p:sp>
+    </p:spTree>
+    <p:extLst>
+      <p:ext uri="{BB962C8B-B14F-4D97-AF65-F5344CB8AC3E}">
+        <p14:creationId xmlns:p14="http://schemas.microsoft.com/office/powerpoint/2010/main" val="494559740"/>
+      </p:ext>
+    </p:extLst>
+  </p:cSld>
+  <p:clrMapOvr>
+    <a:masterClrMapping/>
+  </p:clrMapOvr>
+</p:notes>
+</file>
+
+<file path=ppt/notesSlides/notesSlide21.xml><?xml version="1.0" encoding="utf-8"?>
+<p:notes xmlns:a="http://schemas.openxmlformats.org/drawingml/2006/main" xmlns:r="http://schemas.openxmlformats.org/officeDocument/2006/relationships" xmlns:p="http://schemas.openxmlformats.org/presentationml/2006/main">
+  <p:cSld>
+    <p:spTree>
+      <p:nvGrpSpPr>
+        <p:cNvPr id="1" name=""/>
+        <p:cNvGrpSpPr/>
+        <p:nvPr/>
+      </p:nvGrpSpPr>
+      <p:grpSpPr>
+        <a:xfrm>
+          <a:off x="0" y="0"/>
+          <a:ext cx="0" cy="0"/>
+          <a:chOff x="0" y="0"/>
+          <a:chExt cx="0" cy="0"/>
+        </a:xfrm>
+      </p:grpSpPr>
+      <p:sp>
+        <p:nvSpPr>
+          <p:cNvPr id="2" name="Slide Image Placeholder 1"/>
+          <p:cNvSpPr>
+            <a:spLocks noGrp="1" noRot="1" noChangeAspect="1"/>
+          </p:cNvSpPr>
+          <p:nvPr>
+            <p:ph type="sldImg"/>
+          </p:nvPr>
+        </p:nvSpPr>
+        <p:spPr/>
+      </p:sp>
+      <p:sp>
+        <p:nvSpPr>
+          <p:cNvPr id="3" name="Notes Placeholder 2"/>
+          <p:cNvSpPr>
+            <a:spLocks noGrp="1"/>
+          </p:cNvSpPr>
+          <p:nvPr>
+            <p:ph type="body" idx="1"/>
+          </p:nvPr>
+        </p:nvSpPr>
+        <p:spPr/>
+        <p:txBody>
+          <a:bodyPr/>
+          <a:lstStyle/>
+          <a:p>
+            <a:r>
+              <a:rPr lang="en-US" dirty="0" smtClean="0"/>
+              <a:t>Cost of</a:t>
+            </a:r>
+            <a:r>
+              <a:rPr lang="en-US" baseline="0" dirty="0" smtClean="0"/>
+              <a:t> PUTS on AWS higher than Azure:</a:t>
+            </a:r>
+          </a:p>
+          <a:p>
+            <a:pPr marL="171450" indent="-171450">
+              <a:buFont typeface="Arial"/>
+              <a:buChar char="•"/>
+            </a:pPr>
+            <a:r>
+              <a:rPr lang="en-US" dirty="0" smtClean="0"/>
+              <a:t>PUT</a:t>
+            </a:r>
+            <a:r>
+              <a:rPr lang="en-US" baseline="0" dirty="0" smtClean="0"/>
+              <a:t> is $0.005 on AWS: http://</a:t>
+            </a:r>
+            <a:r>
+              <a:rPr lang="en-US" baseline="0" dirty="0" err="1" smtClean="0"/>
+              <a:t>aws.amazon.com</a:t>
+            </a:r>
+            <a:r>
+              <a:rPr lang="en-US" baseline="0" dirty="0" smtClean="0"/>
+              <a:t>/s3/pricing/</a:t>
+            </a:r>
+          </a:p>
+          <a:p>
+            <a:pPr marL="171450" indent="-171450">
+              <a:buFont typeface="Arial"/>
+              <a:buChar char="•"/>
+            </a:pPr>
+            <a:r>
+              <a:rPr lang="en-US" dirty="0" smtClean="0"/>
+              <a:t>All Transactions are $0.0036 on Azure: http://</a:t>
+            </a:r>
+            <a:r>
+              <a:rPr lang="en-US" dirty="0" err="1" smtClean="0"/>
+              <a:t>azure.microsoft.com</a:t>
+            </a:r>
+            <a:r>
+              <a:rPr lang="en-US" dirty="0" smtClean="0"/>
+              <a:t>/en-us/pricing/details/storage/</a:t>
+            </a:r>
+          </a:p>
+        </p:txBody>
+      </p:sp>
+      <p:sp>
+        <p:nvSpPr>
+          <p:cNvPr id="4" name="Slide Number Placeholder 3"/>
+          <p:cNvSpPr>
+            <a:spLocks noGrp="1"/>
+          </p:cNvSpPr>
+          <p:nvPr>
+            <p:ph type="sldNum" sz="quarter" idx="10"/>
+          </p:nvPr>
+        </p:nvSpPr>
+        <p:spPr/>
+        <p:txBody>
+          <a:bodyPr/>
+          <a:lstStyle/>
+          <a:p>
+            <a:fld id="{BFB43062-714D-1146-A97F-0D45BD9E7BF0}" type="slidenum">
+              <a:rPr lang="en-US" smtClean="0"/>
+              <a:t>22</a:t>
             </a:fld>
             <a:endParaRPr lang="en-US"/>
           </a:p>
@@ -2000,6 +2211,62 @@
           <a:bodyPr/>
           <a:lstStyle/>
           <a:p>
+            <a:pPr marL="171450" indent="-171450">
+              <a:buFont typeface="Arial" charset="0"/>
+              <a:buChar char="•"/>
+            </a:pPr>
+            <a:r>
+              <a:rPr lang="en-US" dirty="0" smtClean="0"/>
+              <a:t>https://</a:t>
+            </a:r>
+            <a:r>
+              <a:rPr lang="en-US" dirty="0" err="1" smtClean="0"/>
+              <a:t>aws.amazon.com</a:t>
+            </a:r>
+            <a:r>
+              <a:rPr lang="en-US" dirty="0" smtClean="0"/>
+              <a:t>/s3/storage-classes/</a:t>
+            </a:r>
+          </a:p>
+          <a:p>
+            <a:pPr marL="171450" indent="-171450">
+              <a:buFont typeface="Arial" charset="0"/>
+              <a:buChar char="•"/>
+            </a:pPr>
+            <a:r>
+              <a:rPr lang="en-US" dirty="0" smtClean="0"/>
+              <a:t>Glacier:</a:t>
+            </a:r>
+          </a:p>
+          <a:p>
+            <a:pPr marL="628650" lvl="1" indent="-171450">
+              <a:buFont typeface="Arial" charset="0"/>
+              <a:buChar char="•"/>
+            </a:pPr>
+            <a:r>
+              <a:rPr lang="en-US" dirty="0" smtClean="0"/>
+              <a:t>3</a:t>
+            </a:r>
+            <a:r>
+              <a:rPr lang="en-US" baseline="0" dirty="0" smtClean="0"/>
+              <a:t> to 5 hours, up to 24 hours: https://</a:t>
+            </a:r>
+            <a:r>
+              <a:rPr lang="en-US" baseline="0" dirty="0" err="1" smtClean="0"/>
+              <a:t>aws.amazon.com</a:t>
+            </a:r>
+            <a:r>
+              <a:rPr lang="en-US" baseline="0" dirty="0" smtClean="0"/>
+              <a:t>/glacier/</a:t>
+            </a:r>
+            <a:r>
+              <a:rPr lang="en-US" baseline="0" dirty="0" err="1" smtClean="0"/>
+              <a:t>faqs</a:t>
+            </a:r>
+            <a:r>
+              <a:rPr lang="en-US" baseline="0" dirty="0" smtClean="0"/>
+              <a:t>/</a:t>
+            </a:r>
             <a:endParaRPr lang="en-US" dirty="0" smtClean="0"/>
           </a:p>
         </p:txBody>
@@ -2030,7 +2297,7 @@
     </p:spTree>
     <p:extLst>
       <p:ext uri="{BB962C8B-B14F-4D97-AF65-F5344CB8AC3E}">
-        <p14:creationId xmlns:p14="http://schemas.microsoft.com/office/powerpoint/2010/main" val="494559740"/>
+        <p14:creationId xmlns:p14="http://schemas.microsoft.com/office/powerpoint/2010/main" val="470193202"/>
       </p:ext>
     </p:extLst>
   </p:cSld>
@@ -2084,75 +2351,63 @@
           <a:bodyPr/>
           <a:lstStyle/>
           <a:p>
-            <a:r>
-              <a:rPr lang="en-US" dirty="0" smtClean="0"/>
-              <a:t>References:</a:t>
-            </a:r>
-          </a:p>
-          <a:p>
             <a:pPr marL="171450" indent="-171450">
-              <a:buFont typeface="Arial"/>
+              <a:buFont typeface="Arial" charset="0"/>
               <a:buChar char="•"/>
             </a:pPr>
             <a:r>
               <a:rPr lang="en-US" dirty="0" smtClean="0"/>
-              <a:t>Consistency Model: http://</a:t>
+              <a:t>https://</a:t>
             </a:r>
             <a:r>
               <a:rPr lang="en-US" dirty="0" err="1" smtClean="0"/>
-              <a:t>docs.aws.amazon.com</a:t>
+              <a:t>aws.amazon.com</a:t>
             </a:r>
             <a:r>
               <a:rPr lang="en-US" dirty="0" smtClean="0"/>
-              <a:t>/AmazonS3/latest/</a:t>
-            </a:r>
-            <a:r>
-              <a:rPr lang="en-US" dirty="0" err="1" smtClean="0"/>
-              <a:t>dev</a:t>
-            </a:r>
-            <a:r>
-              <a:rPr lang="en-US" dirty="0" smtClean="0"/>
-              <a:t>/</a:t>
-            </a:r>
-            <a:r>
-              <a:rPr lang="en-US" dirty="0" err="1" smtClean="0"/>
-              <a:t>Introduction.html#ConsistencyMode</a:t>
-            </a:r>
-            <a:endParaRPr lang="en-US" dirty="0" smtClean="0"/>
+              <a:t>/s3/storage-classes/</a:t>
+            </a:r>
           </a:p>
           <a:p>
             <a:pPr marL="171450" indent="-171450">
-              <a:buFont typeface="Arial"/>
+              <a:buFont typeface="Arial" charset="0"/>
               <a:buChar char="•"/>
             </a:pPr>
             <a:r>
               <a:rPr lang="en-US" dirty="0" smtClean="0"/>
-              <a:t>Consistency Model:</a:t>
+              <a:t>Glacier:</a:t>
+            </a:r>
+          </a:p>
+          <a:p>
+            <a:pPr marL="628650" lvl="1" indent="-171450">
+              <a:buFont typeface="Arial" charset="0"/>
+              <a:buChar char="•"/>
+            </a:pPr>
+            <a:r>
+              <a:rPr lang="en-US" dirty="0" smtClean="0"/>
+              <a:t>3</a:t>
             </a:r>
             <a:r>
               <a:rPr lang="en-US" baseline="0" dirty="0" smtClean="0"/>
-              <a:t> </a:t>
-            </a:r>
-            <a:r>
-              <a:rPr lang="en-US" dirty="0" smtClean="0"/>
-              <a:t>http://</a:t>
-            </a:r>
-            <a:r>
-              <a:rPr lang="en-US" dirty="0" err="1" smtClean="0"/>
+              <a:t> to 5 hours, up to 24 hours: https://</a:t>
+            </a:r>
+            <a:r>
+              <a:rPr lang="en-US" baseline="0" dirty="0" err="1" smtClean="0"/>
               <a:t>aws.amazon.com</a:t>
             </a:r>
             <a:r>
-              <a:rPr lang="en-US" dirty="0" smtClean="0"/>
-              <a:t>/s3/</a:t>
-            </a:r>
-            <a:r>
-              <a:rPr lang="en-US" dirty="0" err="1" smtClean="0"/>
+              <a:rPr lang="en-US" baseline="0" dirty="0" smtClean="0"/>
+              <a:t>/glacier/</a:t>
+            </a:r>
+            <a:r>
+              <a:rPr lang="en-US" baseline="0" dirty="0" err="1" smtClean="0"/>
               <a:t>faqs</a:t>
             </a:r>
             <a:r>
-              <a:rPr lang="en-US" dirty="0" smtClean="0"/>
+              <a:rPr lang="en-US" baseline="0" smtClean="0"/>
               <a:t>/</a:t>
             </a:r>
+            <a:endParaRPr lang="en-US" dirty="0" smtClean="0"/>
           </a:p>
         </p:txBody>
       </p:sp>
@@ -2182,7 +2437,7 @@
     </p:spTree>
     <p:extLst>
       <p:ext uri="{BB962C8B-B14F-4D97-AF65-F5344CB8AC3E}">
-        <p14:creationId xmlns:p14="http://schemas.microsoft.com/office/powerpoint/2010/main" val="494559740"/>
+        <p14:creationId xmlns:p14="http://schemas.microsoft.com/office/powerpoint/2010/main" val="1460100404"/>
       </p:ext>
     </p:extLst>
   </p:cSld>
@@ -2236,44 +2491,96 @@
           <a:bodyPr/>
           <a:lstStyle/>
           <a:p>
+            <a:pPr marL="171450" marR="0" indent="-171450" algn="l" defTabSz="457200" rtl="0" eaLnBrk="1" fontAlgn="auto" latinLnBrk="0" hangingPunct="1">
+              <a:lnSpc>
+                <a:spcPct val="100000"/>
+              </a:lnSpc>
+              <a:spcBef>
+                <a:spcPts val="0"/>
+              </a:spcBef>
+              <a:spcAft>
+                <a:spcPts val="0"/>
+              </a:spcAft>
+              <a:buClrTx/>
+              <a:buSzTx/>
+              <a:buFont typeface="Arial" charset="0"/>
+              <a:buChar char="•"/>
+              <a:tabLst/>
+              <a:defRPr/>
+            </a:pPr>
             <a:r>
               <a:rPr lang="en-US" dirty="0" smtClean="0"/>
-              <a:t>References:</a:t>
-            </a:r>
-          </a:p>
-          <a:p>
-            <a:pPr marL="171450" indent="-171450">
-              <a:buFont typeface="Arial"/>
+              <a:t>S3 costs should be compared against competitors:</a:t>
+            </a:r>
+          </a:p>
+          <a:p>
+            <a:pPr marL="628650" marR="0" lvl="1" indent="-171450" algn="l" defTabSz="457200" rtl="0" eaLnBrk="1" fontAlgn="auto" latinLnBrk="0" hangingPunct="1">
+              <a:lnSpc>
+                <a:spcPct val="100000"/>
+              </a:lnSpc>
+              <a:spcBef>
+                <a:spcPts val="0"/>
+              </a:spcBef>
+              <a:spcAft>
+                <a:spcPts val="0"/>
+              </a:spcAft>
+              <a:buClrTx/>
+              <a:buSzTx/>
+              <a:buFont typeface="Arial" charset="0"/>
               <a:buChar char="•"/>
+              <a:tabLst/>
+              <a:defRPr/>
             </a:pPr>
             <a:r>
               <a:rPr lang="en-US" dirty="0" smtClean="0"/>
-              <a:t>Document that makes sense of the</a:t>
+              <a:t>Compare</a:t>
             </a:r>
             <a:r>
               <a:rPr lang="en-US" baseline="0" dirty="0" smtClean="0"/>
-              <a:t> S3 Permissions Mess: http://</a:t>
-            </a:r>
-            <a:r>
-              <a:rPr lang="en-US" baseline="0" dirty="0" err="1" smtClean="0"/>
-              <a:t>docs.aws.amazon.com</a:t>
-            </a:r>
+              <a:t> the cost of an Azure “PUT” operation against the cost of an AWS S3 “PUT” operation</a:t>
+            </a:r>
+          </a:p>
+          <a:p>
+            <a:pPr marL="171450" marR="0" lvl="0" indent="-171450" algn="l" defTabSz="457200" rtl="0" eaLnBrk="1" fontAlgn="auto" latinLnBrk="0" hangingPunct="1">
+              <a:lnSpc>
+                <a:spcPct val="100000"/>
+              </a:lnSpc>
+              <a:spcBef>
+                <a:spcPts val="0"/>
+              </a:spcBef>
+              <a:spcAft>
+                <a:spcPts val="0"/>
+              </a:spcAft>
+              <a:buClrTx/>
+              <a:buSzTx/>
+              <a:buFont typeface="Arial" charset="0"/>
+              <a:buChar char="•"/>
+              <a:tabLst/>
+              <a:defRPr/>
+            </a:pPr>
             <a:r>
               <a:rPr lang="en-US" baseline="0" dirty="0" smtClean="0"/>
-              <a:t>/AmazonS3/latest/</a:t>
-            </a:r>
-            <a:r>
-              <a:rPr lang="en-US" baseline="0" dirty="0" err="1" smtClean="0"/>
-              <a:t>dev</a:t>
-            </a:r>
-            <a:r>
-              <a:rPr lang="en-US" baseline="0" dirty="0" smtClean="0"/>
-              <a:t>/access-control-</a:t>
-            </a:r>
-            <a:r>
-              <a:rPr lang="en-US" baseline="0" dirty="0" err="1" smtClean="0"/>
-              <a:t>overview.html</a:t>
-            </a:r>
+              <a:t>Performance can be unpredictable</a:t>
+            </a:r>
+          </a:p>
+          <a:p>
+            <a:pPr marL="628650" marR="0" lvl="1" indent="-171450" algn="l" defTabSz="457200" rtl="0" eaLnBrk="1" fontAlgn="auto" latinLnBrk="0" hangingPunct="1">
+              <a:lnSpc>
+                <a:spcPct val="100000"/>
+              </a:lnSpc>
+              <a:spcBef>
+                <a:spcPts val="0"/>
+              </a:spcBef>
+              <a:spcAft>
+                <a:spcPts val="0"/>
+              </a:spcAft>
+              <a:buClrTx/>
+              <a:buSzTx/>
+              <a:buFont typeface="Arial" charset="0"/>
+              <a:buChar char="•"/>
+              <a:tabLst/>
+              <a:defRPr/>
+            </a:pPr>
             <a:endParaRPr lang="en-US" dirty="0" smtClean="0"/>
           </a:p>
         </p:txBody>
@@ -2358,7 +2665,75 @@
           <a:bodyPr/>
           <a:lstStyle/>
           <a:p>
+            <a:r>
+              <a:rPr lang="en-US" dirty="0" smtClean="0"/>
+              <a:t>References:</a:t>
+            </a:r>
+          </a:p>
+          <a:p>
+            <a:pPr marL="171450" indent="-171450">
+              <a:buFont typeface="Arial"/>
+              <a:buChar char="•"/>
+            </a:pPr>
+            <a:r>
+              <a:rPr lang="en-US" dirty="0" smtClean="0"/>
+              <a:t>Consistency Model: http://</a:t>
+            </a:r>
+            <a:r>
+              <a:rPr lang="en-US" dirty="0" err="1" smtClean="0"/>
+              <a:t>docs.aws.amazon.com</a:t>
+            </a:r>
+            <a:r>
+              <a:rPr lang="en-US" dirty="0" smtClean="0"/>
+              <a:t>/AmazonS3/latest/</a:t>
+            </a:r>
+            <a:r>
+              <a:rPr lang="en-US" dirty="0" err="1" smtClean="0"/>
+              <a:t>dev</a:t>
+            </a:r>
+            <a:r>
+              <a:rPr lang="en-US" dirty="0" smtClean="0"/>
+              <a:t>/</a:t>
+            </a:r>
+            <a:r>
+              <a:rPr lang="en-US" dirty="0" err="1" smtClean="0"/>
+              <a:t>Introduction.html#ConsistencyMode</a:t>
+            </a:r>
             <a:endParaRPr lang="en-US" dirty="0" smtClean="0"/>
+          </a:p>
+          <a:p>
+            <a:pPr marL="171450" indent="-171450">
+              <a:buFont typeface="Arial"/>
+              <a:buChar char="•"/>
+            </a:pPr>
+            <a:r>
+              <a:rPr lang="en-US" dirty="0" smtClean="0"/>
+              <a:t>Consistency Model:</a:t>
+            </a:r>
+            <a:r>
+              <a:rPr lang="en-US" baseline="0" dirty="0" smtClean="0"/>
+              <a:t> </a:t>
+            </a:r>
+            <a:r>
+              <a:rPr lang="en-US" dirty="0" smtClean="0"/>
+              <a:t>http://</a:t>
+            </a:r>
+            <a:r>
+              <a:rPr lang="en-US" dirty="0" err="1" smtClean="0"/>
+              <a:t>aws.amazon.com</a:t>
+            </a:r>
+            <a:r>
+              <a:rPr lang="en-US" dirty="0" smtClean="0"/>
+              <a:t>/s3/</a:t>
+            </a:r>
+            <a:r>
+              <a:rPr lang="en-US" dirty="0" err="1" smtClean="0"/>
+              <a:t>faqs</a:t>
+            </a:r>
+            <a:r>
+              <a:rPr lang="en-US" dirty="0" smtClean="0"/>
+              <a:t>/</a:t>
+            </a:r>
           </a:p>
         </p:txBody>
       </p:sp>
@@ -2444,7 +2819,7 @@
           <a:p>
             <a:r>
               <a:rPr lang="en-US" dirty="0" smtClean="0"/>
-              <a:t>Reference:</a:t>
+              <a:t>References:</a:t>
             </a:r>
           </a:p>
           <a:p>
@@ -2454,11 +2829,11 @@
             </a:pPr>
             <a:r>
               <a:rPr lang="en-US" dirty="0" smtClean="0"/>
-              <a:t>Example</a:t>
+              <a:t>Document that makes sense of the</a:t>
             </a:r>
             <a:r>
               <a:rPr lang="en-US" baseline="0" dirty="0" smtClean="0"/>
-              <a:t> IAM Policy for S3 Bucket Access: http://</a:t>
+              <a:t> S3 Permissions Mess: http://</a:t>
             </a:r>
             <a:r>
               <a:rPr lang="en-US" baseline="0" dirty="0" err="1" smtClean="0"/>
@@ -2466,15 +2841,19 @@
             </a:r>
             <a:r>
               <a:rPr lang="en-US" baseline="0" dirty="0" smtClean="0"/>
-              <a:t>/IAM/latest/</a:t>
+              <a:t>/AmazonS3/latest/</a:t>
             </a:r>
             <a:r>
               <a:rPr lang="en-US" baseline="0" dirty="0" err="1" smtClean="0"/>
-              <a:t>UserGuide</a:t>
+              <a:t>dev</a:t>
             </a:r>
             <a:r>
               <a:rPr lang="en-US" baseline="0" dirty="0" smtClean="0"/>
-              <a:t>/ExampleIAMPolicies.html#iampolicy-example-s3</a:t>
+              <a:t>/access-control-</a:t>
+            </a:r>
+            <a:r>
+              <a:rPr lang="en-US" baseline="0" dirty="0" err="1" smtClean="0"/>
+              <a:t>overview.html</a:t>
             </a:r>
             <a:endParaRPr lang="en-US" dirty="0" smtClean="0"/>
           </a:p>
@@ -2560,40 +2939,6 @@
           <a:bodyPr/>
           <a:lstStyle/>
           <a:p>
-            <a:r>
-              <a:rPr lang="en-US" dirty="0" smtClean="0"/>
-              <a:t>References:</a:t>
-            </a:r>
-          </a:p>
-          <a:p>
-            <a:pPr marL="171450" indent="-171450">
-              <a:buFont typeface="Arial"/>
-              <a:buChar char="•"/>
-            </a:pPr>
-            <a:r>
-              <a:rPr lang="en-US" dirty="0" smtClean="0"/>
-              <a:t>Grant Access By</a:t>
-            </a:r>
-            <a:r>
-              <a:rPr lang="en-US" baseline="0" dirty="0" smtClean="0"/>
-              <a:t> IP Address: http://</a:t>
-            </a:r>
-            <a:r>
-              <a:rPr lang="en-US" baseline="0" dirty="0" err="1" smtClean="0"/>
-              <a:t>docs.aws.amazon.com</a:t>
-            </a:r>
-            <a:r>
-              <a:rPr lang="en-US" baseline="0" dirty="0" smtClean="0"/>
-              <a:t>/AmazonS3/latest/</a:t>
-            </a:r>
-            <a:r>
-              <a:rPr lang="en-US" baseline="0" dirty="0" err="1" smtClean="0"/>
-              <a:t>dev</a:t>
-            </a:r>
-            <a:r>
-              <a:rPr lang="en-US" baseline="0" dirty="0" smtClean="0"/>
-              <a:t>/example-bucket-policies.html#example-bucket-policies-use-case-3</a:t>
-            </a:r>
             <a:endParaRPr lang="en-US" dirty="0" smtClean="0"/>
           </a:p>
         </p:txBody>
@@ -2678,6 +3023,40 @@
           <a:bodyPr/>
           <a:lstStyle/>
           <a:p>
+            <a:r>
+              <a:rPr lang="en-US" dirty="0" smtClean="0"/>
+              <a:t>Reference:</a:t>
+            </a:r>
+          </a:p>
+          <a:p>
+            <a:pPr marL="171450" indent="-171450">
+              <a:buFont typeface="Arial"/>
+              <a:buChar char="•"/>
+            </a:pPr>
+            <a:r>
+              <a:rPr lang="en-US" dirty="0" smtClean="0"/>
+              <a:t>Example</a:t>
+            </a:r>
+            <a:r>
+              <a:rPr lang="en-US" baseline="0" dirty="0" smtClean="0"/>
+              <a:t> IAM Policy for S3 Bucket Access: http://</a:t>
+            </a:r>
+            <a:r>
+              <a:rPr lang="en-US" baseline="0" dirty="0" err="1" smtClean="0"/>
+              <a:t>docs.aws.amazon.com</a:t>
+            </a:r>
+            <a:r>
+              <a:rPr lang="en-US" baseline="0" dirty="0" smtClean="0"/>
+              <a:t>/IAM/latest/</a:t>
+            </a:r>
+            <a:r>
+              <a:rPr lang="en-US" baseline="0" dirty="0" err="1" smtClean="0"/>
+              <a:t>UserGuide</a:t>
+            </a:r>
+            <a:r>
+              <a:rPr lang="en-US" baseline="0" dirty="0" smtClean="0"/>
+              <a:t>/ExampleIAMPolicies.html#iampolicy-example-s3</a:t>
+            </a:r>
             <a:endParaRPr lang="en-US" dirty="0" smtClean="0"/>
           </a:p>
         </p:txBody>
@@ -4530,7 +4909,7 @@
           <a:p>
             <a:fld id="{7CE38E4D-051A-41E1-86A4-E56916468FD0}" type="datetimeFigureOut">
               <a:rPr lang="en-US" smtClean="0"/>
-              <a:t>12/1/15</a:t>
+              <a:t>12/2/15</a:t>
             </a:fld>
             <a:endParaRPr lang="en-US"/>
           </a:p>
@@ -4711,7 +5090,7 @@
           <a:p>
             <a:fld id="{7CE38E4D-051A-41E1-86A4-E56916468FD0}" type="datetimeFigureOut">
               <a:rPr lang="en-US" smtClean="0"/>
-              <a:t>12/1/15</a:t>
+              <a:t>12/2/15</a:t>
             </a:fld>
             <a:endParaRPr lang="en-US"/>
           </a:p>
@@ -4862,7 +5241,7 @@
           <a:p>
             <a:fld id="{7CE38E4D-051A-41E1-86A4-E56916468FD0}" type="datetimeFigureOut">
               <a:rPr lang="en-US" smtClean="0"/>
-              <a:t>12/1/15</a:t>
+              <a:t>12/2/15</a:t>
             </a:fld>
             <a:endParaRPr lang="en-US"/>
           </a:p>
@@ -6688,7 +7067,7 @@
           <a:p>
             <a:fld id="{7CE38E4D-051A-41E1-86A4-E56916468FD0}" type="datetimeFigureOut">
               <a:rPr lang="en-US" smtClean="0"/>
-              <a:t>12/1/15</a:t>
+              <a:t>12/2/15</a:t>
             </a:fld>
             <a:endParaRPr lang="en-US"/>
           </a:p>
@@ -8558,7 +8937,7 @@
           <a:p>
             <a:fld id="{7CE38E4D-051A-41E1-86A4-E56916468FD0}" type="datetimeFigureOut">
               <a:rPr lang="en-US" smtClean="0"/>
-              <a:t>12/1/15</a:t>
+              <a:t>12/2/15</a:t>
             </a:fld>
             <a:endParaRPr lang="en-US"/>
           </a:p>
@@ -8671,7 +9050,7 @@
           <a:p>
             <a:fld id="{7CE38E4D-051A-41E1-86A4-E56916468FD0}" type="datetimeFigureOut">
               <a:rPr lang="en-US" smtClean="0"/>
-              <a:t>12/1/15</a:t>
+              <a:t>12/2/15</a:t>
             </a:fld>
             <a:endParaRPr lang="en-US"/>
           </a:p>
@@ -9212,7 +9591,7 @@
           <a:p>
             <a:fld id="{7CE38E4D-051A-41E1-86A4-E56916468FD0}" type="datetimeFigureOut">
               <a:rPr lang="en-US" smtClean="0"/>
-              <a:t>12/1/15</a:t>
+              <a:t>12/2/15</a:t>
             </a:fld>
             <a:endParaRPr lang="en-US"/>
           </a:p>
@@ -9325,7 +9704,7 @@
           <a:p>
             <a:fld id="{7CE38E4D-051A-41E1-86A4-E56916468FD0}" type="datetimeFigureOut">
               <a:rPr lang="en-US" smtClean="0"/>
-              <a:t>12/1/15</a:t>
+              <a:t>12/2/15</a:t>
             </a:fld>
             <a:endParaRPr lang="en-US"/>
           </a:p>
@@ -11036,7 +11415,7 @@
           <a:p>
             <a:fld id="{7CE38E4D-051A-41E1-86A4-E56916468FD0}" type="datetimeFigureOut">
               <a:rPr lang="en-US" smtClean="0"/>
-              <a:t>12/1/15</a:t>
+              <a:t>12/2/15</a:t>
             </a:fld>
             <a:endParaRPr lang="en-US"/>
           </a:p>
@@ -11187,7 +11566,7 @@
           <a:p>
             <a:fld id="{7CE38E4D-051A-41E1-86A4-E56916468FD0}" type="datetimeFigureOut">
               <a:rPr lang="en-US" smtClean="0"/>
-              <a:t>12/1/15</a:t>
+              <a:t>12/2/15</a:t>
             </a:fld>
             <a:endParaRPr lang="en-US"/>
           </a:p>
@@ -14802,7 +15181,7 @@
           <a:p>
             <a:fld id="{7CE38E4D-051A-41E1-86A4-E56916468FD0}" type="datetimeFigureOut">
               <a:rPr lang="en-US" smtClean="0"/>
-              <a:t>12/1/15</a:t>
+              <a:t>12/2/15</a:t>
             </a:fld>
             <a:endParaRPr lang="en-US"/>
           </a:p>
@@ -16661,7 +17040,7 @@
           <a:p>
             <a:fld id="{7CE38E4D-051A-41E1-86A4-E56916468FD0}" type="datetimeFigureOut">
               <a:rPr lang="en-US" smtClean="0"/>
-              <a:t>12/1/15</a:t>
+              <a:t>12/2/15</a:t>
             </a:fld>
             <a:endParaRPr lang="en-US"/>
           </a:p>
@@ -17273,7 +17652,7 @@
       </p:grpSpPr>
       <p:pic>
         <p:nvPicPr>
-          <p:cNvPr id="4" name="Content Placeholder 3" descr="s3-bucket-policy-read-only-public.png"/>
+          <p:cNvPr id="4" name="Content Placeholder 3" descr="s3-iam-policy-example.png"/>
           <p:cNvPicPr>
             <a:picLocks noGrp="1" noChangeAspect="1"/>
           </p:cNvPicPr>
@@ -17289,13 +17668,13 @@
               </a:ext>
             </a:extLst>
           </a:blip>
-          <a:srcRect t="3485" b="9483"/>
+          <a:srcRect t="1756" b="16012"/>
           <a:stretch/>
         </p:blipFill>
         <p:spPr>
           <a:xfrm>
-            <a:off x="-68802" y="1410996"/>
-            <a:ext cx="9315246" cy="5291213"/>
+            <a:off x="160540" y="1591056"/>
+            <a:ext cx="8983460" cy="5061813"/>
           </a:xfrm>
         </p:spPr>
       </p:pic>
@@ -17318,7 +17697,7 @@
           <a:p>
             <a:r>
               <a:rPr lang="en-US" dirty="0" smtClean="0"/>
-              <a:t>S3: Bucket Policy</a:t>
+              <a:t>S3: IAM Access</a:t>
             </a:r>
             <a:endParaRPr lang="en-US" dirty="0"/>
           </a:p>
@@ -17327,7 +17706,7 @@
     </p:spTree>
     <p:extLst>
       <p:ext uri="{BB962C8B-B14F-4D97-AF65-F5344CB8AC3E}">
-        <p14:creationId xmlns:p14="http://schemas.microsoft.com/office/powerpoint/2010/main" val="3009695365"/>
+        <p14:creationId xmlns:p14="http://schemas.microsoft.com/office/powerpoint/2010/main" val="1881562493"/>
       </p:ext>
     </p:extLst>
   </p:cSld>
@@ -17374,6 +17753,268 @@
         <p:spPr/>
         <p:txBody>
           <a:bodyPr>
+            <a:normAutofit fontScale="77500" lnSpcReduction="20000"/>
+          </a:bodyPr>
+          <a:lstStyle/>
+          <a:p>
+            <a:r>
+              <a:rPr lang="en-US" dirty="0"/>
+              <a:t>Considered a “Resource Policy” because assigned to </a:t>
+            </a:r>
+            <a:r>
+              <a:rPr lang="en-US" dirty="0" smtClean="0"/>
+              <a:t>an S3 resource</a:t>
+            </a:r>
+          </a:p>
+          <a:p>
+            <a:r>
+              <a:rPr lang="en-US" dirty="0" smtClean="0"/>
+              <a:t>Written in JSON</a:t>
+            </a:r>
+          </a:p>
+          <a:p>
+            <a:r>
+              <a:rPr lang="en-US" dirty="0" smtClean="0"/>
+              <a:t>Granularity:</a:t>
+            </a:r>
+          </a:p>
+          <a:p>
+            <a:pPr lvl="1"/>
+            <a:r>
+              <a:rPr lang="en-US" dirty="0"/>
+              <a:t>Control Specific Actions at an Object Level (example: allow write of object named: s3://</a:t>
+            </a:r>
+            <a:r>
+              <a:rPr lang="en-US" dirty="0" err="1"/>
+              <a:t>mybucket</a:t>
+            </a:r>
+            <a:r>
+              <a:rPr lang="en-US" dirty="0"/>
+              <a:t>/</a:t>
+            </a:r>
+            <a:r>
+              <a:rPr lang="en-US" dirty="0" err="1"/>
+              <a:t>test.txt</a:t>
+            </a:r>
+            <a:r>
+              <a:rPr lang="en-US" dirty="0" smtClean="0"/>
+              <a:t>)</a:t>
+            </a:r>
+          </a:p>
+          <a:p>
+            <a:r>
+              <a:rPr lang="en-US" dirty="0" smtClean="0"/>
+              <a:t>Scope:</a:t>
+            </a:r>
+          </a:p>
+          <a:p>
+            <a:pPr lvl="1"/>
+            <a:r>
+              <a:rPr lang="en-US" dirty="0" smtClean="0"/>
+              <a:t>Can grant anonymous access</a:t>
+            </a:r>
+          </a:p>
+          <a:p>
+            <a:pPr lvl="1"/>
+            <a:r>
+              <a:rPr lang="en-US" dirty="0" smtClean="0"/>
+              <a:t>Can grant access to any ARN Resource</a:t>
+            </a:r>
+          </a:p>
+          <a:p>
+            <a:pPr lvl="1"/>
+            <a:r>
+              <a:rPr lang="en-US" dirty="0" smtClean="0"/>
+              <a:t>Can grant access by other attributes, such as IP address</a:t>
+            </a:r>
+          </a:p>
+          <a:p>
+            <a:pPr lvl="1"/>
+            <a:r>
+              <a:rPr lang="en-US" dirty="0" smtClean="0"/>
+              <a:t>Is inherited by objects within bucket</a:t>
+            </a:r>
+          </a:p>
+          <a:p>
+            <a:r>
+              <a:rPr lang="en-US" dirty="0" smtClean="0"/>
+              <a:t>Typical Use:</a:t>
+            </a:r>
+          </a:p>
+          <a:p>
+            <a:pPr lvl="1"/>
+            <a:r>
+              <a:rPr lang="en-US" dirty="0" smtClean="0"/>
+              <a:t>Apply sweeping changes to entire bucket</a:t>
+            </a:r>
+          </a:p>
+        </p:txBody>
+      </p:sp>
+      <p:sp>
+        <p:nvSpPr>
+          <p:cNvPr id="2" name="Title 1"/>
+          <p:cNvSpPr>
+            <a:spLocks noGrp="1"/>
+          </p:cNvSpPr>
+          <p:nvPr>
+            <p:ph type="title"/>
+          </p:nvPr>
+        </p:nvSpPr>
+        <p:spPr/>
+        <p:txBody>
+          <a:bodyPr>
+            <a:normAutofit/>
+          </a:bodyPr>
+          <a:lstStyle/>
+          <a:p>
+            <a:r>
+              <a:rPr lang="en-US" dirty="0" smtClean="0"/>
+              <a:t>S3: Bucket Policy</a:t>
+            </a:r>
+            <a:endParaRPr lang="en-US" dirty="0"/>
+          </a:p>
+        </p:txBody>
+      </p:sp>
+    </p:spTree>
+    <p:extLst>
+      <p:ext uri="{BB962C8B-B14F-4D97-AF65-F5344CB8AC3E}">
+        <p14:creationId xmlns:p14="http://schemas.microsoft.com/office/powerpoint/2010/main" val="420447228"/>
+      </p:ext>
+    </p:extLst>
+  </p:cSld>
+  <p:clrMapOvr>
+    <a:masterClrMapping/>
+  </p:clrMapOvr>
+  <p:timing>
+    <p:tnLst>
+      <p:par>
+        <p:cTn id="1" dur="indefinite" restart="never" nodeType="tmRoot"/>
+      </p:par>
+    </p:tnLst>
+  </p:timing>
+</p:sld>
+</file>
+
+<file path=ppt/slides/slide12.xml><?xml version="1.0" encoding="utf-8"?>
+<p:sld xmlns:a="http://schemas.openxmlformats.org/drawingml/2006/main" xmlns:r="http://schemas.openxmlformats.org/officeDocument/2006/relationships" xmlns:p="http://schemas.openxmlformats.org/presentationml/2006/main">
+  <p:cSld>
+    <p:spTree>
+      <p:nvGrpSpPr>
+        <p:cNvPr id="1" name=""/>
+        <p:cNvGrpSpPr/>
+        <p:nvPr/>
+      </p:nvGrpSpPr>
+      <p:grpSpPr>
+        <a:xfrm>
+          <a:off x="0" y="0"/>
+          <a:ext cx="0" cy="0"/>
+          <a:chOff x="0" y="0"/>
+          <a:chExt cx="0" cy="0"/>
+        </a:xfrm>
+      </p:grpSpPr>
+      <p:pic>
+        <p:nvPicPr>
+          <p:cNvPr id="4" name="Content Placeholder 3" descr="s3-bucket-policy-read-only-public.png"/>
+          <p:cNvPicPr>
+            <a:picLocks noGrp="1" noChangeAspect="1"/>
+          </p:cNvPicPr>
+          <p:nvPr>
+            <p:ph idx="1"/>
+          </p:nvPr>
+        </p:nvPicPr>
+        <p:blipFill rotWithShape="1">
+          <a:blip r:embed="rId3" cstate="print">
+            <a:extLst>
+              <a:ext uri="{28A0092B-C50C-407E-A947-70E740481C1C}">
+                <a14:useLocalDpi xmlns:a14="http://schemas.microsoft.com/office/drawing/2010/main" val="0"/>
+              </a:ext>
+            </a:extLst>
+          </a:blip>
+          <a:srcRect t="3485" b="9483"/>
+          <a:stretch/>
+        </p:blipFill>
+        <p:spPr>
+          <a:xfrm>
+            <a:off x="-68802" y="1410996"/>
+            <a:ext cx="9315246" cy="5291213"/>
+          </a:xfrm>
+        </p:spPr>
+      </p:pic>
+      <p:sp>
+        <p:nvSpPr>
+          <p:cNvPr id="2" name="Title 1"/>
+          <p:cNvSpPr>
+            <a:spLocks noGrp="1"/>
+          </p:cNvSpPr>
+          <p:nvPr>
+            <p:ph type="title"/>
+          </p:nvPr>
+        </p:nvSpPr>
+        <p:spPr/>
+        <p:txBody>
+          <a:bodyPr>
+            <a:normAutofit/>
+          </a:bodyPr>
+          <a:lstStyle/>
+          <a:p>
+            <a:r>
+              <a:rPr lang="en-US" dirty="0" smtClean="0"/>
+              <a:t>S3: Bucket Policy</a:t>
+            </a:r>
+            <a:endParaRPr lang="en-US" dirty="0"/>
+          </a:p>
+        </p:txBody>
+      </p:sp>
+    </p:spTree>
+    <p:extLst>
+      <p:ext uri="{BB962C8B-B14F-4D97-AF65-F5344CB8AC3E}">
+        <p14:creationId xmlns:p14="http://schemas.microsoft.com/office/powerpoint/2010/main" val="3009695365"/>
+      </p:ext>
+    </p:extLst>
+  </p:cSld>
+  <p:clrMapOvr>
+    <a:masterClrMapping/>
+  </p:clrMapOvr>
+  <p:timing>
+    <p:tnLst>
+      <p:par>
+        <p:cTn id="1" dur="indefinite" restart="never" nodeType="tmRoot"/>
+      </p:par>
+    </p:tnLst>
+  </p:timing>
+</p:sld>
+</file>
+
+<file path=ppt/slides/slide13.xml><?xml version="1.0" encoding="utf-8"?>
+<p:sld xmlns:a="http://schemas.openxmlformats.org/drawingml/2006/main" xmlns:r="http://schemas.openxmlformats.org/officeDocument/2006/relationships" xmlns:p="http://schemas.openxmlformats.org/presentationml/2006/main">
+  <p:cSld>
+    <p:spTree>
+      <p:nvGrpSpPr>
+        <p:cNvPr id="1" name=""/>
+        <p:cNvGrpSpPr/>
+        <p:nvPr/>
+      </p:nvGrpSpPr>
+      <p:grpSpPr>
+        <a:xfrm>
+          <a:off x="0" y="0"/>
+          <a:ext cx="0" cy="0"/>
+          <a:chOff x="0" y="0"/>
+          <a:chExt cx="0" cy="0"/>
+        </a:xfrm>
+      </p:grpSpPr>
+      <p:sp>
+        <p:nvSpPr>
+          <p:cNvPr id="3" name="Content Placeholder 2"/>
+          <p:cNvSpPr>
+            <a:spLocks noGrp="1"/>
+          </p:cNvSpPr>
+          <p:nvPr>
+            <p:ph idx="1"/>
+          </p:nvPr>
+        </p:nvSpPr>
+        <p:spPr/>
+        <p:txBody>
+          <a:bodyPr>
             <a:normAutofit fontScale="92500" lnSpcReduction="20000"/>
           </a:bodyPr>
           <a:lstStyle/>
@@ -17510,7 +18151,7 @@
 </p:sld>
 </file>
 
-<file path=ppt/slides/slide12.xml><?xml version="1.0" encoding="utf-8"?>
+<file path=ppt/slides/slide14.xml><?xml version="1.0" encoding="utf-8"?>
 <p:sld xmlns:a="http://schemas.openxmlformats.org/drawingml/2006/main" xmlns:r="http://schemas.openxmlformats.org/officeDocument/2006/relationships" xmlns:p="http://schemas.openxmlformats.org/presentationml/2006/main">
   <p:cSld>
     <p:spTree>
@@ -17600,7 +18241,7 @@
 </p:sld>
 </file>
 
-<file path=ppt/slides/slide13.xml><?xml version="1.0" encoding="utf-8"?>
+<file path=ppt/slides/slide15.xml><?xml version="1.0" encoding="utf-8"?>
 <p:sld xmlns:a="http://schemas.openxmlformats.org/drawingml/2006/main" xmlns:r="http://schemas.openxmlformats.org/officeDocument/2006/relationships" xmlns:p="http://schemas.openxmlformats.org/presentationml/2006/main">
   <p:cSld>
     <p:spTree>
@@ -17759,7 +18400,7 @@
 </p:sld>
 </file>
 
-<file path=ppt/slides/slide14.xml><?xml version="1.0" encoding="utf-8"?>
+<file path=ppt/slides/slide16.xml><?xml version="1.0" encoding="utf-8"?>
 <p:sld xmlns:a="http://schemas.openxmlformats.org/drawingml/2006/main" xmlns:r="http://schemas.openxmlformats.org/officeDocument/2006/relationships" xmlns:p="http://schemas.openxmlformats.org/presentationml/2006/main">
   <p:cSld>
     <p:spTree>
@@ -17849,7 +18490,7 @@
 </p:sld>
 </file>
 
-<file path=ppt/slides/slide15.xml><?xml version="1.0" encoding="utf-8"?>
+<file path=ppt/slides/slide17.xml><?xml version="1.0" encoding="utf-8"?>
 <p:sld xmlns:a="http://schemas.openxmlformats.org/drawingml/2006/main" xmlns:r="http://schemas.openxmlformats.org/officeDocument/2006/relationships" xmlns:p="http://schemas.openxmlformats.org/presentationml/2006/main">
   <p:cSld>
     <p:spTree>
@@ -17945,402 +18586,6 @@
     <p:extLst>
       <p:ext uri="{BB962C8B-B14F-4D97-AF65-F5344CB8AC3E}">
         <p14:creationId xmlns:p14="http://schemas.microsoft.com/office/powerpoint/2010/main" val="2859883558"/>
-      </p:ext>
-    </p:extLst>
-  </p:cSld>
-  <p:clrMapOvr>
-    <a:masterClrMapping/>
-  </p:clrMapOvr>
-  <p:timing>
-    <p:tnLst>
-      <p:par>
-        <p:cTn id="1" dur="indefinite" restart="never" nodeType="tmRoot"/>
-      </p:par>
-    </p:tnLst>
-  </p:timing>
-</p:sld>
-</file>
-
-<file path=ppt/slides/slide16.xml><?xml version="1.0" encoding="utf-8"?>
-<p:sld xmlns:a="http://schemas.openxmlformats.org/drawingml/2006/main" xmlns:r="http://schemas.openxmlformats.org/officeDocument/2006/relationships" xmlns:p="http://schemas.openxmlformats.org/presentationml/2006/main">
-  <p:cSld>
-    <p:spTree>
-      <p:nvGrpSpPr>
-        <p:cNvPr id="1" name=""/>
-        <p:cNvGrpSpPr/>
-        <p:nvPr/>
-      </p:nvGrpSpPr>
-      <p:grpSpPr>
-        <a:xfrm>
-          <a:off x="0" y="0"/>
-          <a:ext cx="0" cy="0"/>
-          <a:chOff x="0" y="0"/>
-          <a:chExt cx="0" cy="0"/>
-        </a:xfrm>
-      </p:grpSpPr>
-      <p:sp>
-        <p:nvSpPr>
-          <p:cNvPr id="3" name="Content Placeholder 2"/>
-          <p:cNvSpPr>
-            <a:spLocks noGrp="1"/>
-          </p:cNvSpPr>
-          <p:nvPr>
-            <p:ph idx="1"/>
-          </p:nvPr>
-        </p:nvSpPr>
-        <p:spPr/>
-        <p:txBody>
-          <a:bodyPr>
-            <a:normAutofit/>
-          </a:bodyPr>
-          <a:lstStyle/>
-          <a:p>
-            <a:r>
-              <a:rPr lang="en-US" dirty="0" smtClean="0">
-                <a:solidFill>
-                  <a:schemeClr val="tx1"/>
-                </a:solidFill>
-              </a:rPr>
-              <a:t>Use region closest to majority of customers</a:t>
-            </a:r>
-          </a:p>
-          <a:p>
-            <a:r>
-              <a:rPr lang="en-US" dirty="0" smtClean="0">
-                <a:solidFill>
-                  <a:schemeClr val="tx1"/>
-                </a:solidFill>
-              </a:rPr>
-              <a:t>Do not use “.” in bucket name</a:t>
-            </a:r>
-          </a:p>
-          <a:p>
-            <a:pPr lvl="1"/>
-            <a:r>
-              <a:rPr lang="en-US" dirty="0" smtClean="0">
-                <a:solidFill>
-                  <a:schemeClr val="tx1"/>
-                </a:solidFill>
-              </a:rPr>
-              <a:t>The “.” will prevent valid SSL requests </a:t>
-            </a:r>
-          </a:p>
-          <a:p>
-            <a:r>
-              <a:rPr lang="en-US" dirty="0" smtClean="0">
-                <a:solidFill>
-                  <a:schemeClr val="tx1"/>
-                </a:solidFill>
-              </a:rPr>
-              <a:t>For best performance do not use sequential keys</a:t>
-            </a:r>
-          </a:p>
-          <a:p>
-            <a:pPr lvl="1"/>
-            <a:r>
-              <a:rPr lang="en-US" dirty="0" smtClean="0">
-                <a:solidFill>
-                  <a:schemeClr val="tx1"/>
-                </a:solidFill>
-              </a:rPr>
-              <a:t>Sequential keys all written to same S3 partition</a:t>
-            </a:r>
-          </a:p>
-          <a:p>
-            <a:pPr lvl="1"/>
-            <a:r>
-              <a:rPr lang="en-US" dirty="0" smtClean="0">
-                <a:solidFill>
-                  <a:schemeClr val="tx1"/>
-                </a:solidFill>
-              </a:rPr>
-              <a:t>Use random keys to spread writes to different partition</a:t>
-            </a:r>
-          </a:p>
-          <a:p>
-            <a:r>
-              <a:rPr lang="en-US" dirty="0" smtClean="0">
-                <a:solidFill>
-                  <a:schemeClr val="tx1"/>
-                </a:solidFill>
-              </a:rPr>
-              <a:t>Soft-limit of 100 Buckets</a:t>
-            </a:r>
-          </a:p>
-          <a:p>
-            <a:endParaRPr lang="en-US" dirty="0" smtClean="0">
-              <a:solidFill>
-                <a:schemeClr val="tx1"/>
-              </a:solidFill>
-            </a:endParaRPr>
-          </a:p>
-        </p:txBody>
-      </p:sp>
-      <p:sp>
-        <p:nvSpPr>
-          <p:cNvPr id="2" name="Title 1"/>
-          <p:cNvSpPr>
-            <a:spLocks noGrp="1"/>
-          </p:cNvSpPr>
-          <p:nvPr>
-            <p:ph type="title"/>
-          </p:nvPr>
-        </p:nvSpPr>
-        <p:spPr/>
-        <p:txBody>
-          <a:bodyPr/>
-          <a:lstStyle/>
-          <a:p>
-            <a:r>
-              <a:rPr lang="en-US" dirty="0" smtClean="0"/>
-              <a:t>S3: Best Practices</a:t>
-            </a:r>
-            <a:endParaRPr lang="en-US" dirty="0"/>
-          </a:p>
-        </p:txBody>
-      </p:sp>
-    </p:spTree>
-    <p:extLst>
-      <p:ext uri="{BB962C8B-B14F-4D97-AF65-F5344CB8AC3E}">
-        <p14:creationId xmlns:p14="http://schemas.microsoft.com/office/powerpoint/2010/main" val="3888361739"/>
-      </p:ext>
-    </p:extLst>
-  </p:cSld>
-  <p:clrMapOvr>
-    <a:masterClrMapping/>
-  </p:clrMapOvr>
-  <p:timing>
-    <p:tnLst>
-      <p:par>
-        <p:cTn id="1" dur="indefinite" restart="never" nodeType="tmRoot"/>
-      </p:par>
-    </p:tnLst>
-  </p:timing>
-</p:sld>
-</file>
-
-<file path=ppt/slides/slide17.xml><?xml version="1.0" encoding="utf-8"?>
-<p:sld xmlns:a="http://schemas.openxmlformats.org/drawingml/2006/main" xmlns:r="http://schemas.openxmlformats.org/officeDocument/2006/relationships" xmlns:p="http://schemas.openxmlformats.org/presentationml/2006/main">
-  <p:cSld>
-    <p:spTree>
-      <p:nvGrpSpPr>
-        <p:cNvPr id="1" name=""/>
-        <p:cNvGrpSpPr/>
-        <p:nvPr/>
-      </p:nvGrpSpPr>
-      <p:grpSpPr>
-        <a:xfrm>
-          <a:off x="0" y="0"/>
-          <a:ext cx="0" cy="0"/>
-          <a:chOff x="0" y="0"/>
-          <a:chExt cx="0" cy="0"/>
-        </a:xfrm>
-      </p:grpSpPr>
-      <p:sp>
-        <p:nvSpPr>
-          <p:cNvPr id="3" name="Content Placeholder 2"/>
-          <p:cNvSpPr>
-            <a:spLocks noGrp="1"/>
-          </p:cNvSpPr>
-          <p:nvPr>
-            <p:ph idx="1"/>
-          </p:nvPr>
-        </p:nvSpPr>
-        <p:spPr/>
-        <p:txBody>
-          <a:bodyPr>
-            <a:normAutofit fontScale="92500" lnSpcReduction="10000"/>
-          </a:bodyPr>
-          <a:lstStyle/>
-          <a:p>
-            <a:r>
-              <a:rPr lang="en-US" dirty="0" smtClean="0">
-                <a:solidFill>
-                  <a:schemeClr val="accent5"/>
-                </a:solidFill>
-              </a:rPr>
-              <a:t>Disclaimer: I have not yet verified the suggested S3 performance optimization through testing. </a:t>
-            </a:r>
-          </a:p>
-          <a:p>
-            <a:r>
-              <a:rPr lang="en-US" dirty="0" smtClean="0">
-                <a:solidFill>
-                  <a:schemeClr val="tx1"/>
-                </a:solidFill>
-              </a:rPr>
-              <a:t>Key selection can improve the retrieval rate of objects from S3</a:t>
-            </a:r>
-          </a:p>
-          <a:p>
-            <a:r>
-              <a:rPr lang="en-US" dirty="0" smtClean="0">
-                <a:solidFill>
-                  <a:schemeClr val="tx1"/>
-                </a:solidFill>
-              </a:rPr>
-              <a:t>In particular, if </a:t>
-            </a:r>
-            <a:r>
-              <a:rPr lang="en-US" dirty="0">
-                <a:solidFill>
-                  <a:schemeClr val="tx1"/>
-                </a:solidFill>
-              </a:rPr>
-              <a:t>you require performance of S3 that </a:t>
-            </a:r>
-            <a:r>
-              <a:rPr lang="en-US" dirty="0" smtClean="0">
-                <a:solidFill>
-                  <a:schemeClr val="tx1"/>
-                </a:solidFill>
-              </a:rPr>
-              <a:t>exceeds</a:t>
-            </a:r>
-            <a:r>
-              <a:rPr lang="en-US" dirty="0">
-                <a:solidFill>
-                  <a:schemeClr val="tx1"/>
-                </a:solidFill>
-              </a:rPr>
-              <a:t> </a:t>
-            </a:r>
-            <a:r>
-              <a:rPr lang="en-US" dirty="0" smtClean="0">
-                <a:solidFill>
-                  <a:schemeClr val="tx1"/>
-                </a:solidFill>
-              </a:rPr>
-              <a:t>the following:</a:t>
-            </a:r>
-            <a:endParaRPr lang="en-US" dirty="0">
-              <a:solidFill>
-                <a:schemeClr val="tx1"/>
-              </a:solidFill>
-            </a:endParaRPr>
-          </a:p>
-          <a:p>
-            <a:pPr lvl="1"/>
-            <a:r>
-              <a:rPr lang="en-US" dirty="0" smtClean="0">
-                <a:solidFill>
-                  <a:schemeClr val="tx1"/>
-                </a:solidFill>
-              </a:rPr>
-              <a:t>Routine workload 100 </a:t>
-            </a:r>
-            <a:r>
-              <a:rPr lang="en-US" dirty="0">
-                <a:solidFill>
-                  <a:schemeClr val="tx1"/>
-                </a:solidFill>
-              </a:rPr>
-              <a:t>PUT/LIST/</a:t>
-            </a:r>
-            <a:r>
-              <a:rPr lang="en-US" dirty="0" smtClean="0">
-                <a:solidFill>
-                  <a:schemeClr val="tx1"/>
-                </a:solidFill>
-              </a:rPr>
-              <a:t>DELETE/”list object” </a:t>
-            </a:r>
-            <a:r>
-              <a:rPr lang="en-US" dirty="0">
-                <a:solidFill>
-                  <a:schemeClr val="tx1"/>
-                </a:solidFill>
-              </a:rPr>
-              <a:t>requests per </a:t>
-            </a:r>
-            <a:r>
-              <a:rPr lang="en-US" dirty="0" smtClean="0">
-                <a:solidFill>
-                  <a:schemeClr val="tx1"/>
-                </a:solidFill>
-              </a:rPr>
-              <a:t>second</a:t>
-            </a:r>
-          </a:p>
-          <a:p>
-            <a:pPr lvl="1"/>
-            <a:r>
-              <a:rPr lang="en-US" dirty="0" smtClean="0">
-                <a:solidFill>
-                  <a:schemeClr val="tx1"/>
-                </a:solidFill>
-              </a:rPr>
-              <a:t>Routine workload of 300 </a:t>
-            </a:r>
-            <a:r>
-              <a:rPr lang="en-US" dirty="0">
-                <a:solidFill>
-                  <a:schemeClr val="tx1"/>
-                </a:solidFill>
-              </a:rPr>
-              <a:t>GET requests per </a:t>
-            </a:r>
-            <a:r>
-              <a:rPr lang="en-US" dirty="0" smtClean="0">
-                <a:solidFill>
-                  <a:schemeClr val="tx1"/>
-                </a:solidFill>
-              </a:rPr>
-              <a:t>second</a:t>
-            </a:r>
-          </a:p>
-          <a:p>
-            <a:pPr lvl="1"/>
-            <a:r>
-              <a:rPr lang="en-US" dirty="0" smtClean="0">
-                <a:solidFill>
-                  <a:schemeClr val="tx1"/>
-                </a:solidFill>
-              </a:rPr>
-              <a:t>Large number of GETS</a:t>
-            </a:r>
-          </a:p>
-          <a:p>
-            <a:pPr marL="0" indent="0">
-              <a:buNone/>
-            </a:pPr>
-            <a:endParaRPr lang="en-US" dirty="0" smtClean="0">
-              <a:solidFill>
-                <a:schemeClr val="tx1"/>
-              </a:solidFill>
-            </a:endParaRPr>
-          </a:p>
-        </p:txBody>
-      </p:sp>
-      <p:sp>
-        <p:nvSpPr>
-          <p:cNvPr id="2" name="Title 1"/>
-          <p:cNvSpPr>
-            <a:spLocks noGrp="1"/>
-          </p:cNvSpPr>
-          <p:nvPr>
-            <p:ph type="title"/>
-          </p:nvPr>
-        </p:nvSpPr>
-        <p:spPr/>
-        <p:txBody>
-          <a:bodyPr>
-            <a:normAutofit fontScale="90000"/>
-          </a:bodyPr>
-          <a:lstStyle/>
-          <a:p>
-            <a:r>
-              <a:rPr lang="en-US" dirty="0" smtClean="0"/>
-              <a:t>S3: Key Selection and Performance</a:t>
-            </a:r>
-            <a:endParaRPr lang="en-US" dirty="0"/>
-          </a:p>
-        </p:txBody>
-      </p:sp>
-    </p:spTree>
-    <p:extLst>
-      <p:ext uri="{BB962C8B-B14F-4D97-AF65-F5344CB8AC3E}">
-        <p14:creationId xmlns:p14="http://schemas.microsoft.com/office/powerpoint/2010/main" val="4231770518"/>
       </p:ext>
     </p:extLst>
   </p:cSld>
@@ -18387,7 +18632,7 @@
         <p:spPr/>
         <p:txBody>
           <a:bodyPr>
-            <a:normAutofit lnSpcReduction="10000"/>
+            <a:normAutofit/>
           </a:bodyPr>
           <a:lstStyle/>
           <a:p>
@@ -18397,61 +18642,49 @@
                   <a:schemeClr val="tx1"/>
                 </a:solidFill>
               </a:rPr>
-              <a:t>The problem:</a:t>
-            </a:r>
-          </a:p>
-          <a:p>
-            <a:pPr lvl="1"/>
+              <a:t>Use region closest to majority of customers</a:t>
+            </a:r>
+          </a:p>
+          <a:p>
             <a:r>
               <a:rPr lang="en-US" dirty="0" smtClean="0">
                 <a:solidFill>
                   <a:schemeClr val="tx1"/>
                 </a:solidFill>
               </a:rPr>
-              <a:t>Object </a:t>
-            </a:r>
-            <a:r>
-              <a:rPr lang="en-US" dirty="0">
-                <a:solidFill>
-                  <a:schemeClr val="tx1"/>
-                </a:solidFill>
-              </a:rPr>
-              <a:t>keys are </a:t>
-            </a:r>
+              <a:t>Do not use “.” in bucket name</a:t>
+            </a:r>
+          </a:p>
+          <a:p>
+            <a:pPr lvl="1"/>
             <a:r>
               <a:rPr lang="en-US" dirty="0" smtClean="0">
                 <a:solidFill>
                   <a:schemeClr val="tx1"/>
                 </a:solidFill>
               </a:rPr>
-              <a:t>stored in S3 alphabetically</a:t>
-            </a:r>
-          </a:p>
-          <a:p>
-            <a:pPr lvl="1"/>
+              <a:t>The “.” will prevent use of SSL for requests </a:t>
+            </a:r>
+          </a:p>
+          <a:p>
             <a:r>
               <a:rPr lang="en-US" dirty="0" smtClean="0">
                 <a:solidFill>
                   <a:schemeClr val="tx1"/>
                 </a:solidFill>
               </a:rPr>
-              <a:t>Object keys dictates </a:t>
-            </a:r>
-            <a:r>
-              <a:rPr lang="en-US" dirty="0">
-                <a:solidFill>
-                  <a:schemeClr val="tx1"/>
-                </a:solidFill>
-              </a:rPr>
-              <a:t>which partition the objects are stored </a:t>
-            </a:r>
+              <a:t>For best performance do not use sequential keys</a:t>
+            </a:r>
+          </a:p>
+          <a:p>
+            <a:pPr lvl="1"/>
             <a:r>
               <a:rPr lang="en-US" dirty="0" smtClean="0">
                 <a:solidFill>
                   <a:schemeClr val="tx1"/>
                 </a:solidFill>
               </a:rPr>
-              <a:t>in</a:t>
+              <a:t>Sequential keys all written to same S3 partition</a:t>
             </a:r>
           </a:p>
           <a:p>
@@ -18462,74 +18695,36 @@
                   <a:schemeClr val="tx1"/>
                 </a:solidFill>
               </a:rPr>
-              <a:t>if object key are </a:t>
-            </a:r>
-            <a:r>
-              <a:rPr lang="en-US" dirty="0">
-                <a:solidFill>
-                  <a:schemeClr val="tx1"/>
-                </a:solidFill>
-              </a:rPr>
-              <a:t>sequential, it increases the likelihood that the data is stored in the same </a:t>
-            </a:r>
+              <a:t>Use random keys to spread writes to different partition</a:t>
+            </a:r>
+          </a:p>
+          <a:p>
             <a:r>
               <a:rPr lang="en-US" dirty="0" smtClean="0">
                 <a:solidFill>
                   <a:schemeClr val="tx1"/>
                 </a:solidFill>
               </a:rPr>
-              <a:t>partition</a:t>
-            </a:r>
-            <a:endParaRPr lang="en-US" dirty="0">
-              <a:solidFill>
-                <a:schemeClr val="tx1"/>
-              </a:solidFill>
-            </a:endParaRPr>
-          </a:p>
-          <a:p>
+              <a:t>Soft-limit of 100 Buckets</a:t>
+            </a:r>
+          </a:p>
+          <a:p>
+            <a:pPr lvl="1"/>
             <a:r>
               <a:rPr lang="en-US" dirty="0" smtClean="0">
                 <a:solidFill>
                   <a:schemeClr val="tx1"/>
                 </a:solidFill>
               </a:rPr>
-              <a:t>The solution:</a:t>
-            </a:r>
-          </a:p>
-          <a:p>
-            <a:pPr lvl="1"/>
-            <a:r>
-              <a:rPr lang="en-US" dirty="0">
-                <a:solidFill>
-                  <a:schemeClr val="tx1"/>
-                </a:solidFill>
-              </a:rPr>
-              <a:t>use a </a:t>
-            </a:r>
-            <a:r>
-              <a:rPr lang="en-US" dirty="0" smtClean="0">
-                <a:solidFill>
-                  <a:schemeClr val="tx1"/>
-                </a:solidFill>
-              </a:rPr>
-              <a:t>hexadecimal hash prefix </a:t>
-            </a:r>
-            <a:r>
-              <a:rPr lang="en-US" dirty="0">
-                <a:solidFill>
-                  <a:schemeClr val="tx1"/>
-                </a:solidFill>
-              </a:rPr>
-              <a:t>of 3 to 4 </a:t>
-            </a:r>
-            <a:r>
-              <a:rPr lang="en-US" dirty="0" smtClean="0">
-                <a:solidFill>
-                  <a:schemeClr val="tx1"/>
-                </a:solidFill>
-              </a:rPr>
-              <a:t>characters to spread requests across multiple partitions</a:t>
-            </a:r>
+              <a:t>Call Amazon if you believe you will go over 100 buckets</a:t>
+            </a:r>
+          </a:p>
+          <a:p>
+            <a:endParaRPr lang="en-US" dirty="0" smtClean="0">
+              <a:solidFill>
+                <a:schemeClr val="tx1"/>
+              </a:solidFill>
+            </a:endParaRPr>
           </a:p>
         </p:txBody>
       </p:sp>
@@ -18545,18 +18740,12 @@
         </p:nvSpPr>
         <p:spPr/>
         <p:txBody>
-          <a:bodyPr>
-            <a:normAutofit fontScale="90000"/>
-          </a:bodyPr>
+          <a:bodyPr/>
           <a:lstStyle/>
           <a:p>
             <a:r>
-              <a:rPr lang="en-US" dirty="0"/>
-              <a:t>S3: Key </a:t>
-            </a:r>
-            <a:r>
               <a:rPr lang="en-US" dirty="0" smtClean="0"/>
-              <a:t>Selection Problem and Solution</a:t>
+              <a:t>S3: Best Practices</a:t>
             </a:r>
             <a:endParaRPr lang="en-US" dirty="0"/>
           </a:p>
@@ -18565,7 +18754,7 @@
     </p:spTree>
     <p:extLst>
       <p:ext uri="{BB962C8B-B14F-4D97-AF65-F5344CB8AC3E}">
-        <p14:creationId xmlns:p14="http://schemas.microsoft.com/office/powerpoint/2010/main" val="1499926983"/>
+        <p14:creationId xmlns:p14="http://schemas.microsoft.com/office/powerpoint/2010/main" val="3888361739"/>
       </p:ext>
     </p:extLst>
   </p:cSld>
@@ -18612,9 +18801,19 @@
         <p:spPr/>
         <p:txBody>
           <a:bodyPr>
-            <a:normAutofit/>
+            <a:normAutofit fontScale="92500" lnSpcReduction="10000"/>
           </a:bodyPr>
           <a:lstStyle/>
+          <a:p>
+            <a:r>
+              <a:rPr lang="en-US" dirty="0" smtClean="0">
+                <a:solidFill>
+                  <a:schemeClr val="accent5"/>
+                </a:solidFill>
+              </a:rPr>
+              <a:t>Disclaimer: I have not yet verified the suggested S3 performance optimization through testing. </a:t>
+            </a:r>
+          </a:p>
           <a:p>
             <a:r>
               <a:rPr lang="en-US" dirty="0" smtClean="0">
@@ -18622,23 +18821,49 @@
                   <a:schemeClr val="tx1"/>
                 </a:solidFill>
               </a:rPr>
-              <a:t>Example of </a:t>
-            </a:r>
-            <a:r>
-              <a:rPr lang="en-US" dirty="0" err="1" smtClean="0">
-                <a:solidFill>
-                  <a:schemeClr val="tx1"/>
-                </a:solidFill>
-              </a:rPr>
-              <a:t>lexicopgrahic</a:t>
-            </a:r>
+              <a:t>Key selection can improve the retrieval rate of objects from S3</a:t>
+            </a:r>
+          </a:p>
+          <a:p>
             <a:r>
               <a:rPr lang="en-US" dirty="0" smtClean="0">
                 <a:solidFill>
                   <a:schemeClr val="tx1"/>
                 </a:solidFill>
               </a:rPr>
-              <a:t> (alphabetic) keys:</a:t>
+              <a:t>In particular, if </a:t>
+            </a:r>
+            <a:r>
+              <a:rPr lang="en-US" dirty="0">
+                <a:solidFill>
+                  <a:schemeClr val="tx1"/>
+                </a:solidFill>
+              </a:rPr>
+              <a:t>you require performance of S3 that </a:t>
+            </a:r>
+            <a:r>
+              <a:rPr lang="en-US" dirty="0" smtClean="0">
+                <a:solidFill>
+                  <a:schemeClr val="tx1"/>
+                </a:solidFill>
+              </a:rPr>
+              <a:t>exceeds</a:t>
+            </a:r>
+            <a:r>
+              <a:rPr lang="en-US" dirty="0">
+                <a:solidFill>
+                  <a:schemeClr val="tx1"/>
+                </a:solidFill>
+              </a:rPr>
+              <a:t> </a:t>
+            </a:r>
+            <a:r>
+              <a:rPr lang="en-US" dirty="0" smtClean="0">
+                <a:solidFill>
+                  <a:schemeClr val="tx1"/>
+                </a:solidFill>
+              </a:rPr>
+              <a:t>the following measures:</a:t>
             </a:r>
             <a:endParaRPr lang="en-US" dirty="0">
               <a:solidFill>
@@ -18649,12 +18874,20 @@
           <a:p>
             <a:pPr lvl="1"/>
             <a:r>
+              <a:rPr lang="en-US" dirty="0" smtClean="0">
+                <a:solidFill>
+                  <a:schemeClr val="tx1"/>
+                </a:solidFill>
+              </a:rPr>
+              <a:t>A routine workload 100 </a:t>
+            </a:r>
+            <a:r>
               <a:rPr lang="en-US" dirty="0">
                 <a:solidFill>
                   <a:schemeClr val="tx1"/>
                 </a:solidFill>
               </a:rPr>
-              <a:t>s3:/</a:t>
+              <a:t>PUT/LIST/</a:t>
             </a:r>
             <a:r>
               <a:rPr lang="en-US" dirty="0" smtClean="0">
@@ -18662,7 +18895,7 @@
                   <a:schemeClr val="tx1"/>
                 </a:solidFill>
               </a:rPr>
-              <a:t>/</a:t>
+              <a:t>DELETE/”list object” </a:t>
             </a:r>
             <a:r>
               <a:rPr lang="en-US" dirty="0">
@@ -18670,7 +18903,7 @@
                   <a:schemeClr val="tx1"/>
                 </a:solidFill>
               </a:rPr>
-              <a:t>photos</a:t>
+              <a:t>requests per </a:t>
             </a:r>
             <a:r>
               <a:rPr lang="en-US" dirty="0" smtClean="0">
@@ -18678,15 +18911,18 @@
                   <a:schemeClr val="tx1"/>
                 </a:solidFill>
               </a:rPr>
-              <a:t>/</a:t>
-            </a:r>
+              <a:t>second</a:t>
+            </a:r>
+          </a:p>
+          <a:p>
+            <a:pPr lvl="1"/>
             <a:r>
               <a:rPr lang="en-US" dirty="0" smtClean="0">
                 <a:solidFill>
-                  <a:srgbClr val="FF0000"/>
+                  <a:schemeClr val="tx1"/>
                 </a:solidFill>
               </a:rPr>
-              <a:t>9770527</a:t>
+              <a:t>A routine workload of 300 </a:t>
             </a:r>
             <a:r>
               <a:rPr lang="en-US" dirty="0">
@@ -18694,7 +18930,7 @@
                   <a:schemeClr val="tx1"/>
                 </a:solidFill>
               </a:rPr>
-              <a:t>/volvo_74085.</a:t>
+              <a:t>GET requests per </a:t>
             </a:r>
             <a:r>
               <a:rPr lang="en-US" dirty="0" smtClean="0">
@@ -18702,7 +18938,7 @@
                   <a:schemeClr val="tx1"/>
                 </a:solidFill>
               </a:rPr>
-              <a:t>jpg</a:t>
+              <a:t>second</a:t>
             </a:r>
           </a:p>
           <a:p>
@@ -18713,324 +18949,14 @@
                   <a:schemeClr val="tx1"/>
                 </a:solidFill>
               </a:rPr>
-              <a:t>s3</a:t>
-            </a:r>
-            <a:r>
-              <a:rPr lang="en-US" dirty="0">
-                <a:solidFill>
-                  <a:schemeClr val="tx1"/>
-                </a:solidFill>
-              </a:rPr>
-              <a:t>:/</a:t>
-            </a:r>
-            <a:r>
-              <a:rPr lang="en-US" dirty="0" smtClean="0">
-                <a:solidFill>
-                  <a:schemeClr val="tx1"/>
-                </a:solidFill>
-              </a:rPr>
-              <a:t>/</a:t>
-            </a:r>
-            <a:r>
-              <a:rPr lang="en-US" dirty="0">
-                <a:solidFill>
-                  <a:schemeClr val="tx1"/>
-                </a:solidFill>
-              </a:rPr>
-              <a:t>photos</a:t>
-            </a:r>
-            <a:r>
-              <a:rPr lang="en-US" dirty="0" smtClean="0">
-                <a:solidFill>
-                  <a:schemeClr val="tx1"/>
-                </a:solidFill>
-              </a:rPr>
-              <a:t>/</a:t>
-            </a:r>
-            <a:r>
-              <a:rPr lang="en-US" dirty="0" smtClean="0">
-                <a:solidFill>
-                  <a:srgbClr val="FF0000"/>
-                </a:solidFill>
-              </a:rPr>
-              <a:t>9770527</a:t>
-            </a:r>
-            <a:r>
-              <a:rPr lang="en-US" dirty="0" smtClean="0">
-                <a:solidFill>
-                  <a:schemeClr val="tx1"/>
-                </a:solidFill>
-              </a:rPr>
-              <a:t>/acura_integra02.jpg</a:t>
-            </a:r>
-            <a:endParaRPr lang="en-US" dirty="0">
-              <a:solidFill>
-                <a:schemeClr val="tx1"/>
-              </a:solidFill>
-            </a:endParaRPr>
-          </a:p>
-          <a:p>
-            <a:pPr lvl="1"/>
-            <a:r>
-              <a:rPr lang="en-US" dirty="0">
-                <a:solidFill>
-                  <a:schemeClr val="tx1"/>
-                </a:solidFill>
-              </a:rPr>
-              <a:t>s3:/</a:t>
-            </a:r>
-            <a:r>
-              <a:rPr lang="en-US" dirty="0" smtClean="0">
-                <a:solidFill>
-                  <a:schemeClr val="tx1"/>
-                </a:solidFill>
-              </a:rPr>
-              <a:t>/</a:t>
-            </a:r>
-            <a:r>
-              <a:rPr lang="en-US" dirty="0">
-                <a:solidFill>
-                  <a:schemeClr val="tx1"/>
-                </a:solidFill>
-              </a:rPr>
-              <a:t>photos</a:t>
-            </a:r>
-            <a:r>
-              <a:rPr lang="en-US" dirty="0" smtClean="0">
-                <a:solidFill>
-                  <a:schemeClr val="tx1"/>
-                </a:solidFill>
-              </a:rPr>
-              <a:t>/</a:t>
-            </a:r>
-            <a:r>
-              <a:rPr lang="en-US" dirty="0" smtClean="0">
-                <a:solidFill>
-                  <a:srgbClr val="FF0000"/>
-                </a:solidFill>
-              </a:rPr>
-              <a:t>9770527</a:t>
-            </a:r>
-            <a:r>
-              <a:rPr lang="en-US" dirty="0" smtClean="0">
-                <a:solidFill>
-                  <a:schemeClr val="tx1"/>
-                </a:solidFill>
-              </a:rPr>
-              <a:t>/honda_accord05.jpg</a:t>
-            </a:r>
-          </a:p>
-          <a:p>
-            <a:r>
-              <a:rPr lang="en-US" dirty="0" smtClean="0">
-                <a:solidFill>
-                  <a:schemeClr val="tx1"/>
-                </a:solidFill>
-              </a:rPr>
-              <a:t>Example </a:t>
-            </a:r>
-            <a:r>
-              <a:rPr lang="en-US" dirty="0">
-                <a:solidFill>
-                  <a:schemeClr val="tx1"/>
-                </a:solidFill>
-              </a:rPr>
-              <a:t>of </a:t>
-            </a:r>
-            <a:r>
-              <a:rPr lang="en-US" dirty="0" smtClean="0">
-                <a:solidFill>
-                  <a:schemeClr val="tx1"/>
-                </a:solidFill>
-              </a:rPr>
-              <a:t>hashed </a:t>
-            </a:r>
-            <a:r>
-              <a:rPr lang="en-US" dirty="0">
-                <a:solidFill>
-                  <a:schemeClr val="tx1"/>
-                </a:solidFill>
-              </a:rPr>
-              <a:t>keys:</a:t>
-            </a:r>
-          </a:p>
-          <a:p>
-            <a:pPr lvl="1"/>
-            <a:r>
-              <a:rPr lang="en-US" dirty="0">
-                <a:solidFill>
-                  <a:schemeClr val="tx1"/>
-                </a:solidFill>
-              </a:rPr>
-              <a:t>s3:/</a:t>
-            </a:r>
-            <a:r>
-              <a:rPr lang="en-US" dirty="0" smtClean="0">
-                <a:solidFill>
-                  <a:schemeClr val="tx1"/>
-                </a:solidFill>
-              </a:rPr>
-              <a:t>/</a:t>
-            </a:r>
-            <a:r>
-              <a:rPr lang="en-US" dirty="0">
-                <a:solidFill>
-                  <a:schemeClr val="tx1"/>
-                </a:solidFill>
-              </a:rPr>
-              <a:t>photos</a:t>
-            </a:r>
-            <a:r>
-              <a:rPr lang="en-US" dirty="0" smtClean="0">
-                <a:solidFill>
-                  <a:schemeClr val="tx1"/>
-                </a:solidFill>
-              </a:rPr>
-              <a:t>/</a:t>
-            </a:r>
-            <a:r>
-              <a:rPr lang="en-US" dirty="0" smtClean="0">
-                <a:solidFill>
-                  <a:srgbClr val="008000"/>
-                </a:solidFill>
-              </a:rPr>
-              <a:t>3636a</a:t>
-            </a:r>
-            <a:r>
-              <a:rPr lang="en-US" dirty="0" smtClean="0">
-                <a:solidFill>
-                  <a:schemeClr val="tx1"/>
-                </a:solidFill>
-              </a:rPr>
-              <a:t>/9770527/</a:t>
-            </a:r>
-            <a:r>
-              <a:rPr lang="en-US" dirty="0">
-                <a:solidFill>
-                  <a:schemeClr val="tx1"/>
-                </a:solidFill>
-              </a:rPr>
-              <a:t>acura_integra02.</a:t>
-            </a:r>
-            <a:r>
-              <a:rPr lang="en-US" dirty="0" smtClean="0">
-                <a:solidFill>
-                  <a:schemeClr val="tx1"/>
-                </a:solidFill>
-              </a:rPr>
-              <a:t>jpg</a:t>
-            </a:r>
-          </a:p>
-          <a:p>
-            <a:pPr lvl="1"/>
-            <a:r>
-              <a:rPr lang="en-US" dirty="0">
-                <a:solidFill>
-                  <a:schemeClr val="tx1"/>
-                </a:solidFill>
-              </a:rPr>
-              <a:t>s3://photos/</a:t>
-            </a:r>
-            <a:r>
-              <a:rPr lang="en-US" dirty="0">
-                <a:solidFill>
-                  <a:srgbClr val="008000"/>
-                </a:solidFill>
-              </a:rPr>
-              <a:t>737a</a:t>
-            </a:r>
-            <a:r>
-              <a:rPr lang="en-US" dirty="0">
-                <a:solidFill>
-                  <a:schemeClr val="tx1"/>
-                </a:solidFill>
-              </a:rPr>
-              <a:t>/9770527/honda_accord05.</a:t>
-            </a:r>
-            <a:r>
-              <a:rPr lang="en-US" dirty="0" smtClean="0">
-                <a:solidFill>
-                  <a:schemeClr val="tx1"/>
-                </a:solidFill>
-              </a:rPr>
-              <a:t>jpg</a:t>
-            </a:r>
-          </a:p>
-          <a:p>
-            <a:pPr lvl="1"/>
-            <a:r>
-              <a:rPr lang="en-US" dirty="0" smtClean="0">
-                <a:solidFill>
-                  <a:schemeClr val="tx1"/>
-                </a:solidFill>
-              </a:rPr>
-              <a:t>s3</a:t>
-            </a:r>
-            <a:r>
-              <a:rPr lang="en-US" dirty="0">
-                <a:solidFill>
-                  <a:schemeClr val="tx1"/>
-                </a:solidFill>
-              </a:rPr>
-              <a:t>:/</a:t>
-            </a:r>
-            <a:r>
-              <a:rPr lang="en-US" dirty="0" smtClean="0">
-                <a:solidFill>
-                  <a:schemeClr val="tx1"/>
-                </a:solidFill>
-              </a:rPr>
-              <a:t>/</a:t>
-            </a:r>
-            <a:r>
-              <a:rPr lang="en-US" dirty="0">
-                <a:solidFill>
-                  <a:schemeClr val="tx1"/>
-                </a:solidFill>
-              </a:rPr>
-              <a:t>photos</a:t>
-            </a:r>
-            <a:r>
-              <a:rPr lang="en-US" dirty="0" smtClean="0">
-                <a:solidFill>
-                  <a:schemeClr val="tx1"/>
-                </a:solidFill>
-              </a:rPr>
-              <a:t>/</a:t>
-            </a:r>
-            <a:r>
-              <a:rPr lang="en-US" dirty="0" smtClean="0">
-                <a:solidFill>
-                  <a:srgbClr val="008000"/>
-                </a:solidFill>
-              </a:rPr>
-              <a:t>d66a</a:t>
-            </a:r>
-            <a:r>
-              <a:rPr lang="en-US" dirty="0" smtClean="0">
-                <a:solidFill>
-                  <a:schemeClr val="tx1"/>
-                </a:solidFill>
-              </a:rPr>
-              <a:t>/9770527</a:t>
-            </a:r>
-            <a:r>
-              <a:rPr lang="en-US" dirty="0">
-                <a:solidFill>
-                  <a:schemeClr val="tx1"/>
-                </a:solidFill>
-              </a:rPr>
-              <a:t>/volvo_74085.</a:t>
-            </a:r>
-            <a:r>
-              <a:rPr lang="en-US" dirty="0" smtClean="0">
-                <a:solidFill>
-                  <a:schemeClr val="tx1"/>
-                </a:solidFill>
-              </a:rPr>
-              <a:t>jpg</a:t>
-            </a:r>
-            <a:endParaRPr lang="en-US" dirty="0">
+              <a:t>A “large number of GETS”</a:t>
+            </a:r>
+          </a:p>
+          <a:p>
+            <a:pPr marL="0" indent="0">
+              <a:buNone/>
+            </a:pPr>
+            <a:endParaRPr lang="en-US" dirty="0" smtClean="0">
               <a:solidFill>
                 <a:schemeClr val="tx1"/>
               </a:solidFill>
@@ -19050,16 +18976,14 @@
         </p:nvSpPr>
         <p:spPr/>
         <p:txBody>
-          <a:bodyPr/>
+          <a:bodyPr>
+            <a:normAutofit fontScale="90000"/>
+          </a:bodyPr>
           <a:lstStyle/>
           <a:p>
             <a:r>
               <a:rPr lang="en-US" dirty="0" smtClean="0"/>
-              <a:t>S3: </a:t>
-            </a:r>
-            <a:r>
-              <a:rPr lang="en-US" smtClean="0"/>
-              <a:t>Key Selection Described</a:t>
+              <a:t>S3: Key Selection and Performance</a:t>
             </a:r>
             <a:endParaRPr lang="en-US" dirty="0"/>
           </a:p>
@@ -19068,7 +18992,7 @@
     </p:spTree>
     <p:extLst>
       <p:ext uri="{BB962C8B-B14F-4D97-AF65-F5344CB8AC3E}">
-        <p14:creationId xmlns:p14="http://schemas.microsoft.com/office/powerpoint/2010/main" val="318922468"/>
+        <p14:creationId xmlns:p14="http://schemas.microsoft.com/office/powerpoint/2010/main" val="4231770518"/>
       </p:ext>
     </p:extLst>
   </p:cSld>
@@ -19161,14 +19085,18 @@
           <a:p>
             <a:r>
               <a:rPr lang="en-US" dirty="0" smtClean="0"/>
-              <a:t>Varying service credits if less than 99.9% Uptime</a:t>
+              <a:t>AWS Service Credit if less than 99.9% Uptime</a:t>
             </a:r>
           </a:p>
           <a:p>
             <a:pPr lvl="1"/>
             <a:r>
+              <a:rPr lang="en-US" dirty="0" smtClean="0"/>
+              <a:t>SLA and Uptime </a:t>
+            </a:r>
+            <a:r>
               <a:rPr lang="en-US" dirty="0"/>
-              <a:t>Uptime is defined at http://</a:t>
+              <a:t>is defined at http://</a:t>
             </a:r>
             <a:r>
               <a:rPr lang="en-US" dirty="0" err="1"/>
@@ -19263,6 +19191,761 @@
         <p:spPr/>
         <p:txBody>
           <a:bodyPr>
+            <a:normAutofit fontScale="92500"/>
+          </a:bodyPr>
+          <a:lstStyle/>
+          <a:p>
+            <a:r>
+              <a:rPr lang="en-US" dirty="0" smtClean="0">
+                <a:solidFill>
+                  <a:schemeClr val="tx1"/>
+                </a:solidFill>
+              </a:rPr>
+              <a:t>The problem:</a:t>
+            </a:r>
+          </a:p>
+          <a:p>
+            <a:pPr lvl="1"/>
+            <a:r>
+              <a:rPr lang="en-US" dirty="0" smtClean="0">
+                <a:solidFill>
+                  <a:schemeClr val="tx1"/>
+                </a:solidFill>
+              </a:rPr>
+              <a:t>Object </a:t>
+            </a:r>
+            <a:r>
+              <a:rPr lang="en-US" dirty="0">
+                <a:solidFill>
+                  <a:schemeClr val="tx1"/>
+                </a:solidFill>
+              </a:rPr>
+              <a:t>keys are </a:t>
+            </a:r>
+            <a:r>
+              <a:rPr lang="en-US" dirty="0" smtClean="0">
+                <a:solidFill>
+                  <a:schemeClr val="tx1"/>
+                </a:solidFill>
+              </a:rPr>
+              <a:t>stored in S3 “Lexicographically”</a:t>
+            </a:r>
+          </a:p>
+          <a:p>
+            <a:pPr lvl="2"/>
+            <a:r>
+              <a:rPr lang="en-US" dirty="0" smtClean="0">
+                <a:solidFill>
+                  <a:schemeClr val="tx1"/>
+                </a:solidFill>
+              </a:rPr>
+              <a:t>Lexicographically = essentially alphabetically</a:t>
+            </a:r>
+          </a:p>
+          <a:p>
+            <a:pPr lvl="1"/>
+            <a:r>
+              <a:rPr lang="en-US" dirty="0" smtClean="0">
+                <a:solidFill>
+                  <a:schemeClr val="tx1"/>
+                </a:solidFill>
+              </a:rPr>
+              <a:t>Object key dictates </a:t>
+            </a:r>
+            <a:r>
+              <a:rPr lang="en-US" dirty="0">
+                <a:solidFill>
+                  <a:schemeClr val="tx1"/>
+                </a:solidFill>
+              </a:rPr>
+              <a:t>which </a:t>
+            </a:r>
+            <a:r>
+              <a:rPr lang="en-US" dirty="0" smtClean="0">
+                <a:solidFill>
+                  <a:schemeClr val="tx1"/>
+                </a:solidFill>
+              </a:rPr>
+              <a:t>partition </a:t>
+            </a:r>
+            <a:r>
+              <a:rPr lang="en-US" dirty="0">
+                <a:solidFill>
+                  <a:schemeClr val="tx1"/>
+                </a:solidFill>
+              </a:rPr>
+              <a:t>the objects are stored </a:t>
+            </a:r>
+            <a:r>
+              <a:rPr lang="en-US" dirty="0" smtClean="0">
+                <a:solidFill>
+                  <a:schemeClr val="tx1"/>
+                </a:solidFill>
+              </a:rPr>
+              <a:t>in</a:t>
+            </a:r>
+          </a:p>
+          <a:p>
+            <a:pPr lvl="1"/>
+            <a:r>
+              <a:rPr lang="en-US" dirty="0" smtClean="0">
+                <a:solidFill>
+                  <a:schemeClr val="tx1"/>
+                </a:solidFill>
+              </a:rPr>
+              <a:t>if object key are </a:t>
+            </a:r>
+            <a:r>
+              <a:rPr lang="en-US" dirty="0">
+                <a:solidFill>
+                  <a:schemeClr val="tx1"/>
+                </a:solidFill>
+              </a:rPr>
+              <a:t>sequential, it increases the likelihood that the data is stored in the same </a:t>
+            </a:r>
+            <a:r>
+              <a:rPr lang="en-US" dirty="0" smtClean="0">
+                <a:solidFill>
+                  <a:schemeClr val="tx1"/>
+                </a:solidFill>
+              </a:rPr>
+              <a:t>partition (aka: “Hot Spot”)</a:t>
+            </a:r>
+            <a:endParaRPr lang="en-US" dirty="0">
+              <a:solidFill>
+                <a:schemeClr val="tx1"/>
+              </a:solidFill>
+            </a:endParaRPr>
+          </a:p>
+          <a:p>
+            <a:r>
+              <a:rPr lang="en-US" dirty="0" smtClean="0">
+                <a:solidFill>
+                  <a:schemeClr val="tx1"/>
+                </a:solidFill>
+              </a:rPr>
+              <a:t>The solution:</a:t>
+            </a:r>
+          </a:p>
+          <a:p>
+            <a:pPr lvl="1"/>
+            <a:r>
+              <a:rPr lang="en-US" dirty="0">
+                <a:solidFill>
+                  <a:schemeClr val="tx1"/>
+                </a:solidFill>
+              </a:rPr>
+              <a:t>use a </a:t>
+            </a:r>
+            <a:r>
+              <a:rPr lang="en-US" dirty="0" smtClean="0">
+                <a:solidFill>
+                  <a:schemeClr val="tx1"/>
+                </a:solidFill>
+              </a:rPr>
+              <a:t>hexadecimal hash prefix </a:t>
+            </a:r>
+            <a:r>
+              <a:rPr lang="en-US" dirty="0">
+                <a:solidFill>
+                  <a:schemeClr val="tx1"/>
+                </a:solidFill>
+              </a:rPr>
+              <a:t>of 3 to 4 </a:t>
+            </a:r>
+            <a:r>
+              <a:rPr lang="en-US" dirty="0" smtClean="0">
+                <a:solidFill>
+                  <a:schemeClr val="tx1"/>
+                </a:solidFill>
+              </a:rPr>
+              <a:t>characters to spread requests across multiple partitions</a:t>
+            </a:r>
+          </a:p>
+        </p:txBody>
+      </p:sp>
+      <p:sp>
+        <p:nvSpPr>
+          <p:cNvPr id="2" name="Title 1"/>
+          <p:cNvSpPr>
+            <a:spLocks noGrp="1"/>
+          </p:cNvSpPr>
+          <p:nvPr>
+            <p:ph type="title"/>
+          </p:nvPr>
+        </p:nvSpPr>
+        <p:spPr/>
+        <p:txBody>
+          <a:bodyPr>
+            <a:normAutofit fontScale="90000"/>
+          </a:bodyPr>
+          <a:lstStyle/>
+          <a:p>
+            <a:r>
+              <a:rPr lang="en-US" dirty="0"/>
+              <a:t>S3: Key </a:t>
+            </a:r>
+            <a:r>
+              <a:rPr lang="en-US" dirty="0" smtClean="0"/>
+              <a:t>Selection Problem and Solution</a:t>
+            </a:r>
+            <a:endParaRPr lang="en-US" dirty="0"/>
+          </a:p>
+        </p:txBody>
+      </p:sp>
+    </p:spTree>
+    <p:extLst>
+      <p:ext uri="{BB962C8B-B14F-4D97-AF65-F5344CB8AC3E}">
+        <p14:creationId xmlns:p14="http://schemas.microsoft.com/office/powerpoint/2010/main" val="1499926983"/>
+      </p:ext>
+    </p:extLst>
+  </p:cSld>
+  <p:clrMapOvr>
+    <a:masterClrMapping/>
+  </p:clrMapOvr>
+  <p:timing>
+    <p:tnLst>
+      <p:par>
+        <p:cTn id="1" dur="indefinite" restart="never" nodeType="tmRoot"/>
+      </p:par>
+    </p:tnLst>
+  </p:timing>
+</p:sld>
+</file>
+
+<file path=ppt/slides/slide21.xml><?xml version="1.0" encoding="utf-8"?>
+<p:sld xmlns:a="http://schemas.openxmlformats.org/drawingml/2006/main" xmlns:r="http://schemas.openxmlformats.org/officeDocument/2006/relationships" xmlns:p="http://schemas.openxmlformats.org/presentationml/2006/main">
+  <p:cSld>
+    <p:spTree>
+      <p:nvGrpSpPr>
+        <p:cNvPr id="1" name=""/>
+        <p:cNvGrpSpPr/>
+        <p:nvPr/>
+      </p:nvGrpSpPr>
+      <p:grpSpPr>
+        <a:xfrm>
+          <a:off x="0" y="0"/>
+          <a:ext cx="0" cy="0"/>
+          <a:chOff x="0" y="0"/>
+          <a:chExt cx="0" cy="0"/>
+        </a:xfrm>
+      </p:grpSpPr>
+      <p:sp>
+        <p:nvSpPr>
+          <p:cNvPr id="3" name="Content Placeholder 2"/>
+          <p:cNvSpPr>
+            <a:spLocks noGrp="1"/>
+          </p:cNvSpPr>
+          <p:nvPr>
+            <p:ph idx="1"/>
+          </p:nvPr>
+        </p:nvSpPr>
+        <p:spPr/>
+        <p:txBody>
+          <a:bodyPr>
+            <a:normAutofit/>
+          </a:bodyPr>
+          <a:lstStyle/>
+          <a:p>
+            <a:r>
+              <a:rPr lang="en-US" dirty="0" smtClean="0">
+                <a:solidFill>
+                  <a:schemeClr val="tx1"/>
+                </a:solidFill>
+              </a:rPr>
+              <a:t>Example of </a:t>
+            </a:r>
+            <a:r>
+              <a:rPr lang="en-US" dirty="0" err="1" smtClean="0">
+                <a:solidFill>
+                  <a:schemeClr val="tx1"/>
+                </a:solidFill>
+              </a:rPr>
+              <a:t>lexicopgrahic</a:t>
+            </a:r>
+            <a:r>
+              <a:rPr lang="en-US" dirty="0" smtClean="0">
+                <a:solidFill>
+                  <a:schemeClr val="tx1"/>
+                </a:solidFill>
+              </a:rPr>
+              <a:t> (alphabetic) keys:</a:t>
+            </a:r>
+            <a:endParaRPr lang="en-US" dirty="0">
+              <a:solidFill>
+                <a:schemeClr val="tx1"/>
+              </a:solidFill>
+            </a:endParaRPr>
+          </a:p>
+          <a:p>
+            <a:pPr lvl="1"/>
+            <a:r>
+              <a:rPr lang="en-US" dirty="0">
+                <a:solidFill>
+                  <a:schemeClr val="tx1"/>
+                </a:solidFill>
+              </a:rPr>
+              <a:t>s3:/</a:t>
+            </a:r>
+            <a:r>
+              <a:rPr lang="en-US" dirty="0" smtClean="0">
+                <a:solidFill>
+                  <a:schemeClr val="tx1"/>
+                </a:solidFill>
+              </a:rPr>
+              <a:t>/</a:t>
+            </a:r>
+            <a:r>
+              <a:rPr lang="en-US" dirty="0">
+                <a:solidFill>
+                  <a:schemeClr val="tx1"/>
+                </a:solidFill>
+              </a:rPr>
+              <a:t>photos</a:t>
+            </a:r>
+            <a:r>
+              <a:rPr lang="en-US" dirty="0" smtClean="0">
+                <a:solidFill>
+                  <a:schemeClr val="tx1"/>
+                </a:solidFill>
+              </a:rPr>
+              <a:t>/</a:t>
+            </a:r>
+            <a:r>
+              <a:rPr lang="en-US" dirty="0" smtClean="0">
+                <a:solidFill>
+                  <a:srgbClr val="FF0000"/>
+                </a:solidFill>
+              </a:rPr>
+              <a:t>9770527</a:t>
+            </a:r>
+            <a:r>
+              <a:rPr lang="en-US" dirty="0">
+                <a:solidFill>
+                  <a:schemeClr val="tx1"/>
+                </a:solidFill>
+              </a:rPr>
+              <a:t>/volvo_74085.</a:t>
+            </a:r>
+            <a:r>
+              <a:rPr lang="en-US" dirty="0" smtClean="0">
+                <a:solidFill>
+                  <a:schemeClr val="tx1"/>
+                </a:solidFill>
+              </a:rPr>
+              <a:t>jpg</a:t>
+            </a:r>
+          </a:p>
+          <a:p>
+            <a:pPr lvl="1"/>
+            <a:r>
+              <a:rPr lang="en-US" dirty="0" smtClean="0">
+                <a:solidFill>
+                  <a:schemeClr val="tx1"/>
+                </a:solidFill>
+              </a:rPr>
+              <a:t>s3</a:t>
+            </a:r>
+            <a:r>
+              <a:rPr lang="en-US" dirty="0">
+                <a:solidFill>
+                  <a:schemeClr val="tx1"/>
+                </a:solidFill>
+              </a:rPr>
+              <a:t>:/</a:t>
+            </a:r>
+            <a:r>
+              <a:rPr lang="en-US" dirty="0" smtClean="0">
+                <a:solidFill>
+                  <a:schemeClr val="tx1"/>
+                </a:solidFill>
+              </a:rPr>
+              <a:t>/</a:t>
+            </a:r>
+            <a:r>
+              <a:rPr lang="en-US" dirty="0">
+                <a:solidFill>
+                  <a:schemeClr val="tx1"/>
+                </a:solidFill>
+              </a:rPr>
+              <a:t>photos</a:t>
+            </a:r>
+            <a:r>
+              <a:rPr lang="en-US" dirty="0" smtClean="0">
+                <a:solidFill>
+                  <a:schemeClr val="tx1"/>
+                </a:solidFill>
+              </a:rPr>
+              <a:t>/</a:t>
+            </a:r>
+            <a:r>
+              <a:rPr lang="en-US" dirty="0" smtClean="0">
+                <a:solidFill>
+                  <a:srgbClr val="FF0000"/>
+                </a:solidFill>
+              </a:rPr>
+              <a:t>9770527</a:t>
+            </a:r>
+            <a:r>
+              <a:rPr lang="en-US" dirty="0" smtClean="0">
+                <a:solidFill>
+                  <a:schemeClr val="tx1"/>
+                </a:solidFill>
+              </a:rPr>
+              <a:t>/acura_integra02.jpg</a:t>
+            </a:r>
+            <a:endParaRPr lang="en-US" dirty="0">
+              <a:solidFill>
+                <a:schemeClr val="tx1"/>
+              </a:solidFill>
+            </a:endParaRPr>
+          </a:p>
+          <a:p>
+            <a:pPr lvl="1"/>
+            <a:r>
+              <a:rPr lang="en-US" dirty="0">
+                <a:solidFill>
+                  <a:schemeClr val="tx1"/>
+                </a:solidFill>
+              </a:rPr>
+              <a:t>s3:/</a:t>
+            </a:r>
+            <a:r>
+              <a:rPr lang="en-US" dirty="0" smtClean="0">
+                <a:solidFill>
+                  <a:schemeClr val="tx1"/>
+                </a:solidFill>
+              </a:rPr>
+              <a:t>/</a:t>
+            </a:r>
+            <a:r>
+              <a:rPr lang="en-US" dirty="0">
+                <a:solidFill>
+                  <a:schemeClr val="tx1"/>
+                </a:solidFill>
+              </a:rPr>
+              <a:t>photos</a:t>
+            </a:r>
+            <a:r>
+              <a:rPr lang="en-US" dirty="0" smtClean="0">
+                <a:solidFill>
+                  <a:schemeClr val="tx1"/>
+                </a:solidFill>
+              </a:rPr>
+              <a:t>/</a:t>
+            </a:r>
+            <a:r>
+              <a:rPr lang="en-US" dirty="0" smtClean="0">
+                <a:solidFill>
+                  <a:srgbClr val="FF0000"/>
+                </a:solidFill>
+              </a:rPr>
+              <a:t>9770527</a:t>
+            </a:r>
+            <a:r>
+              <a:rPr lang="en-US" dirty="0" smtClean="0">
+                <a:solidFill>
+                  <a:schemeClr val="tx1"/>
+                </a:solidFill>
+              </a:rPr>
+              <a:t>/honda_accord05.jpg</a:t>
+            </a:r>
+          </a:p>
+          <a:p>
+            <a:r>
+              <a:rPr lang="en-US" dirty="0" smtClean="0">
+                <a:solidFill>
+                  <a:schemeClr val="tx1"/>
+                </a:solidFill>
+              </a:rPr>
+              <a:t>Example </a:t>
+            </a:r>
+            <a:r>
+              <a:rPr lang="en-US" dirty="0">
+                <a:solidFill>
+                  <a:schemeClr val="tx1"/>
+                </a:solidFill>
+              </a:rPr>
+              <a:t>of </a:t>
+            </a:r>
+            <a:r>
+              <a:rPr lang="en-US" dirty="0" smtClean="0">
+                <a:solidFill>
+                  <a:schemeClr val="tx1"/>
+                </a:solidFill>
+              </a:rPr>
+              <a:t>hashed </a:t>
+            </a:r>
+            <a:r>
+              <a:rPr lang="en-US" dirty="0">
+                <a:solidFill>
+                  <a:schemeClr val="tx1"/>
+                </a:solidFill>
+              </a:rPr>
+              <a:t>keys:</a:t>
+            </a:r>
+          </a:p>
+          <a:p>
+            <a:pPr lvl="1"/>
+            <a:r>
+              <a:rPr lang="en-US" dirty="0">
+                <a:solidFill>
+                  <a:schemeClr val="tx1"/>
+                </a:solidFill>
+              </a:rPr>
+              <a:t>s3:/</a:t>
+            </a:r>
+            <a:r>
+              <a:rPr lang="en-US" dirty="0" smtClean="0">
+                <a:solidFill>
+                  <a:schemeClr val="tx1"/>
+                </a:solidFill>
+              </a:rPr>
+              <a:t>/</a:t>
+            </a:r>
+            <a:r>
+              <a:rPr lang="en-US" dirty="0">
+                <a:solidFill>
+                  <a:schemeClr val="tx1"/>
+                </a:solidFill>
+              </a:rPr>
+              <a:t>photos</a:t>
+            </a:r>
+            <a:r>
+              <a:rPr lang="en-US" dirty="0" smtClean="0">
+                <a:solidFill>
+                  <a:schemeClr val="tx1"/>
+                </a:solidFill>
+              </a:rPr>
+              <a:t>/</a:t>
+            </a:r>
+            <a:r>
+              <a:rPr lang="en-US" dirty="0" smtClean="0">
+                <a:solidFill>
+                  <a:srgbClr val="008000"/>
+                </a:solidFill>
+              </a:rPr>
+              <a:t>3636a</a:t>
+            </a:r>
+            <a:r>
+              <a:rPr lang="en-US" dirty="0" smtClean="0">
+                <a:solidFill>
+                  <a:schemeClr val="tx1"/>
+                </a:solidFill>
+              </a:rPr>
+              <a:t>/9770527/</a:t>
+            </a:r>
+            <a:r>
+              <a:rPr lang="en-US" dirty="0">
+                <a:solidFill>
+                  <a:schemeClr val="tx1"/>
+                </a:solidFill>
+              </a:rPr>
+              <a:t>acura_integra02.</a:t>
+            </a:r>
+            <a:r>
+              <a:rPr lang="en-US" dirty="0" smtClean="0">
+                <a:solidFill>
+                  <a:schemeClr val="tx1"/>
+                </a:solidFill>
+              </a:rPr>
+              <a:t>jpg</a:t>
+            </a:r>
+          </a:p>
+          <a:p>
+            <a:pPr lvl="1"/>
+            <a:r>
+              <a:rPr lang="en-US" dirty="0">
+                <a:solidFill>
+                  <a:schemeClr val="tx1"/>
+                </a:solidFill>
+              </a:rPr>
+              <a:t>s3://photos/</a:t>
+            </a:r>
+            <a:r>
+              <a:rPr lang="en-US" dirty="0">
+                <a:solidFill>
+                  <a:srgbClr val="008000"/>
+                </a:solidFill>
+              </a:rPr>
+              <a:t>737a</a:t>
+            </a:r>
+            <a:r>
+              <a:rPr lang="en-US" dirty="0">
+                <a:solidFill>
+                  <a:schemeClr val="tx1"/>
+                </a:solidFill>
+              </a:rPr>
+              <a:t>/9770527/honda_accord05.</a:t>
+            </a:r>
+            <a:r>
+              <a:rPr lang="en-US" dirty="0" smtClean="0">
+                <a:solidFill>
+                  <a:schemeClr val="tx1"/>
+                </a:solidFill>
+              </a:rPr>
+              <a:t>jpg</a:t>
+            </a:r>
+          </a:p>
+          <a:p>
+            <a:pPr lvl="1"/>
+            <a:r>
+              <a:rPr lang="en-US" dirty="0" smtClean="0">
+                <a:solidFill>
+                  <a:schemeClr val="tx1"/>
+                </a:solidFill>
+              </a:rPr>
+              <a:t>s3</a:t>
+            </a:r>
+            <a:r>
+              <a:rPr lang="en-US" dirty="0">
+                <a:solidFill>
+                  <a:schemeClr val="tx1"/>
+                </a:solidFill>
+              </a:rPr>
+              <a:t>:/</a:t>
+            </a:r>
+            <a:r>
+              <a:rPr lang="en-US" dirty="0" smtClean="0">
+                <a:solidFill>
+                  <a:schemeClr val="tx1"/>
+                </a:solidFill>
+              </a:rPr>
+              <a:t>/</a:t>
+            </a:r>
+            <a:r>
+              <a:rPr lang="en-US" dirty="0">
+                <a:solidFill>
+                  <a:schemeClr val="tx1"/>
+                </a:solidFill>
+              </a:rPr>
+              <a:t>photos</a:t>
+            </a:r>
+            <a:r>
+              <a:rPr lang="en-US" dirty="0" smtClean="0">
+                <a:solidFill>
+                  <a:schemeClr val="tx1"/>
+                </a:solidFill>
+              </a:rPr>
+              <a:t>/</a:t>
+            </a:r>
+            <a:r>
+              <a:rPr lang="en-US" dirty="0" smtClean="0">
+                <a:solidFill>
+                  <a:srgbClr val="008000"/>
+                </a:solidFill>
+              </a:rPr>
+              <a:t>d66a</a:t>
+            </a:r>
+            <a:r>
+              <a:rPr lang="en-US" dirty="0" smtClean="0">
+                <a:solidFill>
+                  <a:schemeClr val="tx1"/>
+                </a:solidFill>
+              </a:rPr>
+              <a:t>/9770527</a:t>
+            </a:r>
+            <a:r>
+              <a:rPr lang="en-US" dirty="0">
+                <a:solidFill>
+                  <a:schemeClr val="tx1"/>
+                </a:solidFill>
+              </a:rPr>
+              <a:t>/volvo_74085.</a:t>
+            </a:r>
+            <a:r>
+              <a:rPr lang="en-US" dirty="0" smtClean="0">
+                <a:solidFill>
+                  <a:schemeClr val="tx1"/>
+                </a:solidFill>
+              </a:rPr>
+              <a:t>jpg</a:t>
+            </a:r>
+            <a:endParaRPr lang="en-US" dirty="0">
+              <a:solidFill>
+                <a:schemeClr val="tx1"/>
+              </a:solidFill>
+            </a:endParaRPr>
+          </a:p>
+        </p:txBody>
+      </p:sp>
+      <p:sp>
+        <p:nvSpPr>
+          <p:cNvPr id="2" name="Title 1"/>
+          <p:cNvSpPr>
+            <a:spLocks noGrp="1"/>
+          </p:cNvSpPr>
+          <p:nvPr>
+            <p:ph type="title"/>
+          </p:nvPr>
+        </p:nvSpPr>
+        <p:spPr/>
+        <p:txBody>
+          <a:bodyPr/>
+          <a:lstStyle/>
+          <a:p>
+            <a:r>
+              <a:rPr lang="en-US" dirty="0" smtClean="0"/>
+              <a:t>S3: </a:t>
+            </a:r>
+            <a:r>
+              <a:rPr lang="en-US" smtClean="0"/>
+              <a:t>Key Selection Described</a:t>
+            </a:r>
+            <a:endParaRPr lang="en-US" dirty="0"/>
+          </a:p>
+        </p:txBody>
+      </p:sp>
+    </p:spTree>
+    <p:extLst>
+      <p:ext uri="{BB962C8B-B14F-4D97-AF65-F5344CB8AC3E}">
+        <p14:creationId xmlns:p14="http://schemas.microsoft.com/office/powerpoint/2010/main" val="318922468"/>
+      </p:ext>
+    </p:extLst>
+  </p:cSld>
+  <p:clrMapOvr>
+    <a:masterClrMapping/>
+  </p:clrMapOvr>
+  <p:timing>
+    <p:tnLst>
+      <p:par>
+        <p:cTn id="1" dur="indefinite" restart="never" nodeType="tmRoot"/>
+      </p:par>
+    </p:tnLst>
+  </p:timing>
+</p:sld>
+</file>
+
+<file path=ppt/slides/slide22.xml><?xml version="1.0" encoding="utf-8"?>
+<p:sld xmlns:a="http://schemas.openxmlformats.org/drawingml/2006/main" xmlns:r="http://schemas.openxmlformats.org/officeDocument/2006/relationships" xmlns:p="http://schemas.openxmlformats.org/presentationml/2006/main">
+  <p:cSld>
+    <p:spTree>
+      <p:nvGrpSpPr>
+        <p:cNvPr id="1" name=""/>
+        <p:cNvGrpSpPr/>
+        <p:nvPr/>
+      </p:nvGrpSpPr>
+      <p:grpSpPr>
+        <a:xfrm>
+          <a:off x="0" y="0"/>
+          <a:ext cx="0" cy="0"/>
+          <a:chOff x="0" y="0"/>
+          <a:chExt cx="0" cy="0"/>
+        </a:xfrm>
+      </p:grpSpPr>
+      <p:sp>
+        <p:nvSpPr>
+          <p:cNvPr id="3" name="Content Placeholder 2"/>
+          <p:cNvSpPr>
+            <a:spLocks noGrp="1"/>
+          </p:cNvSpPr>
+          <p:nvPr>
+            <p:ph idx="1"/>
+          </p:nvPr>
+        </p:nvSpPr>
+        <p:spPr/>
+        <p:txBody>
+          <a:bodyPr>
             <a:normAutofit/>
           </a:bodyPr>
           <a:lstStyle/>
@@ -19365,12 +20048,19 @@
         <p:spPr/>
         <p:txBody>
           <a:bodyPr>
-            <a:normAutofit fontScale="92500" lnSpcReduction="10000"/>
+            <a:normAutofit fontScale="92500" lnSpcReduction="20000"/>
           </a:bodyPr>
           <a:lstStyle/>
           <a:p>
             <a:r>
               <a:rPr lang="en-US" dirty="0" smtClean="0"/>
+              <a:t>Granular Security</a:t>
+            </a:r>
+          </a:p>
+          <a:p>
+            <a:pPr lvl="1"/>
+            <a:r>
+              <a:rPr lang="en-US" dirty="0" smtClean="0"/>
               <a:t>Object Level Security with Wildcards</a:t>
             </a:r>
           </a:p>
@@ -19409,19 +20099,19 @@
             <a:pPr lvl="1"/>
             <a:r>
               <a:rPr lang="en-US" dirty="0" smtClean="0"/>
-              <a:t>Redirects (301 Redirect)</a:t>
+              <a:t>Redirects (using 301 Redirects)</a:t>
             </a:r>
           </a:p>
           <a:p>
             <a:r>
               <a:rPr lang="en-US" dirty="0" smtClean="0"/>
-              <a:t>Supports Encryption of Objects in Transit (SSL)</a:t>
+              <a:t>AWS Provided Encryption of Objects in Transit (using SSL)</a:t>
             </a:r>
           </a:p>
           <a:p>
             <a:r>
               <a:rPr lang="en-US" dirty="0" smtClean="0"/>
-              <a:t>Supports Encryption of Objects at Rest</a:t>
+              <a:t>AWS Provided Encryption of Data at Rest</a:t>
             </a:r>
           </a:p>
         </p:txBody>
@@ -19488,6 +20178,101 @@
       </p:grpSpPr>
       <p:sp>
         <p:nvSpPr>
+          <p:cNvPr id="3" name="Content Placeholder 2"/>
+          <p:cNvSpPr>
+            <a:spLocks noGrp="1"/>
+          </p:cNvSpPr>
+          <p:nvPr>
+            <p:ph idx="1"/>
+          </p:nvPr>
+        </p:nvSpPr>
+        <p:spPr/>
+        <p:txBody>
+          <a:bodyPr>
+            <a:normAutofit fontScale="92500" lnSpcReduction="10000"/>
+          </a:bodyPr>
+          <a:lstStyle/>
+          <a:p>
+            <a:r>
+              <a:rPr lang="en-US" dirty="0" smtClean="0"/>
+              <a:t>S3 General Purpose</a:t>
+            </a:r>
+          </a:p>
+          <a:p>
+            <a:pPr lvl="1"/>
+            <a:r>
+              <a:rPr lang="en-US" dirty="0" smtClean="0"/>
+              <a:t>No Retrieval Fee</a:t>
+            </a:r>
+          </a:p>
+          <a:p>
+            <a:pPr lvl="1"/>
+            <a:r>
+              <a:rPr lang="en-US" dirty="0" smtClean="0"/>
+              <a:t>99.999999999% Durable (11 9s)</a:t>
+            </a:r>
+          </a:p>
+          <a:p>
+            <a:pPr lvl="1"/>
+            <a:r>
+              <a:rPr lang="en-US" dirty="0" smtClean="0"/>
+              <a:t>Use Case: General Storage, Frequently Accessed</a:t>
+            </a:r>
+          </a:p>
+          <a:p>
+            <a:r>
+              <a:rPr lang="en-US" dirty="0" smtClean="0"/>
+              <a:t>S3 Infrequent Access</a:t>
+            </a:r>
+          </a:p>
+          <a:p>
+            <a:pPr lvl="1"/>
+            <a:r>
+              <a:rPr lang="en-US" dirty="0" smtClean="0"/>
+              <a:t>Object Access is More Expensive than S3 General Purpose</a:t>
+            </a:r>
+          </a:p>
+          <a:p>
+            <a:pPr lvl="1"/>
+            <a:r>
+              <a:rPr lang="en-US" dirty="0" smtClean="0"/>
+              <a:t>Charged for 128 KB of storage regardless of object size</a:t>
+            </a:r>
+          </a:p>
+          <a:p>
+            <a:pPr lvl="1"/>
+            <a:r>
+              <a:rPr lang="en-US" dirty="0" smtClean="0"/>
+              <a:t>Immediate Retrieval</a:t>
+            </a:r>
+          </a:p>
+          <a:p>
+            <a:pPr lvl="1"/>
+            <a:r>
+              <a:rPr lang="en-US" dirty="0" smtClean="0"/>
+              <a:t>Retrieval Fee ($0.01 per GB as of December 2015)</a:t>
+            </a:r>
+          </a:p>
+          <a:p>
+            <a:pPr lvl="1"/>
+            <a:r>
+              <a:rPr lang="en-US" dirty="0" smtClean="0"/>
+              <a:t>Use Case: Infrequently Accessed Objects</a:t>
+            </a:r>
+          </a:p>
+          <a:p>
+            <a:endParaRPr lang="en-US" dirty="0" smtClean="0"/>
+          </a:p>
+          <a:p>
+            <a:pPr marL="301943" lvl="1" indent="0">
+              <a:buNone/>
+            </a:pPr>
+            <a:endParaRPr lang="en-US" dirty="0" smtClean="0"/>
+          </a:p>
+        </p:txBody>
+      </p:sp>
+      <p:sp>
+        <p:nvSpPr>
           <p:cNvPr id="2" name="Title 1"/>
           <p:cNvSpPr>
             <a:spLocks noGrp="1"/>
@@ -19503,86 +20288,7 @@
           <a:p>
             <a:r>
               <a:rPr lang="en-US" dirty="0" smtClean="0"/>
-              <a:t>S3: Benefits and Challenges</a:t>
-            </a:r>
-            <a:endParaRPr lang="en-US" dirty="0"/>
-          </a:p>
-        </p:txBody>
-      </p:sp>
-      <p:sp>
-        <p:nvSpPr>
-          <p:cNvPr id="3" name="Content Placeholder 2"/>
-          <p:cNvSpPr>
-            <a:spLocks noGrp="1"/>
-          </p:cNvSpPr>
-          <p:nvPr>
-            <p:ph sz="quarter" idx="13"/>
-          </p:nvPr>
-        </p:nvSpPr>
-        <p:spPr/>
-        <p:txBody>
-          <a:bodyPr>
-            <a:normAutofit/>
-          </a:bodyPr>
-          <a:lstStyle/>
-          <a:p>
-            <a:r>
-              <a:rPr lang="en-US" dirty="0" smtClean="0"/>
-              <a:t>Unlimited Storage</a:t>
-            </a:r>
-          </a:p>
-          <a:p>
-            <a:r>
-              <a:rPr lang="en-US" dirty="0" smtClean="0"/>
-              <a:t>Highly Available</a:t>
-            </a:r>
-          </a:p>
-          <a:p>
-            <a:pPr lvl="1"/>
-            <a:r>
-              <a:rPr lang="en-US" dirty="0" smtClean="0"/>
-              <a:t>Replicates across AZs by default</a:t>
-            </a:r>
-          </a:p>
-          <a:p>
-            <a:pPr lvl="1"/>
-            <a:r>
-              <a:rPr lang="en-US" dirty="0" smtClean="0"/>
-              <a:t>Replicates across Regions </a:t>
-            </a:r>
-          </a:p>
-          <a:p>
-            <a:r>
-              <a:rPr lang="en-US" dirty="0" smtClean="0"/>
-              <a:t>Fast to Setup and Easy to Maintain</a:t>
-            </a:r>
-          </a:p>
-        </p:txBody>
-      </p:sp>
-      <p:sp>
-        <p:nvSpPr>
-          <p:cNvPr id="4" name="Content Placeholder 3"/>
-          <p:cNvSpPr>
-            <a:spLocks noGrp="1"/>
-          </p:cNvSpPr>
-          <p:nvPr>
-            <p:ph sz="quarter" idx="14"/>
-          </p:nvPr>
-        </p:nvSpPr>
-        <p:spPr/>
-        <p:txBody>
-          <a:bodyPr/>
-          <a:lstStyle/>
-          <a:p>
-            <a:r>
-              <a:rPr lang="en-US" dirty="0" smtClean="0"/>
-              <a:t>Costs should be compared against competitors</a:t>
-            </a:r>
-          </a:p>
-          <a:p>
-            <a:r>
-              <a:rPr lang="en-US" dirty="0" smtClean="0"/>
-              <a:t>Performance can be unpredictable</a:t>
+              <a:t>S3: Storage Classes I</a:t>
             </a:r>
             <a:endParaRPr lang="en-US" dirty="0"/>
           </a:p>
@@ -19591,7 +20297,7 @@
     </p:spTree>
     <p:extLst>
       <p:ext uri="{BB962C8B-B14F-4D97-AF65-F5344CB8AC3E}">
-        <p14:creationId xmlns:p14="http://schemas.microsoft.com/office/powerpoint/2010/main" val="1764664372"/>
+        <p14:creationId xmlns:p14="http://schemas.microsoft.com/office/powerpoint/2010/main" val="1364517645"/>
       </p:ext>
     </p:extLst>
   </p:cSld>
@@ -19642,74 +20348,63 @@
           </a:bodyPr>
           <a:lstStyle/>
           <a:p>
-            <a:pPr marL="0" indent="0">
-              <a:buNone/>
-            </a:pPr>
             <a:r>
               <a:rPr lang="en-US" dirty="0" smtClean="0"/>
-              <a:t>The following is true for All Regions:</a:t>
-            </a:r>
+              <a:t>S3 Reduced Redundancy</a:t>
+            </a:r>
+          </a:p>
+          <a:p>
+            <a:pPr lvl="1"/>
+            <a:r>
+              <a:rPr lang="en-US" dirty="0" smtClean="0"/>
+              <a:t>99.99% Durable </a:t>
+            </a:r>
+          </a:p>
+          <a:p>
+            <a:pPr lvl="1"/>
+            <a:r>
+              <a:rPr lang="en-US" dirty="0" smtClean="0"/>
+              <a:t>Less Expensive than S3 General Purpose (~20% as of December 2015)</a:t>
+            </a:r>
+          </a:p>
+          <a:p>
+            <a:pPr lvl="1"/>
+            <a:r>
+              <a:rPr lang="en-US" dirty="0" smtClean="0"/>
+              <a:t>Use Case: Objects that can be Recreated, Objects that are Unimportant</a:t>
+            </a:r>
+            <a:endParaRPr lang="en-US" dirty="0" smtClean="0"/>
           </a:p>
           <a:p>
             <a:r>
               <a:rPr lang="en-US" dirty="0"/>
-              <a:t>PUT New </a:t>
+              <a:t>Glacier</a:t>
+            </a:r>
+          </a:p>
+          <a:p>
+            <a:pPr lvl="1"/>
+            <a:r>
+              <a:rPr lang="en-US" dirty="0"/>
+              <a:t>Retrieval typically within 3 to 5 hours, up to 24 hours</a:t>
+            </a:r>
+          </a:p>
+          <a:p>
+            <a:pPr lvl="1"/>
+            <a:r>
+              <a:rPr lang="en-US" dirty="0"/>
+              <a:t>Retrieval Fee if Restores Exceed 5% of Monthly Glacier Storage</a:t>
+            </a:r>
+          </a:p>
+          <a:p>
+            <a:pPr lvl="1"/>
+            <a:r>
+              <a:rPr lang="en-US" dirty="0"/>
+              <a:t>Use Case: Backups and </a:t>
             </a:r>
             <a:r>
               <a:rPr lang="en-US" dirty="0" smtClean="0"/>
-              <a:t>Objects:</a:t>
-            </a:r>
-          </a:p>
-          <a:p>
-            <a:pPr lvl="1"/>
-            <a:r>
-              <a:rPr lang="en-US" dirty="0" smtClean="0"/>
-              <a:t>New object will always be read</a:t>
-            </a:r>
-            <a:endParaRPr lang="en-US" dirty="0"/>
-          </a:p>
-          <a:p>
-            <a:pPr lvl="1"/>
-            <a:r>
-              <a:rPr lang="en-US" dirty="0" smtClean="0"/>
-              <a:t>Object may not be listed</a:t>
-            </a:r>
-          </a:p>
-          <a:p>
-            <a:pPr lvl="1"/>
-            <a:r>
-              <a:rPr lang="en-US" dirty="0" smtClean="0"/>
-              <a:t>AWS Documentation is inconsistent (</a:t>
-            </a:r>
-            <a:r>
-              <a:rPr lang="en-US" i="1" dirty="0" smtClean="0"/>
-              <a:t>November, 2015)</a:t>
-            </a:r>
-            <a:endParaRPr lang="en-US" dirty="0" smtClean="0"/>
-          </a:p>
-          <a:p>
-            <a:r>
-              <a:rPr lang="en-US" dirty="0" smtClean="0"/>
-              <a:t>Replace Object, Read Object – may result in read of previous object’s data</a:t>
-            </a:r>
-          </a:p>
-          <a:p>
-            <a:r>
-              <a:rPr lang="en-US" dirty="0" smtClean="0"/>
-              <a:t>Delete Object, Read Object – deleted object may be read</a:t>
-            </a:r>
-          </a:p>
-          <a:p>
-            <a:r>
-              <a:rPr lang="en-US" dirty="0" smtClean="0"/>
-              <a:t>Delete Object, List Objects – deleted object may show in list</a:t>
-            </a:r>
-            <a:endParaRPr lang="en-US" dirty="0"/>
-          </a:p>
-          <a:p>
-            <a:endParaRPr lang="en-US" dirty="0" smtClean="0"/>
-          </a:p>
-          <a:p>
+              <a:t>Archival</a:t>
+            </a:r>
             <a:endParaRPr lang="en-US" dirty="0" smtClean="0"/>
           </a:p>
         </p:txBody>
@@ -19731,7 +20426,7 @@
           <a:p>
             <a:r>
               <a:rPr lang="en-US" dirty="0" smtClean="0"/>
-              <a:t>S3: Eventual Consistency I</a:t>
+              <a:t>S3: Storage Classes II</a:t>
             </a:r>
             <a:endParaRPr lang="en-US" dirty="0"/>
           </a:p>
@@ -19740,7 +20435,7 @@
     </p:spTree>
     <p:extLst>
       <p:ext uri="{BB962C8B-B14F-4D97-AF65-F5344CB8AC3E}">
-        <p14:creationId xmlns:p14="http://schemas.microsoft.com/office/powerpoint/2010/main" val="376235361"/>
+        <p14:creationId xmlns:p14="http://schemas.microsoft.com/office/powerpoint/2010/main" val="1888190989"/>
       </p:ext>
     </p:extLst>
   </p:cSld>
@@ -19776,109 +20471,6 @@
       </p:grpSpPr>
       <p:sp>
         <p:nvSpPr>
-          <p:cNvPr id="3" name="Content Placeholder 2"/>
-          <p:cNvSpPr>
-            <a:spLocks noGrp="1"/>
-          </p:cNvSpPr>
-          <p:nvPr>
-            <p:ph idx="1"/>
-          </p:nvPr>
-        </p:nvSpPr>
-        <p:spPr/>
-        <p:txBody>
-          <a:bodyPr>
-            <a:normAutofit fontScale="92500" lnSpcReduction="20000"/>
-          </a:bodyPr>
-          <a:lstStyle/>
-          <a:p>
-            <a:r>
-              <a:rPr lang="en-US" dirty="0"/>
-              <a:t>Resource Based </a:t>
-            </a:r>
-            <a:r>
-              <a:rPr lang="en-US" dirty="0" smtClean="0"/>
-              <a:t>Policies:</a:t>
-            </a:r>
-          </a:p>
-          <a:p>
-            <a:pPr lvl="1"/>
-            <a:r>
-              <a:rPr lang="en-US" i="1" dirty="0" smtClean="0"/>
-              <a:t>Policies that are applied on a S3 Resource</a:t>
-            </a:r>
-          </a:p>
-          <a:p>
-            <a:pPr lvl="1"/>
-            <a:r>
-              <a:rPr lang="en-US" dirty="0" smtClean="0"/>
-              <a:t>Bucket Policy</a:t>
-            </a:r>
-          </a:p>
-          <a:p>
-            <a:pPr lvl="1"/>
-            <a:r>
-              <a:rPr lang="en-US" dirty="0" smtClean="0"/>
-              <a:t>Bucket ACL</a:t>
-            </a:r>
-          </a:p>
-          <a:p>
-            <a:pPr lvl="1"/>
-            <a:r>
-              <a:rPr lang="en-US" dirty="0" smtClean="0"/>
-              <a:t>Object ACL</a:t>
-            </a:r>
-          </a:p>
-          <a:p>
-            <a:r>
-              <a:rPr lang="en-US" dirty="0" smtClean="0"/>
-              <a:t>User Policies</a:t>
-            </a:r>
-          </a:p>
-          <a:p>
-            <a:pPr lvl="1"/>
-            <a:r>
-              <a:rPr lang="en-US" dirty="0" smtClean="0"/>
-              <a:t>Provided by IAM</a:t>
-            </a:r>
-            <a:endParaRPr lang="en-US" i="1" dirty="0" smtClean="0"/>
-          </a:p>
-          <a:p>
-            <a:pPr lvl="1"/>
-            <a:r>
-              <a:rPr lang="en-US" i="1" dirty="0" smtClean="0"/>
-              <a:t>Rights that </a:t>
-            </a:r>
-            <a:r>
-              <a:rPr lang="en-US" i="1" dirty="0"/>
-              <a:t>are </a:t>
-            </a:r>
-            <a:r>
-              <a:rPr lang="en-US" i="1" dirty="0" smtClean="0"/>
-              <a:t>applied to a User or Group Resource</a:t>
-            </a:r>
-            <a:endParaRPr lang="en-US" dirty="0" smtClean="0"/>
-          </a:p>
-          <a:p>
-            <a:r>
-              <a:rPr lang="en-US" dirty="0" smtClean="0"/>
-              <a:t>Not Covered</a:t>
-            </a:r>
-          </a:p>
-          <a:p>
-            <a:pPr lvl="1"/>
-            <a:r>
-              <a:rPr lang="en-US" dirty="0" smtClean="0"/>
-              <a:t>Cross-Account Access</a:t>
-            </a:r>
-            <a:endParaRPr lang="en-US" dirty="0"/>
-          </a:p>
-          <a:p>
-            <a:endParaRPr lang="en-US" dirty="0" smtClean="0"/>
-          </a:p>
-        </p:txBody>
-      </p:sp>
-      <p:sp>
-        <p:nvSpPr>
           <p:cNvPr id="2" name="Title 1"/>
           <p:cNvSpPr>
             <a:spLocks noGrp="1"/>
@@ -19889,21 +20481,99 @@
         </p:nvSpPr>
         <p:spPr/>
         <p:txBody>
+          <a:bodyPr/>
+          <a:lstStyle/>
+          <a:p>
+            <a:r>
+              <a:rPr lang="en-US" dirty="0" smtClean="0"/>
+              <a:t>S3: Benefits and Challenges</a:t>
+            </a:r>
+            <a:endParaRPr lang="en-US" dirty="0"/>
+          </a:p>
+        </p:txBody>
+      </p:sp>
+      <p:sp>
+        <p:nvSpPr>
+          <p:cNvPr id="3" name="Content Placeholder 2"/>
+          <p:cNvSpPr>
+            <a:spLocks noGrp="1"/>
+          </p:cNvSpPr>
+          <p:nvPr>
+            <p:ph sz="quarter" idx="13"/>
+          </p:nvPr>
+        </p:nvSpPr>
+        <p:spPr/>
+        <p:txBody>
           <a:bodyPr>
-            <a:normAutofit fontScale="90000"/>
+            <a:normAutofit/>
           </a:bodyPr>
           <a:lstStyle/>
           <a:p>
             <a:r>
               <a:rPr lang="en-US" dirty="0" smtClean="0"/>
-              <a:t>S3: Access</a:t>
-            </a:r>
-            <a:br>
+              <a:t>Unlimited Storage</a:t>
+            </a:r>
+          </a:p>
+          <a:p>
+            <a:r>
               <a:rPr lang="en-US" dirty="0" smtClean="0"/>
-            </a:br>
+              <a:t>Highly Available</a:t>
+            </a:r>
+          </a:p>
+          <a:p>
+            <a:pPr lvl="1"/>
             <a:r>
               <a:rPr lang="en-US" dirty="0" smtClean="0"/>
-              <a:t>Policies, ACLs and IAM, Oh My!</a:t>
+              <a:t>Always replicates objects across AZs by default</a:t>
+            </a:r>
+          </a:p>
+          <a:p>
+            <a:pPr lvl="1"/>
+            <a:r>
+              <a:rPr lang="en-US" dirty="0" smtClean="0"/>
+              <a:t>Optionally replicates objects across Regions </a:t>
+            </a:r>
+          </a:p>
+          <a:p>
+            <a:r>
+              <a:rPr lang="en-US" dirty="0" smtClean="0"/>
+              <a:t>Fast to Setup and Easy to Maintain</a:t>
+            </a:r>
+          </a:p>
+        </p:txBody>
+      </p:sp>
+      <p:sp>
+        <p:nvSpPr>
+          <p:cNvPr id="4" name="Content Placeholder 3"/>
+          <p:cNvSpPr>
+            <a:spLocks noGrp="1"/>
+          </p:cNvSpPr>
+          <p:nvPr>
+            <p:ph sz="quarter" idx="14"/>
+          </p:nvPr>
+        </p:nvSpPr>
+        <p:spPr/>
+        <p:txBody>
+          <a:bodyPr/>
+          <a:lstStyle/>
+          <a:p>
+            <a:r>
+              <a:rPr lang="en-US" smtClean="0"/>
+              <a:t>S3 </a:t>
+            </a:r>
+            <a:r>
+              <a:rPr lang="en-US" smtClean="0"/>
+              <a:t>Costs: should </a:t>
+            </a:r>
+            <a:r>
+              <a:rPr lang="en-US" dirty="0" smtClean="0"/>
+              <a:t>be compared against competitors</a:t>
+            </a:r>
+          </a:p>
+          <a:p>
+            <a:r>
+              <a:rPr lang="en-US" dirty="0" smtClean="0"/>
+              <a:t>Performance can be unpredictable</a:t>
             </a:r>
             <a:endParaRPr lang="en-US" dirty="0"/>
           </a:p>
@@ -19912,7 +20582,7 @@
     </p:spTree>
     <p:extLst>
       <p:ext uri="{BB962C8B-B14F-4D97-AF65-F5344CB8AC3E}">
-        <p14:creationId xmlns:p14="http://schemas.microsoft.com/office/powerpoint/2010/main" val="1902776928"/>
+        <p14:creationId xmlns:p14="http://schemas.microsoft.com/office/powerpoint/2010/main" val="1764664372"/>
       </p:ext>
     </p:extLst>
   </p:cSld>
@@ -19959,93 +20629,75 @@
         <p:spPr/>
         <p:txBody>
           <a:bodyPr>
-            <a:normAutofit fontScale="92500" lnSpcReduction="10000"/>
+            <a:normAutofit fontScale="92500" lnSpcReduction="20000"/>
           </a:bodyPr>
           <a:lstStyle/>
           <a:p>
+            <a:pPr marL="0" indent="0">
+              <a:buNone/>
+            </a:pPr>
             <a:r>
               <a:rPr lang="en-US" dirty="0" smtClean="0"/>
-              <a:t>“User Policy” - applied to a user, group or resource that can assume a role</a:t>
+              <a:t>The following is true for All Regions:</a:t>
             </a:r>
           </a:p>
           <a:p>
             <a:r>
               <a:rPr lang="en-US" dirty="0"/>
-              <a:t>Written in </a:t>
+              <a:t>PUT New </a:t>
             </a:r>
             <a:r>
               <a:rPr lang="en-US" dirty="0" smtClean="0"/>
-              <a:t>JSON</a:t>
-            </a:r>
-          </a:p>
-          <a:p>
+              <a:t>Objects:</a:t>
+            </a:r>
+          </a:p>
+          <a:p>
+            <a:pPr lvl="1"/>
             <a:r>
               <a:rPr lang="en-US" dirty="0" smtClean="0"/>
-              <a:t>Granularity:</a:t>
-            </a:r>
+              <a:t>Subsequent reads will always return object</a:t>
+            </a:r>
+            <a:endParaRPr lang="en-US" dirty="0"/>
           </a:p>
           <a:p>
             <a:pPr lvl="1"/>
             <a:r>
               <a:rPr lang="en-US" dirty="0" smtClean="0"/>
-              <a:t>Control Specific Actions at an Object Level (example: allow write of object named: s3://</a:t>
-            </a:r>
-            <a:r>
-              <a:rPr lang="en-US" dirty="0" err="1" smtClean="0"/>
-              <a:t>mybucket</a:t>
-            </a:r>
+              <a:t>Subsequent object may not be presented as result of “list” operation</a:t>
+            </a:r>
+          </a:p>
+          <a:p>
+            <a:pPr lvl="1"/>
             <a:r>
               <a:rPr lang="en-US" dirty="0" smtClean="0"/>
-              <a:t>/</a:t>
-            </a:r>
-            <a:r>
-              <a:rPr lang="en-US" dirty="0" err="1" smtClean="0"/>
-              <a:t>test.txt</a:t>
-            </a:r>
+              <a:t>AWS Documentation is inconsistent (</a:t>
+            </a:r>
+            <a:r>
+              <a:rPr lang="en-US" i="1" dirty="0" smtClean="0"/>
+              <a:t>November, 2015)</a:t>
+            </a:r>
+            <a:endParaRPr lang="en-US" dirty="0" smtClean="0"/>
+          </a:p>
+          <a:p>
             <a:r>
               <a:rPr lang="en-US" dirty="0" smtClean="0"/>
-              <a:t>)</a:t>
+              <a:t>Replace Object, Read Object – may result in read of previous object</a:t>
             </a:r>
           </a:p>
           <a:p>
             <a:r>
               <a:rPr lang="en-US" dirty="0" smtClean="0"/>
-              <a:t>Scope:</a:t>
-            </a:r>
-          </a:p>
-          <a:p>
-            <a:pPr lvl="1"/>
-            <a:r>
-              <a:rPr lang="en-US" dirty="0"/>
-              <a:t>Can only grant access to the </a:t>
-            </a:r>
+              <a:t>Delete Object, Read Object – deleted object may be read</a:t>
+            </a:r>
+          </a:p>
+          <a:p>
             <a:r>
               <a:rPr lang="en-US" dirty="0" smtClean="0"/>
-              <a:t>user/group </a:t>
-            </a:r>
-            <a:r>
-              <a:rPr lang="en-US" dirty="0"/>
-              <a:t>the policy is applied </a:t>
-            </a:r>
-            <a:r>
-              <a:rPr lang="en-US" dirty="0" smtClean="0"/>
-              <a:t>to</a:t>
-            </a:r>
-          </a:p>
-          <a:p>
-            <a:pPr lvl="1"/>
-            <a:r>
-              <a:rPr lang="en-US" dirty="0" smtClean="0"/>
-              <a:t>Can </a:t>
-            </a:r>
-            <a:r>
-              <a:rPr lang="en-US" dirty="0"/>
-              <a:t>not grant anonymous </a:t>
-            </a:r>
-            <a:r>
-              <a:rPr lang="en-US" dirty="0" smtClean="0"/>
-              <a:t>access</a:t>
-            </a:r>
+              <a:t>Delete Object, List Objects – deleted object may presented as result of list operation</a:t>
+            </a:r>
+          </a:p>
+          <a:p>
+            <a:endParaRPr lang="en-US" dirty="0" smtClean="0"/>
           </a:p>
         </p:txBody>
       </p:sp>
@@ -20061,14 +20713,12 @@
         </p:nvSpPr>
         <p:spPr/>
         <p:txBody>
-          <a:bodyPr>
-            <a:normAutofit/>
-          </a:bodyPr>
+          <a:bodyPr/>
           <a:lstStyle/>
           <a:p>
             <a:r>
               <a:rPr lang="en-US" dirty="0" smtClean="0"/>
-              <a:t>S3: IAM Access</a:t>
+              <a:t>S3: Eventual Consistency I</a:t>
             </a:r>
             <a:endParaRPr lang="en-US" dirty="0"/>
           </a:p>
@@ -20077,7 +20727,7 @@
     </p:spTree>
     <p:extLst>
       <p:ext uri="{BB962C8B-B14F-4D97-AF65-F5344CB8AC3E}">
-        <p14:creationId xmlns:p14="http://schemas.microsoft.com/office/powerpoint/2010/main" val="106734723"/>
+        <p14:creationId xmlns:p14="http://schemas.microsoft.com/office/powerpoint/2010/main" val="376235361"/>
       </p:ext>
     </p:extLst>
   </p:cSld>
@@ -20111,34 +20761,109 @@
           <a:chExt cx="0" cy="0"/>
         </a:xfrm>
       </p:grpSpPr>
-      <p:pic>
-        <p:nvPicPr>
-          <p:cNvPr id="4" name="Content Placeholder 3" descr="s3-iam-policy-example.png"/>
-          <p:cNvPicPr>
-            <a:picLocks noGrp="1" noChangeAspect="1"/>
-          </p:cNvPicPr>
+      <p:sp>
+        <p:nvSpPr>
+          <p:cNvPr id="3" name="Content Placeholder 2"/>
+          <p:cNvSpPr>
+            <a:spLocks noGrp="1"/>
+          </p:cNvSpPr>
           <p:nvPr>
             <p:ph idx="1"/>
           </p:nvPr>
-        </p:nvPicPr>
-        <p:blipFill rotWithShape="1">
-          <a:blip r:embed="rId3" cstate="print">
-            <a:extLst>
-              <a:ext uri="{28A0092B-C50C-407E-A947-70E740481C1C}">
-                <a14:useLocalDpi xmlns:a14="http://schemas.microsoft.com/office/drawing/2010/main" val="0"/>
-              </a:ext>
-            </a:extLst>
-          </a:blip>
-          <a:srcRect t="1756" b="16012"/>
-          <a:stretch/>
-        </p:blipFill>
-        <p:spPr>
-          <a:xfrm>
-            <a:off x="160540" y="1591056"/>
-            <a:ext cx="8983460" cy="5061813"/>
-          </a:xfrm>
-        </p:spPr>
-      </p:pic>
+        </p:nvSpPr>
+        <p:spPr/>
+        <p:txBody>
+          <a:bodyPr>
+            <a:normAutofit fontScale="92500" lnSpcReduction="20000"/>
+          </a:bodyPr>
+          <a:lstStyle/>
+          <a:p>
+            <a:r>
+              <a:rPr lang="en-US" dirty="0"/>
+              <a:t>Resource Based </a:t>
+            </a:r>
+            <a:r>
+              <a:rPr lang="en-US" dirty="0" smtClean="0"/>
+              <a:t>Policies:</a:t>
+            </a:r>
+          </a:p>
+          <a:p>
+            <a:pPr lvl="1"/>
+            <a:r>
+              <a:rPr lang="en-US" i="1" dirty="0" smtClean="0"/>
+              <a:t>Policies that are applied on S3 Resources</a:t>
+            </a:r>
+          </a:p>
+          <a:p>
+            <a:pPr lvl="1"/>
+            <a:r>
+              <a:rPr lang="en-US" dirty="0" smtClean="0"/>
+              <a:t>Bucket Policies</a:t>
+            </a:r>
+          </a:p>
+          <a:p>
+            <a:pPr lvl="1"/>
+            <a:r>
+              <a:rPr lang="en-US" dirty="0" smtClean="0"/>
+              <a:t>Bucket ACLs</a:t>
+            </a:r>
+          </a:p>
+          <a:p>
+            <a:pPr lvl="1"/>
+            <a:r>
+              <a:rPr lang="en-US" dirty="0" smtClean="0"/>
+              <a:t>Object ACLs</a:t>
+            </a:r>
+          </a:p>
+          <a:p>
+            <a:r>
+              <a:rPr lang="en-US" dirty="0" smtClean="0"/>
+              <a:t>User Policies</a:t>
+            </a:r>
+          </a:p>
+          <a:p>
+            <a:pPr lvl="1"/>
+            <a:r>
+              <a:rPr lang="en-US" dirty="0" smtClean="0"/>
+              <a:t>Provided by IAM</a:t>
+            </a:r>
+            <a:endParaRPr lang="en-US" i="1" dirty="0" smtClean="0"/>
+          </a:p>
+          <a:p>
+            <a:pPr lvl="1"/>
+            <a:r>
+              <a:rPr lang="en-US" i="1" dirty="0" smtClean="0"/>
+              <a:t>Rights that </a:t>
+            </a:r>
+            <a:r>
+              <a:rPr lang="en-US" i="1" dirty="0"/>
+              <a:t>are </a:t>
+            </a:r>
+            <a:r>
+              <a:rPr lang="en-US" i="1" dirty="0" smtClean="0"/>
+              <a:t>applied to a User or Group Resource</a:t>
+            </a:r>
+            <a:endParaRPr lang="en-US" dirty="0" smtClean="0"/>
+          </a:p>
+          <a:p>
+            <a:r>
+              <a:rPr lang="en-US" dirty="0" smtClean="0"/>
+              <a:t>Not Covered</a:t>
+            </a:r>
+          </a:p>
+          <a:p>
+            <a:pPr lvl="1"/>
+            <a:r>
+              <a:rPr lang="en-US" dirty="0" smtClean="0"/>
+              <a:t>Cross-Account Access</a:t>
+            </a:r>
+            <a:endParaRPr lang="en-US" dirty="0"/>
+          </a:p>
+          <a:p>
+            <a:endParaRPr lang="en-US" dirty="0" smtClean="0"/>
+          </a:p>
+        </p:txBody>
+      </p:sp>
       <p:sp>
         <p:nvSpPr>
           <p:cNvPr id="2" name="Title 1"/>
@@ -20152,13 +20877,20 @@
         <p:spPr/>
         <p:txBody>
           <a:bodyPr>
-            <a:normAutofit/>
+            <a:normAutofit fontScale="90000"/>
           </a:bodyPr>
           <a:lstStyle/>
           <a:p>
             <a:r>
               <a:rPr lang="en-US" dirty="0" smtClean="0"/>
-              <a:t>S3: IAM Access</a:t>
+              <a:t>S3: Access</a:t>
+            </a:r>
+            <a:br>
+              <a:rPr lang="en-US" dirty="0" smtClean="0"/>
+            </a:br>
+            <a:r>
+              <a:rPr lang="en-US" dirty="0" smtClean="0"/>
+              <a:t>Policies, ACLs and IAM, Oh My!</a:t>
             </a:r>
             <a:endParaRPr lang="en-US" dirty="0"/>
           </a:p>
@@ -20167,7 +20899,7 @@
     </p:spTree>
     <p:extLst>
       <p:ext uri="{BB962C8B-B14F-4D97-AF65-F5344CB8AC3E}">
-        <p14:creationId xmlns:p14="http://schemas.microsoft.com/office/powerpoint/2010/main" val="1881562493"/>
+        <p14:creationId xmlns:p14="http://schemas.microsoft.com/office/powerpoint/2010/main" val="1902776928"/>
       </p:ext>
     </p:extLst>
   </p:cSld>
@@ -20214,23 +20946,23 @@
         <p:spPr/>
         <p:txBody>
           <a:bodyPr>
-            <a:normAutofit fontScale="77500" lnSpcReduction="20000"/>
+            <a:normAutofit fontScale="92500" lnSpcReduction="10000"/>
           </a:bodyPr>
           <a:lstStyle/>
           <a:p>
             <a:r>
+              <a:rPr lang="en-US" dirty="0" smtClean="0"/>
+              <a:t>IAM is a “User Policy” - applied to a user, group or resource that can assume a role</a:t>
+            </a:r>
+          </a:p>
+          <a:p>
+            <a:r>
               <a:rPr lang="en-US" dirty="0"/>
-              <a:t>Considered a “Resource Policy” because assigned to </a:t>
+              <a:t>Written in </a:t>
             </a:r>
             <a:r>
               <a:rPr lang="en-US" dirty="0" smtClean="0"/>
-              <a:t>an S3 resource</a:t>
-            </a:r>
-          </a:p>
-          <a:p>
-            <a:r>
-              <a:rPr lang="en-US" dirty="0" smtClean="0"/>
-              <a:t>Written in JSON</a:t>
+              <a:t>JSON</a:t>
             </a:r>
           </a:p>
           <a:p>
@@ -20242,19 +20974,19 @@
           <a:p>
             <a:pPr lvl="1"/>
             <a:r>
-              <a:rPr lang="en-US" dirty="0"/>
+              <a:rPr lang="en-US" dirty="0" smtClean="0"/>
               <a:t>Control Specific Actions at an Object Level (example: allow write of object named: s3://</a:t>
             </a:r>
             <a:r>
-              <a:rPr lang="en-US" dirty="0" err="1"/>
+              <a:rPr lang="en-US" dirty="0" err="1" smtClean="0"/>
               <a:t>mybucket</a:t>
             </a:r>
             <a:r>
-              <a:rPr lang="en-US" dirty="0"/>
+              <a:rPr lang="en-US" dirty="0" smtClean="0"/>
               <a:t>/</a:t>
             </a:r>
             <a:r>
-              <a:rPr lang="en-US" dirty="0" err="1"/>
+              <a:rPr lang="en-US" dirty="0" err="1" smtClean="0"/>
               <a:t>test.txt</a:t>
             </a:r>
             <a:r>
@@ -20271,42 +21003,35 @@
           <a:p>
             <a:pPr lvl="1"/>
             <a:r>
+              <a:rPr lang="en-US" dirty="0"/>
+              <a:t>Can only grant access to the </a:t>
+            </a:r>
+            <a:r>
               <a:rPr lang="en-US" dirty="0" smtClean="0"/>
-              <a:t>Can grant anonymous access</a:t>
+              <a:t>user/group </a:t>
+            </a:r>
+            <a:r>
+              <a:rPr lang="en-US" dirty="0"/>
+              <a:t>the policy is applied </a:t>
+            </a:r>
+            <a:r>
+              <a:rPr lang="en-US" dirty="0" smtClean="0"/>
+              <a:t>to</a:t>
             </a:r>
           </a:p>
           <a:p>
             <a:pPr lvl="1"/>
             <a:r>
               <a:rPr lang="en-US" dirty="0" smtClean="0"/>
-              <a:t>Can grant access to any ARN Resource</a:t>
-            </a:r>
-          </a:p>
-          <a:p>
-            <a:pPr lvl="1"/>
+              <a:t>Can </a:t>
+            </a:r>
+            <a:r>
+              <a:rPr lang="en-US" dirty="0"/>
+              <a:t>not grant anonymous </a:t>
+            </a:r>
             <a:r>
               <a:rPr lang="en-US" dirty="0" smtClean="0"/>
-              <a:t>Can grant access by other attributes, such as IP address</a:t>
-            </a:r>
-          </a:p>
-          <a:p>
-            <a:pPr lvl="1"/>
-            <a:r>
-              <a:rPr lang="en-US" dirty="0" smtClean="0"/>
-              <a:t>Is inherited by objects within bucket</a:t>
-            </a:r>
-          </a:p>
-          <a:p>
-            <a:r>
-              <a:rPr lang="en-US" dirty="0" smtClean="0"/>
-              <a:t>Typical Use:</a:t>
-            </a:r>
-          </a:p>
-          <a:p>
-            <a:pPr lvl="1"/>
-            <a:r>
-              <a:rPr lang="en-US" dirty="0" smtClean="0"/>
-              <a:t>Apply sweeping changes to entire bucket</a:t>
+              <a:t>access</a:t>
             </a:r>
           </a:p>
         </p:txBody>
@@ -20330,7 +21055,7 @@
           <a:p>
             <a:r>
               <a:rPr lang="en-US" dirty="0" smtClean="0"/>
-              <a:t>S3: Bucket Policy</a:t>
+              <a:t>S3: IAM Access</a:t>
             </a:r>
             <a:endParaRPr lang="en-US" dirty="0"/>
           </a:p>
@@ -20339,7 +21064,7 @@
     </p:spTree>
     <p:extLst>
       <p:ext uri="{BB962C8B-B14F-4D97-AF65-F5344CB8AC3E}">
-        <p14:creationId xmlns:p14="http://schemas.microsoft.com/office/powerpoint/2010/main" val="420447228"/>
+        <p14:creationId xmlns:p14="http://schemas.microsoft.com/office/powerpoint/2010/main" val="106734723"/>
       </p:ext>
     </p:extLst>
   </p:cSld>
